--- a/final_project/影像辨識 final_project.pptx
+++ b/final_project/影像辨識 final_project.pptx
@@ -3565,7 +3565,7 @@
         </p:spPr>
         <p:txBody>
           <a:bodyPr>
-            <a:normAutofit fontScale="92500" lnSpcReduction="20000"/>
+            <a:normAutofit fontScale="85000" lnSpcReduction="20000"/>
           </a:bodyPr>
           <a:lstStyle/>
           <a:p>
@@ -3595,19 +3595,53 @@
               <a:t>	</a:t>
             </a:r>
             <a:r>
+              <a:rPr lang="zh-TW" altLang="en-US" dirty="0">
+                <a:latin typeface="標楷體" panose="03000509000000000000" pitchFamily="65" charset="-120"/>
+                <a:ea typeface="標楷體" panose="03000509000000000000" pitchFamily="65" charset="-120"/>
+              </a:rPr>
+              <a:t>鏡頭向下拍攝桌上的點餐卡</a:t>
+            </a:r>
+            <a:endParaRPr lang="en-US" altLang="zh-TW" dirty="0">
+              <a:latin typeface="標楷體" panose="03000509000000000000" pitchFamily="65" charset="-120"/>
+              <a:ea typeface="標楷體" panose="03000509000000000000" pitchFamily="65" charset="-120"/>
+            </a:endParaRPr>
+          </a:p>
+          <a:p>
+            <a:pPr algn="l"/>
+            <a:r>
               <a:rPr lang="en-US" altLang="zh-TW" dirty="0">
-                <a:latin typeface="Times New Roman" panose="02020603050405020304" pitchFamily="18" charset="0"/>
-                <a:ea typeface="標楷體" panose="03000509000000000000" pitchFamily="65" charset="-120"/>
-                <a:cs typeface="Times New Roman" panose="02020603050405020304" pitchFamily="18" charset="0"/>
-              </a:rPr>
-              <a:t>Use cases:</a:t>
+                <a:latin typeface="標楷體" panose="03000509000000000000" pitchFamily="65" charset="-120"/>
+                <a:ea typeface="標楷體" panose="03000509000000000000" pitchFamily="65" charset="-120"/>
+              </a:rPr>
+              <a:t>	</a:t>
             </a:r>
             <a:r>
               <a:rPr lang="zh-TW" altLang="en-US" dirty="0">
                 <a:latin typeface="標楷體" panose="03000509000000000000" pitchFamily="65" charset="-120"/>
                 <a:ea typeface="標楷體" panose="03000509000000000000" pitchFamily="65" charset="-120"/>
               </a:rPr>
-              <a:t>辨識點餐卡並計算金額</a:t>
+              <a:t>手持手機拍攝</a:t>
+            </a:r>
+            <a:endParaRPr lang="en-US" altLang="zh-TW" dirty="0">
+              <a:latin typeface="標楷體" panose="03000509000000000000" pitchFamily="65" charset="-120"/>
+              <a:ea typeface="標楷體" panose="03000509000000000000" pitchFamily="65" charset="-120"/>
+            </a:endParaRPr>
+          </a:p>
+          <a:p>
+            <a:pPr algn="l"/>
+            <a:r>
+              <a:rPr lang="en-US" altLang="zh-TW" dirty="0">
+                <a:latin typeface="標楷體" panose="03000509000000000000" pitchFamily="65" charset="-120"/>
+                <a:ea typeface="標楷體" panose="03000509000000000000" pitchFamily="65" charset="-120"/>
+              </a:rPr>
+              <a:t>	</a:t>
+            </a:r>
+            <a:r>
+              <a:rPr lang="zh-TW" altLang="en-US" dirty="0">
+                <a:latin typeface="標楷體" panose="03000509000000000000" pitchFamily="65" charset="-120"/>
+                <a:ea typeface="標楷體" panose="03000509000000000000" pitchFamily="65" charset="-120"/>
+              </a:rPr>
+              <a:t>計算總金額</a:t>
             </a:r>
             <a:endParaRPr lang="en-US" altLang="zh-TW" dirty="0">
               <a:latin typeface="標楷體" panose="03000509000000000000" pitchFamily="65" charset="-120"/>
@@ -3911,54 +3945,89 @@
                 <a:latin typeface="標楷體" panose="03000509000000000000" pitchFamily="65" charset="-120"/>
                 <a:ea typeface="標楷體" panose="03000509000000000000" pitchFamily="65" charset="-120"/>
               </a:rPr>
+              <a:t>:WIFI</a:t>
+            </a:r>
+            <a:r>
+              <a:rPr lang="zh-TW" altLang="en-US" dirty="0">
+                <a:latin typeface="標楷體" panose="03000509000000000000" pitchFamily="65" charset="-120"/>
+                <a:ea typeface="標楷體" panose="03000509000000000000" pitchFamily="65" charset="-120"/>
+              </a:rPr>
+              <a:t>傳輸照片到電腦</a:t>
+            </a:r>
+            <a:endParaRPr lang="en-US" altLang="zh-TW" dirty="0">
+              <a:latin typeface="Times New Roman" panose="02020603050405020304" pitchFamily="18" charset="0"/>
+              <a:ea typeface="標楷體" panose="03000509000000000000" pitchFamily="65" charset="-120"/>
+              <a:cs typeface="Times New Roman" panose="02020603050405020304" pitchFamily="18" charset="0"/>
+            </a:endParaRPr>
+          </a:p>
+          <a:p>
+            <a:pPr algn="l"/>
+            <a:r>
+              <a:rPr lang="zh-TW" altLang="en-US" dirty="0">
+                <a:latin typeface="標楷體" panose="03000509000000000000" pitchFamily="65" charset="-120"/>
+                <a:ea typeface="標楷體" panose="03000509000000000000" pitchFamily="65" charset="-120"/>
+              </a:rPr>
+              <a:t>限制</a:t>
+            </a:r>
+            <a:r>
+              <a:rPr lang="en-US" altLang="zh-TW" dirty="0">
+                <a:latin typeface="標楷體" panose="03000509000000000000" pitchFamily="65" charset="-120"/>
+                <a:ea typeface="標楷體" panose="03000509000000000000" pitchFamily="65" charset="-120"/>
+              </a:rPr>
               <a:t>:</a:t>
             </a:r>
+          </a:p>
+          <a:p>
+            <a:pPr algn="l"/>
             <a:r>
               <a:rPr lang="en-US" altLang="zh-TW" dirty="0">
-                <a:latin typeface="Times New Roman" panose="02020603050405020304" pitchFamily="18" charset="0"/>
-                <a:ea typeface="標楷體" panose="03000509000000000000" pitchFamily="65" charset="-120"/>
-                <a:cs typeface="Times New Roman" panose="02020603050405020304" pitchFamily="18" charset="0"/>
-              </a:rPr>
-              <a:t>API</a:t>
-            </a:r>
-          </a:p>
-          <a:p>
-            <a:pPr algn="l"/>
+                <a:latin typeface="標楷體" panose="03000509000000000000" pitchFamily="65" charset="-120"/>
+                <a:ea typeface="標楷體" panose="03000509000000000000" pitchFamily="65" charset="-120"/>
+              </a:rPr>
+              <a:t>	</a:t>
+            </a:r>
             <a:r>
               <a:rPr lang="zh-TW" altLang="en-US" dirty="0">
                 <a:latin typeface="標楷體" panose="03000509000000000000" pitchFamily="65" charset="-120"/>
                 <a:ea typeface="標楷體" panose="03000509000000000000" pitchFamily="65" charset="-120"/>
               </a:rPr>
-              <a:t>限制</a:t>
+              <a:t>正字劃記、手機拍攝角度約</a:t>
             </a:r>
             <a:r>
               <a:rPr lang="en-US" altLang="zh-TW" dirty="0">
                 <a:latin typeface="標楷體" panose="03000509000000000000" pitchFamily="65" charset="-120"/>
                 <a:ea typeface="標楷體" panose="03000509000000000000" pitchFamily="65" charset="-120"/>
               </a:rPr>
-              <a:t>:</a:t>
-            </a:r>
-          </a:p>
-          <a:p>
-            <a:pPr algn="l"/>
+              <a:t>90</a:t>
+            </a:r>
+            <a:r>
+              <a:rPr lang="zh-TW" altLang="en-US" dirty="0">
+                <a:latin typeface="標楷體" panose="03000509000000000000" pitchFamily="65" charset="-120"/>
+                <a:ea typeface="標楷體" panose="03000509000000000000" pitchFamily="65" charset="-120"/>
+              </a:rPr>
+              <a:t>度、光影變化</a:t>
+            </a:r>
             <a:r>
               <a:rPr lang="en-US" altLang="zh-TW" dirty="0">
                 <a:latin typeface="標楷體" panose="03000509000000000000" pitchFamily="65" charset="-120"/>
                 <a:ea typeface="標楷體" panose="03000509000000000000" pitchFamily="65" charset="-120"/>
               </a:rPr>
-              <a:t>	</a:t>
+              <a:t>(</a:t>
             </a:r>
             <a:r>
               <a:rPr lang="zh-TW" altLang="en-US" dirty="0">
                 <a:latin typeface="標楷體" panose="03000509000000000000" pitchFamily="65" charset="-120"/>
                 <a:ea typeface="標楷體" panose="03000509000000000000" pitchFamily="65" charset="-120"/>
               </a:rPr>
-              <a:t>正字劃記、單一版本</a:t>
-            </a:r>
-            <a:endParaRPr lang="en-US" altLang="zh-TW" dirty="0">
-              <a:latin typeface="標楷體" panose="03000509000000000000" pitchFamily="65" charset="-120"/>
-              <a:ea typeface="標楷體" panose="03000509000000000000" pitchFamily="65" charset="-120"/>
-            </a:endParaRPr>
+              <a:t>恆亮、不閃爍</a:t>
+            </a:r>
+            <a:r>
+              <a:rPr lang="en-US" altLang="zh-TW" dirty="0">
+                <a:latin typeface="標楷體" panose="03000509000000000000" pitchFamily="65" charset="-120"/>
+                <a:ea typeface="標楷體" panose="03000509000000000000" pitchFamily="65" charset="-120"/>
+              </a:rPr>
+              <a:t>)</a:t>
+            </a:r>
           </a:p>
           <a:p>
             <a:pPr algn="l"/>
@@ -4085,7 +4154,7 @@
         </p:nvSpPr>
         <p:spPr>
           <a:xfrm>
-            <a:off x="5397028" y="2024156"/>
+            <a:off x="4891483" y="2041912"/>
             <a:ext cx="1338828" cy="369332"/>
           </a:xfrm>
           <a:prstGeom prst="rect">
@@ -4128,7 +4197,7 @@
         </p:nvSpPr>
         <p:spPr>
           <a:xfrm>
-            <a:off x="2235191" y="3059668"/>
+            <a:off x="515034" y="3034498"/>
             <a:ext cx="646331" cy="369332"/>
           </a:xfrm>
           <a:prstGeom prst="rect">
@@ -4171,7 +4240,7 @@
         </p:nvSpPr>
         <p:spPr>
           <a:xfrm>
-            <a:off x="5627861" y="3066019"/>
+            <a:off x="5122316" y="3083775"/>
             <a:ext cx="877163" cy="369332"/>
           </a:xfrm>
           <a:prstGeom prst="rect">
@@ -4214,7 +4283,7 @@
         </p:nvSpPr>
         <p:spPr>
           <a:xfrm>
-            <a:off x="8907228" y="3144378"/>
+            <a:off x="9301463" y="3144378"/>
             <a:ext cx="877163" cy="369332"/>
           </a:xfrm>
           <a:prstGeom prst="rect">
@@ -4257,7 +4326,7 @@
         </p:nvSpPr>
         <p:spPr>
           <a:xfrm>
-            <a:off x="8791812" y="4696352"/>
+            <a:off x="9186048" y="4700929"/>
             <a:ext cx="1107996" cy="369332"/>
           </a:xfrm>
           <a:prstGeom prst="rect">
@@ -4300,7 +4369,7 @@
         </p:nvSpPr>
         <p:spPr>
           <a:xfrm>
-            <a:off x="11079989" y="4698805"/>
+            <a:off x="10464422" y="4710105"/>
             <a:ext cx="1107996" cy="369332"/>
           </a:xfrm>
           <a:prstGeom prst="rect">
@@ -4343,7 +4412,7 @@
         </p:nvSpPr>
         <p:spPr>
           <a:xfrm>
-            <a:off x="6712265" y="4705528"/>
+            <a:off x="7106501" y="4710105"/>
             <a:ext cx="1107996" cy="369332"/>
           </a:xfrm>
           <a:prstGeom prst="rect">
@@ -4386,7 +4455,7 @@
         </p:nvSpPr>
         <p:spPr>
           <a:xfrm>
-            <a:off x="7975103" y="4705528"/>
+            <a:off x="8369339" y="4710105"/>
             <a:ext cx="646331" cy="369332"/>
           </a:xfrm>
           <a:prstGeom prst="rect">
@@ -4432,12 +4501,12 @@
         </p:nvCxnSpPr>
         <p:spPr>
           <a:xfrm rot="16200000" flipH="1">
-            <a:off x="5909728" y="-291703"/>
-            <a:ext cx="84710" cy="6787453"/>
+            <a:off x="5234182" y="-1361484"/>
+            <a:ext cx="109880" cy="8901845"/>
           </a:xfrm>
           <a:prstGeom prst="bentConnector3">
             <a:avLst>
-              <a:gd name="adj1" fmla="val -269862"/>
+              <a:gd name="adj1" fmla="val -208045"/>
             </a:avLst>
           </a:prstGeom>
           <a:ln w="19050">
@@ -4479,7 +4548,7 @@
         </p:nvCxnSpPr>
         <p:spPr>
           <a:xfrm>
-            <a:off x="6061564" y="2393488"/>
+            <a:off x="5556019" y="2411244"/>
             <a:ext cx="1" cy="672531"/>
           </a:xfrm>
           <a:prstGeom prst="straightConnector1">
@@ -4525,12 +4594,12 @@
         </p:nvCxnSpPr>
         <p:spPr>
           <a:xfrm rot="5400000" flipH="1" flipV="1">
-            <a:off x="9446764" y="2518305"/>
-            <a:ext cx="6723" cy="4367724"/>
+            <a:off x="9339459" y="3031145"/>
+            <a:ext cx="12700" cy="3357921"/>
           </a:xfrm>
           <a:prstGeom prst="bentConnector3">
             <a:avLst>
-              <a:gd name="adj1" fmla="val 3500268"/>
+              <a:gd name="adj1" fmla="val 1800000"/>
             </a:avLst>
           </a:prstGeom>
           <a:ln w="19050">
@@ -4570,7 +4639,7 @@
         </p:nvSpPr>
         <p:spPr>
           <a:xfrm>
-            <a:off x="2182202" y="3721964"/>
+            <a:off x="268604" y="4014112"/>
             <a:ext cx="1601047" cy="369332"/>
           </a:xfrm>
           <a:prstGeom prst="rect">
@@ -4612,7 +4681,7 @@
         </p:nvSpPr>
         <p:spPr>
           <a:xfrm>
-            <a:off x="2182201" y="4091296"/>
+            <a:off x="268603" y="4383444"/>
             <a:ext cx="1601047" cy="369332"/>
           </a:xfrm>
           <a:prstGeom prst="rect">
@@ -4654,7 +4723,7 @@
         </p:nvSpPr>
         <p:spPr>
           <a:xfrm>
-            <a:off x="913803" y="3735251"/>
+            <a:off x="296909" y="3590305"/>
             <a:ext cx="1601047" cy="369332"/>
           </a:xfrm>
           <a:prstGeom prst="rect">
@@ -4684,10 +4753,10 @@
       </p:sp>
       <p:sp>
         <p:nvSpPr>
-          <p:cNvPr id="98" name="文字方塊 97">
-            <a:extLst>
-              <a:ext uri="{FF2B5EF4-FFF2-40B4-BE49-F238E27FC236}">
-                <a16:creationId xmlns:a16="http://schemas.microsoft.com/office/drawing/2014/main" id="{4DE504A7-2C6B-44CE-B912-7123CF5A0CD6}"/>
+          <p:cNvPr id="41" name="文字方塊 40">
+            <a:extLst>
+              <a:ext uri="{FF2B5EF4-FFF2-40B4-BE49-F238E27FC236}">
+                <a16:creationId xmlns:a16="http://schemas.microsoft.com/office/drawing/2014/main" id="{9FDFB44E-B1D8-4F8A-8552-1088222D69F5}"/>
               </a:ext>
             </a:extLst>
           </p:cNvPr>
@@ -4696,92 +4765,8 @@
         </p:nvSpPr>
         <p:spPr>
           <a:xfrm>
-            <a:off x="930988" y="4085762"/>
-            <a:ext cx="1601047" cy="369332"/>
-          </a:xfrm>
-          <a:prstGeom prst="rect">
-            <a:avLst/>
-          </a:prstGeom>
-          <a:noFill/>
-        </p:spPr>
-        <p:txBody>
-          <a:bodyPr wrap="square" rtlCol="0">
-            <a:spAutoFit/>
-          </a:bodyPr>
-          <a:lstStyle/>
-          <a:p>
-            <a:r>
-              <a:rPr lang="en-US" altLang="zh-TW" dirty="0" err="1">
-                <a:latin typeface="Times New Roman" panose="02020603050405020304" pitchFamily="18" charset="0"/>
-                <a:cs typeface="Times New Roman" panose="02020603050405020304" pitchFamily="18" charset="0"/>
-              </a:rPr>
-              <a:t>lbp_radius</a:t>
-            </a:r>
-            <a:endParaRPr lang="zh-TW" altLang="en-US" dirty="0">
-              <a:latin typeface="Times New Roman" panose="02020603050405020304" pitchFamily="18" charset="0"/>
-              <a:cs typeface="Times New Roman" panose="02020603050405020304" pitchFamily="18" charset="0"/>
-            </a:endParaRPr>
-          </a:p>
-        </p:txBody>
-      </p:sp>
-      <p:sp>
-        <p:nvSpPr>
-          <p:cNvPr id="99" name="文字方塊 98">
-            <a:extLst>
-              <a:ext uri="{FF2B5EF4-FFF2-40B4-BE49-F238E27FC236}">
-                <a16:creationId xmlns:a16="http://schemas.microsoft.com/office/drawing/2014/main" id="{9C157E88-2792-488F-A97F-641B1343524C}"/>
-              </a:ext>
-            </a:extLst>
-          </p:cNvPr>
-          <p:cNvSpPr txBox="1"/>
-          <p:nvPr/>
-        </p:nvSpPr>
-        <p:spPr>
-          <a:xfrm>
-            <a:off x="921374" y="4398093"/>
-            <a:ext cx="1601047" cy="369332"/>
-          </a:xfrm>
-          <a:prstGeom prst="rect">
-            <a:avLst/>
-          </a:prstGeom>
-          <a:noFill/>
-        </p:spPr>
-        <p:txBody>
-          <a:bodyPr wrap="square" rtlCol="0">
-            <a:spAutoFit/>
-          </a:bodyPr>
-          <a:lstStyle/>
-          <a:p>
-            <a:r>
-              <a:rPr lang="en-US" altLang="zh-TW" dirty="0" err="1">
-                <a:latin typeface="Times New Roman" panose="02020603050405020304" pitchFamily="18" charset="0"/>
-                <a:cs typeface="Times New Roman" panose="02020603050405020304" pitchFamily="18" charset="0"/>
-              </a:rPr>
-              <a:t>lbp_points</a:t>
-            </a:r>
-            <a:endParaRPr lang="zh-TW" altLang="en-US" dirty="0">
-              <a:latin typeface="Times New Roman" panose="02020603050405020304" pitchFamily="18" charset="0"/>
-              <a:cs typeface="Times New Roman" panose="02020603050405020304" pitchFamily="18" charset="0"/>
-            </a:endParaRPr>
-          </a:p>
-        </p:txBody>
-      </p:sp>
-      <p:sp>
-        <p:nvSpPr>
-          <p:cNvPr id="41" name="文字方塊 40">
-            <a:extLst>
-              <a:ext uri="{FF2B5EF4-FFF2-40B4-BE49-F238E27FC236}">
-                <a16:creationId xmlns:a16="http://schemas.microsoft.com/office/drawing/2014/main" id="{9FDFB44E-B1D8-4F8A-8552-1088222D69F5}"/>
-              </a:ext>
-            </a:extLst>
-          </p:cNvPr>
-          <p:cNvSpPr txBox="1"/>
-          <p:nvPr/>
-        </p:nvSpPr>
-        <p:spPr>
-          <a:xfrm>
-            <a:off x="5633693" y="3810559"/>
-            <a:ext cx="924614" cy="369332"/>
+            <a:off x="5085500" y="3774971"/>
+            <a:ext cx="947001" cy="369332"/>
           </a:xfrm>
           <a:prstGeom prst="rect">
             <a:avLst/>
@@ -4820,107 +4805,14 @@
           </p:cNvPr>
           <p:cNvCxnSpPr>
             <a:cxnSpLocks/>
-            <a:stCxn id="9" idx="2"/>
             <a:endCxn id="14" idx="0"/>
           </p:cNvCxnSpPr>
           <p:nvPr/>
         </p:nvCxnSpPr>
         <p:spPr>
           <a:xfrm>
-            <a:off x="9345810" y="3513710"/>
-            <a:ext cx="0" cy="1182642"/>
-          </a:xfrm>
-          <a:prstGeom prst="straightConnector1">
-            <a:avLst/>
-          </a:prstGeom>
-          <a:ln w="19050">
-            <a:solidFill>
-              <a:schemeClr val="tx1"/>
-            </a:solidFill>
-            <a:tailEnd type="triangle"/>
-          </a:ln>
-        </p:spPr>
-        <p:style>
-          <a:lnRef idx="1">
-            <a:schemeClr val="accent1"/>
-          </a:lnRef>
-          <a:fillRef idx="0">
-            <a:schemeClr val="accent1"/>
-          </a:fillRef>
-          <a:effectRef idx="0">
-            <a:schemeClr val="accent1"/>
-          </a:effectRef>
-          <a:fontRef idx="minor">
-            <a:schemeClr val="tx1"/>
-          </a:fontRef>
-        </p:style>
-      </p:cxnSp>
-      <p:sp>
-        <p:nvSpPr>
-          <p:cNvPr id="63" name="文字方塊 62">
-            <a:extLst>
-              <a:ext uri="{FF2B5EF4-FFF2-40B4-BE49-F238E27FC236}">
-                <a16:creationId xmlns:a16="http://schemas.microsoft.com/office/drawing/2014/main" id="{B59A36C1-BBB9-46B6-8025-E6C2471D18BF}"/>
-              </a:ext>
-            </a:extLst>
-          </p:cNvPr>
-          <p:cNvSpPr txBox="1"/>
-          <p:nvPr/>
-        </p:nvSpPr>
-        <p:spPr>
-          <a:xfrm>
-            <a:off x="9984997" y="4696352"/>
-            <a:ext cx="924614" cy="369332"/>
-          </a:xfrm>
-          <a:prstGeom prst="rect">
-            <a:avLst/>
-          </a:prstGeom>
-          <a:noFill/>
-          <a:ln w="28575">
-            <a:solidFill>
-              <a:schemeClr val="tx1"/>
-            </a:solidFill>
-          </a:ln>
-        </p:spPr>
-        <p:txBody>
-          <a:bodyPr wrap="square" rtlCol="0">
-            <a:spAutoFit/>
-          </a:bodyPr>
-          <a:lstStyle/>
-          <a:p>
-            <a:r>
-              <a:rPr lang="en-US" altLang="zh-TW" dirty="0">
-                <a:latin typeface="Times New Roman" panose="02020603050405020304" pitchFamily="18" charset="0"/>
-                <a:cs typeface="Times New Roman" panose="02020603050405020304" pitchFamily="18" charset="0"/>
-              </a:rPr>
-              <a:t>search</a:t>
-            </a:r>
-            <a:endParaRPr lang="zh-TW" altLang="en-US" dirty="0">
-              <a:latin typeface="Times New Roman" panose="02020603050405020304" pitchFamily="18" charset="0"/>
-              <a:cs typeface="Times New Roman" panose="02020603050405020304" pitchFamily="18" charset="0"/>
-            </a:endParaRPr>
-          </a:p>
-        </p:txBody>
-      </p:sp>
-      <p:cxnSp>
-        <p:nvCxnSpPr>
-          <p:cNvPr id="73" name="直線單箭頭接點 72">
-            <a:extLst>
-              <a:ext uri="{FF2B5EF4-FFF2-40B4-BE49-F238E27FC236}">
-                <a16:creationId xmlns:a16="http://schemas.microsoft.com/office/drawing/2014/main" id="{20CE4971-004A-471C-8E2D-1AD3F4A10F65}"/>
-              </a:ext>
-            </a:extLst>
-          </p:cNvPr>
-          <p:cNvCxnSpPr>
-            <a:cxnSpLocks/>
-            <a:endCxn id="17" idx="0"/>
-          </p:cNvCxnSpPr>
-          <p:nvPr/>
-        </p:nvCxnSpPr>
-        <p:spPr>
-          <a:xfrm>
-            <a:off x="8298269" y="4455094"/>
-            <a:ext cx="0" cy="250434"/>
+            <a:off x="9740045" y="4205104"/>
+            <a:ext cx="1" cy="495825"/>
           </a:xfrm>
           <a:prstGeom prst="straightConnector1">
             <a:avLst/>
@@ -4949,23 +4841,23 @@
       </p:cxnSp>
       <p:cxnSp>
         <p:nvCxnSpPr>
-          <p:cNvPr id="76" name="直線單箭頭接點 75">
-            <a:extLst>
-              <a:ext uri="{FF2B5EF4-FFF2-40B4-BE49-F238E27FC236}">
-                <a16:creationId xmlns:a16="http://schemas.microsoft.com/office/drawing/2014/main" id="{2A7C48A5-C2EC-4FAD-9928-EFBCE2F8F2CB}"/>
+          <p:cNvPr id="73" name="直線單箭頭接點 72">
+            <a:extLst>
+              <a:ext uri="{FF2B5EF4-FFF2-40B4-BE49-F238E27FC236}">
+                <a16:creationId xmlns:a16="http://schemas.microsoft.com/office/drawing/2014/main" id="{20CE4971-004A-471C-8E2D-1AD3F4A10F65}"/>
               </a:ext>
             </a:extLst>
           </p:cNvPr>
           <p:cNvCxnSpPr>
             <a:cxnSpLocks/>
-            <a:endCxn id="63" idx="0"/>
+            <a:endCxn id="17" idx="0"/>
           </p:cNvCxnSpPr>
           <p:nvPr/>
         </p:nvCxnSpPr>
         <p:spPr>
           <a:xfrm>
-            <a:off x="10437554" y="4455094"/>
-            <a:ext cx="9750" cy="241258"/>
+            <a:off x="8692505" y="4459671"/>
+            <a:ext cx="0" cy="250434"/>
           </a:xfrm>
           <a:prstGeom prst="straightConnector1">
             <a:avLst/>
@@ -5009,9 +4901,488 @@
           <p:nvPr/>
         </p:nvCxnSpPr>
         <p:spPr>
+          <a:xfrm flipH="1">
+            <a:off x="5559001" y="3453107"/>
+            <a:ext cx="1897" cy="321864"/>
+          </a:xfrm>
+          <a:prstGeom prst="straightConnector1">
+            <a:avLst/>
+          </a:prstGeom>
+          <a:ln w="19050">
+            <a:solidFill>
+              <a:schemeClr val="tx1"/>
+            </a:solidFill>
+            <a:tailEnd type="triangle"/>
+          </a:ln>
+        </p:spPr>
+        <p:style>
+          <a:lnRef idx="1">
+            <a:schemeClr val="accent1"/>
+          </a:lnRef>
+          <a:fillRef idx="0">
+            <a:schemeClr val="accent1"/>
+          </a:fillRef>
+          <a:effectRef idx="0">
+            <a:schemeClr val="accent1"/>
+          </a:effectRef>
+          <a:fontRef idx="minor">
+            <a:schemeClr val="tx1"/>
+          </a:fontRef>
+        </p:style>
+      </p:cxnSp>
+      <p:sp>
+        <p:nvSpPr>
+          <p:cNvPr id="85" name="文字方塊 84">
+            <a:extLst>
+              <a:ext uri="{FF2B5EF4-FFF2-40B4-BE49-F238E27FC236}">
+                <a16:creationId xmlns:a16="http://schemas.microsoft.com/office/drawing/2014/main" id="{57A5C6DE-F5CB-415C-B7AF-18BB7C52E43B}"/>
+              </a:ext>
+            </a:extLst>
+          </p:cNvPr>
+          <p:cNvSpPr txBox="1"/>
+          <p:nvPr/>
+        </p:nvSpPr>
+        <p:spPr>
           <a:xfrm>
-            <a:off x="6066443" y="3435351"/>
-            <a:ext cx="29557" cy="375208"/>
+            <a:off x="4519316" y="5185185"/>
+            <a:ext cx="2073403" cy="523220"/>
+          </a:xfrm>
+          <a:prstGeom prst="rect">
+            <a:avLst/>
+          </a:prstGeom>
+          <a:noFill/>
+          <a:ln w="28575">
+            <a:solidFill>
+              <a:schemeClr val="tx1"/>
+            </a:solidFill>
+          </a:ln>
+        </p:spPr>
+        <p:txBody>
+          <a:bodyPr wrap="square" rtlCol="0">
+            <a:spAutoFit/>
+          </a:bodyPr>
+          <a:lstStyle/>
+          <a:p>
+            <a:r>
+              <a:rPr lang="en-US" altLang="zh-TW" sz="1400" dirty="0" err="1">
+                <a:latin typeface="標楷體" panose="03000509000000000000" pitchFamily="65" charset="-120"/>
+                <a:ea typeface="標楷體" panose="03000509000000000000" pitchFamily="65" charset="-120"/>
+              </a:rPr>
+              <a:t>getStructringElenment</a:t>
+            </a:r>
+            <a:endParaRPr lang="en-US" altLang="zh-TW" sz="1400" dirty="0">
+              <a:latin typeface="標楷體" panose="03000509000000000000" pitchFamily="65" charset="-120"/>
+              <a:ea typeface="標楷體" panose="03000509000000000000" pitchFamily="65" charset="-120"/>
+            </a:endParaRPr>
+          </a:p>
+          <a:p>
+            <a:r>
+              <a:rPr lang="zh-TW" altLang="en-US" sz="1400" dirty="0">
+                <a:latin typeface="標楷體" panose="03000509000000000000" pitchFamily="65" charset="-120"/>
+                <a:ea typeface="標楷體" panose="03000509000000000000" pitchFamily="65" charset="-120"/>
+              </a:rPr>
+              <a:t>計算水平、垂直線</a:t>
+            </a:r>
+          </a:p>
+        </p:txBody>
+      </p:sp>
+      <p:sp>
+        <p:nvSpPr>
+          <p:cNvPr id="100" name="文字方塊 99">
+            <a:extLst>
+              <a:ext uri="{FF2B5EF4-FFF2-40B4-BE49-F238E27FC236}">
+                <a16:creationId xmlns:a16="http://schemas.microsoft.com/office/drawing/2014/main" id="{C0E3D8E6-CC17-4EC5-BF60-BB47CC327509}"/>
+              </a:ext>
+            </a:extLst>
+          </p:cNvPr>
+          <p:cNvSpPr txBox="1"/>
+          <p:nvPr/>
+        </p:nvSpPr>
+        <p:spPr>
+          <a:xfrm>
+            <a:off x="4906225" y="6051561"/>
+            <a:ext cx="1299586" cy="523220"/>
+          </a:xfrm>
+          <a:prstGeom prst="rect">
+            <a:avLst/>
+          </a:prstGeom>
+          <a:noFill/>
+          <a:ln w="28575">
+            <a:solidFill>
+              <a:schemeClr val="tx1"/>
+            </a:solidFill>
+          </a:ln>
+        </p:spPr>
+        <p:txBody>
+          <a:bodyPr wrap="square" rtlCol="0">
+            <a:spAutoFit/>
+          </a:bodyPr>
+          <a:lstStyle/>
+          <a:p>
+            <a:r>
+              <a:rPr lang="en-US" altLang="zh-TW" sz="1400" dirty="0" err="1">
+                <a:latin typeface="標楷體" panose="03000509000000000000" pitchFamily="65" charset="-120"/>
+                <a:ea typeface="標楷體" panose="03000509000000000000" pitchFamily="65" charset="-120"/>
+              </a:rPr>
+              <a:t>findContours</a:t>
+            </a:r>
+            <a:br>
+              <a:rPr lang="en-US" altLang="zh-TW" sz="1400" dirty="0">
+                <a:latin typeface="標楷體" panose="03000509000000000000" pitchFamily="65" charset="-120"/>
+                <a:ea typeface="標楷體" panose="03000509000000000000" pitchFamily="65" charset="-120"/>
+              </a:rPr>
+            </a:br>
+            <a:r>
+              <a:rPr lang="zh-TW" altLang="en-US" sz="1400" dirty="0">
+                <a:latin typeface="標楷體" panose="03000509000000000000" pitchFamily="65" charset="-120"/>
+                <a:ea typeface="標楷體" panose="03000509000000000000" pitchFamily="65" charset="-120"/>
+              </a:rPr>
+              <a:t>計算輪廓</a:t>
+            </a:r>
+          </a:p>
+        </p:txBody>
+      </p:sp>
+      <p:cxnSp>
+        <p:nvCxnSpPr>
+          <p:cNvPr id="101" name="直線單箭頭接點 100">
+            <a:extLst>
+              <a:ext uri="{FF2B5EF4-FFF2-40B4-BE49-F238E27FC236}">
+                <a16:creationId xmlns:a16="http://schemas.microsoft.com/office/drawing/2014/main" id="{C07D69FD-3BA8-4EF4-9C4A-B7684C7FBE50}"/>
+              </a:ext>
+            </a:extLst>
+          </p:cNvPr>
+          <p:cNvCxnSpPr>
+            <a:cxnSpLocks/>
+            <a:stCxn id="85" idx="2"/>
+            <a:endCxn id="100" idx="0"/>
+          </p:cNvCxnSpPr>
+          <p:nvPr/>
+        </p:nvCxnSpPr>
+        <p:spPr>
+          <a:xfrm>
+            <a:off x="5556018" y="5708405"/>
+            <a:ext cx="0" cy="343156"/>
+          </a:xfrm>
+          <a:prstGeom prst="straightConnector1">
+            <a:avLst/>
+          </a:prstGeom>
+          <a:ln w="19050">
+            <a:solidFill>
+              <a:schemeClr val="tx1"/>
+            </a:solidFill>
+            <a:tailEnd type="triangle"/>
+          </a:ln>
+        </p:spPr>
+        <p:style>
+          <a:lnRef idx="1">
+            <a:schemeClr val="accent1"/>
+          </a:lnRef>
+          <a:fillRef idx="0">
+            <a:schemeClr val="accent1"/>
+          </a:fillRef>
+          <a:effectRef idx="0">
+            <a:schemeClr val="accent1"/>
+          </a:effectRef>
+          <a:fontRef idx="minor">
+            <a:schemeClr val="tx1"/>
+          </a:fontRef>
+        </p:style>
+      </p:cxnSp>
+      <p:sp>
+        <p:nvSpPr>
+          <p:cNvPr id="102" name="文字方塊 101">
+            <a:extLst>
+              <a:ext uri="{FF2B5EF4-FFF2-40B4-BE49-F238E27FC236}">
+                <a16:creationId xmlns:a16="http://schemas.microsoft.com/office/drawing/2014/main" id="{EFA020CF-481A-4FCC-A51B-3ABA277BFD9F}"/>
+              </a:ext>
+            </a:extLst>
+          </p:cNvPr>
+          <p:cNvSpPr txBox="1"/>
+          <p:nvPr/>
+        </p:nvSpPr>
+        <p:spPr>
+          <a:xfrm>
+            <a:off x="9277737" y="3831195"/>
+            <a:ext cx="924614" cy="369332"/>
+          </a:xfrm>
+          <a:prstGeom prst="rect">
+            <a:avLst/>
+          </a:prstGeom>
+          <a:noFill/>
+          <a:ln w="28575">
+            <a:solidFill>
+              <a:schemeClr val="tx1"/>
+            </a:solidFill>
+          </a:ln>
+        </p:spPr>
+        <p:txBody>
+          <a:bodyPr wrap="square" rtlCol="0">
+            <a:spAutoFit/>
+          </a:bodyPr>
+          <a:lstStyle/>
+          <a:p>
+            <a:r>
+              <a:rPr lang="en-US" altLang="zh-TW" dirty="0">
+                <a:latin typeface="Times New Roman" panose="02020603050405020304" pitchFamily="18" charset="0"/>
+                <a:cs typeface="Times New Roman" panose="02020603050405020304" pitchFamily="18" charset="0"/>
+              </a:rPr>
+              <a:t>search</a:t>
+            </a:r>
+            <a:endParaRPr lang="zh-TW" altLang="en-US" dirty="0">
+              <a:latin typeface="Times New Roman" panose="02020603050405020304" pitchFamily="18" charset="0"/>
+              <a:cs typeface="Times New Roman" panose="02020603050405020304" pitchFamily="18" charset="0"/>
+            </a:endParaRPr>
+          </a:p>
+        </p:txBody>
+      </p:sp>
+      <p:cxnSp>
+        <p:nvCxnSpPr>
+          <p:cNvPr id="103" name="直線單箭頭接點 102">
+            <a:extLst>
+              <a:ext uri="{FF2B5EF4-FFF2-40B4-BE49-F238E27FC236}">
+                <a16:creationId xmlns:a16="http://schemas.microsoft.com/office/drawing/2014/main" id="{0D01EF58-A439-440A-A871-1D90ACEA634B}"/>
+              </a:ext>
+            </a:extLst>
+          </p:cNvPr>
+          <p:cNvCxnSpPr>
+            <a:cxnSpLocks/>
+            <a:stCxn id="9" idx="2"/>
+            <a:endCxn id="102" idx="0"/>
+          </p:cNvCxnSpPr>
+          <p:nvPr/>
+        </p:nvCxnSpPr>
+        <p:spPr>
+          <a:xfrm flipH="1">
+            <a:off x="9740044" y="3513710"/>
+            <a:ext cx="1" cy="317485"/>
+          </a:xfrm>
+          <a:prstGeom prst="straightConnector1">
+            <a:avLst/>
+          </a:prstGeom>
+          <a:ln w="19050">
+            <a:solidFill>
+              <a:schemeClr val="tx1"/>
+            </a:solidFill>
+            <a:tailEnd type="triangle"/>
+          </a:ln>
+        </p:spPr>
+        <p:style>
+          <a:lnRef idx="1">
+            <a:schemeClr val="accent1"/>
+          </a:lnRef>
+          <a:fillRef idx="0">
+            <a:schemeClr val="accent1"/>
+          </a:fillRef>
+          <a:effectRef idx="0">
+            <a:schemeClr val="accent1"/>
+          </a:effectRef>
+          <a:fontRef idx="minor">
+            <a:schemeClr val="tx1"/>
+          </a:fontRef>
+        </p:style>
+      </p:cxnSp>
+      <p:sp>
+        <p:nvSpPr>
+          <p:cNvPr id="107" name="文字方塊 106">
+            <a:extLst>
+              <a:ext uri="{FF2B5EF4-FFF2-40B4-BE49-F238E27FC236}">
+                <a16:creationId xmlns:a16="http://schemas.microsoft.com/office/drawing/2014/main" id="{E216AFD3-694A-45B4-896C-22E68A28147A}"/>
+              </a:ext>
+            </a:extLst>
+          </p:cNvPr>
+          <p:cNvSpPr txBox="1"/>
+          <p:nvPr/>
+        </p:nvSpPr>
+        <p:spPr>
+          <a:xfrm>
+            <a:off x="2665022" y="3059668"/>
+            <a:ext cx="1454244" cy="369332"/>
+          </a:xfrm>
+          <a:prstGeom prst="rect">
+            <a:avLst/>
+          </a:prstGeom>
+          <a:noFill/>
+          <a:ln w="28575">
+            <a:solidFill>
+              <a:schemeClr val="tx1"/>
+            </a:solidFill>
+          </a:ln>
+        </p:spPr>
+        <p:txBody>
+          <a:bodyPr wrap="none" rtlCol="0">
+            <a:spAutoFit/>
+          </a:bodyPr>
+          <a:lstStyle/>
+          <a:p>
+            <a:r>
+              <a:rPr lang="en-US" altLang="zh-TW" dirty="0">
+                <a:latin typeface="標楷體" panose="03000509000000000000" pitchFamily="65" charset="-120"/>
+                <a:ea typeface="標楷體" panose="03000509000000000000" pitchFamily="65" charset="-120"/>
+              </a:rPr>
+              <a:t>Web</a:t>
+            </a:r>
+            <a:r>
+              <a:rPr lang="zh-TW" altLang="en-US" dirty="0">
+                <a:latin typeface="標楷體" panose="03000509000000000000" pitchFamily="65" charset="-120"/>
+                <a:ea typeface="標楷體" panose="03000509000000000000" pitchFamily="65" charset="-120"/>
+              </a:rPr>
+              <a:t>輸入圖片</a:t>
+            </a:r>
+          </a:p>
+        </p:txBody>
+      </p:sp>
+      <p:cxnSp>
+        <p:nvCxnSpPr>
+          <p:cNvPr id="117" name="直線單箭頭接點 116">
+            <a:extLst>
+              <a:ext uri="{FF2B5EF4-FFF2-40B4-BE49-F238E27FC236}">
+                <a16:creationId xmlns:a16="http://schemas.microsoft.com/office/drawing/2014/main" id="{291391BD-B079-40ED-875E-F140CFBD31E7}"/>
+              </a:ext>
+            </a:extLst>
+          </p:cNvPr>
+          <p:cNvCxnSpPr>
+            <a:cxnSpLocks/>
+            <a:endCxn id="107" idx="0"/>
+          </p:cNvCxnSpPr>
+          <p:nvPr/>
+        </p:nvCxnSpPr>
+        <p:spPr>
+          <a:xfrm>
+            <a:off x="3392144" y="2814221"/>
+            <a:ext cx="0" cy="245447"/>
+          </a:xfrm>
+          <a:prstGeom prst="straightConnector1">
+            <a:avLst/>
+          </a:prstGeom>
+          <a:ln w="19050">
+            <a:solidFill>
+              <a:schemeClr val="tx1"/>
+            </a:solidFill>
+            <a:tailEnd type="triangle"/>
+          </a:ln>
+        </p:spPr>
+        <p:style>
+          <a:lnRef idx="1">
+            <a:schemeClr val="accent1"/>
+          </a:lnRef>
+          <a:fillRef idx="0">
+            <a:schemeClr val="accent1"/>
+          </a:fillRef>
+          <a:effectRef idx="0">
+            <a:schemeClr val="accent1"/>
+          </a:effectRef>
+          <a:fontRef idx="minor">
+            <a:schemeClr val="tx1"/>
+          </a:fontRef>
+        </p:style>
+      </p:cxnSp>
+      <p:sp>
+        <p:nvSpPr>
+          <p:cNvPr id="124" name="文字方塊 123">
+            <a:extLst>
+              <a:ext uri="{FF2B5EF4-FFF2-40B4-BE49-F238E27FC236}">
+                <a16:creationId xmlns:a16="http://schemas.microsoft.com/office/drawing/2014/main" id="{0E63577A-B500-4D5F-A9A3-107B409BB7EF}"/>
+              </a:ext>
+            </a:extLst>
+          </p:cNvPr>
+          <p:cNvSpPr txBox="1"/>
+          <p:nvPr/>
+        </p:nvSpPr>
+        <p:spPr>
+          <a:xfrm>
+            <a:off x="4776670" y="4466167"/>
+            <a:ext cx="1558696" cy="369332"/>
+          </a:xfrm>
+          <a:prstGeom prst="rect">
+            <a:avLst/>
+          </a:prstGeom>
+          <a:noFill/>
+          <a:ln w="28575">
+            <a:solidFill>
+              <a:schemeClr val="tx1"/>
+            </a:solidFill>
+          </a:ln>
+        </p:spPr>
+        <p:txBody>
+          <a:bodyPr wrap="square" rtlCol="0">
+            <a:spAutoFit/>
+          </a:bodyPr>
+          <a:lstStyle/>
+          <a:p>
+            <a:r>
+              <a:rPr lang="zh-TW" altLang="en-US" dirty="0">
+                <a:latin typeface="標楷體" panose="03000509000000000000" pitchFamily="65" charset="-120"/>
+                <a:ea typeface="標楷體" panose="03000509000000000000" pitchFamily="65" charset="-120"/>
+              </a:rPr>
+              <a:t>形態學除噪點</a:t>
+            </a:r>
+          </a:p>
+        </p:txBody>
+      </p:sp>
+      <p:cxnSp>
+        <p:nvCxnSpPr>
+          <p:cNvPr id="130" name="直線單箭頭接點 129">
+            <a:extLst>
+              <a:ext uri="{FF2B5EF4-FFF2-40B4-BE49-F238E27FC236}">
+                <a16:creationId xmlns:a16="http://schemas.microsoft.com/office/drawing/2014/main" id="{542D834C-6F93-46F2-83D5-0F3E80E928B4}"/>
+              </a:ext>
+            </a:extLst>
+          </p:cNvPr>
+          <p:cNvCxnSpPr>
+            <a:cxnSpLocks/>
+          </p:cNvCxnSpPr>
+          <p:nvPr/>
+        </p:nvCxnSpPr>
+        <p:spPr>
+          <a:xfrm flipH="1">
+            <a:off x="5541708" y="4144303"/>
+            <a:ext cx="1897" cy="321864"/>
+          </a:xfrm>
+          <a:prstGeom prst="straightConnector1">
+            <a:avLst/>
+          </a:prstGeom>
+          <a:ln w="19050">
+            <a:solidFill>
+              <a:schemeClr val="tx1"/>
+            </a:solidFill>
+            <a:tailEnd type="triangle"/>
+          </a:ln>
+        </p:spPr>
+        <p:style>
+          <a:lnRef idx="1">
+            <a:schemeClr val="accent1"/>
+          </a:lnRef>
+          <a:fillRef idx="0">
+            <a:schemeClr val="accent1"/>
+          </a:fillRef>
+          <a:effectRef idx="0">
+            <a:schemeClr val="accent1"/>
+          </a:effectRef>
+          <a:fontRef idx="minor">
+            <a:schemeClr val="tx1"/>
+          </a:fontRef>
+        </p:style>
+      </p:cxnSp>
+      <p:cxnSp>
+        <p:nvCxnSpPr>
+          <p:cNvPr id="131" name="直線單箭頭接點 130">
+            <a:extLst>
+              <a:ext uri="{FF2B5EF4-FFF2-40B4-BE49-F238E27FC236}">
+                <a16:creationId xmlns:a16="http://schemas.microsoft.com/office/drawing/2014/main" id="{6BA57C18-7613-4048-969C-E88D71F588A5}"/>
+              </a:ext>
+            </a:extLst>
+          </p:cNvPr>
+          <p:cNvCxnSpPr>
+            <a:cxnSpLocks/>
+            <a:stCxn id="124" idx="2"/>
+            <a:endCxn id="85" idx="0"/>
+          </p:cNvCxnSpPr>
+          <p:nvPr/>
+        </p:nvCxnSpPr>
+        <p:spPr>
+          <a:xfrm>
+            <a:off x="5556018" y="4835499"/>
+            <a:ext cx="0" cy="349686"/>
           </a:xfrm>
           <a:prstGeom prst="straightConnector1">
             <a:avLst/>

--- a/final_project/影像辨識 final_project.pptx
+++ b/final_project/影像辨識 final_project.pptx
@@ -5521,10 +5521,10 @@
       </p:sp>
       <p:sp>
         <p:nvSpPr>
-          <p:cNvPr id="11" name="文字方塊 10">
-            <a:extLst>
-              <a:ext uri="{FF2B5EF4-FFF2-40B4-BE49-F238E27FC236}">
-                <a16:creationId xmlns:a16="http://schemas.microsoft.com/office/drawing/2014/main" id="{BFA329BE-AB1E-44D9-A578-C96807FDBD92}"/>
+          <p:cNvPr id="15" name="文字方塊 14">
+            <a:extLst>
+              <a:ext uri="{FF2B5EF4-FFF2-40B4-BE49-F238E27FC236}">
+                <a16:creationId xmlns:a16="http://schemas.microsoft.com/office/drawing/2014/main" id="{1B6D9509-5D20-45A6-9ABA-8C95358B54E5}"/>
               </a:ext>
             </a:extLst>
           </p:cNvPr>
@@ -5533,8 +5533,8 @@
         </p:nvSpPr>
         <p:spPr>
           <a:xfrm>
-            <a:off x="3701858" y="3582528"/>
-            <a:ext cx="796821" cy="369332"/>
+            <a:off x="4245488" y="5307961"/>
+            <a:ext cx="1107996" cy="369332"/>
           </a:xfrm>
           <a:prstGeom prst="rect">
             <a:avLst/>
@@ -5553,25 +5553,21 @@
           <a:lstStyle/>
           <a:p>
             <a:r>
-              <a:rPr lang="en-US" altLang="zh-TW" dirty="0">
-                <a:latin typeface="Times New Roman" panose="02020603050405020304" pitchFamily="18" charset="0"/>
-                <a:cs typeface="Times New Roman" panose="02020603050405020304" pitchFamily="18" charset="0"/>
-              </a:rPr>
-              <a:t>search</a:t>
-            </a:r>
-            <a:endParaRPr lang="zh-TW" altLang="en-US" dirty="0">
-              <a:latin typeface="Times New Roman" panose="02020603050405020304" pitchFamily="18" charset="0"/>
-              <a:cs typeface="Times New Roman" panose="02020603050405020304" pitchFamily="18" charset="0"/>
-            </a:endParaRPr>
-          </a:p>
-        </p:txBody>
-      </p:sp>
-      <p:sp>
-        <p:nvSpPr>
-          <p:cNvPr id="15" name="文字方塊 14">
-            <a:extLst>
-              <a:ext uri="{FF2B5EF4-FFF2-40B4-BE49-F238E27FC236}">
-                <a16:creationId xmlns:a16="http://schemas.microsoft.com/office/drawing/2014/main" id="{1B6D9509-5D20-45A6-9ABA-8C95358B54E5}"/>
+              <a:rPr lang="zh-TW" altLang="en-US" dirty="0">
+                <a:latin typeface="標楷體" panose="03000509000000000000" pitchFamily="65" charset="-120"/>
+                <a:ea typeface="標楷體" panose="03000509000000000000" pitchFamily="65" charset="-120"/>
+              </a:rPr>
+              <a:t>量價相乘</a:t>
+            </a:r>
+          </a:p>
+        </p:txBody>
+      </p:sp>
+      <p:sp>
+        <p:nvSpPr>
+          <p:cNvPr id="16" name="文字方塊 15">
+            <a:extLst>
+              <a:ext uri="{FF2B5EF4-FFF2-40B4-BE49-F238E27FC236}">
+                <a16:creationId xmlns:a16="http://schemas.microsoft.com/office/drawing/2014/main" id="{711722E7-6415-41B0-A848-94D48B7D77E7}"/>
               </a:ext>
             </a:extLst>
           </p:cNvPr>
@@ -5580,8 +5576,8 @@
         </p:nvSpPr>
         <p:spPr>
           <a:xfrm>
-            <a:off x="8013908" y="3613271"/>
-            <a:ext cx="1107996" cy="369332"/>
+            <a:off x="3309335" y="5304128"/>
+            <a:ext cx="646331" cy="369332"/>
           </a:xfrm>
           <a:prstGeom prst="rect">
             <a:avLst/>
@@ -5604,49 +5600,6 @@
                 <a:latin typeface="標楷體" panose="03000509000000000000" pitchFamily="65" charset="-120"/>
                 <a:ea typeface="標楷體" panose="03000509000000000000" pitchFamily="65" charset="-120"/>
               </a:rPr>
-              <a:t>量價相乘</a:t>
-            </a:r>
-          </a:p>
-        </p:txBody>
-      </p:sp>
-      <p:sp>
-        <p:nvSpPr>
-          <p:cNvPr id="16" name="文字方塊 15">
-            <a:extLst>
-              <a:ext uri="{FF2B5EF4-FFF2-40B4-BE49-F238E27FC236}">
-                <a16:creationId xmlns:a16="http://schemas.microsoft.com/office/drawing/2014/main" id="{711722E7-6415-41B0-A848-94D48B7D77E7}"/>
-              </a:ext>
-            </a:extLst>
-          </p:cNvPr>
-          <p:cNvSpPr txBox="1"/>
-          <p:nvPr/>
-        </p:nvSpPr>
-        <p:spPr>
-          <a:xfrm>
-            <a:off x="9725745" y="3613608"/>
-            <a:ext cx="646331" cy="369332"/>
-          </a:xfrm>
-          <a:prstGeom prst="rect">
-            <a:avLst/>
-          </a:prstGeom>
-          <a:noFill/>
-          <a:ln w="28575">
-            <a:solidFill>
-              <a:schemeClr val="tx1"/>
-            </a:solidFill>
-          </a:ln>
-        </p:spPr>
-        <p:txBody>
-          <a:bodyPr wrap="none" rtlCol="0">
-            <a:spAutoFit/>
-          </a:bodyPr>
-          <a:lstStyle/>
-          <a:p>
-            <a:r>
-              <a:rPr lang="zh-TW" altLang="en-US" dirty="0">
-                <a:latin typeface="標楷體" panose="03000509000000000000" pitchFamily="65" charset="-120"/>
-                <a:ea typeface="標楷體" panose="03000509000000000000" pitchFamily="65" charset="-120"/>
-              </a:rPr>
               <a:t>加總</a:t>
             </a:r>
           </a:p>
@@ -5664,105 +5617,14 @@
           <p:cNvCxnSpPr>
             <a:cxnSpLocks/>
             <a:stCxn id="10" idx="3"/>
-            <a:endCxn id="11" idx="1"/>
+            <a:endCxn id="67" idx="1"/>
           </p:cNvCxnSpPr>
           <p:nvPr/>
         </p:nvCxnSpPr>
         <p:spPr>
           <a:xfrm flipV="1">
-            <a:off x="2961453" y="3767194"/>
-            <a:ext cx="740405" cy="8601"/>
-          </a:xfrm>
-          <a:prstGeom prst="straightConnector1">
-            <a:avLst/>
-          </a:prstGeom>
-          <a:ln w="19050">
-            <a:solidFill>
-              <a:schemeClr val="tx1"/>
-            </a:solidFill>
-            <a:tailEnd type="triangle"/>
-          </a:ln>
-        </p:spPr>
-        <p:style>
-          <a:lnRef idx="1">
-            <a:schemeClr val="accent1"/>
-          </a:lnRef>
-          <a:fillRef idx="0">
-            <a:schemeClr val="accent1"/>
-          </a:fillRef>
-          <a:effectRef idx="0">
-            <a:schemeClr val="accent1"/>
-          </a:effectRef>
-          <a:fontRef idx="minor">
-            <a:schemeClr val="tx1"/>
-          </a:fontRef>
-        </p:style>
-      </p:cxnSp>
-      <p:cxnSp>
-        <p:nvCxnSpPr>
-          <p:cNvPr id="45" name="直線單箭頭接點 44">
-            <a:extLst>
-              <a:ext uri="{FF2B5EF4-FFF2-40B4-BE49-F238E27FC236}">
-                <a16:creationId xmlns:a16="http://schemas.microsoft.com/office/drawing/2014/main" id="{5FE2A83D-040F-4EFB-8038-3D47C4FF7883}"/>
-              </a:ext>
-            </a:extLst>
-          </p:cNvPr>
-          <p:cNvCxnSpPr>
-            <a:cxnSpLocks/>
-            <a:endCxn id="15" idx="1"/>
-          </p:cNvCxnSpPr>
-          <p:nvPr/>
-        </p:nvCxnSpPr>
-        <p:spPr>
-          <a:xfrm>
-            <a:off x="7457242" y="3797937"/>
-            <a:ext cx="556666" cy="0"/>
-          </a:xfrm>
-          <a:prstGeom prst="straightConnector1">
-            <a:avLst/>
-          </a:prstGeom>
-          <a:ln w="19050">
-            <a:solidFill>
-              <a:schemeClr val="tx1"/>
-            </a:solidFill>
-            <a:tailEnd type="triangle"/>
-          </a:ln>
-        </p:spPr>
-        <p:style>
-          <a:lnRef idx="1">
-            <a:schemeClr val="accent1"/>
-          </a:lnRef>
-          <a:fillRef idx="0">
-            <a:schemeClr val="accent1"/>
-          </a:fillRef>
-          <a:effectRef idx="0">
-            <a:schemeClr val="accent1"/>
-          </a:effectRef>
-          <a:fontRef idx="minor">
-            <a:schemeClr val="tx1"/>
-          </a:fontRef>
-        </p:style>
-      </p:cxnSp>
-      <p:cxnSp>
-        <p:nvCxnSpPr>
-          <p:cNvPr id="52" name="直線單箭頭接點 51">
-            <a:extLst>
-              <a:ext uri="{FF2B5EF4-FFF2-40B4-BE49-F238E27FC236}">
-                <a16:creationId xmlns:a16="http://schemas.microsoft.com/office/drawing/2014/main" id="{6EE03EAE-7928-4229-B407-76807E7DA1E8}"/>
-              </a:ext>
-            </a:extLst>
-          </p:cNvPr>
-          <p:cNvCxnSpPr>
-            <a:cxnSpLocks/>
-            <a:stCxn id="15" idx="3"/>
-            <a:endCxn id="16" idx="1"/>
-          </p:cNvCxnSpPr>
-          <p:nvPr/>
-        </p:nvCxnSpPr>
-        <p:spPr>
-          <a:xfrm>
-            <a:off x="9121904" y="3797937"/>
-            <a:ext cx="603841" cy="337"/>
+            <a:off x="2961453" y="3771494"/>
+            <a:ext cx="538898" cy="4301"/>
           </a:xfrm>
           <a:prstGeom prst="straightConnector1">
             <a:avLst/>
@@ -5849,7 +5711,7 @@
         <p:spPr>
           <a:xfrm>
             <a:off x="326438" y="3372289"/>
-            <a:ext cx="1154593" cy="323165"/>
+            <a:ext cx="1335429" cy="323165"/>
           </a:xfrm>
           <a:prstGeom prst="rect">
             <a:avLst/>
@@ -5863,11 +5725,18 @@
           <a:lstStyle/>
           <a:p>
             <a:r>
+              <a:rPr lang="en-US" altLang="zh-TW" sz="1500" dirty="0">
+                <a:latin typeface="標楷體" panose="03000509000000000000" pitchFamily="65" charset="-120"/>
+                <a:ea typeface="標楷體" panose="03000509000000000000" pitchFamily="65" charset="-120"/>
+              </a:rPr>
+              <a:t>Web</a:t>
+            </a:r>
+            <a:r>
               <a:rPr lang="zh-TW" altLang="en-US" sz="1500" dirty="0">
                 <a:latin typeface="標楷體" panose="03000509000000000000" pitchFamily="65" charset="-120"/>
                 <a:ea typeface="標楷體" panose="03000509000000000000" pitchFamily="65" charset="-120"/>
               </a:rPr>
-              <a:t>點餐卡照片</a:t>
+              <a:t>輸入照片</a:t>
             </a:r>
           </a:p>
         </p:txBody>
@@ -5924,44 +5793,6 @@
       </p:sp>
       <p:sp>
         <p:nvSpPr>
-          <p:cNvPr id="87" name="文字方塊 86">
-            <a:extLst>
-              <a:ext uri="{FF2B5EF4-FFF2-40B4-BE49-F238E27FC236}">
-                <a16:creationId xmlns:a16="http://schemas.microsoft.com/office/drawing/2014/main" id="{B5A7676A-0538-426B-BEC5-4F9225E5DF4E}"/>
-              </a:ext>
-            </a:extLst>
-          </p:cNvPr>
-          <p:cNvSpPr txBox="1"/>
-          <p:nvPr/>
-        </p:nvSpPr>
-        <p:spPr>
-          <a:xfrm>
-            <a:off x="4238992" y="3226493"/>
-            <a:ext cx="1427846" cy="323165"/>
-          </a:xfrm>
-          <a:prstGeom prst="rect">
-            <a:avLst/>
-          </a:prstGeom>
-          <a:noFill/>
-        </p:spPr>
-        <p:txBody>
-          <a:bodyPr wrap="square" rtlCol="0">
-            <a:spAutoFit/>
-          </a:bodyPr>
-          <a:lstStyle/>
-          <a:p>
-            <a:r>
-              <a:rPr lang="zh-TW" altLang="en-US" sz="1500" dirty="0">
-                <a:latin typeface="標楷體" panose="03000509000000000000" pitchFamily="65" charset="-120"/>
-                <a:ea typeface="標楷體" panose="03000509000000000000" pitchFamily="65" charset="-120"/>
-              </a:rPr>
-              <a:t>切成多個小塊</a:t>
-            </a:r>
-          </a:p>
-        </p:txBody>
-      </p:sp>
-      <p:sp>
-        <p:nvSpPr>
           <p:cNvPr id="112" name="矩形 111">
             <a:extLst>
               <a:ext uri="{FF2B5EF4-FFF2-40B4-BE49-F238E27FC236}">
@@ -5974,8 +5805,8 @@
         </p:nvSpPr>
         <p:spPr>
           <a:xfrm>
-            <a:off x="1890944" y="2969990"/>
-            <a:ext cx="3586348" cy="1411892"/>
+            <a:off x="1890944" y="2969989"/>
+            <a:ext cx="8174822" cy="1325563"/>
           </a:xfrm>
           <a:prstGeom prst="rect">
             <a:avLst/>
@@ -6026,8 +5857,8 @@
         </p:nvSpPr>
         <p:spPr>
           <a:xfrm>
-            <a:off x="5706229" y="2990897"/>
-            <a:ext cx="4831564" cy="1577025"/>
+            <a:off x="3124940" y="4729294"/>
+            <a:ext cx="6940825" cy="1875077"/>
           </a:xfrm>
           <a:prstGeom prst="rect">
             <a:avLst/>
@@ -6078,7 +5909,7 @@
         </p:nvSpPr>
         <p:spPr>
           <a:xfrm>
-            <a:off x="3722834" y="2385209"/>
+            <a:off x="5483270" y="2526417"/>
             <a:ext cx="1336213" cy="369393"/>
           </a:xfrm>
           <a:prstGeom prst="rect">
@@ -6116,7 +5947,7 @@
         </p:nvSpPr>
         <p:spPr>
           <a:xfrm>
-            <a:off x="7384340" y="2392864"/>
+            <a:off x="5887205" y="4304649"/>
             <a:ext cx="1737564" cy="369332"/>
           </a:xfrm>
           <a:prstGeom prst="rect">
@@ -6170,15 +6001,15 @@
           </p:cNvPr>
           <p:cNvCxnSpPr>
             <a:cxnSpLocks/>
-            <a:stCxn id="16" idx="3"/>
-            <a:endCxn id="130" idx="1"/>
+            <a:stCxn id="16" idx="1"/>
+            <a:endCxn id="130" idx="3"/>
           </p:cNvCxnSpPr>
           <p:nvPr/>
         </p:nvCxnSpPr>
         <p:spPr>
-          <a:xfrm flipV="1">
-            <a:off x="10372076" y="3797937"/>
-            <a:ext cx="375229" cy="337"/>
+          <a:xfrm flipH="1">
+            <a:off x="2944511" y="5488794"/>
+            <a:ext cx="364824" cy="0"/>
           </a:xfrm>
           <a:prstGeom prst="straightConnector1">
             <a:avLst/>
@@ -6219,7 +6050,7 @@
         </p:nvSpPr>
         <p:spPr>
           <a:xfrm>
-            <a:off x="10747305" y="3613271"/>
+            <a:off x="1789918" y="5304128"/>
             <a:ext cx="1154593" cy="369332"/>
           </a:xfrm>
           <a:prstGeom prst="rect">
@@ -6260,7 +6091,7 @@
         </p:nvSpPr>
         <p:spPr>
           <a:xfrm>
-            <a:off x="6170398" y="3290302"/>
+            <a:off x="6265485" y="4930228"/>
             <a:ext cx="1107996" cy="369332"/>
           </a:xfrm>
           <a:prstGeom prst="rect">
@@ -6303,7 +6134,7 @@
         </p:nvSpPr>
         <p:spPr>
           <a:xfrm>
-            <a:off x="6152259" y="4028966"/>
+            <a:off x="6247346" y="5668892"/>
             <a:ext cx="1107996" cy="369332"/>
           </a:xfrm>
           <a:prstGeom prst="rect">
@@ -6350,7 +6181,7 @@
         </p:nvCxnSpPr>
         <p:spPr>
           <a:xfrm flipH="1">
-            <a:off x="7260257" y="3474968"/>
+            <a:off x="7355344" y="5114894"/>
             <a:ext cx="13246" cy="738664"/>
           </a:xfrm>
           <a:prstGeom prst="bentConnector3">
@@ -6398,7 +6229,7 @@
         </p:nvCxnSpPr>
         <p:spPr>
           <a:xfrm rot="10800000" flipV="1">
-            <a:off x="6152260" y="3474968"/>
+            <a:off x="6247347" y="5114894"/>
             <a:ext cx="18139" cy="738664"/>
           </a:xfrm>
           <a:prstGeom prst="bentConnector3">
@@ -6410,6 +6241,384 @@
             <a:solidFill>
               <a:schemeClr val="tx1"/>
             </a:solidFill>
+          </a:ln>
+        </p:spPr>
+        <p:style>
+          <a:lnRef idx="1">
+            <a:schemeClr val="accent1"/>
+          </a:lnRef>
+          <a:fillRef idx="0">
+            <a:schemeClr val="accent1"/>
+          </a:fillRef>
+          <a:effectRef idx="0">
+            <a:schemeClr val="accent1"/>
+          </a:effectRef>
+          <a:fontRef idx="minor">
+            <a:schemeClr val="tx1"/>
+          </a:fontRef>
+        </p:style>
+      </p:cxnSp>
+      <p:sp>
+        <p:nvSpPr>
+          <p:cNvPr id="64" name="文字方塊 63">
+            <a:extLst>
+              <a:ext uri="{FF2B5EF4-FFF2-40B4-BE49-F238E27FC236}">
+                <a16:creationId xmlns:a16="http://schemas.microsoft.com/office/drawing/2014/main" id="{1FBAB1DA-90C8-4CFA-BBB1-11195B28BDA9}"/>
+              </a:ext>
+            </a:extLst>
+          </p:cNvPr>
+          <p:cNvSpPr txBox="1"/>
+          <p:nvPr/>
+        </p:nvSpPr>
+        <p:spPr>
+          <a:xfrm>
+            <a:off x="5741119" y="3498356"/>
+            <a:ext cx="2073403" cy="523220"/>
+          </a:xfrm>
+          <a:prstGeom prst="rect">
+            <a:avLst/>
+          </a:prstGeom>
+          <a:noFill/>
+          <a:ln w="28575">
+            <a:solidFill>
+              <a:schemeClr val="tx1"/>
+            </a:solidFill>
+          </a:ln>
+        </p:spPr>
+        <p:txBody>
+          <a:bodyPr wrap="square" rtlCol="0">
+            <a:spAutoFit/>
+          </a:bodyPr>
+          <a:lstStyle/>
+          <a:p>
+            <a:r>
+              <a:rPr lang="en-US" altLang="zh-TW" sz="1400" dirty="0" err="1">
+                <a:latin typeface="標楷體" panose="03000509000000000000" pitchFamily="65" charset="-120"/>
+                <a:ea typeface="標楷體" panose="03000509000000000000" pitchFamily="65" charset="-120"/>
+              </a:rPr>
+              <a:t>getStructringElenment</a:t>
+            </a:r>
+            <a:endParaRPr lang="en-US" altLang="zh-TW" sz="1400" dirty="0">
+              <a:latin typeface="標楷體" panose="03000509000000000000" pitchFamily="65" charset="-120"/>
+              <a:ea typeface="標楷體" panose="03000509000000000000" pitchFamily="65" charset="-120"/>
+            </a:endParaRPr>
+          </a:p>
+          <a:p>
+            <a:r>
+              <a:rPr lang="zh-TW" altLang="en-US" sz="1400" dirty="0">
+                <a:latin typeface="標楷體" panose="03000509000000000000" pitchFamily="65" charset="-120"/>
+                <a:ea typeface="標楷體" panose="03000509000000000000" pitchFamily="65" charset="-120"/>
+              </a:rPr>
+              <a:t>計算水平、垂直線</a:t>
+            </a:r>
+          </a:p>
+        </p:txBody>
+      </p:sp>
+      <p:sp>
+        <p:nvSpPr>
+          <p:cNvPr id="65" name="文字方塊 64">
+            <a:extLst>
+              <a:ext uri="{FF2B5EF4-FFF2-40B4-BE49-F238E27FC236}">
+                <a16:creationId xmlns:a16="http://schemas.microsoft.com/office/drawing/2014/main" id="{06BF98CD-82F9-48FB-814A-10AE1C5D257E}"/>
+              </a:ext>
+            </a:extLst>
+          </p:cNvPr>
+          <p:cNvSpPr txBox="1"/>
+          <p:nvPr/>
+        </p:nvSpPr>
+        <p:spPr>
+          <a:xfrm>
+            <a:off x="8580754" y="3505584"/>
+            <a:ext cx="1299586" cy="523220"/>
+          </a:xfrm>
+          <a:prstGeom prst="rect">
+            <a:avLst/>
+          </a:prstGeom>
+          <a:noFill/>
+          <a:ln w="28575">
+            <a:solidFill>
+              <a:schemeClr val="tx1"/>
+            </a:solidFill>
+          </a:ln>
+        </p:spPr>
+        <p:txBody>
+          <a:bodyPr wrap="square" rtlCol="0">
+            <a:spAutoFit/>
+          </a:bodyPr>
+          <a:lstStyle/>
+          <a:p>
+            <a:r>
+              <a:rPr lang="en-US" altLang="zh-TW" sz="1400" dirty="0" err="1">
+                <a:latin typeface="標楷體" panose="03000509000000000000" pitchFamily="65" charset="-120"/>
+                <a:ea typeface="標楷體" panose="03000509000000000000" pitchFamily="65" charset="-120"/>
+              </a:rPr>
+              <a:t>findContours</a:t>
+            </a:r>
+            <a:br>
+              <a:rPr lang="en-US" altLang="zh-TW" sz="1400" dirty="0">
+                <a:latin typeface="標楷體" panose="03000509000000000000" pitchFamily="65" charset="-120"/>
+                <a:ea typeface="標楷體" panose="03000509000000000000" pitchFamily="65" charset="-120"/>
+              </a:rPr>
+            </a:br>
+            <a:r>
+              <a:rPr lang="zh-TW" altLang="en-US" sz="1400" dirty="0">
+                <a:latin typeface="標楷體" panose="03000509000000000000" pitchFamily="65" charset="-120"/>
+                <a:ea typeface="標楷體" panose="03000509000000000000" pitchFamily="65" charset="-120"/>
+              </a:rPr>
+              <a:t>計算輪廓</a:t>
+            </a:r>
+          </a:p>
+        </p:txBody>
+      </p:sp>
+      <p:cxnSp>
+        <p:nvCxnSpPr>
+          <p:cNvPr id="66" name="直線單箭頭接點 65">
+            <a:extLst>
+              <a:ext uri="{FF2B5EF4-FFF2-40B4-BE49-F238E27FC236}">
+                <a16:creationId xmlns:a16="http://schemas.microsoft.com/office/drawing/2014/main" id="{709B8C64-29BE-46D4-915B-C2A809898DF3}"/>
+              </a:ext>
+            </a:extLst>
+          </p:cNvPr>
+          <p:cNvCxnSpPr>
+            <a:cxnSpLocks/>
+            <a:stCxn id="64" idx="3"/>
+            <a:endCxn id="65" idx="1"/>
+          </p:cNvCxnSpPr>
+          <p:nvPr/>
+        </p:nvCxnSpPr>
+        <p:spPr>
+          <a:xfrm>
+            <a:off x="7814522" y="3759966"/>
+            <a:ext cx="766232" cy="7228"/>
+          </a:xfrm>
+          <a:prstGeom prst="straightConnector1">
+            <a:avLst/>
+          </a:prstGeom>
+          <a:ln w="19050">
+            <a:solidFill>
+              <a:schemeClr val="tx1"/>
+            </a:solidFill>
+            <a:tailEnd type="triangle"/>
+          </a:ln>
+        </p:spPr>
+        <p:style>
+          <a:lnRef idx="1">
+            <a:schemeClr val="accent1"/>
+          </a:lnRef>
+          <a:fillRef idx="0">
+            <a:schemeClr val="accent1"/>
+          </a:fillRef>
+          <a:effectRef idx="0">
+            <a:schemeClr val="accent1"/>
+          </a:effectRef>
+          <a:fontRef idx="minor">
+            <a:schemeClr val="tx1"/>
+          </a:fontRef>
+        </p:style>
+      </p:cxnSp>
+      <p:sp>
+        <p:nvSpPr>
+          <p:cNvPr id="67" name="文字方塊 66">
+            <a:extLst>
+              <a:ext uri="{FF2B5EF4-FFF2-40B4-BE49-F238E27FC236}">
+                <a16:creationId xmlns:a16="http://schemas.microsoft.com/office/drawing/2014/main" id="{0DDC8CC5-AB45-4F34-A060-2BBC94F48F60}"/>
+              </a:ext>
+            </a:extLst>
+          </p:cNvPr>
+          <p:cNvSpPr txBox="1"/>
+          <p:nvPr/>
+        </p:nvSpPr>
+        <p:spPr>
+          <a:xfrm>
+            <a:off x="3500351" y="3586828"/>
+            <a:ext cx="1558696" cy="369332"/>
+          </a:xfrm>
+          <a:prstGeom prst="rect">
+            <a:avLst/>
+          </a:prstGeom>
+          <a:noFill/>
+          <a:ln w="28575">
+            <a:solidFill>
+              <a:schemeClr val="tx1"/>
+            </a:solidFill>
+          </a:ln>
+        </p:spPr>
+        <p:txBody>
+          <a:bodyPr wrap="square" rtlCol="0">
+            <a:spAutoFit/>
+          </a:bodyPr>
+          <a:lstStyle/>
+          <a:p>
+            <a:r>
+              <a:rPr lang="zh-TW" altLang="en-US" dirty="0">
+                <a:latin typeface="標楷體" panose="03000509000000000000" pitchFamily="65" charset="-120"/>
+                <a:ea typeface="標楷體" panose="03000509000000000000" pitchFamily="65" charset="-120"/>
+              </a:rPr>
+              <a:t>形態學除噪點</a:t>
+            </a:r>
+          </a:p>
+        </p:txBody>
+      </p:sp>
+      <p:cxnSp>
+        <p:nvCxnSpPr>
+          <p:cNvPr id="68" name="直線單箭頭接點 67">
+            <a:extLst>
+              <a:ext uri="{FF2B5EF4-FFF2-40B4-BE49-F238E27FC236}">
+                <a16:creationId xmlns:a16="http://schemas.microsoft.com/office/drawing/2014/main" id="{D9C27E48-BC1F-41A3-AF28-19EE1873A8B9}"/>
+              </a:ext>
+            </a:extLst>
+          </p:cNvPr>
+          <p:cNvCxnSpPr>
+            <a:cxnSpLocks/>
+            <a:stCxn id="67" idx="3"/>
+            <a:endCxn id="64" idx="1"/>
+          </p:cNvCxnSpPr>
+          <p:nvPr/>
+        </p:nvCxnSpPr>
+        <p:spPr>
+          <a:xfrm flipV="1">
+            <a:off x="5059047" y="3759966"/>
+            <a:ext cx="682072" cy="11528"/>
+          </a:xfrm>
+          <a:prstGeom prst="straightConnector1">
+            <a:avLst/>
+          </a:prstGeom>
+          <a:ln w="19050">
+            <a:solidFill>
+              <a:schemeClr val="tx1"/>
+            </a:solidFill>
+            <a:tailEnd type="triangle"/>
+          </a:ln>
+        </p:spPr>
+        <p:style>
+          <a:lnRef idx="1">
+            <a:schemeClr val="accent1"/>
+          </a:lnRef>
+          <a:fillRef idx="0">
+            <a:schemeClr val="accent1"/>
+          </a:fillRef>
+          <a:effectRef idx="0">
+            <a:schemeClr val="accent1"/>
+          </a:effectRef>
+          <a:fontRef idx="minor">
+            <a:schemeClr val="tx1"/>
+          </a:fontRef>
+        </p:style>
+      </p:cxnSp>
+      <p:sp>
+        <p:nvSpPr>
+          <p:cNvPr id="73" name="文字方塊 72">
+            <a:extLst>
+              <a:ext uri="{FF2B5EF4-FFF2-40B4-BE49-F238E27FC236}">
+                <a16:creationId xmlns:a16="http://schemas.microsoft.com/office/drawing/2014/main" id="{B0229193-4AC2-481E-886A-F0E5668EF4DD}"/>
+              </a:ext>
+            </a:extLst>
+          </p:cNvPr>
+          <p:cNvSpPr txBox="1"/>
+          <p:nvPr/>
+        </p:nvSpPr>
+        <p:spPr>
+          <a:xfrm>
+            <a:off x="7898432" y="5307961"/>
+            <a:ext cx="796821" cy="369332"/>
+          </a:xfrm>
+          <a:prstGeom prst="rect">
+            <a:avLst/>
+          </a:prstGeom>
+          <a:noFill/>
+          <a:ln w="28575">
+            <a:solidFill>
+              <a:schemeClr val="tx1"/>
+            </a:solidFill>
+          </a:ln>
+        </p:spPr>
+        <p:txBody>
+          <a:bodyPr wrap="none" rtlCol="0">
+            <a:spAutoFit/>
+          </a:bodyPr>
+          <a:lstStyle/>
+          <a:p>
+            <a:r>
+              <a:rPr lang="en-US" altLang="zh-TW" dirty="0">
+                <a:latin typeface="Times New Roman" panose="02020603050405020304" pitchFamily="18" charset="0"/>
+                <a:cs typeface="Times New Roman" panose="02020603050405020304" pitchFamily="18" charset="0"/>
+              </a:rPr>
+              <a:t>search</a:t>
+            </a:r>
+            <a:endParaRPr lang="zh-TW" altLang="en-US" dirty="0">
+              <a:latin typeface="Times New Roman" panose="02020603050405020304" pitchFamily="18" charset="0"/>
+              <a:cs typeface="Times New Roman" panose="02020603050405020304" pitchFamily="18" charset="0"/>
+            </a:endParaRPr>
+          </a:p>
+        </p:txBody>
+      </p:sp>
+      <p:sp>
+        <p:nvSpPr>
+          <p:cNvPr id="74" name="文字方塊 73">
+            <a:extLst>
+              <a:ext uri="{FF2B5EF4-FFF2-40B4-BE49-F238E27FC236}">
+                <a16:creationId xmlns:a16="http://schemas.microsoft.com/office/drawing/2014/main" id="{FC660A45-44D9-4C0E-B461-F9822F70CE03}"/>
+              </a:ext>
+            </a:extLst>
+          </p:cNvPr>
+          <p:cNvSpPr txBox="1"/>
+          <p:nvPr/>
+        </p:nvSpPr>
+        <p:spPr>
+          <a:xfrm>
+            <a:off x="8501755" y="4987115"/>
+            <a:ext cx="1427846" cy="323165"/>
+          </a:xfrm>
+          <a:prstGeom prst="rect">
+            <a:avLst/>
+          </a:prstGeom>
+          <a:noFill/>
+        </p:spPr>
+        <p:txBody>
+          <a:bodyPr wrap="square" rtlCol="0">
+            <a:spAutoFit/>
+          </a:bodyPr>
+          <a:lstStyle/>
+          <a:p>
+            <a:r>
+              <a:rPr lang="zh-TW" altLang="en-US" sz="1500" dirty="0">
+                <a:latin typeface="標楷體" panose="03000509000000000000" pitchFamily="65" charset="-120"/>
+                <a:ea typeface="標楷體" panose="03000509000000000000" pitchFamily="65" charset="-120"/>
+              </a:rPr>
+              <a:t>切成多個小塊</a:t>
+            </a:r>
+          </a:p>
+        </p:txBody>
+      </p:sp>
+      <p:cxnSp>
+        <p:nvCxnSpPr>
+          <p:cNvPr id="104" name="直線單箭頭接點 103">
+            <a:extLst>
+              <a:ext uri="{FF2B5EF4-FFF2-40B4-BE49-F238E27FC236}">
+                <a16:creationId xmlns:a16="http://schemas.microsoft.com/office/drawing/2014/main" id="{6FE37F2B-2EEA-4A58-9E0F-E6DCF0B7D148}"/>
+              </a:ext>
+            </a:extLst>
+          </p:cNvPr>
+          <p:cNvCxnSpPr>
+            <a:cxnSpLocks/>
+            <a:stCxn id="15" idx="1"/>
+            <a:endCxn id="16" idx="3"/>
+          </p:cNvCxnSpPr>
+          <p:nvPr/>
+        </p:nvCxnSpPr>
+        <p:spPr>
+          <a:xfrm flipH="1" flipV="1">
+            <a:off x="3955666" y="5488794"/>
+            <a:ext cx="289822" cy="3833"/>
+          </a:xfrm>
+          <a:prstGeom prst="straightConnector1">
+            <a:avLst/>
+          </a:prstGeom>
+          <a:ln w="19050">
+            <a:solidFill>
+              <a:schemeClr val="tx1"/>
+            </a:solidFill>
+            <a:tailEnd type="triangle"/>
           </a:ln>
         </p:spPr>
         <p:style>
@@ -6429,22 +6638,67 @@
       </p:cxnSp>
       <p:cxnSp>
         <p:nvCxnSpPr>
-          <p:cNvPr id="24" name="直線接點 23">
-            <a:extLst>
-              <a:ext uri="{FF2B5EF4-FFF2-40B4-BE49-F238E27FC236}">
-                <a16:creationId xmlns:a16="http://schemas.microsoft.com/office/drawing/2014/main" id="{45B7F78B-9F87-4DFF-8535-11998023D8E8}"/>
+          <p:cNvPr id="108" name="直線單箭頭接點 107">
+            <a:extLst>
+              <a:ext uri="{FF2B5EF4-FFF2-40B4-BE49-F238E27FC236}">
+                <a16:creationId xmlns:a16="http://schemas.microsoft.com/office/drawing/2014/main" id="{A5E9D98D-900B-455B-AF28-2E221BD7E31E}"/>
               </a:ext>
             </a:extLst>
           </p:cNvPr>
           <p:cNvCxnSpPr>
-            <a:stCxn id="11" idx="3"/>
+            <a:cxnSpLocks/>
+            <a:endCxn id="15" idx="3"/>
           </p:cNvCxnSpPr>
           <p:nvPr/>
         </p:nvCxnSpPr>
         <p:spPr>
-          <a:xfrm>
-            <a:off x="4498679" y="3767194"/>
-            <a:ext cx="1432508" cy="8601"/>
+          <a:xfrm flipH="1">
+            <a:off x="5353484" y="5488794"/>
+            <a:ext cx="651679" cy="3833"/>
+          </a:xfrm>
+          <a:prstGeom prst="straightConnector1">
+            <a:avLst/>
+          </a:prstGeom>
+          <a:ln w="19050">
+            <a:solidFill>
+              <a:schemeClr val="tx1"/>
+            </a:solidFill>
+            <a:tailEnd type="triangle"/>
+          </a:ln>
+        </p:spPr>
+        <p:style>
+          <a:lnRef idx="1">
+            <a:schemeClr val="accent1"/>
+          </a:lnRef>
+          <a:fillRef idx="0">
+            <a:schemeClr val="accent1"/>
+          </a:fillRef>
+          <a:effectRef idx="0">
+            <a:schemeClr val="accent1"/>
+          </a:effectRef>
+          <a:fontRef idx="minor">
+            <a:schemeClr val="tx1"/>
+          </a:fontRef>
+        </p:style>
+      </p:cxnSp>
+      <p:cxnSp>
+        <p:nvCxnSpPr>
+          <p:cNvPr id="103" name="直線接點 102">
+            <a:extLst>
+              <a:ext uri="{FF2B5EF4-FFF2-40B4-BE49-F238E27FC236}">
+                <a16:creationId xmlns:a16="http://schemas.microsoft.com/office/drawing/2014/main" id="{FA813A8C-4F2A-49E8-8E0B-E88CC97B68A3}"/>
+              </a:ext>
+            </a:extLst>
+          </p:cNvPr>
+          <p:cNvCxnSpPr>
+            <a:stCxn id="73" idx="1"/>
+          </p:cNvCxnSpPr>
+          <p:nvPr/>
+        </p:nvCxnSpPr>
+        <p:spPr>
+          <a:xfrm flipH="1" flipV="1">
+            <a:off x="7553384" y="5488794"/>
+            <a:ext cx="345048" cy="3833"/>
           </a:xfrm>
           <a:prstGeom prst="line">
             <a:avLst/>
@@ -6453,6 +6707,53 @@
             <a:solidFill>
               <a:schemeClr val="tx1"/>
             </a:solidFill>
+          </a:ln>
+        </p:spPr>
+        <p:style>
+          <a:lnRef idx="1">
+            <a:schemeClr val="accent1"/>
+          </a:lnRef>
+          <a:fillRef idx="0">
+            <a:schemeClr val="accent1"/>
+          </a:fillRef>
+          <a:effectRef idx="0">
+            <a:schemeClr val="accent1"/>
+          </a:effectRef>
+          <a:fontRef idx="minor">
+            <a:schemeClr val="tx1"/>
+          </a:fontRef>
+        </p:style>
+      </p:cxnSp>
+      <p:cxnSp>
+        <p:nvCxnSpPr>
+          <p:cNvPr id="106" name="接點: 肘形 105">
+            <a:extLst>
+              <a:ext uri="{FF2B5EF4-FFF2-40B4-BE49-F238E27FC236}">
+                <a16:creationId xmlns:a16="http://schemas.microsoft.com/office/drawing/2014/main" id="{D26589C3-5924-4409-BBB8-D92C23D8E766}"/>
+              </a:ext>
+            </a:extLst>
+          </p:cNvPr>
+          <p:cNvCxnSpPr>
+            <a:stCxn id="65" idx="3"/>
+            <a:endCxn id="73" idx="3"/>
+          </p:cNvCxnSpPr>
+          <p:nvPr/>
+        </p:nvCxnSpPr>
+        <p:spPr>
+          <a:xfrm flipH="1">
+            <a:off x="8695253" y="3767194"/>
+            <a:ext cx="1185087" cy="1725433"/>
+          </a:xfrm>
+          <a:prstGeom prst="bentConnector3">
+            <a:avLst>
+              <a:gd name="adj1" fmla="val -74725"/>
+            </a:avLst>
+          </a:prstGeom>
+          <a:ln w="19050">
+            <a:solidFill>
+              <a:schemeClr val="tx1"/>
+            </a:solidFill>
+            <a:tailEnd type="triangle"/>
           </a:ln>
         </p:spPr>
         <p:style>

--- a/final_project/影像辨識 final_project.pptx
+++ b/final_project/影像辨識 final_project.pptx
@@ -6566,8 +6566,8 @@
         </p:nvSpPr>
         <p:spPr>
           <a:xfrm>
-            <a:off x="8501755" y="4987115"/>
-            <a:ext cx="1427846" cy="323165"/>
+            <a:off x="8580754" y="4846296"/>
+            <a:ext cx="1806193" cy="461665"/>
           </a:xfrm>
           <a:prstGeom prst="rect">
             <a:avLst/>
@@ -6581,11 +6581,11 @@
           <a:lstStyle/>
           <a:p>
             <a:r>
-              <a:rPr lang="zh-TW" altLang="en-US" sz="1500" dirty="0">
-                <a:latin typeface="標楷體" panose="03000509000000000000" pitchFamily="65" charset="-120"/>
-                <a:ea typeface="標楷體" panose="03000509000000000000" pitchFamily="65" charset="-120"/>
-              </a:rPr>
-              <a:t>切成多個小塊</a:t>
+              <a:rPr lang="zh-TW" altLang="en-US" sz="1200" dirty="0">
+                <a:latin typeface="標楷體" panose="03000509000000000000" pitchFamily="65" charset="-120"/>
+                <a:ea typeface="標楷體" panose="03000509000000000000" pitchFamily="65" charset="-120"/>
+              </a:rPr>
+              <a:t>找出較小方格，計算該方格中輪廓面積</a:t>
             </a:r>
           </a:p>
         </p:txBody>

--- a/final_project/影像辨識 final_project.pptx
+++ b/final_project/影像辨識 final_project.pptx
@@ -4117,7 +4117,7 @@
         </p:nvSpPr>
         <p:spPr>
           <a:xfrm>
-            <a:off x="838200" y="365125"/>
+            <a:off x="838200" y="159824"/>
             <a:ext cx="10515600" cy="973169"/>
           </a:xfrm>
         </p:spPr>
@@ -4154,7 +4154,7 @@
         </p:nvSpPr>
         <p:spPr>
           <a:xfrm>
-            <a:off x="4891483" y="2041912"/>
+            <a:off x="5299856" y="1198471"/>
             <a:ext cx="1338828" cy="369332"/>
           </a:xfrm>
           <a:prstGeom prst="rect">
@@ -4197,7 +4197,7 @@
         </p:nvSpPr>
         <p:spPr>
           <a:xfrm>
-            <a:off x="515034" y="3034498"/>
+            <a:off x="923407" y="2191057"/>
             <a:ext cx="646331" cy="369332"/>
           </a:xfrm>
           <a:prstGeom prst="rect">
@@ -4240,7 +4240,7 @@
         </p:nvSpPr>
         <p:spPr>
           <a:xfrm>
-            <a:off x="5122316" y="3083775"/>
+            <a:off x="5530689" y="2240334"/>
             <a:ext cx="877163" cy="369332"/>
           </a:xfrm>
           <a:prstGeom prst="rect">
@@ -4283,7 +4283,7 @@
         </p:nvSpPr>
         <p:spPr>
           <a:xfrm>
-            <a:off x="9301463" y="3144378"/>
+            <a:off x="9709836" y="2300937"/>
             <a:ext cx="877163" cy="369332"/>
           </a:xfrm>
           <a:prstGeom prst="rect">
@@ -4326,7 +4326,7 @@
         </p:nvSpPr>
         <p:spPr>
           <a:xfrm>
-            <a:off x="9186048" y="4700929"/>
+            <a:off x="9594421" y="3857488"/>
             <a:ext cx="1107996" cy="369332"/>
           </a:xfrm>
           <a:prstGeom prst="rect">
@@ -4369,7 +4369,7 @@
         </p:nvSpPr>
         <p:spPr>
           <a:xfrm>
-            <a:off x="10464422" y="4710105"/>
+            <a:off x="10872795" y="3866664"/>
             <a:ext cx="1107996" cy="369332"/>
           </a:xfrm>
           <a:prstGeom prst="rect">
@@ -4412,7 +4412,7 @@
         </p:nvSpPr>
         <p:spPr>
           <a:xfrm>
-            <a:off x="7106501" y="4710105"/>
+            <a:off x="7514874" y="3866664"/>
             <a:ext cx="1107996" cy="369332"/>
           </a:xfrm>
           <a:prstGeom prst="rect">
@@ -4455,7 +4455,7 @@
         </p:nvSpPr>
         <p:spPr>
           <a:xfrm>
-            <a:off x="8369339" y="4710105"/>
+            <a:off x="8777712" y="3866664"/>
             <a:ext cx="646331" cy="369332"/>
           </a:xfrm>
           <a:prstGeom prst="rect">
@@ -4501,7 +4501,7 @@
         </p:nvCxnSpPr>
         <p:spPr>
           <a:xfrm rot="16200000" flipH="1">
-            <a:off x="5234182" y="-1361484"/>
+            <a:off x="5642555" y="-2204925"/>
             <a:ext cx="109880" cy="8901845"/>
           </a:xfrm>
           <a:prstGeom prst="bentConnector3">
@@ -4548,7 +4548,7 @@
         </p:nvCxnSpPr>
         <p:spPr>
           <a:xfrm>
-            <a:off x="5556019" y="2411244"/>
+            <a:off x="5964392" y="1567803"/>
             <a:ext cx="1" cy="672531"/>
           </a:xfrm>
           <a:prstGeom prst="straightConnector1">
@@ -4594,7 +4594,7 @@
         </p:nvCxnSpPr>
         <p:spPr>
           <a:xfrm rot="5400000" flipH="1" flipV="1">
-            <a:off x="9339459" y="3031145"/>
+            <a:off x="9747832" y="2187704"/>
             <a:ext cx="12700" cy="3357921"/>
           </a:xfrm>
           <a:prstGeom prst="bentConnector3">
@@ -4639,7 +4639,7 @@
         </p:nvSpPr>
         <p:spPr>
           <a:xfrm>
-            <a:off x="268604" y="4014112"/>
+            <a:off x="676977" y="3170671"/>
             <a:ext cx="1601047" cy="369332"/>
           </a:xfrm>
           <a:prstGeom prst="rect">
@@ -4681,7 +4681,7 @@
         </p:nvSpPr>
         <p:spPr>
           <a:xfrm>
-            <a:off x="268603" y="4383444"/>
+            <a:off x="676976" y="3540003"/>
             <a:ext cx="1601047" cy="369332"/>
           </a:xfrm>
           <a:prstGeom prst="rect">
@@ -4723,7 +4723,7 @@
         </p:nvSpPr>
         <p:spPr>
           <a:xfrm>
-            <a:off x="296909" y="3590305"/>
+            <a:off x="705282" y="2746864"/>
             <a:ext cx="1601047" cy="369332"/>
           </a:xfrm>
           <a:prstGeom prst="rect">
@@ -4765,7 +4765,7 @@
         </p:nvSpPr>
         <p:spPr>
           <a:xfrm>
-            <a:off x="5085500" y="3774971"/>
+            <a:off x="5493873" y="2931530"/>
             <a:ext cx="947001" cy="369332"/>
           </a:xfrm>
           <a:prstGeom prst="rect">
@@ -4811,7 +4811,7 @@
         </p:nvCxnSpPr>
         <p:spPr>
           <a:xfrm>
-            <a:off x="9740045" y="4205104"/>
+            <a:off x="10148418" y="3361663"/>
             <a:ext cx="1" cy="495825"/>
           </a:xfrm>
           <a:prstGeom prst="straightConnector1">
@@ -4856,7 +4856,7 @@
         </p:nvCxnSpPr>
         <p:spPr>
           <a:xfrm>
-            <a:off x="8692505" y="4459671"/>
+            <a:off x="9100878" y="3616230"/>
             <a:ext cx="0" cy="250434"/>
           </a:xfrm>
           <a:prstGeom prst="straightConnector1">
@@ -4902,7 +4902,7 @@
         </p:nvCxnSpPr>
         <p:spPr>
           <a:xfrm flipH="1">
-            <a:off x="5559001" y="3453107"/>
+            <a:off x="5967374" y="2609666"/>
             <a:ext cx="1897" cy="321864"/>
           </a:xfrm>
           <a:prstGeom prst="straightConnector1">
@@ -4944,8 +4944,8 @@
         </p:nvSpPr>
         <p:spPr>
           <a:xfrm>
-            <a:off x="4519316" y="5185185"/>
-            <a:ext cx="2073403" cy="523220"/>
+            <a:off x="4934354" y="4241708"/>
+            <a:ext cx="2073403" cy="738664"/>
           </a:xfrm>
           <a:prstGeom prst="rect">
             <a:avLst/>
@@ -4981,17 +4981,62 @@
                 <a:latin typeface="標楷體" panose="03000509000000000000" pitchFamily="65" charset="-120"/>
                 <a:ea typeface="標楷體" panose="03000509000000000000" pitchFamily="65" charset="-120"/>
               </a:rPr>
-              <a:t>計算水平、垂直線</a:t>
-            </a:r>
-          </a:p>
-        </p:txBody>
-      </p:sp>
-      <p:sp>
-        <p:nvSpPr>
-          <p:cNvPr id="100" name="文字方塊 99">
-            <a:extLst>
-              <a:ext uri="{FF2B5EF4-FFF2-40B4-BE49-F238E27FC236}">
-                <a16:creationId xmlns:a16="http://schemas.microsoft.com/office/drawing/2014/main" id="{C0E3D8E6-CC17-4EC5-BF60-BB47CC327509}"/>
+              <a:t>分離出水平與垂直線，結合成方格</a:t>
+            </a:r>
+          </a:p>
+        </p:txBody>
+      </p:sp>
+      <p:cxnSp>
+        <p:nvCxnSpPr>
+          <p:cNvPr id="101" name="直線單箭頭接點 100">
+            <a:extLst>
+              <a:ext uri="{FF2B5EF4-FFF2-40B4-BE49-F238E27FC236}">
+                <a16:creationId xmlns:a16="http://schemas.microsoft.com/office/drawing/2014/main" id="{C07D69FD-3BA8-4EF4-9C4A-B7684C7FBE50}"/>
+              </a:ext>
+            </a:extLst>
+          </p:cNvPr>
+          <p:cNvCxnSpPr>
+            <a:cxnSpLocks/>
+            <a:stCxn id="85" idx="2"/>
+          </p:cNvCxnSpPr>
+          <p:nvPr/>
+        </p:nvCxnSpPr>
+        <p:spPr>
+          <a:xfrm flipH="1">
+            <a:off x="5971055" y="4980372"/>
+            <a:ext cx="1" cy="199072"/>
+          </a:xfrm>
+          <a:prstGeom prst="straightConnector1">
+            <a:avLst/>
+          </a:prstGeom>
+          <a:ln w="19050">
+            <a:solidFill>
+              <a:schemeClr val="tx1"/>
+            </a:solidFill>
+            <a:tailEnd type="triangle"/>
+          </a:ln>
+        </p:spPr>
+        <p:style>
+          <a:lnRef idx="1">
+            <a:schemeClr val="accent1"/>
+          </a:lnRef>
+          <a:fillRef idx="0">
+            <a:schemeClr val="accent1"/>
+          </a:fillRef>
+          <a:effectRef idx="0">
+            <a:schemeClr val="accent1"/>
+          </a:effectRef>
+          <a:fontRef idx="minor">
+            <a:schemeClr val="tx1"/>
+          </a:fontRef>
+        </p:style>
+      </p:cxnSp>
+      <p:sp>
+        <p:nvSpPr>
+          <p:cNvPr id="102" name="文字方塊 101">
+            <a:extLst>
+              <a:ext uri="{FF2B5EF4-FFF2-40B4-BE49-F238E27FC236}">
+                <a16:creationId xmlns:a16="http://schemas.microsoft.com/office/drawing/2014/main" id="{EFA020CF-481A-4FCC-A51B-3ABA277BFD9F}"/>
               </a:ext>
             </a:extLst>
           </p:cNvPr>
@@ -5000,8 +5045,8 @@
         </p:nvSpPr>
         <p:spPr>
           <a:xfrm>
-            <a:off x="4906225" y="6051561"/>
-            <a:ext cx="1299586" cy="523220"/>
+            <a:off x="8563423" y="3024734"/>
+            <a:ext cx="3169987" cy="276999"/>
           </a:xfrm>
           <a:prstGeom prst="rect">
             <a:avLst/>
@@ -5020,48 +5065,42 @@
           <a:lstStyle/>
           <a:p>
             <a:r>
-              <a:rPr lang="en-US" altLang="zh-TW" sz="1400" dirty="0" err="1">
-                <a:latin typeface="標楷體" panose="03000509000000000000" pitchFamily="65" charset="-120"/>
-                <a:ea typeface="標楷體" panose="03000509000000000000" pitchFamily="65" charset="-120"/>
-              </a:rPr>
-              <a:t>findContours</a:t>
-            </a:r>
-            <a:br>
-              <a:rPr lang="en-US" altLang="zh-TW" sz="1400" dirty="0">
-                <a:latin typeface="標楷體" panose="03000509000000000000" pitchFamily="65" charset="-120"/>
-                <a:ea typeface="標楷體" panose="03000509000000000000" pitchFamily="65" charset="-120"/>
-              </a:rPr>
-            </a:br>
-            <a:r>
-              <a:rPr lang="zh-TW" altLang="en-US" sz="1400" dirty="0">
-                <a:latin typeface="標楷體" panose="03000509000000000000" pitchFamily="65" charset="-120"/>
-                <a:ea typeface="標楷體" panose="03000509000000000000" pitchFamily="65" charset="-120"/>
-              </a:rPr>
-              <a:t>計算輪廓</a:t>
+              <a:rPr lang="en-US" altLang="zh-TW" sz="1200" dirty="0">
+                <a:latin typeface="標楷體" panose="03000509000000000000" pitchFamily="65" charset="-120"/>
+                <a:ea typeface="標楷體" panose="03000509000000000000" pitchFamily="65" charset="-120"/>
+              </a:rPr>
+              <a:t>search</a:t>
+            </a:r>
+            <a:r>
+              <a:rPr lang="zh-TW" altLang="en-US" sz="1200" dirty="0">
+                <a:latin typeface="標楷體" panose="03000509000000000000" pitchFamily="65" charset="-120"/>
+                <a:ea typeface="標楷體" panose="03000509000000000000" pitchFamily="65" charset="-120"/>
+              </a:rPr>
+              <a:t>遍歷方格，計算方格內輪廓面積</a:t>
             </a:r>
           </a:p>
         </p:txBody>
       </p:sp>
       <p:cxnSp>
         <p:nvCxnSpPr>
-          <p:cNvPr id="101" name="直線單箭頭接點 100">
-            <a:extLst>
-              <a:ext uri="{FF2B5EF4-FFF2-40B4-BE49-F238E27FC236}">
-                <a16:creationId xmlns:a16="http://schemas.microsoft.com/office/drawing/2014/main" id="{C07D69FD-3BA8-4EF4-9C4A-B7684C7FBE50}"/>
+          <p:cNvPr id="103" name="直線單箭頭接點 102">
+            <a:extLst>
+              <a:ext uri="{FF2B5EF4-FFF2-40B4-BE49-F238E27FC236}">
+                <a16:creationId xmlns:a16="http://schemas.microsoft.com/office/drawing/2014/main" id="{0D01EF58-A439-440A-A871-1D90ACEA634B}"/>
               </a:ext>
             </a:extLst>
           </p:cNvPr>
           <p:cNvCxnSpPr>
             <a:cxnSpLocks/>
-            <a:stCxn id="85" idx="2"/>
-            <a:endCxn id="100" idx="0"/>
+            <a:stCxn id="9" idx="2"/>
+            <a:endCxn id="102" idx="0"/>
           </p:cNvCxnSpPr>
           <p:nvPr/>
         </p:nvCxnSpPr>
         <p:spPr>
-          <a:xfrm>
-            <a:off x="5556018" y="5708405"/>
-            <a:ext cx="0" cy="343156"/>
+          <a:xfrm flipH="1">
+            <a:off x="10148417" y="2670269"/>
+            <a:ext cx="1" cy="354465"/>
           </a:xfrm>
           <a:prstGeom prst="straightConnector1">
             <a:avLst/>
@@ -5090,10 +5129,10 @@
       </p:cxnSp>
       <p:sp>
         <p:nvSpPr>
-          <p:cNvPr id="102" name="文字方塊 101">
-            <a:extLst>
-              <a:ext uri="{FF2B5EF4-FFF2-40B4-BE49-F238E27FC236}">
-                <a16:creationId xmlns:a16="http://schemas.microsoft.com/office/drawing/2014/main" id="{EFA020CF-481A-4FCC-A51B-3ABA277BFD9F}"/>
+          <p:cNvPr id="107" name="文字方塊 106">
+            <a:extLst>
+              <a:ext uri="{FF2B5EF4-FFF2-40B4-BE49-F238E27FC236}">
+                <a16:creationId xmlns:a16="http://schemas.microsoft.com/office/drawing/2014/main" id="{E216AFD3-694A-45B4-896C-22E68A28147A}"/>
               </a:ext>
             </a:extLst>
           </p:cNvPr>
@@ -5102,8 +5141,8 @@
         </p:nvSpPr>
         <p:spPr>
           <a:xfrm>
-            <a:off x="9277737" y="3831195"/>
-            <a:ext cx="924614" cy="369332"/>
+            <a:off x="3073395" y="2216227"/>
+            <a:ext cx="1454244" cy="369332"/>
           </a:xfrm>
           <a:prstGeom prst="rect">
             <a:avLst/>
@@ -5116,45 +5155,47 @@
           </a:ln>
         </p:spPr>
         <p:txBody>
-          <a:bodyPr wrap="square" rtlCol="0">
+          <a:bodyPr wrap="none" rtlCol="0">
             <a:spAutoFit/>
           </a:bodyPr>
           <a:lstStyle/>
           <a:p>
             <a:r>
               <a:rPr lang="en-US" altLang="zh-TW" dirty="0">
-                <a:latin typeface="Times New Roman" panose="02020603050405020304" pitchFamily="18" charset="0"/>
-                <a:cs typeface="Times New Roman" panose="02020603050405020304" pitchFamily="18" charset="0"/>
-              </a:rPr>
-              <a:t>search</a:t>
-            </a:r>
-            <a:endParaRPr lang="zh-TW" altLang="en-US" dirty="0">
-              <a:latin typeface="Times New Roman" panose="02020603050405020304" pitchFamily="18" charset="0"/>
-              <a:cs typeface="Times New Roman" panose="02020603050405020304" pitchFamily="18" charset="0"/>
-            </a:endParaRPr>
+                <a:latin typeface="標楷體" panose="03000509000000000000" pitchFamily="65" charset="-120"/>
+                <a:ea typeface="標楷體" panose="03000509000000000000" pitchFamily="65" charset="-120"/>
+              </a:rPr>
+              <a:t>Web</a:t>
+            </a:r>
+            <a:r>
+              <a:rPr lang="zh-TW" altLang="en-US" dirty="0">
+                <a:latin typeface="標楷體" panose="03000509000000000000" pitchFamily="65" charset="-120"/>
+                <a:ea typeface="標楷體" panose="03000509000000000000" pitchFamily="65" charset="-120"/>
+              </a:rPr>
+              <a:t>輸入圖片</a:t>
+            </a:r>
           </a:p>
         </p:txBody>
       </p:sp>
       <p:cxnSp>
         <p:nvCxnSpPr>
-          <p:cNvPr id="103" name="直線單箭頭接點 102">
-            <a:extLst>
-              <a:ext uri="{FF2B5EF4-FFF2-40B4-BE49-F238E27FC236}">
-                <a16:creationId xmlns:a16="http://schemas.microsoft.com/office/drawing/2014/main" id="{0D01EF58-A439-440A-A871-1D90ACEA634B}"/>
+          <p:cNvPr id="117" name="直線單箭頭接點 116">
+            <a:extLst>
+              <a:ext uri="{FF2B5EF4-FFF2-40B4-BE49-F238E27FC236}">
+                <a16:creationId xmlns:a16="http://schemas.microsoft.com/office/drawing/2014/main" id="{291391BD-B079-40ED-875E-F140CFBD31E7}"/>
               </a:ext>
             </a:extLst>
           </p:cNvPr>
           <p:cNvCxnSpPr>
             <a:cxnSpLocks/>
-            <a:stCxn id="9" idx="2"/>
-            <a:endCxn id="102" idx="0"/>
+            <a:endCxn id="107" idx="0"/>
           </p:cNvCxnSpPr>
           <p:nvPr/>
         </p:nvCxnSpPr>
         <p:spPr>
-          <a:xfrm flipH="1">
-            <a:off x="9740044" y="3513710"/>
-            <a:ext cx="1" cy="317485"/>
+          <a:xfrm>
+            <a:off x="3800517" y="1970780"/>
+            <a:ext cx="0" cy="245447"/>
           </a:xfrm>
           <a:prstGeom prst="straightConnector1">
             <a:avLst/>
@@ -5183,10 +5224,10 @@
       </p:cxnSp>
       <p:sp>
         <p:nvSpPr>
-          <p:cNvPr id="107" name="文字方塊 106">
-            <a:extLst>
-              <a:ext uri="{FF2B5EF4-FFF2-40B4-BE49-F238E27FC236}">
-                <a16:creationId xmlns:a16="http://schemas.microsoft.com/office/drawing/2014/main" id="{E216AFD3-694A-45B4-896C-22E68A28147A}"/>
+          <p:cNvPr id="124" name="文字方塊 123">
+            <a:extLst>
+              <a:ext uri="{FF2B5EF4-FFF2-40B4-BE49-F238E27FC236}">
+                <a16:creationId xmlns:a16="http://schemas.microsoft.com/office/drawing/2014/main" id="{0E63577A-B500-4D5F-A9A3-107B409BB7EF}"/>
               </a:ext>
             </a:extLst>
           </p:cNvPr>
@@ -5195,8 +5236,8 @@
         </p:nvSpPr>
         <p:spPr>
           <a:xfrm>
-            <a:off x="2665022" y="3059668"/>
-            <a:ext cx="1454244" cy="369332"/>
+            <a:off x="5185043" y="3622726"/>
+            <a:ext cx="1558696" cy="369332"/>
           </a:xfrm>
           <a:prstGeom prst="rect">
             <a:avLst/>
@@ -5209,47 +5250,39 @@
           </a:ln>
         </p:spPr>
         <p:txBody>
-          <a:bodyPr wrap="none" rtlCol="0">
+          <a:bodyPr wrap="square" rtlCol="0">
             <a:spAutoFit/>
           </a:bodyPr>
           <a:lstStyle/>
           <a:p>
             <a:r>
-              <a:rPr lang="en-US" altLang="zh-TW" dirty="0">
-                <a:latin typeface="標楷體" panose="03000509000000000000" pitchFamily="65" charset="-120"/>
-                <a:ea typeface="標楷體" panose="03000509000000000000" pitchFamily="65" charset="-120"/>
-              </a:rPr>
-              <a:t>Web</a:t>
-            </a:r>
-            <a:r>
               <a:rPr lang="zh-TW" altLang="en-US" dirty="0">
                 <a:latin typeface="標楷體" panose="03000509000000000000" pitchFamily="65" charset="-120"/>
                 <a:ea typeface="標楷體" panose="03000509000000000000" pitchFamily="65" charset="-120"/>
               </a:rPr>
-              <a:t>輸入圖片</a:t>
+              <a:t>形態學除噪點</a:t>
             </a:r>
           </a:p>
         </p:txBody>
       </p:sp>
       <p:cxnSp>
         <p:nvCxnSpPr>
-          <p:cNvPr id="117" name="直線單箭頭接點 116">
-            <a:extLst>
-              <a:ext uri="{FF2B5EF4-FFF2-40B4-BE49-F238E27FC236}">
-                <a16:creationId xmlns:a16="http://schemas.microsoft.com/office/drawing/2014/main" id="{291391BD-B079-40ED-875E-F140CFBD31E7}"/>
+          <p:cNvPr id="130" name="直線單箭頭接點 129">
+            <a:extLst>
+              <a:ext uri="{FF2B5EF4-FFF2-40B4-BE49-F238E27FC236}">
+                <a16:creationId xmlns:a16="http://schemas.microsoft.com/office/drawing/2014/main" id="{542D834C-6F93-46F2-83D5-0F3E80E928B4}"/>
               </a:ext>
             </a:extLst>
           </p:cNvPr>
           <p:cNvCxnSpPr>
             <a:cxnSpLocks/>
-            <a:endCxn id="107" idx="0"/>
           </p:cNvCxnSpPr>
           <p:nvPr/>
         </p:nvCxnSpPr>
         <p:spPr>
-          <a:xfrm>
-            <a:off x="3392144" y="2814221"/>
-            <a:ext cx="0" cy="245447"/>
+          <a:xfrm flipH="1">
+            <a:off x="5950081" y="3300862"/>
+            <a:ext cx="1897" cy="321864"/>
           </a:xfrm>
           <a:prstGeom prst="straightConnector1">
             <a:avLst/>
@@ -5276,12 +5309,58 @@
           </a:fontRef>
         </p:style>
       </p:cxnSp>
-      <p:sp>
-        <p:nvSpPr>
-          <p:cNvPr id="124" name="文字方塊 123">
-            <a:extLst>
-              <a:ext uri="{FF2B5EF4-FFF2-40B4-BE49-F238E27FC236}">
-                <a16:creationId xmlns:a16="http://schemas.microsoft.com/office/drawing/2014/main" id="{0E63577A-B500-4D5F-A9A3-107B409BB7EF}"/>
+      <p:cxnSp>
+        <p:nvCxnSpPr>
+          <p:cNvPr id="131" name="直線單箭頭接點 130">
+            <a:extLst>
+              <a:ext uri="{FF2B5EF4-FFF2-40B4-BE49-F238E27FC236}">
+                <a16:creationId xmlns:a16="http://schemas.microsoft.com/office/drawing/2014/main" id="{6BA57C18-7613-4048-969C-E88D71F588A5}"/>
+              </a:ext>
+            </a:extLst>
+          </p:cNvPr>
+          <p:cNvCxnSpPr>
+            <a:cxnSpLocks/>
+            <a:stCxn id="124" idx="2"/>
+            <a:endCxn id="85" idx="0"/>
+          </p:cNvCxnSpPr>
+          <p:nvPr/>
+        </p:nvCxnSpPr>
+        <p:spPr>
+          <a:xfrm>
+            <a:off x="5964391" y="3992058"/>
+            <a:ext cx="6665" cy="249650"/>
+          </a:xfrm>
+          <a:prstGeom prst="straightConnector1">
+            <a:avLst/>
+          </a:prstGeom>
+          <a:ln w="19050">
+            <a:solidFill>
+              <a:schemeClr val="tx1"/>
+            </a:solidFill>
+            <a:tailEnd type="triangle"/>
+          </a:ln>
+        </p:spPr>
+        <p:style>
+          <a:lnRef idx="1">
+            <a:schemeClr val="accent1"/>
+          </a:lnRef>
+          <a:fillRef idx="0">
+            <a:schemeClr val="accent1"/>
+          </a:fillRef>
+          <a:effectRef idx="0">
+            <a:schemeClr val="accent1"/>
+          </a:effectRef>
+          <a:fontRef idx="minor">
+            <a:schemeClr val="tx1"/>
+          </a:fontRef>
+        </p:style>
+      </p:cxnSp>
+      <p:sp>
+        <p:nvSpPr>
+          <p:cNvPr id="51" name="文字方塊 50">
+            <a:extLst>
+              <a:ext uri="{FF2B5EF4-FFF2-40B4-BE49-F238E27FC236}">
+                <a16:creationId xmlns:a16="http://schemas.microsoft.com/office/drawing/2014/main" id="{3F5C51FA-F661-4A4A-AB6C-9B2F4ED36A47}"/>
               </a:ext>
             </a:extLst>
           </p:cNvPr>
@@ -5290,8 +5369,8 @@
         </p:nvSpPr>
         <p:spPr>
           <a:xfrm>
-            <a:off x="4776670" y="4466167"/>
-            <a:ext cx="1558696" cy="369332"/>
+            <a:off x="4934354" y="5656744"/>
+            <a:ext cx="2073405" cy="523220"/>
           </a:xfrm>
           <a:prstGeom prst="rect">
             <a:avLst/>
@@ -5310,33 +5389,48 @@
           <a:lstStyle/>
           <a:p>
             <a:r>
-              <a:rPr lang="zh-TW" altLang="en-US" dirty="0">
-                <a:latin typeface="標楷體" panose="03000509000000000000" pitchFamily="65" charset="-120"/>
-                <a:ea typeface="標楷體" panose="03000509000000000000" pitchFamily="65" charset="-120"/>
-              </a:rPr>
-              <a:t>形態學除噪點</a:t>
+              <a:rPr lang="en-US" altLang="zh-TW" sz="1400" dirty="0" err="1">
+                <a:latin typeface="標楷體" panose="03000509000000000000" pitchFamily="65" charset="-120"/>
+                <a:ea typeface="標楷體" panose="03000509000000000000" pitchFamily="65" charset="-120"/>
+              </a:rPr>
+              <a:t>findContours</a:t>
+            </a:r>
+            <a:br>
+              <a:rPr lang="en-US" altLang="zh-TW" sz="1400" dirty="0">
+                <a:latin typeface="標楷體" panose="03000509000000000000" pitchFamily="65" charset="-120"/>
+                <a:ea typeface="標楷體" panose="03000509000000000000" pitchFamily="65" charset="-120"/>
+              </a:rPr>
+            </a:br>
+            <a:r>
+              <a:rPr lang="zh-TW" altLang="en-US" sz="1400" dirty="0">
+                <a:latin typeface="標楷體" panose="03000509000000000000" pitchFamily="65" charset="-120"/>
+                <a:ea typeface="標楷體" panose="03000509000000000000" pitchFamily="65" charset="-120"/>
+              </a:rPr>
+              <a:t>計算方格內的輪廓</a:t>
             </a:r>
           </a:p>
         </p:txBody>
       </p:sp>
       <p:cxnSp>
         <p:nvCxnSpPr>
-          <p:cNvPr id="130" name="直線單箭頭接點 129">
-            <a:extLst>
-              <a:ext uri="{FF2B5EF4-FFF2-40B4-BE49-F238E27FC236}">
-                <a16:creationId xmlns:a16="http://schemas.microsoft.com/office/drawing/2014/main" id="{542D834C-6F93-46F2-83D5-0F3E80E928B4}"/>
+          <p:cNvPr id="52" name="直線單箭頭接點 51">
+            <a:extLst>
+              <a:ext uri="{FF2B5EF4-FFF2-40B4-BE49-F238E27FC236}">
+                <a16:creationId xmlns:a16="http://schemas.microsoft.com/office/drawing/2014/main" id="{FB90582A-112A-4F6B-8E37-6B6D87C719CF}"/>
               </a:ext>
             </a:extLst>
           </p:cNvPr>
           <p:cNvCxnSpPr>
             <a:cxnSpLocks/>
+            <a:stCxn id="69" idx="2"/>
+            <a:endCxn id="51" idx="0"/>
           </p:cNvCxnSpPr>
           <p:nvPr/>
         </p:nvCxnSpPr>
         <p:spPr>
-          <a:xfrm flipH="1">
-            <a:off x="5541708" y="4144303"/>
-            <a:ext cx="1897" cy="321864"/>
+          <a:xfrm>
+            <a:off x="5971055" y="5467734"/>
+            <a:ext cx="2" cy="189010"/>
           </a:xfrm>
           <a:prstGeom prst="straightConnector1">
             <a:avLst/>
@@ -5363,26 +5457,67 @@
           </a:fontRef>
         </p:style>
       </p:cxnSp>
+      <p:sp>
+        <p:nvSpPr>
+          <p:cNvPr id="69" name="文字方塊 68">
+            <a:extLst>
+              <a:ext uri="{FF2B5EF4-FFF2-40B4-BE49-F238E27FC236}">
+                <a16:creationId xmlns:a16="http://schemas.microsoft.com/office/drawing/2014/main" id="{AA173F3D-7313-41C0-84A0-9A238F12EEF5}"/>
+              </a:ext>
+            </a:extLst>
+          </p:cNvPr>
+          <p:cNvSpPr txBox="1"/>
+          <p:nvPr/>
+        </p:nvSpPr>
+        <p:spPr>
+          <a:xfrm>
+            <a:off x="4790298" y="5159957"/>
+            <a:ext cx="2361513" cy="307777"/>
+          </a:xfrm>
+          <a:prstGeom prst="rect">
+            <a:avLst/>
+          </a:prstGeom>
+          <a:noFill/>
+          <a:ln w="28575">
+            <a:solidFill>
+              <a:schemeClr val="tx1"/>
+            </a:solidFill>
+          </a:ln>
+        </p:spPr>
+        <p:txBody>
+          <a:bodyPr wrap="square" rtlCol="0">
+            <a:spAutoFit/>
+          </a:bodyPr>
+          <a:lstStyle/>
+          <a:p>
+            <a:r>
+              <a:rPr lang="zh-TW" altLang="en-US" sz="1400" dirty="0">
+                <a:latin typeface="標楷體" panose="03000509000000000000" pitchFamily="65" charset="-120"/>
+                <a:ea typeface="標楷體" panose="03000509000000000000" pitchFamily="65" charset="-120"/>
+              </a:rPr>
+              <a:t>過濾出畫記可能存在的方格</a:t>
+            </a:r>
+          </a:p>
+        </p:txBody>
+      </p:sp>
       <p:cxnSp>
         <p:nvCxnSpPr>
-          <p:cNvPr id="131" name="直線單箭頭接點 130">
-            <a:extLst>
-              <a:ext uri="{FF2B5EF4-FFF2-40B4-BE49-F238E27FC236}">
-                <a16:creationId xmlns:a16="http://schemas.microsoft.com/office/drawing/2014/main" id="{6BA57C18-7613-4048-969C-E88D71F588A5}"/>
+          <p:cNvPr id="70" name="直線單箭頭接點 69">
+            <a:extLst>
+              <a:ext uri="{FF2B5EF4-FFF2-40B4-BE49-F238E27FC236}">
+                <a16:creationId xmlns:a16="http://schemas.microsoft.com/office/drawing/2014/main" id="{C015A073-C023-4D33-8FE5-E29823966000}"/>
               </a:ext>
             </a:extLst>
           </p:cNvPr>
           <p:cNvCxnSpPr>
             <a:cxnSpLocks/>
-            <a:stCxn id="124" idx="2"/>
-            <a:endCxn id="85" idx="0"/>
           </p:cNvCxnSpPr>
           <p:nvPr/>
         </p:nvCxnSpPr>
         <p:spPr>
-          <a:xfrm>
-            <a:off x="5556018" y="4835499"/>
-            <a:ext cx="0" cy="349686"/>
+          <a:xfrm flipH="1">
+            <a:off x="5971055" y="4977373"/>
+            <a:ext cx="1" cy="199072"/>
           </a:xfrm>
           <a:prstGeom prst="straightConnector1">
             <a:avLst/>

--- a/final_project/影像辨識 final_project.pptx
+++ b/final_project/影像辨識 final_project.pptx
@@ -4326,7 +4326,7 @@
         </p:nvSpPr>
         <p:spPr>
           <a:xfrm>
-            <a:off x="9594421" y="3857488"/>
+            <a:off x="9602635" y="3788175"/>
             <a:ext cx="1107996" cy="369332"/>
           </a:xfrm>
           <a:prstGeom prst="rect">
@@ -4369,7 +4369,7 @@
         </p:nvSpPr>
         <p:spPr>
           <a:xfrm>
-            <a:off x="10872795" y="3866664"/>
+            <a:off x="10881009" y="3797351"/>
             <a:ext cx="1107996" cy="369332"/>
           </a:xfrm>
           <a:prstGeom prst="rect">
@@ -4412,7 +4412,7 @@
         </p:nvSpPr>
         <p:spPr>
           <a:xfrm>
-            <a:off x="7514874" y="3866664"/>
+            <a:off x="7523088" y="3797351"/>
             <a:ext cx="1107996" cy="369332"/>
           </a:xfrm>
           <a:prstGeom prst="rect">
@@ -4455,7 +4455,7 @@
         </p:nvSpPr>
         <p:spPr>
           <a:xfrm>
-            <a:off x="8777712" y="3866664"/>
+            <a:off x="8785926" y="3797351"/>
             <a:ext cx="646331" cy="369332"/>
           </a:xfrm>
           <a:prstGeom prst="rect">
@@ -4594,7 +4594,7 @@
         </p:nvCxnSpPr>
         <p:spPr>
           <a:xfrm rot="5400000" flipH="1" flipV="1">
-            <a:off x="9747832" y="2187704"/>
+            <a:off x="9756046" y="2118391"/>
             <a:ext cx="12700" cy="3357921"/>
           </a:xfrm>
           <a:prstGeom prst="bentConnector3">
@@ -4811,7 +4811,7 @@
         </p:nvCxnSpPr>
         <p:spPr>
           <a:xfrm>
-            <a:off x="10148418" y="3361663"/>
+            <a:off x="10156632" y="3292350"/>
             <a:ext cx="1" cy="495825"/>
           </a:xfrm>
           <a:prstGeom prst="straightConnector1">
@@ -4856,7 +4856,7 @@
         </p:nvCxnSpPr>
         <p:spPr>
           <a:xfrm>
-            <a:off x="9100878" y="3616230"/>
+            <a:off x="9109092" y="3546917"/>
             <a:ext cx="0" cy="250434"/>
           </a:xfrm>
           <a:prstGeom prst="straightConnector1">

--- a/final_project/影像辨識 final_project.pptx
+++ b/final_project/影像辨識 final_project.pptx
@@ -9,6 +9,14 @@
     <p:sldId id="257" r:id="rId3"/>
     <p:sldId id="258" r:id="rId4"/>
     <p:sldId id="259" r:id="rId5"/>
+    <p:sldId id="265" r:id="rId6"/>
+    <p:sldId id="262" r:id="rId7"/>
+    <p:sldId id="266" r:id="rId8"/>
+    <p:sldId id="267" r:id="rId9"/>
+    <p:sldId id="260" r:id="rId10"/>
+    <p:sldId id="261" r:id="rId11"/>
+    <p:sldId id="263" r:id="rId12"/>
+    <p:sldId id="264" r:id="rId13"/>
   </p:sldIdLst>
   <p:sldSz cx="12192000" cy="6858000"/>
   <p:notesSz cx="6858000" cy="9144000"/>
@@ -262,7 +270,7 @@
           <a:p>
             <a:fld id="{6CFDA67D-9259-4383-AB5A-A3A01268F4AA}" type="datetimeFigureOut">
               <a:rPr lang="zh-TW" altLang="en-US" smtClean="0"/>
-              <a:t>2024/12/5</a:t>
+              <a:t>2024/12/12</a:t>
             </a:fld>
             <a:endParaRPr lang="zh-TW" altLang="en-US"/>
           </a:p>
@@ -460,7 +468,7 @@
           <a:p>
             <a:fld id="{6CFDA67D-9259-4383-AB5A-A3A01268F4AA}" type="datetimeFigureOut">
               <a:rPr lang="zh-TW" altLang="en-US" smtClean="0"/>
-              <a:t>2024/12/5</a:t>
+              <a:t>2024/12/12</a:t>
             </a:fld>
             <a:endParaRPr lang="zh-TW" altLang="en-US"/>
           </a:p>
@@ -668,7 +676,7 @@
           <a:p>
             <a:fld id="{6CFDA67D-9259-4383-AB5A-A3A01268F4AA}" type="datetimeFigureOut">
               <a:rPr lang="zh-TW" altLang="en-US" smtClean="0"/>
-              <a:t>2024/12/5</a:t>
+              <a:t>2024/12/12</a:t>
             </a:fld>
             <a:endParaRPr lang="zh-TW" altLang="en-US"/>
           </a:p>
@@ -866,7 +874,7 @@
           <a:p>
             <a:fld id="{6CFDA67D-9259-4383-AB5A-A3A01268F4AA}" type="datetimeFigureOut">
               <a:rPr lang="zh-TW" altLang="en-US" smtClean="0"/>
-              <a:t>2024/12/5</a:t>
+              <a:t>2024/12/12</a:t>
             </a:fld>
             <a:endParaRPr lang="zh-TW" altLang="en-US"/>
           </a:p>
@@ -1141,7 +1149,7 @@
           <a:p>
             <a:fld id="{6CFDA67D-9259-4383-AB5A-A3A01268F4AA}" type="datetimeFigureOut">
               <a:rPr lang="zh-TW" altLang="en-US" smtClean="0"/>
-              <a:t>2024/12/5</a:t>
+              <a:t>2024/12/12</a:t>
             </a:fld>
             <a:endParaRPr lang="zh-TW" altLang="en-US"/>
           </a:p>
@@ -1406,7 +1414,7 @@
           <a:p>
             <a:fld id="{6CFDA67D-9259-4383-AB5A-A3A01268F4AA}" type="datetimeFigureOut">
               <a:rPr lang="zh-TW" altLang="en-US" smtClean="0"/>
-              <a:t>2024/12/5</a:t>
+              <a:t>2024/12/12</a:t>
             </a:fld>
             <a:endParaRPr lang="zh-TW" altLang="en-US"/>
           </a:p>
@@ -1818,7 +1826,7 @@
           <a:p>
             <a:fld id="{6CFDA67D-9259-4383-AB5A-A3A01268F4AA}" type="datetimeFigureOut">
               <a:rPr lang="zh-TW" altLang="en-US" smtClean="0"/>
-              <a:t>2024/12/5</a:t>
+              <a:t>2024/12/12</a:t>
             </a:fld>
             <a:endParaRPr lang="zh-TW" altLang="en-US"/>
           </a:p>
@@ -1959,7 +1967,7 @@
           <a:p>
             <a:fld id="{6CFDA67D-9259-4383-AB5A-A3A01268F4AA}" type="datetimeFigureOut">
               <a:rPr lang="zh-TW" altLang="en-US" smtClean="0"/>
-              <a:t>2024/12/5</a:t>
+              <a:t>2024/12/12</a:t>
             </a:fld>
             <a:endParaRPr lang="zh-TW" altLang="en-US"/>
           </a:p>
@@ -2072,7 +2080,7 @@
           <a:p>
             <a:fld id="{6CFDA67D-9259-4383-AB5A-A3A01268F4AA}" type="datetimeFigureOut">
               <a:rPr lang="zh-TW" altLang="en-US" smtClean="0"/>
-              <a:t>2024/12/5</a:t>
+              <a:t>2024/12/12</a:t>
             </a:fld>
             <a:endParaRPr lang="zh-TW" altLang="en-US"/>
           </a:p>
@@ -2383,7 +2391,7 @@
           <a:p>
             <a:fld id="{6CFDA67D-9259-4383-AB5A-A3A01268F4AA}" type="datetimeFigureOut">
               <a:rPr lang="zh-TW" altLang="en-US" smtClean="0"/>
-              <a:t>2024/12/5</a:t>
+              <a:t>2024/12/12</a:t>
             </a:fld>
             <a:endParaRPr lang="zh-TW" altLang="en-US"/>
           </a:p>
@@ -2671,7 +2679,7 @@
           <a:p>
             <a:fld id="{6CFDA67D-9259-4383-AB5A-A3A01268F4AA}" type="datetimeFigureOut">
               <a:rPr lang="zh-TW" altLang="en-US" smtClean="0"/>
-              <a:t>2024/12/5</a:t>
+              <a:t>2024/12/12</a:t>
             </a:fld>
             <a:endParaRPr lang="zh-TW" altLang="en-US"/>
           </a:p>
@@ -2912,7 +2920,7 @@
           <a:p>
             <a:fld id="{6CFDA67D-9259-4383-AB5A-A3A01268F4AA}" type="datetimeFigureOut">
               <a:rPr lang="zh-TW" altLang="en-US" smtClean="0"/>
-              <a:t>2024/12/5</a:t>
+              <a:t>2024/12/12</a:t>
             </a:fld>
             <a:endParaRPr lang="zh-TW" altLang="en-US"/>
           </a:p>
@@ -3524,6 +3532,1132 @@
 </p:sld>
 </file>
 
+<file path=ppt/slides/slide10.xml><?xml version="1.0" encoding="utf-8"?>
+<p:sld xmlns:a="http://schemas.openxmlformats.org/drawingml/2006/main" xmlns:r="http://schemas.openxmlformats.org/officeDocument/2006/relationships" xmlns:p="http://schemas.openxmlformats.org/presentationml/2006/main">
+  <p:cSld>
+    <p:spTree>
+      <p:nvGrpSpPr>
+        <p:cNvPr id="1" name=""/>
+        <p:cNvGrpSpPr/>
+        <p:nvPr/>
+      </p:nvGrpSpPr>
+      <p:grpSpPr>
+        <a:xfrm>
+          <a:off x="0" y="0"/>
+          <a:ext cx="0" cy="0"/>
+          <a:chOff x="0" y="0"/>
+          <a:chExt cx="0" cy="0"/>
+        </a:xfrm>
+      </p:grpSpPr>
+      <p:sp>
+        <p:nvSpPr>
+          <p:cNvPr id="2" name="標題 1">
+            <a:extLst>
+              <a:ext uri="{FF2B5EF4-FFF2-40B4-BE49-F238E27FC236}">
+                <a16:creationId xmlns:a16="http://schemas.microsoft.com/office/drawing/2014/main" id="{6EC86B35-C563-49A1-B288-34AD645A0168}"/>
+              </a:ext>
+            </a:extLst>
+          </p:cNvPr>
+          <p:cNvSpPr>
+            <a:spLocks noGrp="1"/>
+          </p:cNvSpPr>
+          <p:nvPr>
+            <p:ph type="title"/>
+          </p:nvPr>
+        </p:nvSpPr>
+        <p:spPr/>
+        <p:txBody>
+          <a:bodyPr/>
+          <a:lstStyle/>
+          <a:p>
+            <a:r>
+              <a:rPr lang="zh-TW" altLang="en-US" dirty="0"/>
+              <a:t>統計數量</a:t>
+            </a:r>
+          </a:p>
+        </p:txBody>
+      </p:sp>
+      <p:sp>
+        <p:nvSpPr>
+          <p:cNvPr id="3" name="內容版面配置區 2">
+            <a:extLst>
+              <a:ext uri="{FF2B5EF4-FFF2-40B4-BE49-F238E27FC236}">
+                <a16:creationId xmlns:a16="http://schemas.microsoft.com/office/drawing/2014/main" id="{F53BF4E0-04AC-4A5B-A759-ABC654850EE4}"/>
+              </a:ext>
+            </a:extLst>
+          </p:cNvPr>
+          <p:cNvSpPr>
+            <a:spLocks noGrp="1"/>
+          </p:cNvSpPr>
+          <p:nvPr>
+            <p:ph idx="1"/>
+          </p:nvPr>
+        </p:nvSpPr>
+        <p:spPr/>
+        <p:txBody>
+          <a:bodyPr/>
+          <a:lstStyle/>
+          <a:p>
+            <a:r>
+              <a:rPr lang="zh-TW" altLang="en-US" dirty="0"/>
+              <a:t>功能描述</a:t>
+            </a:r>
+            <a:r>
+              <a:rPr lang="en-US" altLang="zh-TW" dirty="0"/>
+              <a:t>:</a:t>
+            </a:r>
+            <a:r>
+              <a:rPr lang="zh-TW" altLang="en-US" dirty="0"/>
+              <a:t>統計每一格</a:t>
+            </a:r>
+            <a:r>
+              <a:rPr lang="en-US" altLang="zh-TW" dirty="0"/>
+              <a:t>(</a:t>
+            </a:r>
+            <a:r>
+              <a:rPr lang="zh-TW" altLang="en-US" dirty="0"/>
+              <a:t>餐點</a:t>
+            </a:r>
+            <a:r>
+              <a:rPr lang="en-US" altLang="zh-TW" dirty="0"/>
+              <a:t>)</a:t>
+            </a:r>
+            <a:r>
+              <a:rPr lang="zh-TW" altLang="en-US" dirty="0"/>
+              <a:t>的數量</a:t>
+            </a:r>
+            <a:endParaRPr lang="en-US" altLang="zh-TW" dirty="0"/>
+          </a:p>
+          <a:p>
+            <a:r>
+              <a:rPr lang="zh-TW" altLang="en-US" dirty="0"/>
+              <a:t>函式</a:t>
+            </a:r>
+            <a:r>
+              <a:rPr lang="en-US" altLang="zh-TW" dirty="0"/>
+              <a:t>:def Statistical quantity(</a:t>
+            </a:r>
+            <a:r>
+              <a:rPr lang="en-US" altLang="zh-TW" dirty="0" err="1"/>
+              <a:t>input_path:list,output_path:list</a:t>
+            </a:r>
+            <a:r>
+              <a:rPr lang="en-US" altLang="zh-TW" dirty="0"/>
+              <a:t>)</a:t>
+            </a:r>
+          </a:p>
+          <a:p>
+            <a:endParaRPr lang="zh-TW" altLang="en-US" dirty="0"/>
+          </a:p>
+        </p:txBody>
+      </p:sp>
+      <p:graphicFrame>
+        <p:nvGraphicFramePr>
+          <p:cNvPr id="4" name="表格 3">
+            <a:extLst>
+              <a:ext uri="{FF2B5EF4-FFF2-40B4-BE49-F238E27FC236}">
+                <a16:creationId xmlns:a16="http://schemas.microsoft.com/office/drawing/2014/main" id="{B58365DE-8F54-4455-863F-603EFC4E3D96}"/>
+              </a:ext>
+            </a:extLst>
+          </p:cNvPr>
+          <p:cNvGraphicFramePr>
+            <a:graphicFrameLocks noGrp="1"/>
+          </p:cNvGraphicFramePr>
+          <p:nvPr>
+            <p:extLst>
+              <p:ext uri="{D42A27DB-BD31-4B8C-83A1-F6EECF244321}">
+                <p14:modId xmlns:p14="http://schemas.microsoft.com/office/powerpoint/2010/main" val="2773899273"/>
+              </p:ext>
+            </p:extLst>
+          </p:nvPr>
+        </p:nvGraphicFramePr>
+        <p:xfrm>
+          <a:off x="1171786" y="3097106"/>
+          <a:ext cx="9841653" cy="3396828"/>
+        </p:xfrm>
+        <a:graphic>
+          <a:graphicData uri="http://schemas.openxmlformats.org/drawingml/2006/table">
+            <a:tbl>
+              <a:tblPr firstRow="1" bandRow="1">
+                <a:tableStyleId>{5C22544A-7EE6-4342-B048-85BDC9FD1C3A}</a:tableStyleId>
+              </a:tblPr>
+              <a:tblGrid>
+                <a:gridCol w="3280551">
+                  <a:extLst>
+                    <a:ext uri="{9D8B030D-6E8A-4147-A177-3AD203B41FA5}">
+                      <a16:colId xmlns:a16="http://schemas.microsoft.com/office/drawing/2014/main" val="3504103356"/>
+                    </a:ext>
+                  </a:extLst>
+                </a:gridCol>
+                <a:gridCol w="3280551">
+                  <a:extLst>
+                    <a:ext uri="{9D8B030D-6E8A-4147-A177-3AD203B41FA5}">
+                      <a16:colId xmlns:a16="http://schemas.microsoft.com/office/drawing/2014/main" val="2494843721"/>
+                    </a:ext>
+                  </a:extLst>
+                </a:gridCol>
+                <a:gridCol w="3280551">
+                  <a:extLst>
+                    <a:ext uri="{9D8B030D-6E8A-4147-A177-3AD203B41FA5}">
+                      <a16:colId xmlns:a16="http://schemas.microsoft.com/office/drawing/2014/main" val="1020817961"/>
+                    </a:ext>
+                  </a:extLst>
+                </a:gridCol>
+              </a:tblGrid>
+              <a:tr h="479214">
+                <a:tc>
+                  <a:txBody>
+                    <a:bodyPr/>
+                    <a:lstStyle/>
+                    <a:p>
+                      <a:r>
+                        <a:rPr lang="zh-TW" altLang="en-US" dirty="0"/>
+                        <a:t>參數</a:t>
+                      </a:r>
+                    </a:p>
+                  </a:txBody>
+                  <a:tcPr/>
+                </a:tc>
+                <a:tc>
+                  <a:txBody>
+                    <a:bodyPr/>
+                    <a:lstStyle/>
+                    <a:p>
+                      <a:r>
+                        <a:rPr lang="zh-TW" altLang="en-US" dirty="0"/>
+                        <a:t>類型</a:t>
+                      </a:r>
+                    </a:p>
+                  </a:txBody>
+                  <a:tcPr/>
+                </a:tc>
+                <a:tc>
+                  <a:txBody>
+                    <a:bodyPr/>
+                    <a:lstStyle/>
+                    <a:p>
+                      <a:r>
+                        <a:rPr lang="zh-TW" altLang="en-US" dirty="0"/>
+                        <a:t>說明</a:t>
+                      </a:r>
+                    </a:p>
+                  </a:txBody>
+                  <a:tcPr/>
+                </a:tc>
+                <a:extLst>
+                  <a:ext uri="{0D108BD9-81ED-4DB2-BD59-A6C34878D82A}">
+                    <a16:rowId xmlns:a16="http://schemas.microsoft.com/office/drawing/2014/main" val="4144163088"/>
+                  </a:ext>
+                </a:extLst>
+              </a:tr>
+              <a:tr h="972538">
+                <a:tc>
+                  <a:txBody>
+                    <a:bodyPr/>
+                    <a:lstStyle/>
+                    <a:p>
+                      <a:r>
+                        <a:rPr lang="en-US" altLang="zh-TW" dirty="0" err="1"/>
+                        <a:t>Input_path</a:t>
+                      </a:r>
+                      <a:endParaRPr lang="zh-TW" altLang="en-US" dirty="0"/>
+                    </a:p>
+                  </a:txBody>
+                  <a:tcPr/>
+                </a:tc>
+                <a:tc>
+                  <a:txBody>
+                    <a:bodyPr/>
+                    <a:lstStyle/>
+                    <a:p>
+                      <a:r>
+                        <a:rPr lang="en-US" altLang="zh-TW" dirty="0"/>
+                        <a:t>List</a:t>
+                      </a:r>
+                      <a:endParaRPr lang="zh-TW" altLang="en-US" dirty="0"/>
+                    </a:p>
+                  </a:txBody>
+                  <a:tcPr/>
+                </a:tc>
+                <a:tc>
+                  <a:txBody>
+                    <a:bodyPr/>
+                    <a:lstStyle/>
+                    <a:p>
+                      <a:endParaRPr lang="zh-TW" altLang="en-US" dirty="0"/>
+                    </a:p>
+                  </a:txBody>
+                  <a:tcPr/>
+                </a:tc>
+                <a:extLst>
+                  <a:ext uri="{0D108BD9-81ED-4DB2-BD59-A6C34878D82A}">
+                    <a16:rowId xmlns:a16="http://schemas.microsoft.com/office/drawing/2014/main" val="1811853703"/>
+                  </a:ext>
+                </a:extLst>
+              </a:tr>
+              <a:tr h="972538">
+                <a:tc>
+                  <a:txBody>
+                    <a:bodyPr/>
+                    <a:lstStyle/>
+                    <a:p>
+                      <a:r>
+                        <a:rPr lang="en-US" altLang="zh-TW" dirty="0" err="1"/>
+                        <a:t>Output_path</a:t>
+                      </a:r>
+                      <a:endParaRPr lang="zh-TW" altLang="en-US" dirty="0"/>
+                    </a:p>
+                  </a:txBody>
+                  <a:tcPr/>
+                </a:tc>
+                <a:tc>
+                  <a:txBody>
+                    <a:bodyPr/>
+                    <a:lstStyle/>
+                    <a:p>
+                      <a:r>
+                        <a:rPr lang="en-US" altLang="zh-TW" dirty="0"/>
+                        <a:t>List</a:t>
+                      </a:r>
+                      <a:endParaRPr lang="zh-TW" altLang="en-US" dirty="0"/>
+                    </a:p>
+                  </a:txBody>
+                  <a:tcPr/>
+                </a:tc>
+                <a:tc>
+                  <a:txBody>
+                    <a:bodyPr/>
+                    <a:lstStyle/>
+                    <a:p>
+                      <a:endParaRPr lang="zh-TW" altLang="en-US" dirty="0"/>
+                    </a:p>
+                  </a:txBody>
+                  <a:tcPr/>
+                </a:tc>
+                <a:extLst>
+                  <a:ext uri="{0D108BD9-81ED-4DB2-BD59-A6C34878D82A}">
+                    <a16:rowId xmlns:a16="http://schemas.microsoft.com/office/drawing/2014/main" val="2399822474"/>
+                  </a:ext>
+                </a:extLst>
+              </a:tr>
+              <a:tr h="972538">
+                <a:tc>
+                  <a:txBody>
+                    <a:bodyPr/>
+                    <a:lstStyle/>
+                    <a:p>
+                      <a:endParaRPr lang="zh-TW" altLang="en-US" dirty="0"/>
+                    </a:p>
+                  </a:txBody>
+                  <a:tcPr/>
+                </a:tc>
+                <a:tc>
+                  <a:txBody>
+                    <a:bodyPr/>
+                    <a:lstStyle/>
+                    <a:p>
+                      <a:endParaRPr lang="zh-TW" altLang="en-US" dirty="0"/>
+                    </a:p>
+                  </a:txBody>
+                  <a:tcPr/>
+                </a:tc>
+                <a:tc>
+                  <a:txBody>
+                    <a:bodyPr/>
+                    <a:lstStyle/>
+                    <a:p>
+                      <a:endParaRPr lang="zh-TW" altLang="en-US" dirty="0"/>
+                    </a:p>
+                  </a:txBody>
+                  <a:tcPr/>
+                </a:tc>
+                <a:extLst>
+                  <a:ext uri="{0D108BD9-81ED-4DB2-BD59-A6C34878D82A}">
+                    <a16:rowId xmlns:a16="http://schemas.microsoft.com/office/drawing/2014/main" val="1843043999"/>
+                  </a:ext>
+                </a:extLst>
+              </a:tr>
+            </a:tbl>
+          </a:graphicData>
+        </a:graphic>
+      </p:graphicFrame>
+    </p:spTree>
+    <p:extLst>
+      <p:ext uri="{BB962C8B-B14F-4D97-AF65-F5344CB8AC3E}">
+        <p14:creationId xmlns:p14="http://schemas.microsoft.com/office/powerpoint/2010/main" val="3720743940"/>
+      </p:ext>
+    </p:extLst>
+  </p:cSld>
+  <p:clrMapOvr>
+    <a:masterClrMapping/>
+  </p:clrMapOvr>
+</p:sld>
+</file>
+
+<file path=ppt/slides/slide11.xml><?xml version="1.0" encoding="utf-8"?>
+<p:sld xmlns:a="http://schemas.openxmlformats.org/drawingml/2006/main" xmlns:r="http://schemas.openxmlformats.org/officeDocument/2006/relationships" xmlns:p="http://schemas.openxmlformats.org/presentationml/2006/main">
+  <p:cSld>
+    <p:spTree>
+      <p:nvGrpSpPr>
+        <p:cNvPr id="1" name=""/>
+        <p:cNvGrpSpPr/>
+        <p:nvPr/>
+      </p:nvGrpSpPr>
+      <p:grpSpPr>
+        <a:xfrm>
+          <a:off x="0" y="0"/>
+          <a:ext cx="0" cy="0"/>
+          <a:chOff x="0" y="0"/>
+          <a:chExt cx="0" cy="0"/>
+        </a:xfrm>
+      </p:grpSpPr>
+      <p:sp>
+        <p:nvSpPr>
+          <p:cNvPr id="2" name="標題 1">
+            <a:extLst>
+              <a:ext uri="{FF2B5EF4-FFF2-40B4-BE49-F238E27FC236}">
+                <a16:creationId xmlns:a16="http://schemas.microsoft.com/office/drawing/2014/main" id="{6EC86B35-C563-49A1-B288-34AD645A0168}"/>
+              </a:ext>
+            </a:extLst>
+          </p:cNvPr>
+          <p:cNvSpPr>
+            <a:spLocks noGrp="1"/>
+          </p:cNvSpPr>
+          <p:nvPr>
+            <p:ph type="title"/>
+          </p:nvPr>
+        </p:nvSpPr>
+        <p:spPr/>
+        <p:txBody>
+          <a:bodyPr/>
+          <a:lstStyle/>
+          <a:p>
+            <a:r>
+              <a:rPr lang="zh-TW" altLang="en-US" dirty="0"/>
+              <a:t>量價相乘</a:t>
+            </a:r>
+          </a:p>
+        </p:txBody>
+      </p:sp>
+      <p:sp>
+        <p:nvSpPr>
+          <p:cNvPr id="3" name="內容版面配置區 2">
+            <a:extLst>
+              <a:ext uri="{FF2B5EF4-FFF2-40B4-BE49-F238E27FC236}">
+                <a16:creationId xmlns:a16="http://schemas.microsoft.com/office/drawing/2014/main" id="{F53BF4E0-04AC-4A5B-A759-ABC654850EE4}"/>
+              </a:ext>
+            </a:extLst>
+          </p:cNvPr>
+          <p:cNvSpPr>
+            <a:spLocks noGrp="1"/>
+          </p:cNvSpPr>
+          <p:nvPr>
+            <p:ph idx="1"/>
+          </p:nvPr>
+        </p:nvSpPr>
+        <p:spPr>
+          <a:xfrm>
+            <a:off x="838199" y="1825625"/>
+            <a:ext cx="10994813" cy="4351338"/>
+          </a:xfrm>
+        </p:spPr>
+        <p:txBody>
+          <a:bodyPr/>
+          <a:lstStyle/>
+          <a:p>
+            <a:r>
+              <a:rPr lang="zh-TW" altLang="en-US" dirty="0"/>
+              <a:t>功能描述</a:t>
+            </a:r>
+            <a:r>
+              <a:rPr lang="en-US" altLang="zh-TW" dirty="0"/>
+              <a:t>:</a:t>
+            </a:r>
+            <a:r>
+              <a:rPr lang="zh-TW" altLang="en-US" dirty="0"/>
+              <a:t>將每一格的數量與那一格的價錢相乘，求單一品項的總價</a:t>
+            </a:r>
+            <a:endParaRPr lang="en-US" altLang="zh-TW" dirty="0"/>
+          </a:p>
+          <a:p>
+            <a:r>
+              <a:rPr lang="zh-TW" altLang="en-US" dirty="0"/>
+              <a:t>函式</a:t>
+            </a:r>
+            <a:r>
+              <a:rPr lang="en-US" altLang="zh-TW" dirty="0"/>
+              <a:t>:def Multiply </a:t>
+            </a:r>
+            <a:r>
+              <a:rPr lang="en-US" altLang="zh-TW" dirty="0" err="1"/>
+              <a:t>price_amount</a:t>
+            </a:r>
+            <a:r>
+              <a:rPr lang="en-US" altLang="zh-TW" dirty="0"/>
+              <a:t> (</a:t>
+            </a:r>
+            <a:r>
+              <a:rPr lang="en-US" altLang="zh-TW" dirty="0" err="1"/>
+              <a:t>input_amount:list,input_unit_price:list,output_price</a:t>
+            </a:r>
+            <a:r>
+              <a:rPr lang="en-US" altLang="zh-TW" dirty="0"/>
+              <a:t>)</a:t>
+            </a:r>
+          </a:p>
+          <a:p>
+            <a:endParaRPr lang="zh-TW" altLang="en-US" dirty="0"/>
+          </a:p>
+        </p:txBody>
+      </p:sp>
+      <p:graphicFrame>
+        <p:nvGraphicFramePr>
+          <p:cNvPr id="4" name="表格 3">
+            <a:extLst>
+              <a:ext uri="{FF2B5EF4-FFF2-40B4-BE49-F238E27FC236}">
+                <a16:creationId xmlns:a16="http://schemas.microsoft.com/office/drawing/2014/main" id="{B58365DE-8F54-4455-863F-603EFC4E3D96}"/>
+              </a:ext>
+            </a:extLst>
+          </p:cNvPr>
+          <p:cNvGraphicFramePr>
+            <a:graphicFrameLocks noGrp="1"/>
+          </p:cNvGraphicFramePr>
+          <p:nvPr>
+            <p:extLst>
+              <p:ext uri="{D42A27DB-BD31-4B8C-83A1-F6EECF244321}">
+                <p14:modId xmlns:p14="http://schemas.microsoft.com/office/powerpoint/2010/main" val="1004989965"/>
+              </p:ext>
+            </p:extLst>
+          </p:nvPr>
+        </p:nvGraphicFramePr>
+        <p:xfrm>
+          <a:off x="1175173" y="3616960"/>
+          <a:ext cx="9841653" cy="2243448"/>
+        </p:xfrm>
+        <a:graphic>
+          <a:graphicData uri="http://schemas.openxmlformats.org/drawingml/2006/table">
+            <a:tbl>
+              <a:tblPr firstRow="1" bandRow="1">
+                <a:tableStyleId>{5C22544A-7EE6-4342-B048-85BDC9FD1C3A}</a:tableStyleId>
+              </a:tblPr>
+              <a:tblGrid>
+                <a:gridCol w="3280551">
+                  <a:extLst>
+                    <a:ext uri="{9D8B030D-6E8A-4147-A177-3AD203B41FA5}">
+                      <a16:colId xmlns:a16="http://schemas.microsoft.com/office/drawing/2014/main" val="3504103356"/>
+                    </a:ext>
+                  </a:extLst>
+                </a:gridCol>
+                <a:gridCol w="2195689">
+                  <a:extLst>
+                    <a:ext uri="{9D8B030D-6E8A-4147-A177-3AD203B41FA5}">
+                      <a16:colId xmlns:a16="http://schemas.microsoft.com/office/drawing/2014/main" val="2494843721"/>
+                    </a:ext>
+                  </a:extLst>
+                </a:gridCol>
+                <a:gridCol w="4365413">
+                  <a:extLst>
+                    <a:ext uri="{9D8B030D-6E8A-4147-A177-3AD203B41FA5}">
+                      <a16:colId xmlns:a16="http://schemas.microsoft.com/office/drawing/2014/main" val="1020817961"/>
+                    </a:ext>
+                  </a:extLst>
+                </a:gridCol>
+              </a:tblGrid>
+              <a:tr h="308407">
+                <a:tc>
+                  <a:txBody>
+                    <a:bodyPr/>
+                    <a:lstStyle/>
+                    <a:p>
+                      <a:r>
+                        <a:rPr lang="zh-TW" altLang="en-US" dirty="0"/>
+                        <a:t>參數</a:t>
+                      </a:r>
+                    </a:p>
+                  </a:txBody>
+                  <a:tcPr/>
+                </a:tc>
+                <a:tc>
+                  <a:txBody>
+                    <a:bodyPr/>
+                    <a:lstStyle/>
+                    <a:p>
+                      <a:r>
+                        <a:rPr lang="zh-TW" altLang="en-US" dirty="0"/>
+                        <a:t>類型</a:t>
+                      </a:r>
+                    </a:p>
+                  </a:txBody>
+                  <a:tcPr/>
+                </a:tc>
+                <a:tc>
+                  <a:txBody>
+                    <a:bodyPr/>
+                    <a:lstStyle/>
+                    <a:p>
+                      <a:r>
+                        <a:rPr lang="zh-TW" altLang="en-US" dirty="0"/>
+                        <a:t>說明</a:t>
+                      </a:r>
+                    </a:p>
+                  </a:txBody>
+                  <a:tcPr/>
+                </a:tc>
+                <a:extLst>
+                  <a:ext uri="{0D108BD9-81ED-4DB2-BD59-A6C34878D82A}">
+                    <a16:rowId xmlns:a16="http://schemas.microsoft.com/office/drawing/2014/main" val="4144163088"/>
+                  </a:ext>
+                </a:extLst>
+              </a:tr>
+              <a:tr h="625896">
+                <a:tc>
+                  <a:txBody>
+                    <a:bodyPr/>
+                    <a:lstStyle/>
+                    <a:p>
+                      <a:r>
+                        <a:rPr lang="en-US" altLang="zh-TW" dirty="0" err="1"/>
+                        <a:t>Input_unit_price</a:t>
+                      </a:r>
+                      <a:endParaRPr lang="zh-TW" altLang="en-US" dirty="0"/>
+                    </a:p>
+                  </a:txBody>
+                  <a:tcPr/>
+                </a:tc>
+                <a:tc>
+                  <a:txBody>
+                    <a:bodyPr/>
+                    <a:lstStyle/>
+                    <a:p>
+                      <a:r>
+                        <a:rPr lang="en-US" altLang="zh-TW" dirty="0"/>
+                        <a:t>List</a:t>
+                      </a:r>
+                      <a:endParaRPr lang="zh-TW" altLang="en-US" dirty="0"/>
+                    </a:p>
+                  </a:txBody>
+                  <a:tcPr/>
+                </a:tc>
+                <a:tc>
+                  <a:txBody>
+                    <a:bodyPr/>
+                    <a:lstStyle/>
+                    <a:p>
+                      <a:r>
+                        <a:rPr lang="zh-TW" altLang="en-US" dirty="0"/>
+                        <a:t>將每個品項的價位儲存為一個</a:t>
+                      </a:r>
+                      <a:r>
+                        <a:rPr lang="en-US" altLang="zh-TW" dirty="0"/>
+                        <a:t>list</a:t>
+                      </a:r>
+                      <a:endParaRPr lang="zh-TW" altLang="en-US" dirty="0"/>
+                    </a:p>
+                  </a:txBody>
+                  <a:tcPr/>
+                </a:tc>
+                <a:extLst>
+                  <a:ext uri="{0D108BD9-81ED-4DB2-BD59-A6C34878D82A}">
+                    <a16:rowId xmlns:a16="http://schemas.microsoft.com/office/drawing/2014/main" val="1811853703"/>
+                  </a:ext>
+                </a:extLst>
+              </a:tr>
+              <a:tr h="625896">
+                <a:tc>
+                  <a:txBody>
+                    <a:bodyPr/>
+                    <a:lstStyle/>
+                    <a:p>
+                      <a:r>
+                        <a:rPr lang="en-US" altLang="zh-TW" dirty="0" err="1"/>
+                        <a:t>Input_amount</a:t>
+                      </a:r>
+                      <a:endParaRPr lang="zh-TW" altLang="en-US" dirty="0"/>
+                    </a:p>
+                  </a:txBody>
+                  <a:tcPr/>
+                </a:tc>
+                <a:tc>
+                  <a:txBody>
+                    <a:bodyPr/>
+                    <a:lstStyle/>
+                    <a:p>
+                      <a:r>
+                        <a:rPr lang="en-US" altLang="zh-TW" dirty="0"/>
+                        <a:t>list</a:t>
+                      </a:r>
+                      <a:endParaRPr lang="zh-TW" altLang="en-US" dirty="0"/>
+                    </a:p>
+                  </a:txBody>
+                  <a:tcPr/>
+                </a:tc>
+                <a:tc>
+                  <a:txBody>
+                    <a:bodyPr/>
+                    <a:lstStyle/>
+                    <a:p>
+                      <a:r>
+                        <a:rPr lang="zh-TW" altLang="en-US" dirty="0"/>
+                        <a:t>將每個品項統計完的數量也儲存為一個</a:t>
+                      </a:r>
+                      <a:r>
+                        <a:rPr lang="en-US" altLang="zh-TW" dirty="0"/>
+                        <a:t>list</a:t>
+                      </a:r>
+                      <a:endParaRPr lang="zh-TW" altLang="en-US" dirty="0"/>
+                    </a:p>
+                  </a:txBody>
+                  <a:tcPr/>
+                </a:tc>
+                <a:extLst>
+                  <a:ext uri="{0D108BD9-81ED-4DB2-BD59-A6C34878D82A}">
+                    <a16:rowId xmlns:a16="http://schemas.microsoft.com/office/drawing/2014/main" val="2399822474"/>
+                  </a:ext>
+                </a:extLst>
+              </a:tr>
+              <a:tr h="625896">
+                <a:tc>
+                  <a:txBody>
+                    <a:bodyPr/>
+                    <a:lstStyle/>
+                    <a:p>
+                      <a:r>
+                        <a:rPr lang="en-US" altLang="zh-TW" dirty="0" err="1"/>
+                        <a:t>Output_price</a:t>
+                      </a:r>
+                      <a:endParaRPr lang="zh-TW" altLang="en-US" dirty="0"/>
+                    </a:p>
+                  </a:txBody>
+                  <a:tcPr/>
+                </a:tc>
+                <a:tc>
+                  <a:txBody>
+                    <a:bodyPr/>
+                    <a:lstStyle/>
+                    <a:p>
+                      <a:r>
+                        <a:rPr lang="en-US" altLang="zh-TW" dirty="0"/>
+                        <a:t>List</a:t>
+                      </a:r>
+                      <a:endParaRPr lang="zh-TW" altLang="en-US" dirty="0"/>
+                    </a:p>
+                  </a:txBody>
+                  <a:tcPr/>
+                </a:tc>
+                <a:tc>
+                  <a:txBody>
+                    <a:bodyPr/>
+                    <a:lstStyle/>
+                    <a:p>
+                      <a:r>
+                        <a:rPr lang="zh-TW" altLang="en-US" dirty="0"/>
+                        <a:t>將兩著相乘的結果儲存為一個</a:t>
+                      </a:r>
+                      <a:r>
+                        <a:rPr lang="en-US" altLang="zh-TW" dirty="0"/>
+                        <a:t>list</a:t>
+                      </a:r>
+                      <a:endParaRPr lang="zh-TW" altLang="en-US" dirty="0"/>
+                    </a:p>
+                  </a:txBody>
+                  <a:tcPr/>
+                </a:tc>
+                <a:extLst>
+                  <a:ext uri="{0D108BD9-81ED-4DB2-BD59-A6C34878D82A}">
+                    <a16:rowId xmlns:a16="http://schemas.microsoft.com/office/drawing/2014/main" val="1843043999"/>
+                  </a:ext>
+                </a:extLst>
+              </a:tr>
+            </a:tbl>
+          </a:graphicData>
+        </a:graphic>
+      </p:graphicFrame>
+    </p:spTree>
+    <p:extLst>
+      <p:ext uri="{BB962C8B-B14F-4D97-AF65-F5344CB8AC3E}">
+        <p14:creationId xmlns:p14="http://schemas.microsoft.com/office/powerpoint/2010/main" val="1622980670"/>
+      </p:ext>
+    </p:extLst>
+  </p:cSld>
+  <p:clrMapOvr>
+    <a:masterClrMapping/>
+  </p:clrMapOvr>
+</p:sld>
+</file>
+
+<file path=ppt/slides/slide12.xml><?xml version="1.0" encoding="utf-8"?>
+<p:sld xmlns:a="http://schemas.openxmlformats.org/drawingml/2006/main" xmlns:r="http://schemas.openxmlformats.org/officeDocument/2006/relationships" xmlns:p="http://schemas.openxmlformats.org/presentationml/2006/main">
+  <p:cSld>
+    <p:spTree>
+      <p:nvGrpSpPr>
+        <p:cNvPr id="1" name=""/>
+        <p:cNvGrpSpPr/>
+        <p:nvPr/>
+      </p:nvGrpSpPr>
+      <p:grpSpPr>
+        <a:xfrm>
+          <a:off x="0" y="0"/>
+          <a:ext cx="0" cy="0"/>
+          <a:chOff x="0" y="0"/>
+          <a:chExt cx="0" cy="0"/>
+        </a:xfrm>
+      </p:grpSpPr>
+      <p:sp>
+        <p:nvSpPr>
+          <p:cNvPr id="2" name="標題 1">
+            <a:extLst>
+              <a:ext uri="{FF2B5EF4-FFF2-40B4-BE49-F238E27FC236}">
+                <a16:creationId xmlns:a16="http://schemas.microsoft.com/office/drawing/2014/main" id="{6EC86B35-C563-49A1-B288-34AD645A0168}"/>
+              </a:ext>
+            </a:extLst>
+          </p:cNvPr>
+          <p:cNvSpPr>
+            <a:spLocks noGrp="1"/>
+          </p:cNvSpPr>
+          <p:nvPr>
+            <p:ph type="title"/>
+          </p:nvPr>
+        </p:nvSpPr>
+        <p:spPr/>
+        <p:txBody>
+          <a:bodyPr/>
+          <a:lstStyle/>
+          <a:p>
+            <a:r>
+              <a:rPr lang="zh-TW" altLang="en-US" dirty="0"/>
+              <a:t>加總</a:t>
+            </a:r>
+          </a:p>
+        </p:txBody>
+      </p:sp>
+      <p:sp>
+        <p:nvSpPr>
+          <p:cNvPr id="3" name="內容版面配置區 2">
+            <a:extLst>
+              <a:ext uri="{FF2B5EF4-FFF2-40B4-BE49-F238E27FC236}">
+                <a16:creationId xmlns:a16="http://schemas.microsoft.com/office/drawing/2014/main" id="{F53BF4E0-04AC-4A5B-A759-ABC654850EE4}"/>
+              </a:ext>
+            </a:extLst>
+          </p:cNvPr>
+          <p:cNvSpPr>
+            <a:spLocks noGrp="1"/>
+          </p:cNvSpPr>
+          <p:nvPr>
+            <p:ph idx="1"/>
+          </p:nvPr>
+        </p:nvSpPr>
+        <p:spPr/>
+        <p:txBody>
+          <a:bodyPr/>
+          <a:lstStyle/>
+          <a:p>
+            <a:r>
+              <a:rPr lang="zh-TW" altLang="en-US" dirty="0"/>
+              <a:t>功能描述</a:t>
+            </a:r>
+            <a:r>
+              <a:rPr lang="en-US" altLang="zh-TW" dirty="0"/>
+              <a:t>:</a:t>
+            </a:r>
+            <a:r>
+              <a:rPr lang="zh-TW" altLang="en-US" dirty="0"/>
+              <a:t>算出總金額</a:t>
+            </a:r>
+            <a:endParaRPr lang="en-US" altLang="zh-TW" dirty="0"/>
+          </a:p>
+          <a:p>
+            <a:r>
+              <a:rPr lang="zh-TW" altLang="en-US" dirty="0"/>
+              <a:t>函式</a:t>
+            </a:r>
+            <a:r>
+              <a:rPr lang="en-US" altLang="zh-TW" dirty="0"/>
+              <a:t>:def sum(</a:t>
+            </a:r>
+            <a:r>
+              <a:rPr lang="en-US" altLang="zh-TW" dirty="0" err="1"/>
+              <a:t>input_price:list,output_total_price:int</a:t>
+            </a:r>
+            <a:r>
+              <a:rPr lang="en-US" altLang="zh-TW" dirty="0"/>
+              <a:t>)</a:t>
+            </a:r>
+          </a:p>
+          <a:p>
+            <a:endParaRPr lang="zh-TW" altLang="en-US" dirty="0"/>
+          </a:p>
+        </p:txBody>
+      </p:sp>
+      <p:graphicFrame>
+        <p:nvGraphicFramePr>
+          <p:cNvPr id="4" name="表格 3">
+            <a:extLst>
+              <a:ext uri="{FF2B5EF4-FFF2-40B4-BE49-F238E27FC236}">
+                <a16:creationId xmlns:a16="http://schemas.microsoft.com/office/drawing/2014/main" id="{B58365DE-8F54-4455-863F-603EFC4E3D96}"/>
+              </a:ext>
+            </a:extLst>
+          </p:cNvPr>
+          <p:cNvGraphicFramePr>
+            <a:graphicFrameLocks noGrp="1"/>
+          </p:cNvGraphicFramePr>
+          <p:nvPr>
+            <p:extLst>
+              <p:ext uri="{D42A27DB-BD31-4B8C-83A1-F6EECF244321}">
+                <p14:modId xmlns:p14="http://schemas.microsoft.com/office/powerpoint/2010/main" val="283459870"/>
+              </p:ext>
+            </p:extLst>
+          </p:nvPr>
+        </p:nvGraphicFramePr>
+        <p:xfrm>
+          <a:off x="1171786" y="3097106"/>
+          <a:ext cx="9841653" cy="3396828"/>
+        </p:xfrm>
+        <a:graphic>
+          <a:graphicData uri="http://schemas.openxmlformats.org/drawingml/2006/table">
+            <a:tbl>
+              <a:tblPr firstRow="1" bandRow="1">
+                <a:tableStyleId>{5C22544A-7EE6-4342-B048-85BDC9FD1C3A}</a:tableStyleId>
+              </a:tblPr>
+              <a:tblGrid>
+                <a:gridCol w="3280551">
+                  <a:extLst>
+                    <a:ext uri="{9D8B030D-6E8A-4147-A177-3AD203B41FA5}">
+                      <a16:colId xmlns:a16="http://schemas.microsoft.com/office/drawing/2014/main" val="3504103356"/>
+                    </a:ext>
+                  </a:extLst>
+                </a:gridCol>
+                <a:gridCol w="3280551">
+                  <a:extLst>
+                    <a:ext uri="{9D8B030D-6E8A-4147-A177-3AD203B41FA5}">
+                      <a16:colId xmlns:a16="http://schemas.microsoft.com/office/drawing/2014/main" val="2494843721"/>
+                    </a:ext>
+                  </a:extLst>
+                </a:gridCol>
+                <a:gridCol w="3280551">
+                  <a:extLst>
+                    <a:ext uri="{9D8B030D-6E8A-4147-A177-3AD203B41FA5}">
+                      <a16:colId xmlns:a16="http://schemas.microsoft.com/office/drawing/2014/main" val="1020817961"/>
+                    </a:ext>
+                  </a:extLst>
+                </a:gridCol>
+              </a:tblGrid>
+              <a:tr h="479214">
+                <a:tc>
+                  <a:txBody>
+                    <a:bodyPr/>
+                    <a:lstStyle/>
+                    <a:p>
+                      <a:r>
+                        <a:rPr lang="zh-TW" altLang="en-US" dirty="0"/>
+                        <a:t>參數</a:t>
+                      </a:r>
+                    </a:p>
+                  </a:txBody>
+                  <a:tcPr/>
+                </a:tc>
+                <a:tc>
+                  <a:txBody>
+                    <a:bodyPr/>
+                    <a:lstStyle/>
+                    <a:p>
+                      <a:r>
+                        <a:rPr lang="zh-TW" altLang="en-US" dirty="0"/>
+                        <a:t>類型</a:t>
+                      </a:r>
+                    </a:p>
+                  </a:txBody>
+                  <a:tcPr/>
+                </a:tc>
+                <a:tc>
+                  <a:txBody>
+                    <a:bodyPr/>
+                    <a:lstStyle/>
+                    <a:p>
+                      <a:r>
+                        <a:rPr lang="zh-TW" altLang="en-US" dirty="0"/>
+                        <a:t>說明</a:t>
+                      </a:r>
+                    </a:p>
+                  </a:txBody>
+                  <a:tcPr/>
+                </a:tc>
+                <a:extLst>
+                  <a:ext uri="{0D108BD9-81ED-4DB2-BD59-A6C34878D82A}">
+                    <a16:rowId xmlns:a16="http://schemas.microsoft.com/office/drawing/2014/main" val="4144163088"/>
+                  </a:ext>
+                </a:extLst>
+              </a:tr>
+              <a:tr h="972538">
+                <a:tc>
+                  <a:txBody>
+                    <a:bodyPr/>
+                    <a:lstStyle/>
+                    <a:p>
+                      <a:r>
+                        <a:rPr lang="en-US" altLang="zh-TW" dirty="0" err="1"/>
+                        <a:t>Input_price</a:t>
+                      </a:r>
+                      <a:endParaRPr lang="zh-TW" altLang="en-US" dirty="0"/>
+                    </a:p>
+                  </a:txBody>
+                  <a:tcPr/>
+                </a:tc>
+                <a:tc>
+                  <a:txBody>
+                    <a:bodyPr/>
+                    <a:lstStyle/>
+                    <a:p>
+                      <a:r>
+                        <a:rPr lang="en-US" altLang="zh-TW" dirty="0"/>
+                        <a:t>List</a:t>
+                      </a:r>
+                      <a:endParaRPr lang="zh-TW" altLang="en-US" dirty="0"/>
+                    </a:p>
+                  </a:txBody>
+                  <a:tcPr/>
+                </a:tc>
+                <a:tc>
+                  <a:txBody>
+                    <a:bodyPr/>
+                    <a:lstStyle/>
+                    <a:p>
+                      <a:r>
+                        <a:rPr lang="zh-TW" altLang="en-US" dirty="0"/>
+                        <a:t>將儲存每一格金額的</a:t>
+                      </a:r>
+                      <a:r>
+                        <a:rPr lang="en-US" altLang="zh-TW" dirty="0"/>
+                        <a:t>list</a:t>
+                      </a:r>
+                      <a:r>
+                        <a:rPr lang="zh-TW" altLang="en-US" dirty="0"/>
+                        <a:t>船赴</a:t>
+                      </a:r>
+                    </a:p>
+                  </a:txBody>
+                  <a:tcPr/>
+                </a:tc>
+                <a:extLst>
+                  <a:ext uri="{0D108BD9-81ED-4DB2-BD59-A6C34878D82A}">
+                    <a16:rowId xmlns:a16="http://schemas.microsoft.com/office/drawing/2014/main" val="1811853703"/>
+                  </a:ext>
+                </a:extLst>
+              </a:tr>
+              <a:tr h="972538">
+                <a:tc>
+                  <a:txBody>
+                    <a:bodyPr/>
+                    <a:lstStyle/>
+                    <a:p>
+                      <a:r>
+                        <a:rPr lang="en-US" altLang="zh-TW" dirty="0" err="1"/>
+                        <a:t>Output_total_price</a:t>
+                      </a:r>
+                      <a:endParaRPr lang="zh-TW" altLang="en-US" dirty="0"/>
+                    </a:p>
+                  </a:txBody>
+                  <a:tcPr/>
+                </a:tc>
+                <a:tc>
+                  <a:txBody>
+                    <a:bodyPr/>
+                    <a:lstStyle/>
+                    <a:p>
+                      <a:r>
+                        <a:rPr lang="en-US" altLang="zh-TW" dirty="0"/>
+                        <a:t>int</a:t>
+                      </a:r>
+                      <a:endParaRPr lang="zh-TW" altLang="en-US" dirty="0"/>
+                    </a:p>
+                  </a:txBody>
+                  <a:tcPr/>
+                </a:tc>
+                <a:tc>
+                  <a:txBody>
+                    <a:bodyPr/>
+                    <a:lstStyle/>
+                    <a:p>
+                      <a:r>
+                        <a:rPr lang="zh-TW" altLang="en-US" dirty="0"/>
+                        <a:t>回傳結果</a:t>
+                      </a:r>
+                      <a:r>
+                        <a:rPr lang="en-US" altLang="zh-TW" dirty="0"/>
+                        <a:t>(</a:t>
+                      </a:r>
+                      <a:r>
+                        <a:rPr lang="zh-TW" altLang="en-US" dirty="0"/>
+                        <a:t>餐點總金額</a:t>
+                      </a:r>
+                      <a:r>
+                        <a:rPr lang="en-US" altLang="zh-TW" dirty="0"/>
+                        <a:t>)</a:t>
+                      </a:r>
+                      <a:endParaRPr lang="zh-TW" altLang="en-US" dirty="0"/>
+                    </a:p>
+                  </a:txBody>
+                  <a:tcPr/>
+                </a:tc>
+                <a:extLst>
+                  <a:ext uri="{0D108BD9-81ED-4DB2-BD59-A6C34878D82A}">
+                    <a16:rowId xmlns:a16="http://schemas.microsoft.com/office/drawing/2014/main" val="2399822474"/>
+                  </a:ext>
+                </a:extLst>
+              </a:tr>
+              <a:tr h="972538">
+                <a:tc>
+                  <a:txBody>
+                    <a:bodyPr/>
+                    <a:lstStyle/>
+                    <a:p>
+                      <a:endParaRPr lang="zh-TW" altLang="en-US" dirty="0"/>
+                    </a:p>
+                  </a:txBody>
+                  <a:tcPr/>
+                </a:tc>
+                <a:tc>
+                  <a:txBody>
+                    <a:bodyPr/>
+                    <a:lstStyle/>
+                    <a:p>
+                      <a:endParaRPr lang="zh-TW" altLang="en-US" dirty="0"/>
+                    </a:p>
+                  </a:txBody>
+                  <a:tcPr/>
+                </a:tc>
+                <a:tc>
+                  <a:txBody>
+                    <a:bodyPr/>
+                    <a:lstStyle/>
+                    <a:p>
+                      <a:endParaRPr lang="zh-TW" altLang="en-US" dirty="0"/>
+                    </a:p>
+                  </a:txBody>
+                  <a:tcPr/>
+                </a:tc>
+                <a:extLst>
+                  <a:ext uri="{0D108BD9-81ED-4DB2-BD59-A6C34878D82A}">
+                    <a16:rowId xmlns:a16="http://schemas.microsoft.com/office/drawing/2014/main" val="1843043999"/>
+                  </a:ext>
+                </a:extLst>
+              </a:tr>
+            </a:tbl>
+          </a:graphicData>
+        </a:graphic>
+      </p:graphicFrame>
+    </p:spTree>
+    <p:extLst>
+      <p:ext uri="{BB962C8B-B14F-4D97-AF65-F5344CB8AC3E}">
+        <p14:creationId xmlns:p14="http://schemas.microsoft.com/office/powerpoint/2010/main" val="4156538148"/>
+      </p:ext>
+    </p:extLst>
+  </p:cSld>
+  <p:clrMapOvr>
+    <a:masterClrMapping/>
+  </p:clrMapOvr>
+</p:sld>
+</file>
+
 <file path=ppt/slides/slide2.xml><?xml version="1.0" encoding="utf-8"?>
 <p:sld xmlns:a="http://schemas.openxmlformats.org/drawingml/2006/main" xmlns:r="http://schemas.openxmlformats.org/officeDocument/2006/relationships" xmlns:p="http://schemas.openxmlformats.org/presentationml/2006/main">
   <p:cSld>
@@ -3722,14 +4856,7 @@
                 <a:latin typeface="標楷體" panose="03000509000000000000" pitchFamily="65" charset="-120"/>
                 <a:ea typeface="標楷體" panose="03000509000000000000" pitchFamily="65" charset="-120"/>
               </a:rPr>
-              <a:t>:</a:t>
-            </a:r>
-            <a:r>
-              <a:rPr lang="en-US" altLang="zh-TW" dirty="0" err="1">
-                <a:latin typeface="標楷體" panose="03000509000000000000" pitchFamily="65" charset="-120"/>
-                <a:ea typeface="標楷體" panose="03000509000000000000" pitchFamily="65" charset="-120"/>
-              </a:rPr>
-              <a:t>unkuown</a:t>
+              <a:t>:unknown</a:t>
             </a:r>
             <a:endParaRPr lang="en-US" altLang="zh-TW" dirty="0">
               <a:latin typeface="Times New Roman" panose="02020603050405020304" pitchFamily="18" charset="0"/>
@@ -4326,7 +5453,7 @@
         </p:nvSpPr>
         <p:spPr>
           <a:xfrm>
-            <a:off x="9602635" y="3788175"/>
+            <a:off x="9629118" y="3780230"/>
             <a:ext cx="1107996" cy="369332"/>
           </a:xfrm>
           <a:prstGeom prst="rect">
@@ -4351,49 +5478,6 @@
                 <a:ea typeface="標楷體" panose="03000509000000000000" pitchFamily="65" charset="-120"/>
               </a:rPr>
               <a:t>統計數量</a:t>
-            </a:r>
-          </a:p>
-        </p:txBody>
-      </p:sp>
-      <p:sp>
-        <p:nvSpPr>
-          <p:cNvPr id="15" name="文字方塊 14">
-            <a:extLst>
-              <a:ext uri="{FF2B5EF4-FFF2-40B4-BE49-F238E27FC236}">
-                <a16:creationId xmlns:a16="http://schemas.microsoft.com/office/drawing/2014/main" id="{DB5B95A5-CA62-4161-9657-9F82154727EC}"/>
-              </a:ext>
-            </a:extLst>
-          </p:cNvPr>
-          <p:cNvSpPr txBox="1"/>
-          <p:nvPr/>
-        </p:nvSpPr>
-        <p:spPr>
-          <a:xfrm>
-            <a:off x="10881009" y="3797351"/>
-            <a:ext cx="1107996" cy="369332"/>
-          </a:xfrm>
-          <a:prstGeom prst="rect">
-            <a:avLst/>
-          </a:prstGeom>
-          <a:noFill/>
-          <a:ln w="28575">
-            <a:solidFill>
-              <a:schemeClr val="tx1"/>
-            </a:solidFill>
-          </a:ln>
-        </p:spPr>
-        <p:txBody>
-          <a:bodyPr wrap="none" rtlCol="0">
-            <a:spAutoFit/>
-          </a:bodyPr>
-          <a:lstStyle/>
-          <a:p>
-            <a:r>
-              <a:rPr lang="zh-TW" altLang="en-US" dirty="0">
-                <a:latin typeface="標楷體" panose="03000509000000000000" pitchFamily="65" charset="-120"/>
-                <a:ea typeface="標楷體" panose="03000509000000000000" pitchFamily="65" charset="-120"/>
-              </a:rPr>
-              <a:t>單位價格</a:t>
             </a:r>
           </a:p>
         </p:txBody>
@@ -4455,7 +5539,7 @@
         </p:nvSpPr>
         <p:spPr>
           <a:xfrm>
-            <a:off x="8785926" y="3797351"/>
+            <a:off x="11087079" y="3767766"/>
             <a:ext cx="646331" cy="369332"/>
           </a:xfrm>
           <a:prstGeom prst="rect">
@@ -4587,19 +5671,19 @@
           </p:cNvPr>
           <p:cNvCxnSpPr>
             <a:cxnSpLocks/>
-            <a:stCxn id="16" idx="0"/>
-            <a:endCxn id="15" idx="0"/>
+            <a:endCxn id="17" idx="0"/>
           </p:cNvCxnSpPr>
           <p:nvPr/>
         </p:nvCxnSpPr>
         <p:spPr>
-          <a:xfrm rot="5400000" flipH="1" flipV="1">
-            <a:off x="9756046" y="2118391"/>
-            <a:ext cx="12700" cy="3357921"/>
+          <a:xfrm flipV="1">
+            <a:off x="8077086" y="3767766"/>
+            <a:ext cx="3333159" cy="35936"/>
           </a:xfrm>
-          <a:prstGeom prst="bentConnector3">
+          <a:prstGeom prst="bentConnector4">
             <a:avLst>
-              <a:gd name="adj1" fmla="val 1800000"/>
+              <a:gd name="adj1" fmla="val 242"/>
+              <a:gd name="adj2" fmla="val 736131"/>
             </a:avLst>
           </a:prstGeom>
           <a:ln w="19050">
@@ -4805,59 +5889,14 @@
           </p:cNvPr>
           <p:cNvCxnSpPr>
             <a:cxnSpLocks/>
-            <a:endCxn id="14" idx="0"/>
+            <a:stCxn id="102" idx="2"/>
           </p:cNvCxnSpPr>
           <p:nvPr/>
         </p:nvCxnSpPr>
         <p:spPr>
           <a:xfrm>
-            <a:off x="10156632" y="3292350"/>
-            <a:ext cx="1" cy="495825"/>
-          </a:xfrm>
-          <a:prstGeom prst="straightConnector1">
-            <a:avLst/>
-          </a:prstGeom>
-          <a:ln w="19050">
-            <a:solidFill>
-              <a:schemeClr val="tx1"/>
-            </a:solidFill>
-            <a:tailEnd type="triangle"/>
-          </a:ln>
-        </p:spPr>
-        <p:style>
-          <a:lnRef idx="1">
-            <a:schemeClr val="accent1"/>
-          </a:lnRef>
-          <a:fillRef idx="0">
-            <a:schemeClr val="accent1"/>
-          </a:fillRef>
-          <a:effectRef idx="0">
-            <a:schemeClr val="accent1"/>
-          </a:effectRef>
-          <a:fontRef idx="minor">
-            <a:schemeClr val="tx1"/>
-          </a:fontRef>
-        </p:style>
-      </p:cxnSp>
-      <p:cxnSp>
-        <p:nvCxnSpPr>
-          <p:cNvPr id="73" name="直線單箭頭接點 72">
-            <a:extLst>
-              <a:ext uri="{FF2B5EF4-FFF2-40B4-BE49-F238E27FC236}">
-                <a16:creationId xmlns:a16="http://schemas.microsoft.com/office/drawing/2014/main" id="{20CE4971-004A-471C-8E2D-1AD3F4A10F65}"/>
-              </a:ext>
-            </a:extLst>
-          </p:cNvPr>
-          <p:cNvCxnSpPr>
-            <a:cxnSpLocks/>
-            <a:endCxn id="17" idx="0"/>
-          </p:cNvCxnSpPr>
-          <p:nvPr/>
-        </p:nvCxnSpPr>
-        <p:spPr>
-          <a:xfrm>
-            <a:off x="9109092" y="3546917"/>
-            <a:ext cx="0" cy="250434"/>
+            <a:off x="10148417" y="3301733"/>
+            <a:ext cx="8803" cy="462574"/>
           </a:xfrm>
           <a:prstGeom prst="straightConnector1">
             <a:avLst/>
@@ -5544,6 +6583,47 @@
           </a:fontRef>
         </p:style>
       </p:cxnSp>
+      <p:sp>
+        <p:nvSpPr>
+          <p:cNvPr id="34" name="文字方塊 33">
+            <a:extLst>
+              <a:ext uri="{FF2B5EF4-FFF2-40B4-BE49-F238E27FC236}">
+                <a16:creationId xmlns:a16="http://schemas.microsoft.com/office/drawing/2014/main" id="{1E9EB555-ADA0-4506-8163-6E24EFFF81B0}"/>
+              </a:ext>
+            </a:extLst>
+          </p:cNvPr>
+          <p:cNvSpPr txBox="1"/>
+          <p:nvPr/>
+        </p:nvSpPr>
+        <p:spPr>
+          <a:xfrm>
+            <a:off x="616030" y="3932217"/>
+            <a:ext cx="1107996" cy="369332"/>
+          </a:xfrm>
+          <a:prstGeom prst="rect">
+            <a:avLst/>
+          </a:prstGeom>
+          <a:noFill/>
+          <a:ln w="28575">
+            <a:noFill/>
+          </a:ln>
+        </p:spPr>
+        <p:txBody>
+          <a:bodyPr wrap="none" rtlCol="0">
+            <a:spAutoFit/>
+          </a:bodyPr>
+          <a:lstStyle/>
+          <a:p>
+            <a:r>
+              <a:rPr lang="zh-TW" altLang="en-US" dirty="0">
+                <a:latin typeface="標楷體" panose="03000509000000000000" pitchFamily="65" charset="-120"/>
+                <a:ea typeface="標楷體" panose="03000509000000000000" pitchFamily="65" charset="-120"/>
+              </a:rPr>
+              <a:t>單位價格</a:t>
+            </a:r>
+          </a:p>
+        </p:txBody>
+      </p:sp>
     </p:spTree>
     <p:extLst>
       <p:ext uri="{BB962C8B-B14F-4D97-AF65-F5344CB8AC3E}">
@@ -5625,7 +6705,7 @@
         </p:nvSpPr>
         <p:spPr>
           <a:xfrm>
-            <a:off x="2036839" y="3591129"/>
+            <a:off x="2063933" y="3123769"/>
             <a:ext cx="924614" cy="369332"/>
           </a:xfrm>
           <a:prstGeom prst="rect">
@@ -5668,7 +6748,7 @@
         </p:nvSpPr>
         <p:spPr>
           <a:xfrm>
-            <a:off x="4245488" y="5307961"/>
+            <a:off x="4272582" y="4840601"/>
             <a:ext cx="1107996" cy="369332"/>
           </a:xfrm>
           <a:prstGeom prst="rect">
@@ -5711,7 +6791,7 @@
         </p:nvSpPr>
         <p:spPr>
           <a:xfrm>
-            <a:off x="3309335" y="5304128"/>
+            <a:off x="3336429" y="4836768"/>
             <a:ext cx="646331" cy="369332"/>
           </a:xfrm>
           <a:prstGeom prst="rect">
@@ -5758,7 +6838,7 @@
         </p:nvCxnSpPr>
         <p:spPr>
           <a:xfrm flipV="1">
-            <a:off x="2961453" y="3771494"/>
+            <a:off x="2988547" y="3304134"/>
             <a:ext cx="538898" cy="4301"/>
           </a:xfrm>
           <a:prstGeom prst="straightConnector1">
@@ -5803,7 +6883,7 @@
         </p:nvCxnSpPr>
         <p:spPr>
           <a:xfrm>
-            <a:off x="326438" y="3767194"/>
+            <a:off x="353532" y="3299834"/>
             <a:ext cx="1710401" cy="8601"/>
           </a:xfrm>
           <a:prstGeom prst="straightConnector1">
@@ -5845,7 +6925,7 @@
         </p:nvSpPr>
         <p:spPr>
           <a:xfrm>
-            <a:off x="326438" y="3372289"/>
+            <a:off x="353532" y="2904929"/>
             <a:ext cx="1335429" cy="323165"/>
           </a:xfrm>
           <a:prstGeom prst="rect">
@@ -5890,7 +6970,7 @@
         </p:nvSpPr>
         <p:spPr>
           <a:xfrm>
-            <a:off x="2879442" y="3253481"/>
+            <a:off x="2906536" y="2786121"/>
             <a:ext cx="1154593" cy="323165"/>
           </a:xfrm>
           <a:prstGeom prst="rect">
@@ -5940,7 +7020,7 @@
         </p:nvSpPr>
         <p:spPr>
           <a:xfrm>
-            <a:off x="1890944" y="2969989"/>
+            <a:off x="1918038" y="2502629"/>
             <a:ext cx="8174822" cy="1325563"/>
           </a:xfrm>
           <a:prstGeom prst="rect">
@@ -5992,7 +7072,7 @@
         </p:nvSpPr>
         <p:spPr>
           <a:xfrm>
-            <a:off x="3124940" y="4729294"/>
+            <a:off x="3152034" y="4261934"/>
             <a:ext cx="6940825" cy="1875077"/>
           </a:xfrm>
           <a:prstGeom prst="rect">
@@ -6044,7 +7124,7 @@
         </p:nvSpPr>
         <p:spPr>
           <a:xfrm>
-            <a:off x="5483270" y="2526417"/>
+            <a:off x="5510364" y="2059057"/>
             <a:ext cx="1336213" cy="369393"/>
           </a:xfrm>
           <a:prstGeom prst="rect">
@@ -6082,7 +7162,7 @@
         </p:nvSpPr>
         <p:spPr>
           <a:xfrm>
-            <a:off x="5887205" y="4304649"/>
+            <a:off x="5914299" y="3837289"/>
             <a:ext cx="1737564" cy="369332"/>
           </a:xfrm>
           <a:prstGeom prst="rect">
@@ -6143,7 +7223,7 @@
         </p:nvCxnSpPr>
         <p:spPr>
           <a:xfrm flipH="1">
-            <a:off x="2944511" y="5488794"/>
+            <a:off x="2971605" y="5021434"/>
             <a:ext cx="364824" cy="0"/>
           </a:xfrm>
           <a:prstGeom prst="straightConnector1">
@@ -6185,7 +7265,7 @@
         </p:nvSpPr>
         <p:spPr>
           <a:xfrm>
-            <a:off x="1789918" y="5304128"/>
+            <a:off x="1817012" y="4836768"/>
             <a:ext cx="1154593" cy="369332"/>
           </a:xfrm>
           <a:prstGeom prst="rect">
@@ -6226,7 +7306,7 @@
         </p:nvSpPr>
         <p:spPr>
           <a:xfrm>
-            <a:off x="6265485" y="4930228"/>
+            <a:off x="6292579" y="4462868"/>
             <a:ext cx="1107996" cy="369332"/>
           </a:xfrm>
           <a:prstGeom prst="rect">
@@ -6269,7 +7349,7 @@
         </p:nvSpPr>
         <p:spPr>
           <a:xfrm>
-            <a:off x="6247346" y="5668892"/>
+            <a:off x="6274440" y="5201532"/>
             <a:ext cx="1107996" cy="369332"/>
           </a:xfrm>
           <a:prstGeom prst="rect">
@@ -6316,7 +7396,7 @@
         </p:nvCxnSpPr>
         <p:spPr>
           <a:xfrm flipH="1">
-            <a:off x="7355344" y="5114894"/>
+            <a:off x="7382438" y="4647534"/>
             <a:ext cx="13246" cy="738664"/>
           </a:xfrm>
           <a:prstGeom prst="bentConnector3">
@@ -6364,7 +7444,7 @@
         </p:nvCxnSpPr>
         <p:spPr>
           <a:xfrm rot="10800000" flipV="1">
-            <a:off x="6247347" y="5114894"/>
+            <a:off x="6274441" y="4647534"/>
             <a:ext cx="18139" cy="738664"/>
           </a:xfrm>
           <a:prstGeom prst="bentConnector3">
@@ -6407,7 +7487,7 @@
         </p:nvSpPr>
         <p:spPr>
           <a:xfrm>
-            <a:off x="5741119" y="3498356"/>
+            <a:off x="5768213" y="3030996"/>
             <a:ext cx="2073403" cy="523220"/>
           </a:xfrm>
           <a:prstGeom prst="rect">
@@ -6463,7 +7543,7 @@
         </p:nvSpPr>
         <p:spPr>
           <a:xfrm>
-            <a:off x="8580754" y="3505584"/>
+            <a:off x="8607848" y="3038224"/>
             <a:ext cx="1299586" cy="523220"/>
           </a:xfrm>
           <a:prstGeom prst="rect">
@@ -6523,7 +7603,7 @@
         </p:nvCxnSpPr>
         <p:spPr>
           <a:xfrm>
-            <a:off x="7814522" y="3759966"/>
+            <a:off x="7841616" y="3292606"/>
             <a:ext cx="766232" cy="7228"/>
           </a:xfrm>
           <a:prstGeom prst="straightConnector1">
@@ -6565,7 +7645,7 @@
         </p:nvSpPr>
         <p:spPr>
           <a:xfrm>
-            <a:off x="3500351" y="3586828"/>
+            <a:off x="3527445" y="3119468"/>
             <a:ext cx="1558696" cy="369332"/>
           </a:xfrm>
           <a:prstGeom prst="rect">
@@ -6612,7 +7692,7 @@
         </p:nvCxnSpPr>
         <p:spPr>
           <a:xfrm flipV="1">
-            <a:off x="5059047" y="3759966"/>
+            <a:off x="5086141" y="3292606"/>
             <a:ext cx="682072" cy="11528"/>
           </a:xfrm>
           <a:prstGeom prst="straightConnector1">
@@ -6654,7 +7734,7 @@
         </p:nvSpPr>
         <p:spPr>
           <a:xfrm>
-            <a:off x="7898432" y="5307961"/>
+            <a:off x="7925526" y="4840601"/>
             <a:ext cx="796821" cy="369332"/>
           </a:xfrm>
           <a:prstGeom prst="rect">
@@ -6701,7 +7781,7 @@
         </p:nvSpPr>
         <p:spPr>
           <a:xfrm>
-            <a:off x="8580754" y="4846296"/>
+            <a:off x="8607848" y="4378936"/>
             <a:ext cx="1806193" cy="461665"/>
           </a:xfrm>
           <a:prstGeom prst="rect">
@@ -6743,7 +7823,7 @@
         </p:nvCxnSpPr>
         <p:spPr>
           <a:xfrm flipH="1" flipV="1">
-            <a:off x="3955666" y="5488794"/>
+            <a:off x="3982760" y="5021434"/>
             <a:ext cx="289822" cy="3833"/>
           </a:xfrm>
           <a:prstGeom prst="straightConnector1">
@@ -6788,7 +7868,7 @@
         </p:nvCxnSpPr>
         <p:spPr>
           <a:xfrm flipH="1">
-            <a:off x="5353484" y="5488794"/>
+            <a:off x="5380578" y="5021434"/>
             <a:ext cx="651679" cy="3833"/>
           </a:xfrm>
           <a:prstGeom prst="straightConnector1">
@@ -6832,7 +7912,7 @@
         </p:nvCxnSpPr>
         <p:spPr>
           <a:xfrm flipH="1" flipV="1">
-            <a:off x="7553384" y="5488794"/>
+            <a:off x="7580478" y="5021434"/>
             <a:ext cx="345048" cy="3833"/>
           </a:xfrm>
           <a:prstGeom prst="line">
@@ -6876,7 +7956,7 @@
         </p:nvCxnSpPr>
         <p:spPr>
           <a:xfrm flipH="1">
-            <a:off x="8695253" y="3767194"/>
+            <a:off x="8722347" y="3299834"/>
             <a:ext cx="1185087" cy="1725433"/>
           </a:xfrm>
           <a:prstGeom prst="bentConnector3">
@@ -6910,6 +7990,2410 @@
     <p:extLst>
       <p:ext uri="{BB962C8B-B14F-4D97-AF65-F5344CB8AC3E}">
         <p14:creationId xmlns:p14="http://schemas.microsoft.com/office/powerpoint/2010/main" val="2352793585"/>
+      </p:ext>
+    </p:extLst>
+  </p:cSld>
+  <p:clrMapOvr>
+    <a:masterClrMapping/>
+  </p:clrMapOvr>
+</p:sld>
+</file>
+
+<file path=ppt/slides/slide5.xml><?xml version="1.0" encoding="utf-8"?>
+<p:sld xmlns:a="http://schemas.openxmlformats.org/drawingml/2006/main" xmlns:r="http://schemas.openxmlformats.org/officeDocument/2006/relationships" xmlns:p="http://schemas.openxmlformats.org/presentationml/2006/main">
+  <p:cSld>
+    <p:spTree>
+      <p:nvGrpSpPr>
+        <p:cNvPr id="1" name=""/>
+        <p:cNvGrpSpPr/>
+        <p:nvPr/>
+      </p:nvGrpSpPr>
+      <p:grpSpPr>
+        <a:xfrm>
+          <a:off x="0" y="0"/>
+          <a:ext cx="0" cy="0"/>
+          <a:chOff x="0" y="0"/>
+          <a:chExt cx="0" cy="0"/>
+        </a:xfrm>
+      </p:grpSpPr>
+      <p:sp>
+        <p:nvSpPr>
+          <p:cNvPr id="2" name="標題 1">
+            <a:extLst>
+              <a:ext uri="{FF2B5EF4-FFF2-40B4-BE49-F238E27FC236}">
+                <a16:creationId xmlns:a16="http://schemas.microsoft.com/office/drawing/2014/main" id="{9C61142A-858E-2FBC-D647-C4A0A4815142}"/>
+              </a:ext>
+            </a:extLst>
+          </p:cNvPr>
+          <p:cNvSpPr>
+            <a:spLocks noGrp="1"/>
+          </p:cNvSpPr>
+          <p:nvPr>
+            <p:ph type="title"/>
+          </p:nvPr>
+        </p:nvSpPr>
+        <p:spPr>
+          <a:xfrm>
+            <a:off x="838200" y="365125"/>
+            <a:ext cx="10515600" cy="978719"/>
+          </a:xfrm>
+        </p:spPr>
+        <p:txBody>
+          <a:bodyPr>
+            <a:normAutofit/>
+          </a:bodyPr>
+          <a:lstStyle/>
+          <a:p>
+            <a:r>
+              <a:rPr lang="zh-TW" altLang="en-US" sz="3200" dirty="0">
+                <a:latin typeface="標楷體" panose="03000509000000000000" pitchFamily="65" charset="-120"/>
+                <a:ea typeface="標楷體" panose="03000509000000000000" pitchFamily="65" charset="-120"/>
+              </a:rPr>
+              <a:t>二值化</a:t>
+            </a:r>
+          </a:p>
+        </p:txBody>
+      </p:sp>
+      <p:sp>
+        <p:nvSpPr>
+          <p:cNvPr id="3" name="內容版面配置區 2">
+            <a:extLst>
+              <a:ext uri="{FF2B5EF4-FFF2-40B4-BE49-F238E27FC236}">
+                <a16:creationId xmlns:a16="http://schemas.microsoft.com/office/drawing/2014/main" id="{BD9FF377-FF0C-B8C7-AAF3-3B7296F1EF72}"/>
+              </a:ext>
+            </a:extLst>
+          </p:cNvPr>
+          <p:cNvSpPr>
+            <a:spLocks noGrp="1"/>
+          </p:cNvSpPr>
+          <p:nvPr>
+            <p:ph idx="1"/>
+          </p:nvPr>
+        </p:nvSpPr>
+        <p:spPr>
+          <a:xfrm>
+            <a:off x="838200" y="1343844"/>
+            <a:ext cx="10515600" cy="4351338"/>
+          </a:xfrm>
+        </p:spPr>
+        <p:txBody>
+          <a:bodyPr/>
+          <a:lstStyle/>
+          <a:p>
+            <a:r>
+              <a:rPr lang="zh-TW" altLang="en-US" sz="2000" dirty="0">
+                <a:latin typeface="標楷體" panose="03000509000000000000" pitchFamily="65" charset="-120"/>
+                <a:ea typeface="標楷體" panose="03000509000000000000" pitchFamily="65" charset="-120"/>
+              </a:rPr>
+              <a:t>功能描述 </a:t>
+            </a:r>
+            <a:r>
+              <a:rPr lang="en-US" altLang="zh-TW" sz="2000" dirty="0">
+                <a:latin typeface="標楷體" panose="03000509000000000000" pitchFamily="65" charset="-120"/>
+                <a:ea typeface="標楷體" panose="03000509000000000000" pitchFamily="65" charset="-120"/>
+              </a:rPr>
+              <a:t>:</a:t>
+            </a:r>
+            <a:r>
+              <a:rPr lang="zh-TW" altLang="en-US" sz="2000" dirty="0">
+                <a:latin typeface="標楷體" panose="03000509000000000000" pitchFamily="65" charset="-120"/>
+                <a:ea typeface="標楷體" panose="03000509000000000000" pitchFamily="65" charset="-120"/>
+              </a:rPr>
+              <a:t> 對輸入的灰度圖像進行二值化處理。通過設定閾值，將像素值分為兩種：低於或等於閾值的像素設為 </a:t>
+            </a:r>
+            <a:r>
+              <a:rPr lang="en-US" altLang="zh-TW" sz="2000" dirty="0">
+                <a:latin typeface="標楷體" panose="03000509000000000000" pitchFamily="65" charset="-120"/>
+                <a:ea typeface="標楷體" panose="03000509000000000000" pitchFamily="65" charset="-120"/>
+              </a:rPr>
+              <a:t>0</a:t>
+            </a:r>
+            <a:r>
+              <a:rPr lang="zh-TW" altLang="en-US" sz="2000" dirty="0">
+                <a:latin typeface="標楷體" panose="03000509000000000000" pitchFamily="65" charset="-120"/>
+                <a:ea typeface="標楷體" panose="03000509000000000000" pitchFamily="65" charset="-120"/>
+              </a:rPr>
+              <a:t>，高於閾值的像素設為 </a:t>
+            </a:r>
+            <a:r>
+              <a:rPr lang="en-US" altLang="zh-TW" sz="2000" dirty="0">
+                <a:latin typeface="標楷體" panose="03000509000000000000" pitchFamily="65" charset="-120"/>
+                <a:ea typeface="標楷體" panose="03000509000000000000" pitchFamily="65" charset="-120"/>
+              </a:rPr>
+              <a:t>255</a:t>
+            </a:r>
+            <a:r>
+              <a:rPr lang="zh-TW" altLang="en-US" sz="2000" dirty="0">
+                <a:latin typeface="標楷體" panose="03000509000000000000" pitchFamily="65" charset="-120"/>
+                <a:ea typeface="標楷體" panose="03000509000000000000" pitchFamily="65" charset="-120"/>
+              </a:rPr>
+              <a:t>。處理後的圖像會保存到指定的輸出路徑。</a:t>
+            </a:r>
+            <a:endParaRPr lang="en-US" altLang="zh-TW" sz="2000" dirty="0">
+              <a:latin typeface="標楷體" panose="03000509000000000000" pitchFamily="65" charset="-120"/>
+              <a:ea typeface="標楷體" panose="03000509000000000000" pitchFamily="65" charset="-120"/>
+            </a:endParaRPr>
+          </a:p>
+          <a:p>
+            <a:r>
+              <a:rPr lang="zh-TW" altLang="en-US" sz="2000" dirty="0">
+                <a:latin typeface="標楷體" panose="03000509000000000000" pitchFamily="65" charset="-120"/>
+                <a:ea typeface="標楷體" panose="03000509000000000000" pitchFamily="65" charset="-120"/>
+              </a:rPr>
+              <a:t>函式</a:t>
+            </a:r>
+            <a:r>
+              <a:rPr lang="en-US" altLang="zh-TW" sz="2000" dirty="0">
+                <a:latin typeface="標楷體" panose="03000509000000000000" pitchFamily="65" charset="-120"/>
+                <a:ea typeface="標楷體" panose="03000509000000000000" pitchFamily="65" charset="-120"/>
+              </a:rPr>
+              <a:t>:</a:t>
+            </a:r>
+            <a:r>
+              <a:rPr lang="en-US" altLang="zh-TW" sz="2000" dirty="0">
+                <a:latin typeface="Times New Roman" panose="02020603050405020304" pitchFamily="18" charset="0"/>
+                <a:cs typeface="Times New Roman" panose="02020603050405020304" pitchFamily="18" charset="0"/>
+              </a:rPr>
+              <a:t>def </a:t>
+            </a:r>
+            <a:r>
+              <a:rPr lang="en-US" altLang="zh-TW" sz="2000" dirty="0" err="1">
+                <a:latin typeface="Times New Roman" panose="02020603050405020304" pitchFamily="18" charset="0"/>
+                <a:cs typeface="Times New Roman" panose="02020603050405020304" pitchFamily="18" charset="0"/>
+              </a:rPr>
+              <a:t>binarize_image</a:t>
+            </a:r>
+            <a:r>
+              <a:rPr lang="en-US" altLang="zh-TW" sz="2000" dirty="0">
+                <a:latin typeface="Times New Roman" panose="02020603050405020304" pitchFamily="18" charset="0"/>
+                <a:cs typeface="Times New Roman" panose="02020603050405020304" pitchFamily="18" charset="0"/>
+              </a:rPr>
+              <a:t>(</a:t>
+            </a:r>
+            <a:r>
+              <a:rPr lang="en-US" altLang="zh-TW" sz="2000" dirty="0" err="1">
+                <a:latin typeface="Times New Roman" panose="02020603050405020304" pitchFamily="18" charset="0"/>
+                <a:cs typeface="Times New Roman" panose="02020603050405020304" pitchFamily="18" charset="0"/>
+              </a:rPr>
+              <a:t>input_path</a:t>
+            </a:r>
+            <a:r>
+              <a:rPr lang="en-US" altLang="zh-TW" sz="2000" dirty="0">
+                <a:latin typeface="Times New Roman" panose="02020603050405020304" pitchFamily="18" charset="0"/>
+                <a:cs typeface="Times New Roman" panose="02020603050405020304" pitchFamily="18" charset="0"/>
+              </a:rPr>
+              <a:t>: str, threshold: int = 128) -&gt; </a:t>
+            </a:r>
+            <a:r>
+              <a:rPr lang="en-US" altLang="zh-TW" sz="2000" dirty="0" err="1">
+                <a:latin typeface="Times New Roman" panose="02020603050405020304" pitchFamily="18" charset="0"/>
+                <a:cs typeface="Times New Roman" panose="02020603050405020304" pitchFamily="18" charset="0"/>
+              </a:rPr>
+              <a:t>np.ndarray</a:t>
+            </a:r>
+            <a:r>
+              <a:rPr lang="en-US" altLang="zh-TW" sz="2000" dirty="0">
+                <a:latin typeface="Times New Roman" panose="02020603050405020304" pitchFamily="18" charset="0"/>
+                <a:cs typeface="Times New Roman" panose="02020603050405020304" pitchFamily="18" charset="0"/>
+              </a:rPr>
+              <a:t>:</a:t>
+            </a:r>
+          </a:p>
+          <a:p>
+            <a:endParaRPr lang="en-US" altLang="zh-TW" sz="2000" dirty="0">
+              <a:latin typeface="Times New Roman" panose="02020603050405020304" pitchFamily="18" charset="0"/>
+              <a:cs typeface="Times New Roman" panose="02020603050405020304" pitchFamily="18" charset="0"/>
+            </a:endParaRPr>
+          </a:p>
+          <a:p>
+            <a:endParaRPr lang="en-US" altLang="zh-TW" sz="2000" dirty="0">
+              <a:latin typeface="Times New Roman" panose="02020603050405020304" pitchFamily="18" charset="0"/>
+              <a:cs typeface="Times New Roman" panose="02020603050405020304" pitchFamily="18" charset="0"/>
+            </a:endParaRPr>
+          </a:p>
+          <a:p>
+            <a:endParaRPr lang="en-US" altLang="zh-TW" sz="2000" dirty="0">
+              <a:latin typeface="Times New Roman" panose="02020603050405020304" pitchFamily="18" charset="0"/>
+              <a:cs typeface="Times New Roman" panose="02020603050405020304" pitchFamily="18" charset="0"/>
+            </a:endParaRPr>
+          </a:p>
+          <a:p>
+            <a:r>
+              <a:rPr lang="zh-TW" altLang="en-US" sz="2000" dirty="0">
+                <a:latin typeface="標楷體" panose="03000509000000000000" pitchFamily="65" charset="-120"/>
+                <a:ea typeface="標楷體" panose="03000509000000000000" pitchFamily="65" charset="-120"/>
+                <a:cs typeface="Times New Roman" panose="02020603050405020304" pitchFamily="18" charset="0"/>
+              </a:rPr>
+              <a:t>返回值</a:t>
+            </a:r>
+            <a:r>
+              <a:rPr lang="en-US" altLang="zh-TW" sz="2000" dirty="0">
+                <a:latin typeface="Times New Roman" panose="02020603050405020304" pitchFamily="18" charset="0"/>
+                <a:cs typeface="Times New Roman" panose="02020603050405020304" pitchFamily="18" charset="0"/>
+              </a:rPr>
+              <a:t>:</a:t>
+            </a:r>
+            <a:r>
+              <a:rPr lang="en-US" altLang="zh-TW" sz="2000" dirty="0" err="1">
+                <a:latin typeface="Times New Roman" panose="02020603050405020304" pitchFamily="18" charset="0"/>
+                <a:cs typeface="Times New Roman" panose="02020603050405020304" pitchFamily="18" charset="0"/>
+              </a:rPr>
+              <a:t>np.ndarray</a:t>
+            </a:r>
+            <a:r>
+              <a:rPr lang="zh-TW" altLang="en-US" sz="2000" dirty="0">
+                <a:latin typeface="標楷體" panose="03000509000000000000" pitchFamily="65" charset="-120"/>
+                <a:ea typeface="標楷體" panose="03000509000000000000" pitchFamily="65" charset="-120"/>
+              </a:rPr>
+              <a:t>二值化處理後的影像數據。</a:t>
+            </a:r>
+            <a:endParaRPr lang="en-US" altLang="zh-TW" sz="2000" dirty="0">
+              <a:latin typeface="標楷體" panose="03000509000000000000" pitchFamily="65" charset="-120"/>
+              <a:ea typeface="標楷體" panose="03000509000000000000" pitchFamily="65" charset="-120"/>
+              <a:cs typeface="Times New Roman" panose="02020603050405020304" pitchFamily="18" charset="0"/>
+            </a:endParaRPr>
+          </a:p>
+          <a:p>
+            <a:endParaRPr lang="en-US" altLang="zh-TW" sz="2000" dirty="0">
+              <a:latin typeface="標楷體" panose="03000509000000000000" pitchFamily="65" charset="-120"/>
+              <a:ea typeface="標楷體" panose="03000509000000000000" pitchFamily="65" charset="-120"/>
+            </a:endParaRPr>
+          </a:p>
+          <a:p>
+            <a:endParaRPr lang="en-US" altLang="zh-TW" sz="2000" dirty="0">
+              <a:latin typeface="標楷體" panose="03000509000000000000" pitchFamily="65" charset="-120"/>
+              <a:ea typeface="標楷體" panose="03000509000000000000" pitchFamily="65" charset="-120"/>
+            </a:endParaRPr>
+          </a:p>
+          <a:p>
+            <a:endParaRPr lang="en-US" altLang="zh-TW" sz="2000" dirty="0">
+              <a:latin typeface="標楷體" panose="03000509000000000000" pitchFamily="65" charset="-120"/>
+              <a:ea typeface="標楷體" panose="03000509000000000000" pitchFamily="65" charset="-120"/>
+            </a:endParaRPr>
+          </a:p>
+          <a:p>
+            <a:endParaRPr lang="en-US" altLang="zh-TW" sz="2000" dirty="0">
+              <a:latin typeface="標楷體" panose="03000509000000000000" pitchFamily="65" charset="-120"/>
+              <a:ea typeface="標楷體" panose="03000509000000000000" pitchFamily="65" charset="-120"/>
+            </a:endParaRPr>
+          </a:p>
+          <a:p>
+            <a:endParaRPr lang="zh-TW" altLang="en-US" sz="2000" dirty="0">
+              <a:latin typeface="標楷體" panose="03000509000000000000" pitchFamily="65" charset="-120"/>
+              <a:ea typeface="標楷體" panose="03000509000000000000" pitchFamily="65" charset="-120"/>
+            </a:endParaRPr>
+          </a:p>
+        </p:txBody>
+      </p:sp>
+      <p:graphicFrame>
+        <p:nvGraphicFramePr>
+          <p:cNvPr id="4" name="表格 8">
+            <a:extLst>
+              <a:ext uri="{FF2B5EF4-FFF2-40B4-BE49-F238E27FC236}">
+                <a16:creationId xmlns:a16="http://schemas.microsoft.com/office/drawing/2014/main" id="{98B201B9-DE93-472E-F5A8-FC950F50F083}"/>
+              </a:ext>
+            </a:extLst>
+          </p:cNvPr>
+          <p:cNvGraphicFramePr>
+            <a:graphicFrameLocks noGrp="1"/>
+          </p:cNvGraphicFramePr>
+          <p:nvPr>
+            <p:extLst/>
+          </p:nvPr>
+        </p:nvGraphicFramePr>
+        <p:xfrm>
+          <a:off x="1164472" y="2699174"/>
+          <a:ext cx="10929258" cy="1189484"/>
+        </p:xfrm>
+        <a:graphic>
+          <a:graphicData uri="http://schemas.openxmlformats.org/drawingml/2006/table">
+            <a:tbl>
+              <a:tblPr firstRow="1" bandRow="1">
+                <a:tableStyleId>{5C22544A-7EE6-4342-B048-85BDC9FD1C3A}</a:tableStyleId>
+              </a:tblPr>
+              <a:tblGrid>
+                <a:gridCol w="3224414">
+                  <a:extLst>
+                    <a:ext uri="{9D8B030D-6E8A-4147-A177-3AD203B41FA5}">
+                      <a16:colId xmlns:a16="http://schemas.microsoft.com/office/drawing/2014/main" val="175491985"/>
+                    </a:ext>
+                  </a:extLst>
+                </a:gridCol>
+                <a:gridCol w="1618624">
+                  <a:extLst>
+                    <a:ext uri="{9D8B030D-6E8A-4147-A177-3AD203B41FA5}">
+                      <a16:colId xmlns:a16="http://schemas.microsoft.com/office/drawing/2014/main" val="822259094"/>
+                    </a:ext>
+                  </a:extLst>
+                </a:gridCol>
+                <a:gridCol w="6086220">
+                  <a:extLst>
+                    <a:ext uri="{9D8B030D-6E8A-4147-A177-3AD203B41FA5}">
+                      <a16:colId xmlns:a16="http://schemas.microsoft.com/office/drawing/2014/main" val="4104166654"/>
+                    </a:ext>
+                  </a:extLst>
+                </a:gridCol>
+              </a:tblGrid>
+              <a:tr h="298300">
+                <a:tc>
+                  <a:txBody>
+                    <a:bodyPr/>
+                    <a:lstStyle/>
+                    <a:p>
+                      <a:r>
+                        <a:rPr lang="zh-TW" altLang="en-US" sz="1200" baseline="0" dirty="0">
+                          <a:latin typeface="標楷體" panose="03000509000000000000" pitchFamily="65" charset="-120"/>
+                          <a:ea typeface="標楷體" panose="03000509000000000000" pitchFamily="65" charset="-120"/>
+                        </a:rPr>
+                        <a:t>參數</a:t>
+                      </a:r>
+                    </a:p>
+                  </a:txBody>
+                  <a:tcPr/>
+                </a:tc>
+                <a:tc>
+                  <a:txBody>
+                    <a:bodyPr/>
+                    <a:lstStyle/>
+                    <a:p>
+                      <a:r>
+                        <a:rPr lang="zh-TW" altLang="en-US" sz="1200" baseline="0" dirty="0">
+                          <a:latin typeface="標楷體" panose="03000509000000000000" pitchFamily="65" charset="-120"/>
+                          <a:ea typeface="標楷體" panose="03000509000000000000" pitchFamily="65" charset="-120"/>
+                        </a:rPr>
+                        <a:t>類型</a:t>
+                      </a:r>
+                    </a:p>
+                  </a:txBody>
+                  <a:tcPr/>
+                </a:tc>
+                <a:tc>
+                  <a:txBody>
+                    <a:bodyPr/>
+                    <a:lstStyle/>
+                    <a:p>
+                      <a:r>
+                        <a:rPr lang="zh-TW" altLang="en-US" sz="1200" baseline="0" dirty="0">
+                          <a:latin typeface="標楷體" panose="03000509000000000000" pitchFamily="65" charset="-120"/>
+                          <a:ea typeface="標楷體" panose="03000509000000000000" pitchFamily="65" charset="-120"/>
+                        </a:rPr>
+                        <a:t>說明</a:t>
+                      </a:r>
+                    </a:p>
+                  </a:txBody>
+                  <a:tcPr/>
+                </a:tc>
+                <a:extLst>
+                  <a:ext uri="{0D108BD9-81ED-4DB2-BD59-A6C34878D82A}">
+                    <a16:rowId xmlns:a16="http://schemas.microsoft.com/office/drawing/2014/main" val="3131740815"/>
+                  </a:ext>
+                </a:extLst>
+              </a:tr>
+              <a:tr h="433984">
+                <a:tc>
+                  <a:txBody>
+                    <a:bodyPr/>
+                    <a:lstStyle/>
+                    <a:p>
+                      <a:r>
+                        <a:rPr lang="en-US" altLang="zh-TW" sz="1200" dirty="0" err="1">
+                          <a:latin typeface="Times New Roman" panose="02020603050405020304" pitchFamily="18" charset="0"/>
+                          <a:cs typeface="Times New Roman" panose="02020603050405020304" pitchFamily="18" charset="0"/>
+                        </a:rPr>
+                        <a:t>input_path</a:t>
+                      </a:r>
+                      <a:endParaRPr lang="en-US" altLang="zh-TW" sz="1200" baseline="0" dirty="0">
+                        <a:latin typeface="Times New Roman" panose="02020603050405020304" pitchFamily="18" charset="0"/>
+                        <a:ea typeface="標楷體" panose="03000509000000000000" pitchFamily="65" charset="-120"/>
+                        <a:cs typeface="Times New Roman" panose="02020603050405020304" pitchFamily="18" charset="0"/>
+                      </a:endParaRPr>
+                    </a:p>
+                  </a:txBody>
+                  <a:tcPr/>
+                </a:tc>
+                <a:tc>
+                  <a:txBody>
+                    <a:bodyPr/>
+                    <a:lstStyle/>
+                    <a:p>
+                      <a:r>
+                        <a:rPr lang="en-US" altLang="zh-TW" sz="1200" dirty="0">
+                          <a:latin typeface="Times New Roman" panose="02020603050405020304" pitchFamily="18" charset="0"/>
+                          <a:cs typeface="Times New Roman" panose="02020603050405020304" pitchFamily="18" charset="0"/>
+                        </a:rPr>
+                        <a:t>str</a:t>
+                      </a:r>
+                      <a:endParaRPr lang="zh-TW" altLang="en-US" sz="1200" baseline="0" dirty="0">
+                        <a:latin typeface="Times New Roman" panose="02020603050405020304" pitchFamily="18" charset="0"/>
+                        <a:ea typeface="標楷體" panose="03000509000000000000" pitchFamily="65" charset="-120"/>
+                        <a:cs typeface="Times New Roman" panose="02020603050405020304" pitchFamily="18" charset="0"/>
+                      </a:endParaRPr>
+                    </a:p>
+                  </a:txBody>
+                  <a:tcPr/>
+                </a:tc>
+                <a:tc>
+                  <a:txBody>
+                    <a:bodyPr/>
+                    <a:lstStyle/>
+                    <a:p>
+                      <a:r>
+                        <a:rPr lang="zh-TW" altLang="en-US" sz="1200" dirty="0">
+                          <a:latin typeface="標楷體" panose="03000509000000000000" pitchFamily="65" charset="-120"/>
+                          <a:ea typeface="標楷體" panose="03000509000000000000" pitchFamily="65" charset="-120"/>
+                        </a:rPr>
+                        <a:t>輸入圖像的檔案路徑，支援常見格式如 </a:t>
+                      </a:r>
+                      <a:r>
+                        <a:rPr lang="en-US" altLang="zh-TW" sz="1200" dirty="0">
+                          <a:latin typeface="標楷體" panose="03000509000000000000" pitchFamily="65" charset="-120"/>
+                          <a:ea typeface="標楷體" panose="03000509000000000000" pitchFamily="65" charset="-120"/>
+                        </a:rPr>
+                        <a:t>.</a:t>
+                      </a:r>
+                      <a:r>
+                        <a:rPr lang="en-US" altLang="zh-TW" sz="1200" dirty="0">
+                          <a:latin typeface="標楷體" panose="03000509000000000000" pitchFamily="65" charset="-120"/>
+                          <a:ea typeface="標楷體" panose="03000509000000000000" pitchFamily="65" charset="-120"/>
+                          <a:cs typeface="Times New Roman" panose="02020603050405020304" pitchFamily="18" charset="0"/>
+                        </a:rPr>
+                        <a:t>jpg</a:t>
+                      </a:r>
+                      <a:r>
+                        <a:rPr lang="zh-TW" altLang="en-US" sz="1200" dirty="0">
+                          <a:latin typeface="標楷體" panose="03000509000000000000" pitchFamily="65" charset="-120"/>
+                          <a:ea typeface="標楷體" panose="03000509000000000000" pitchFamily="65" charset="-120"/>
+                          <a:cs typeface="Times New Roman" panose="02020603050405020304" pitchFamily="18" charset="0"/>
+                        </a:rPr>
+                        <a:t>、</a:t>
+                      </a:r>
+                      <a:r>
+                        <a:rPr lang="en-US" altLang="zh-TW" sz="1200" dirty="0">
+                          <a:latin typeface="標楷體" panose="03000509000000000000" pitchFamily="65" charset="-120"/>
+                          <a:ea typeface="標楷體" panose="03000509000000000000" pitchFamily="65" charset="-120"/>
+                          <a:cs typeface="Times New Roman" panose="02020603050405020304" pitchFamily="18" charset="0"/>
+                        </a:rPr>
+                        <a:t>.</a:t>
+                      </a:r>
+                      <a:r>
+                        <a:rPr lang="en-US" altLang="zh-TW" sz="1200" dirty="0" err="1">
+                          <a:latin typeface="標楷體" panose="03000509000000000000" pitchFamily="65" charset="-120"/>
+                          <a:ea typeface="標楷體" panose="03000509000000000000" pitchFamily="65" charset="-120"/>
+                          <a:cs typeface="Times New Roman" panose="02020603050405020304" pitchFamily="18" charset="0"/>
+                        </a:rPr>
+                        <a:t>png</a:t>
+                      </a:r>
+                      <a:r>
+                        <a:rPr lang="en-US" altLang="zh-TW" sz="1200" dirty="0">
+                          <a:latin typeface="標楷體" panose="03000509000000000000" pitchFamily="65" charset="-120"/>
+                          <a:ea typeface="標楷體" panose="03000509000000000000" pitchFamily="65" charset="-120"/>
+                          <a:cs typeface="Times New Roman" panose="02020603050405020304" pitchFamily="18" charset="0"/>
+                        </a:rPr>
+                        <a:t> </a:t>
+                      </a:r>
+                      <a:r>
+                        <a:rPr lang="zh-TW" altLang="en-US" sz="1200" dirty="0">
+                          <a:latin typeface="標楷體" panose="03000509000000000000" pitchFamily="65" charset="-120"/>
+                          <a:ea typeface="標楷體" panose="03000509000000000000" pitchFamily="65" charset="-120"/>
+                        </a:rPr>
+                        <a:t>等。</a:t>
+                      </a:r>
+                      <a:endParaRPr lang="zh-TW" altLang="en-US" sz="1200" baseline="0" dirty="0">
+                        <a:latin typeface="標楷體" panose="03000509000000000000" pitchFamily="65" charset="-120"/>
+                        <a:ea typeface="標楷體" panose="03000509000000000000" pitchFamily="65" charset="-120"/>
+                        <a:cs typeface="Times New Roman" panose="02020603050405020304" pitchFamily="18" charset="0"/>
+                      </a:endParaRPr>
+                    </a:p>
+                  </a:txBody>
+                  <a:tcPr/>
+                </a:tc>
+                <a:extLst>
+                  <a:ext uri="{0D108BD9-81ED-4DB2-BD59-A6C34878D82A}">
+                    <a16:rowId xmlns:a16="http://schemas.microsoft.com/office/drawing/2014/main" val="2878939569"/>
+                  </a:ext>
+                </a:extLst>
+              </a:tr>
+              <a:tr h="307070">
+                <a:tc>
+                  <a:txBody>
+                    <a:bodyPr/>
+                    <a:lstStyle/>
+                    <a:p>
+                      <a:r>
+                        <a:rPr lang="en-US" altLang="zh-TW" sz="1200" dirty="0">
+                          <a:latin typeface="Times New Roman" panose="02020603050405020304" pitchFamily="18" charset="0"/>
+                          <a:cs typeface="Times New Roman" panose="02020603050405020304" pitchFamily="18" charset="0"/>
+                        </a:rPr>
+                        <a:t>threshold</a:t>
+                      </a:r>
+                    </a:p>
+                  </a:txBody>
+                  <a:tcPr/>
+                </a:tc>
+                <a:tc>
+                  <a:txBody>
+                    <a:bodyPr/>
+                    <a:lstStyle/>
+                    <a:p>
+                      <a:r>
+                        <a:rPr lang="en-US" altLang="zh-TW" sz="1200" dirty="0">
+                          <a:latin typeface="Times New Roman" panose="02020603050405020304" pitchFamily="18" charset="0"/>
+                          <a:cs typeface="Times New Roman" panose="02020603050405020304" pitchFamily="18" charset="0"/>
+                        </a:rPr>
+                        <a:t>int</a:t>
+                      </a:r>
+                    </a:p>
+                    <a:p>
+                      <a:endParaRPr lang="zh-TW" altLang="en-US" sz="1200" baseline="0" dirty="0">
+                        <a:latin typeface="Times New Roman" panose="02020603050405020304" pitchFamily="18" charset="0"/>
+                        <a:ea typeface="標楷體" panose="03000509000000000000" pitchFamily="65" charset="-120"/>
+                        <a:cs typeface="Times New Roman" panose="02020603050405020304" pitchFamily="18" charset="0"/>
+                      </a:endParaRPr>
+                    </a:p>
+                  </a:txBody>
+                  <a:tcPr/>
+                </a:tc>
+                <a:tc>
+                  <a:txBody>
+                    <a:bodyPr/>
+                    <a:lstStyle/>
+                    <a:p>
+                      <a:r>
+                        <a:rPr lang="zh-TW" altLang="en-US" sz="1200" dirty="0">
+                          <a:latin typeface="標楷體" panose="03000509000000000000" pitchFamily="65" charset="-120"/>
+                          <a:ea typeface="標楷體" panose="03000509000000000000" pitchFamily="65" charset="-120"/>
+                        </a:rPr>
+                        <a:t>二值化的閾值（可選，默認為 </a:t>
+                      </a:r>
+                      <a:r>
+                        <a:rPr lang="en-US" altLang="zh-TW" sz="1200" dirty="0">
+                          <a:latin typeface="標楷體" panose="03000509000000000000" pitchFamily="65" charset="-120"/>
+                          <a:ea typeface="標楷體" panose="03000509000000000000" pitchFamily="65" charset="-120"/>
+                        </a:rPr>
+                        <a:t>128</a:t>
+                      </a:r>
+                      <a:r>
+                        <a:rPr lang="zh-TW" altLang="en-US" sz="1200" dirty="0">
+                          <a:latin typeface="標楷體" panose="03000509000000000000" pitchFamily="65" charset="-120"/>
+                          <a:ea typeface="標楷體" panose="03000509000000000000" pitchFamily="65" charset="-120"/>
+                        </a:rPr>
+                        <a:t>）。像素值大於該閾值將設為 </a:t>
+                      </a:r>
+                      <a:r>
+                        <a:rPr lang="en-US" altLang="zh-TW" sz="1200" dirty="0">
+                          <a:latin typeface="標楷體" panose="03000509000000000000" pitchFamily="65" charset="-120"/>
+                          <a:ea typeface="標楷體" panose="03000509000000000000" pitchFamily="65" charset="-120"/>
+                        </a:rPr>
+                        <a:t>255</a:t>
+                      </a:r>
+                      <a:r>
+                        <a:rPr lang="zh-TW" altLang="en-US" sz="1200" dirty="0">
+                          <a:latin typeface="標楷體" panose="03000509000000000000" pitchFamily="65" charset="-120"/>
+                          <a:ea typeface="標楷體" panose="03000509000000000000" pitchFamily="65" charset="-120"/>
+                        </a:rPr>
+                        <a:t>，小於或等於該閾值設為 </a:t>
+                      </a:r>
+                      <a:r>
+                        <a:rPr lang="en-US" altLang="zh-TW" sz="1200" dirty="0">
+                          <a:latin typeface="標楷體" panose="03000509000000000000" pitchFamily="65" charset="-120"/>
+                          <a:ea typeface="標楷體" panose="03000509000000000000" pitchFamily="65" charset="-120"/>
+                        </a:rPr>
+                        <a:t>0</a:t>
+                      </a:r>
+                      <a:r>
+                        <a:rPr lang="zh-TW" altLang="en-US" sz="1200" dirty="0">
+                          <a:latin typeface="標楷體" panose="03000509000000000000" pitchFamily="65" charset="-120"/>
+                          <a:ea typeface="標楷體" panose="03000509000000000000" pitchFamily="65" charset="-120"/>
+                        </a:rPr>
+                        <a:t>。</a:t>
+                      </a:r>
+                    </a:p>
+                  </a:txBody>
+                  <a:tcPr/>
+                </a:tc>
+                <a:extLst>
+                  <a:ext uri="{0D108BD9-81ED-4DB2-BD59-A6C34878D82A}">
+                    <a16:rowId xmlns:a16="http://schemas.microsoft.com/office/drawing/2014/main" val="1245640404"/>
+                  </a:ext>
+                </a:extLst>
+              </a:tr>
+            </a:tbl>
+          </a:graphicData>
+        </a:graphic>
+      </p:graphicFrame>
+    </p:spTree>
+    <p:extLst>
+      <p:ext uri="{BB962C8B-B14F-4D97-AF65-F5344CB8AC3E}">
+        <p14:creationId xmlns:p14="http://schemas.microsoft.com/office/powerpoint/2010/main" val="3734508005"/>
+      </p:ext>
+    </p:extLst>
+  </p:cSld>
+  <p:clrMapOvr>
+    <a:masterClrMapping/>
+  </p:clrMapOvr>
+</p:sld>
+</file>
+
+<file path=ppt/slides/slide6.xml><?xml version="1.0" encoding="utf-8"?>
+<p:sld xmlns:a="http://schemas.openxmlformats.org/drawingml/2006/main" xmlns:r="http://schemas.openxmlformats.org/officeDocument/2006/relationships" xmlns:p="http://schemas.openxmlformats.org/presentationml/2006/main">
+  <p:cSld>
+    <p:spTree>
+      <p:nvGrpSpPr>
+        <p:cNvPr id="1" name="">
+          <a:extLst>
+            <a:ext uri="{FF2B5EF4-FFF2-40B4-BE49-F238E27FC236}">
+              <a16:creationId xmlns:a16="http://schemas.microsoft.com/office/drawing/2014/main" id="{39B5616C-61A2-777D-8A43-B8F95ECB10F2}"/>
+            </a:ext>
+          </a:extLst>
+        </p:cNvPr>
+        <p:cNvGrpSpPr/>
+        <p:nvPr/>
+      </p:nvGrpSpPr>
+      <p:grpSpPr>
+        <a:xfrm>
+          <a:off x="0" y="0"/>
+          <a:ext cx="0" cy="0"/>
+          <a:chOff x="0" y="0"/>
+          <a:chExt cx="0" cy="0"/>
+        </a:xfrm>
+      </p:grpSpPr>
+      <p:sp>
+        <p:nvSpPr>
+          <p:cNvPr id="2" name="標題 1">
+            <a:extLst>
+              <a:ext uri="{FF2B5EF4-FFF2-40B4-BE49-F238E27FC236}">
+                <a16:creationId xmlns:a16="http://schemas.microsoft.com/office/drawing/2014/main" id="{03A155EF-769B-5B61-F4EC-EA44A1B89B59}"/>
+              </a:ext>
+            </a:extLst>
+          </p:cNvPr>
+          <p:cNvSpPr>
+            <a:spLocks noGrp="1"/>
+          </p:cNvSpPr>
+          <p:nvPr>
+            <p:ph type="title"/>
+          </p:nvPr>
+        </p:nvSpPr>
+        <p:spPr>
+          <a:xfrm>
+            <a:off x="838200" y="365125"/>
+            <a:ext cx="10515600" cy="978719"/>
+          </a:xfrm>
+        </p:spPr>
+        <p:txBody>
+          <a:bodyPr>
+            <a:normAutofit/>
+          </a:bodyPr>
+          <a:lstStyle/>
+          <a:p>
+            <a:r>
+              <a:rPr lang="zh-TW" altLang="en-US" sz="3200" dirty="0">
+                <a:latin typeface="標楷體" panose="03000509000000000000" pitchFamily="65" charset="-120"/>
+                <a:ea typeface="標楷體" panose="03000509000000000000" pitchFamily="65" charset="-120"/>
+              </a:rPr>
+              <a:t>形態學除噪點</a:t>
+            </a:r>
+          </a:p>
+        </p:txBody>
+      </p:sp>
+      <p:sp>
+        <p:nvSpPr>
+          <p:cNvPr id="3" name="內容版面配置區 2">
+            <a:extLst>
+              <a:ext uri="{FF2B5EF4-FFF2-40B4-BE49-F238E27FC236}">
+                <a16:creationId xmlns:a16="http://schemas.microsoft.com/office/drawing/2014/main" id="{348630AE-7F58-2E7F-3740-395AC12BCD2F}"/>
+              </a:ext>
+            </a:extLst>
+          </p:cNvPr>
+          <p:cNvSpPr>
+            <a:spLocks noGrp="1"/>
+          </p:cNvSpPr>
+          <p:nvPr>
+            <p:ph idx="1"/>
+          </p:nvPr>
+        </p:nvSpPr>
+        <p:spPr>
+          <a:xfrm>
+            <a:off x="838200" y="1343844"/>
+            <a:ext cx="10515600" cy="4351338"/>
+          </a:xfrm>
+        </p:spPr>
+        <p:txBody>
+          <a:bodyPr/>
+          <a:lstStyle/>
+          <a:p>
+            <a:r>
+              <a:rPr lang="zh-TW" altLang="en-US" sz="2000" dirty="0">
+                <a:latin typeface="標楷體" panose="03000509000000000000" pitchFamily="65" charset="-120"/>
+                <a:ea typeface="標楷體" panose="03000509000000000000" pitchFamily="65" charset="-120"/>
+              </a:rPr>
+              <a:t>功能描述 </a:t>
+            </a:r>
+            <a:r>
+              <a:rPr lang="en-US" altLang="zh-TW" sz="2000" dirty="0">
+                <a:latin typeface="標楷體" panose="03000509000000000000" pitchFamily="65" charset="-120"/>
+                <a:ea typeface="標楷體" panose="03000509000000000000" pitchFamily="65" charset="-120"/>
+              </a:rPr>
+              <a:t>:</a:t>
+            </a:r>
+            <a:r>
+              <a:rPr lang="zh-TW" altLang="en-US" sz="2000" dirty="0">
+                <a:latin typeface="標楷體" panose="03000509000000000000" pitchFamily="65" charset="-120"/>
+                <a:ea typeface="標楷體" panose="03000509000000000000" pitchFamily="65" charset="-120"/>
+              </a:rPr>
+              <a:t>使用形態學操作去除影像中的雜點，返回處理後的影像數據</a:t>
+            </a:r>
+            <a:endParaRPr lang="en-US" altLang="zh-TW" sz="2000" dirty="0">
+              <a:latin typeface="標楷體" panose="03000509000000000000" pitchFamily="65" charset="-120"/>
+              <a:ea typeface="標楷體" panose="03000509000000000000" pitchFamily="65" charset="-120"/>
+            </a:endParaRPr>
+          </a:p>
+          <a:p>
+            <a:r>
+              <a:rPr lang="zh-TW" altLang="en-US" sz="2000" dirty="0">
+                <a:latin typeface="標楷體" panose="03000509000000000000" pitchFamily="65" charset="-120"/>
+                <a:ea typeface="標楷體" panose="03000509000000000000" pitchFamily="65" charset="-120"/>
+              </a:rPr>
+              <a:t>函式</a:t>
+            </a:r>
+            <a:r>
+              <a:rPr lang="en-US" altLang="zh-TW" sz="2000" dirty="0">
+                <a:latin typeface="標楷體" panose="03000509000000000000" pitchFamily="65" charset="-120"/>
+                <a:ea typeface="標楷體" panose="03000509000000000000" pitchFamily="65" charset="-120"/>
+              </a:rPr>
+              <a:t>:</a:t>
+            </a:r>
+            <a:r>
+              <a:rPr lang="en-US" altLang="zh-TW" sz="2000" dirty="0">
+                <a:latin typeface="Times New Roman" panose="02020603050405020304" pitchFamily="18" charset="0"/>
+                <a:cs typeface="Times New Roman" panose="02020603050405020304" pitchFamily="18" charset="0"/>
+              </a:rPr>
+              <a:t>def </a:t>
+            </a:r>
+            <a:r>
+              <a:rPr lang="en-US" altLang="zh-TW" sz="2000" dirty="0" err="1">
+                <a:latin typeface="Times New Roman" panose="02020603050405020304" pitchFamily="18" charset="0"/>
+                <a:cs typeface="Times New Roman" panose="02020603050405020304" pitchFamily="18" charset="0"/>
+              </a:rPr>
+              <a:t>binarize_image</a:t>
+            </a:r>
+            <a:r>
+              <a:rPr lang="en-US" altLang="zh-TW" sz="2000" dirty="0">
+                <a:latin typeface="Times New Roman" panose="02020603050405020304" pitchFamily="18" charset="0"/>
+                <a:cs typeface="Times New Roman" panose="02020603050405020304" pitchFamily="18" charset="0"/>
+              </a:rPr>
+              <a:t>(</a:t>
+            </a:r>
+            <a:r>
+              <a:rPr lang="en-US" altLang="zh-TW" sz="2000" dirty="0" err="1">
+                <a:latin typeface="Times New Roman" panose="02020603050405020304" pitchFamily="18" charset="0"/>
+                <a:cs typeface="Times New Roman" panose="02020603050405020304" pitchFamily="18" charset="0"/>
+              </a:rPr>
+              <a:t>input_path</a:t>
+            </a:r>
+            <a:r>
+              <a:rPr lang="en-US" altLang="zh-TW" sz="2000" dirty="0">
+                <a:latin typeface="Times New Roman" panose="02020603050405020304" pitchFamily="18" charset="0"/>
+                <a:cs typeface="Times New Roman" panose="02020603050405020304" pitchFamily="18" charset="0"/>
+              </a:rPr>
+              <a:t>: str, threshold: int = 128) -&gt; </a:t>
+            </a:r>
+            <a:r>
+              <a:rPr lang="en-US" altLang="zh-TW" sz="2000" dirty="0" err="1">
+                <a:latin typeface="Times New Roman" panose="02020603050405020304" pitchFamily="18" charset="0"/>
+                <a:cs typeface="Times New Roman" panose="02020603050405020304" pitchFamily="18" charset="0"/>
+              </a:rPr>
+              <a:t>np.ndarray</a:t>
+            </a:r>
+            <a:r>
+              <a:rPr lang="en-US" altLang="zh-TW" sz="2000" dirty="0">
+                <a:latin typeface="Times New Roman" panose="02020603050405020304" pitchFamily="18" charset="0"/>
+                <a:cs typeface="Times New Roman" panose="02020603050405020304" pitchFamily="18" charset="0"/>
+              </a:rPr>
+              <a:t>:</a:t>
+            </a:r>
+          </a:p>
+          <a:p>
+            <a:endParaRPr lang="en-US" altLang="zh-TW" sz="2000" dirty="0">
+              <a:latin typeface="Times New Roman" panose="02020603050405020304" pitchFamily="18" charset="0"/>
+              <a:cs typeface="Times New Roman" panose="02020603050405020304" pitchFamily="18" charset="0"/>
+            </a:endParaRPr>
+          </a:p>
+          <a:p>
+            <a:endParaRPr lang="en-US" altLang="zh-TW" sz="2000" dirty="0">
+              <a:latin typeface="Times New Roman" panose="02020603050405020304" pitchFamily="18" charset="0"/>
+              <a:cs typeface="Times New Roman" panose="02020603050405020304" pitchFamily="18" charset="0"/>
+            </a:endParaRPr>
+          </a:p>
+          <a:p>
+            <a:endParaRPr lang="en-US" altLang="zh-TW" sz="2000" dirty="0">
+              <a:latin typeface="Times New Roman" panose="02020603050405020304" pitchFamily="18" charset="0"/>
+              <a:cs typeface="Times New Roman" panose="02020603050405020304" pitchFamily="18" charset="0"/>
+            </a:endParaRPr>
+          </a:p>
+          <a:p>
+            <a:r>
+              <a:rPr lang="zh-TW" altLang="en-US" sz="2000" dirty="0">
+                <a:latin typeface="標楷體" panose="03000509000000000000" pitchFamily="65" charset="-120"/>
+                <a:ea typeface="標楷體" panose="03000509000000000000" pitchFamily="65" charset="-120"/>
+                <a:cs typeface="Times New Roman" panose="02020603050405020304" pitchFamily="18" charset="0"/>
+              </a:rPr>
+              <a:t>返回值</a:t>
+            </a:r>
+            <a:r>
+              <a:rPr lang="en-US" altLang="zh-TW" sz="2000" dirty="0">
+                <a:latin typeface="Times New Roman" panose="02020603050405020304" pitchFamily="18" charset="0"/>
+                <a:cs typeface="Times New Roman" panose="02020603050405020304" pitchFamily="18" charset="0"/>
+              </a:rPr>
+              <a:t>:</a:t>
+            </a:r>
+            <a:r>
+              <a:rPr lang="en-US" altLang="zh-TW" sz="2000" dirty="0" err="1">
+                <a:latin typeface="Times New Roman" panose="02020603050405020304" pitchFamily="18" charset="0"/>
+                <a:cs typeface="Times New Roman" panose="02020603050405020304" pitchFamily="18" charset="0"/>
+              </a:rPr>
+              <a:t>np.ndarray</a:t>
+            </a:r>
+            <a:r>
+              <a:rPr lang="zh-TW" altLang="en-US" sz="2000" dirty="0">
+                <a:latin typeface="標楷體" panose="03000509000000000000" pitchFamily="65" charset="-120"/>
+                <a:ea typeface="標楷體" panose="03000509000000000000" pitchFamily="65" charset="-120"/>
+              </a:rPr>
+              <a:t>形態學操作處理後的影像數據（像素值為 </a:t>
+            </a:r>
+            <a:r>
+              <a:rPr lang="en-US" altLang="zh-TW" sz="2000" dirty="0">
+                <a:latin typeface="標楷體" panose="03000509000000000000" pitchFamily="65" charset="-120"/>
+                <a:ea typeface="標楷體" panose="03000509000000000000" pitchFamily="65" charset="-120"/>
+              </a:rPr>
+              <a:t>0 </a:t>
+            </a:r>
+            <a:r>
+              <a:rPr lang="zh-TW" altLang="en-US" sz="2000" dirty="0">
+                <a:latin typeface="標楷體" panose="03000509000000000000" pitchFamily="65" charset="-120"/>
+                <a:ea typeface="標楷體" panose="03000509000000000000" pitchFamily="65" charset="-120"/>
+              </a:rPr>
+              <a:t>或 </a:t>
+            </a:r>
+            <a:r>
+              <a:rPr lang="en-US" altLang="zh-TW" sz="2000" dirty="0">
+                <a:latin typeface="標楷體" panose="03000509000000000000" pitchFamily="65" charset="-120"/>
+                <a:ea typeface="標楷體" panose="03000509000000000000" pitchFamily="65" charset="-120"/>
+              </a:rPr>
+              <a:t>255</a:t>
+            </a:r>
+            <a:r>
+              <a:rPr lang="zh-TW" altLang="en-US" sz="2000" dirty="0">
+                <a:latin typeface="標楷體" panose="03000509000000000000" pitchFamily="65" charset="-120"/>
+                <a:ea typeface="標楷體" panose="03000509000000000000" pitchFamily="65" charset="-120"/>
+              </a:rPr>
+              <a:t>）</a:t>
+            </a:r>
+            <a:endParaRPr lang="en-US" altLang="zh-TW" sz="2000" dirty="0">
+              <a:latin typeface="標楷體" panose="03000509000000000000" pitchFamily="65" charset="-120"/>
+              <a:ea typeface="標楷體" panose="03000509000000000000" pitchFamily="65" charset="-120"/>
+            </a:endParaRPr>
+          </a:p>
+          <a:p>
+            <a:endParaRPr lang="en-US" altLang="zh-TW" sz="2000" dirty="0">
+              <a:latin typeface="標楷體" panose="03000509000000000000" pitchFamily="65" charset="-120"/>
+              <a:ea typeface="標楷體" panose="03000509000000000000" pitchFamily="65" charset="-120"/>
+            </a:endParaRPr>
+          </a:p>
+          <a:p>
+            <a:endParaRPr lang="en-US" altLang="zh-TW" sz="2000" dirty="0">
+              <a:latin typeface="標楷體" panose="03000509000000000000" pitchFamily="65" charset="-120"/>
+              <a:ea typeface="標楷體" panose="03000509000000000000" pitchFamily="65" charset="-120"/>
+            </a:endParaRPr>
+          </a:p>
+          <a:p>
+            <a:endParaRPr lang="en-US" altLang="zh-TW" sz="2000" dirty="0">
+              <a:latin typeface="標楷體" panose="03000509000000000000" pitchFamily="65" charset="-120"/>
+              <a:ea typeface="標楷體" panose="03000509000000000000" pitchFamily="65" charset="-120"/>
+            </a:endParaRPr>
+          </a:p>
+          <a:p>
+            <a:endParaRPr lang="zh-TW" altLang="en-US" sz="2000" dirty="0">
+              <a:latin typeface="標楷體" panose="03000509000000000000" pitchFamily="65" charset="-120"/>
+              <a:ea typeface="標楷體" panose="03000509000000000000" pitchFamily="65" charset="-120"/>
+            </a:endParaRPr>
+          </a:p>
+        </p:txBody>
+      </p:sp>
+      <p:graphicFrame>
+        <p:nvGraphicFramePr>
+          <p:cNvPr id="4" name="表格 8">
+            <a:extLst>
+              <a:ext uri="{FF2B5EF4-FFF2-40B4-BE49-F238E27FC236}">
+                <a16:creationId xmlns:a16="http://schemas.microsoft.com/office/drawing/2014/main" id="{A7430EDF-9F74-E0B7-D242-F576903DB7A3}"/>
+              </a:ext>
+            </a:extLst>
+          </p:cNvPr>
+          <p:cNvGraphicFramePr>
+            <a:graphicFrameLocks noGrp="1"/>
+          </p:cNvGraphicFramePr>
+          <p:nvPr>
+            <p:extLst/>
+          </p:nvPr>
+        </p:nvGraphicFramePr>
+        <p:xfrm>
+          <a:off x="1134975" y="2158400"/>
+          <a:ext cx="10929258" cy="1189484"/>
+        </p:xfrm>
+        <a:graphic>
+          <a:graphicData uri="http://schemas.openxmlformats.org/drawingml/2006/table">
+            <a:tbl>
+              <a:tblPr firstRow="1" bandRow="1">
+                <a:tableStyleId>{5C22544A-7EE6-4342-B048-85BDC9FD1C3A}</a:tableStyleId>
+              </a:tblPr>
+              <a:tblGrid>
+                <a:gridCol w="3224414">
+                  <a:extLst>
+                    <a:ext uri="{9D8B030D-6E8A-4147-A177-3AD203B41FA5}">
+                      <a16:colId xmlns:a16="http://schemas.microsoft.com/office/drawing/2014/main" val="175491985"/>
+                    </a:ext>
+                  </a:extLst>
+                </a:gridCol>
+                <a:gridCol w="1618624">
+                  <a:extLst>
+                    <a:ext uri="{9D8B030D-6E8A-4147-A177-3AD203B41FA5}">
+                      <a16:colId xmlns:a16="http://schemas.microsoft.com/office/drawing/2014/main" val="822259094"/>
+                    </a:ext>
+                  </a:extLst>
+                </a:gridCol>
+                <a:gridCol w="6086220">
+                  <a:extLst>
+                    <a:ext uri="{9D8B030D-6E8A-4147-A177-3AD203B41FA5}">
+                      <a16:colId xmlns:a16="http://schemas.microsoft.com/office/drawing/2014/main" val="4104166654"/>
+                    </a:ext>
+                  </a:extLst>
+                </a:gridCol>
+              </a:tblGrid>
+              <a:tr h="298300">
+                <a:tc>
+                  <a:txBody>
+                    <a:bodyPr/>
+                    <a:lstStyle/>
+                    <a:p>
+                      <a:r>
+                        <a:rPr lang="zh-TW" altLang="en-US" sz="1200" baseline="0" dirty="0">
+                          <a:latin typeface="標楷體" panose="03000509000000000000" pitchFamily="65" charset="-120"/>
+                          <a:ea typeface="標楷體" panose="03000509000000000000" pitchFamily="65" charset="-120"/>
+                        </a:rPr>
+                        <a:t>參數</a:t>
+                      </a:r>
+                    </a:p>
+                  </a:txBody>
+                  <a:tcPr/>
+                </a:tc>
+                <a:tc>
+                  <a:txBody>
+                    <a:bodyPr/>
+                    <a:lstStyle/>
+                    <a:p>
+                      <a:r>
+                        <a:rPr lang="zh-TW" altLang="en-US" sz="1200" baseline="0" dirty="0">
+                          <a:latin typeface="標楷體" panose="03000509000000000000" pitchFamily="65" charset="-120"/>
+                          <a:ea typeface="標楷體" panose="03000509000000000000" pitchFamily="65" charset="-120"/>
+                        </a:rPr>
+                        <a:t>類型</a:t>
+                      </a:r>
+                    </a:p>
+                  </a:txBody>
+                  <a:tcPr/>
+                </a:tc>
+                <a:tc>
+                  <a:txBody>
+                    <a:bodyPr/>
+                    <a:lstStyle/>
+                    <a:p>
+                      <a:r>
+                        <a:rPr lang="zh-TW" altLang="en-US" sz="1200" baseline="0" dirty="0">
+                          <a:latin typeface="標楷體" panose="03000509000000000000" pitchFamily="65" charset="-120"/>
+                          <a:ea typeface="標楷體" panose="03000509000000000000" pitchFamily="65" charset="-120"/>
+                        </a:rPr>
+                        <a:t>說明</a:t>
+                      </a:r>
+                    </a:p>
+                  </a:txBody>
+                  <a:tcPr/>
+                </a:tc>
+                <a:extLst>
+                  <a:ext uri="{0D108BD9-81ED-4DB2-BD59-A6C34878D82A}">
+                    <a16:rowId xmlns:a16="http://schemas.microsoft.com/office/drawing/2014/main" val="3131740815"/>
+                  </a:ext>
+                </a:extLst>
+              </a:tr>
+              <a:tr h="433984">
+                <a:tc>
+                  <a:txBody>
+                    <a:bodyPr/>
+                    <a:lstStyle/>
+                    <a:p>
+                      <a:r>
+                        <a:rPr lang="en-US" altLang="zh-TW" sz="1200" dirty="0" err="1">
+                          <a:latin typeface="Times New Roman" panose="02020603050405020304" pitchFamily="18" charset="0"/>
+                          <a:cs typeface="Times New Roman" panose="02020603050405020304" pitchFamily="18" charset="0"/>
+                        </a:rPr>
+                        <a:t>binary_image</a:t>
+                      </a:r>
+                      <a:endParaRPr lang="en-US" altLang="zh-TW" sz="1200" baseline="0" dirty="0">
+                        <a:latin typeface="Times New Roman" panose="02020603050405020304" pitchFamily="18" charset="0"/>
+                        <a:ea typeface="標楷體" panose="03000509000000000000" pitchFamily="65" charset="-120"/>
+                        <a:cs typeface="Times New Roman" panose="02020603050405020304" pitchFamily="18" charset="0"/>
+                      </a:endParaRPr>
+                    </a:p>
+                  </a:txBody>
+                  <a:tcPr/>
+                </a:tc>
+                <a:tc>
+                  <a:txBody>
+                    <a:bodyPr/>
+                    <a:lstStyle/>
+                    <a:p>
+                      <a:r>
+                        <a:rPr lang="en-US" altLang="zh-TW" sz="1200" dirty="0" err="1">
+                          <a:latin typeface="Times New Roman" panose="02020603050405020304" pitchFamily="18" charset="0"/>
+                          <a:cs typeface="Times New Roman" panose="02020603050405020304" pitchFamily="18" charset="0"/>
+                        </a:rPr>
+                        <a:t>np.ndarray</a:t>
+                      </a:r>
+                      <a:endParaRPr lang="zh-TW" altLang="en-US" sz="1200" baseline="0" dirty="0">
+                        <a:latin typeface="Times New Roman" panose="02020603050405020304" pitchFamily="18" charset="0"/>
+                        <a:ea typeface="標楷體" panose="03000509000000000000" pitchFamily="65" charset="-120"/>
+                        <a:cs typeface="Times New Roman" panose="02020603050405020304" pitchFamily="18" charset="0"/>
+                      </a:endParaRPr>
+                    </a:p>
+                  </a:txBody>
+                  <a:tcPr/>
+                </a:tc>
+                <a:tc>
+                  <a:txBody>
+                    <a:bodyPr/>
+                    <a:lstStyle/>
+                    <a:p>
+                      <a:r>
+                        <a:rPr lang="zh-TW" altLang="en-US" sz="1200" dirty="0">
+                          <a:latin typeface="標楷體" panose="03000509000000000000" pitchFamily="65" charset="-120"/>
+                          <a:ea typeface="標楷體" panose="03000509000000000000" pitchFamily="65" charset="-120"/>
+                        </a:rPr>
+                        <a:t>輸入的二值化影像數據（</a:t>
+                      </a:r>
+                      <a:r>
+                        <a:rPr lang="en-US" altLang="zh-TW" sz="1200" dirty="0" err="1">
+                          <a:latin typeface="Times New Roman" panose="02020603050405020304" pitchFamily="18" charset="0"/>
+                          <a:ea typeface="標楷體" panose="03000509000000000000" pitchFamily="65" charset="-120"/>
+                          <a:cs typeface="Times New Roman" panose="02020603050405020304" pitchFamily="18" charset="0"/>
+                        </a:rPr>
+                        <a:t>np.ndarray</a:t>
+                      </a:r>
+                      <a:r>
+                        <a:rPr lang="zh-TW" altLang="en-US" sz="1200" dirty="0">
+                          <a:latin typeface="標楷體" panose="03000509000000000000" pitchFamily="65" charset="-120"/>
+                          <a:ea typeface="標楷體" panose="03000509000000000000" pitchFamily="65" charset="-120"/>
+                        </a:rPr>
+                        <a:t>，像素值為 </a:t>
+                      </a:r>
+                      <a:r>
+                        <a:rPr lang="en-US" altLang="zh-TW" sz="1200" dirty="0">
+                          <a:latin typeface="標楷體" panose="03000509000000000000" pitchFamily="65" charset="-120"/>
+                          <a:ea typeface="標楷體" panose="03000509000000000000" pitchFamily="65" charset="-120"/>
+                        </a:rPr>
+                        <a:t>0 </a:t>
+                      </a:r>
+                      <a:r>
+                        <a:rPr lang="zh-TW" altLang="en-US" sz="1200" dirty="0">
+                          <a:latin typeface="標楷體" panose="03000509000000000000" pitchFamily="65" charset="-120"/>
+                          <a:ea typeface="標楷體" panose="03000509000000000000" pitchFamily="65" charset="-120"/>
+                        </a:rPr>
+                        <a:t>或 </a:t>
+                      </a:r>
+                      <a:r>
+                        <a:rPr lang="en-US" altLang="zh-TW" sz="1200" dirty="0">
+                          <a:latin typeface="標楷體" panose="03000509000000000000" pitchFamily="65" charset="-120"/>
+                          <a:ea typeface="標楷體" panose="03000509000000000000" pitchFamily="65" charset="-120"/>
+                        </a:rPr>
+                        <a:t>255</a:t>
+                      </a:r>
+                      <a:r>
+                        <a:rPr lang="zh-TW" altLang="en-US" sz="1200" dirty="0">
+                          <a:latin typeface="標楷體" panose="03000509000000000000" pitchFamily="65" charset="-120"/>
+                          <a:ea typeface="標楷體" panose="03000509000000000000" pitchFamily="65" charset="-120"/>
+                        </a:rPr>
+                        <a:t>）。</a:t>
+                      </a:r>
+                      <a:endParaRPr lang="zh-TW" altLang="en-US" sz="1200" baseline="0" dirty="0">
+                        <a:latin typeface="標楷體" panose="03000509000000000000" pitchFamily="65" charset="-120"/>
+                        <a:ea typeface="標楷體" panose="03000509000000000000" pitchFamily="65" charset="-120"/>
+                        <a:cs typeface="Times New Roman" panose="02020603050405020304" pitchFamily="18" charset="0"/>
+                      </a:endParaRPr>
+                    </a:p>
+                  </a:txBody>
+                  <a:tcPr/>
+                </a:tc>
+                <a:extLst>
+                  <a:ext uri="{0D108BD9-81ED-4DB2-BD59-A6C34878D82A}">
+                    <a16:rowId xmlns:a16="http://schemas.microsoft.com/office/drawing/2014/main" val="2878939569"/>
+                  </a:ext>
+                </a:extLst>
+              </a:tr>
+              <a:tr h="307070">
+                <a:tc>
+                  <a:txBody>
+                    <a:bodyPr/>
+                    <a:lstStyle/>
+                    <a:p>
+                      <a:r>
+                        <a:rPr lang="en-US" altLang="zh-TW" sz="1200" dirty="0" err="1">
+                          <a:latin typeface="Times New Roman" panose="02020603050405020304" pitchFamily="18" charset="0"/>
+                          <a:cs typeface="Times New Roman" panose="02020603050405020304" pitchFamily="18" charset="0"/>
+                        </a:rPr>
+                        <a:t>kernel_size</a:t>
+                      </a:r>
+                      <a:endParaRPr lang="en-US" altLang="zh-TW" sz="1200" dirty="0">
+                        <a:latin typeface="Times New Roman" panose="02020603050405020304" pitchFamily="18" charset="0"/>
+                        <a:cs typeface="Times New Roman" panose="02020603050405020304" pitchFamily="18" charset="0"/>
+                      </a:endParaRPr>
+                    </a:p>
+                  </a:txBody>
+                  <a:tcPr/>
+                </a:tc>
+                <a:tc>
+                  <a:txBody>
+                    <a:bodyPr/>
+                    <a:lstStyle/>
+                    <a:p>
+                      <a:r>
+                        <a:rPr lang="en-US" altLang="zh-TW" sz="1200" dirty="0">
+                          <a:latin typeface="Times New Roman" panose="02020603050405020304" pitchFamily="18" charset="0"/>
+                          <a:cs typeface="Times New Roman" panose="02020603050405020304" pitchFamily="18" charset="0"/>
+                        </a:rPr>
+                        <a:t>int</a:t>
+                      </a:r>
+                    </a:p>
+                    <a:p>
+                      <a:endParaRPr lang="zh-TW" altLang="en-US" sz="1200" baseline="0" dirty="0">
+                        <a:latin typeface="Times New Roman" panose="02020603050405020304" pitchFamily="18" charset="0"/>
+                        <a:ea typeface="標楷體" panose="03000509000000000000" pitchFamily="65" charset="-120"/>
+                        <a:cs typeface="Times New Roman" panose="02020603050405020304" pitchFamily="18" charset="0"/>
+                      </a:endParaRPr>
+                    </a:p>
+                  </a:txBody>
+                  <a:tcPr/>
+                </a:tc>
+                <a:tc>
+                  <a:txBody>
+                    <a:bodyPr/>
+                    <a:lstStyle/>
+                    <a:p>
+                      <a:r>
+                        <a:rPr lang="zh-TW" altLang="en-US" sz="1200" dirty="0">
+                          <a:latin typeface="標楷體" panose="03000509000000000000" pitchFamily="65" charset="-120"/>
+                          <a:ea typeface="標楷體" panose="03000509000000000000" pitchFamily="65" charset="-120"/>
+                        </a:rPr>
+                        <a:t>內核大小（必須為奇數，默認為 </a:t>
+                      </a:r>
+                      <a:r>
+                        <a:rPr lang="en-US" altLang="zh-TW" sz="1200" dirty="0">
+                          <a:latin typeface="標楷體" panose="03000509000000000000" pitchFamily="65" charset="-120"/>
+                          <a:ea typeface="標楷體" panose="03000509000000000000" pitchFamily="65" charset="-120"/>
+                        </a:rPr>
+                        <a:t>3</a:t>
+                      </a:r>
+                      <a:r>
+                        <a:rPr lang="zh-TW" altLang="en-US" sz="1200" dirty="0">
+                          <a:latin typeface="標楷體" panose="03000509000000000000" pitchFamily="65" charset="-120"/>
+                          <a:ea typeface="標楷體" panose="03000509000000000000" pitchFamily="65" charset="-120"/>
+                        </a:rPr>
+                        <a:t>）</a:t>
+                      </a:r>
+                    </a:p>
+                  </a:txBody>
+                  <a:tcPr/>
+                </a:tc>
+                <a:extLst>
+                  <a:ext uri="{0D108BD9-81ED-4DB2-BD59-A6C34878D82A}">
+                    <a16:rowId xmlns:a16="http://schemas.microsoft.com/office/drawing/2014/main" val="1245640404"/>
+                  </a:ext>
+                </a:extLst>
+              </a:tr>
+            </a:tbl>
+          </a:graphicData>
+        </a:graphic>
+      </p:graphicFrame>
+    </p:spTree>
+    <p:extLst>
+      <p:ext uri="{BB962C8B-B14F-4D97-AF65-F5344CB8AC3E}">
+        <p14:creationId xmlns:p14="http://schemas.microsoft.com/office/powerpoint/2010/main" val="1579947761"/>
+      </p:ext>
+    </p:extLst>
+  </p:cSld>
+  <p:clrMapOvr>
+    <a:masterClrMapping/>
+  </p:clrMapOvr>
+</p:sld>
+</file>
+
+<file path=ppt/slides/slide7.xml><?xml version="1.0" encoding="utf-8"?>
+<p:sld xmlns:a="http://schemas.openxmlformats.org/drawingml/2006/main" xmlns:r="http://schemas.openxmlformats.org/officeDocument/2006/relationships" xmlns:p="http://schemas.openxmlformats.org/presentationml/2006/main">
+  <p:cSld>
+    <p:spTree>
+      <p:nvGrpSpPr>
+        <p:cNvPr id="1" name="">
+          <a:extLst>
+            <a:ext uri="{FF2B5EF4-FFF2-40B4-BE49-F238E27FC236}">
+              <a16:creationId xmlns:a16="http://schemas.microsoft.com/office/drawing/2014/main" id="{9D9F5196-DF70-8DBF-53C5-39474CC8D700}"/>
+            </a:ext>
+          </a:extLst>
+        </p:cNvPr>
+        <p:cNvGrpSpPr/>
+        <p:nvPr/>
+      </p:nvGrpSpPr>
+      <p:grpSpPr>
+        <a:xfrm>
+          <a:off x="0" y="0"/>
+          <a:ext cx="0" cy="0"/>
+          <a:chOff x="0" y="0"/>
+          <a:chExt cx="0" cy="0"/>
+        </a:xfrm>
+      </p:grpSpPr>
+      <p:sp>
+        <p:nvSpPr>
+          <p:cNvPr id="2" name="標題 1">
+            <a:extLst>
+              <a:ext uri="{FF2B5EF4-FFF2-40B4-BE49-F238E27FC236}">
+                <a16:creationId xmlns:a16="http://schemas.microsoft.com/office/drawing/2014/main" id="{4EECDF3A-FBDA-8F7E-4A0A-D5BA6D918BC2}"/>
+              </a:ext>
+            </a:extLst>
+          </p:cNvPr>
+          <p:cNvSpPr>
+            <a:spLocks noGrp="1"/>
+          </p:cNvSpPr>
+          <p:nvPr>
+            <p:ph type="title"/>
+          </p:nvPr>
+        </p:nvSpPr>
+        <p:spPr>
+          <a:xfrm>
+            <a:off x="838200" y="365125"/>
+            <a:ext cx="10515600" cy="978719"/>
+          </a:xfrm>
+        </p:spPr>
+        <p:txBody>
+          <a:bodyPr>
+            <a:normAutofit fontScale="90000"/>
+          </a:bodyPr>
+          <a:lstStyle/>
+          <a:p>
+            <a:r>
+              <a:rPr lang="en-US" altLang="zh-TW" sz="3200" dirty="0" err="1">
+                <a:latin typeface="標楷體" panose="03000509000000000000" pitchFamily="65" charset="-120"/>
+                <a:ea typeface="標楷體" panose="03000509000000000000" pitchFamily="65" charset="-120"/>
+              </a:rPr>
+              <a:t>getStructringElenment</a:t>
+            </a:r>
+            <a:br>
+              <a:rPr lang="en-US" altLang="zh-TW" sz="3200" dirty="0">
+                <a:latin typeface="標楷體" panose="03000509000000000000" pitchFamily="65" charset="-120"/>
+                <a:ea typeface="標楷體" panose="03000509000000000000" pitchFamily="65" charset="-120"/>
+              </a:rPr>
+            </a:br>
+            <a:r>
+              <a:rPr lang="zh-TW" altLang="en-US" sz="3200" dirty="0">
+                <a:latin typeface="標楷體" panose="03000509000000000000" pitchFamily="65" charset="-120"/>
+                <a:ea typeface="標楷體" panose="03000509000000000000" pitchFamily="65" charset="-120"/>
+              </a:rPr>
+              <a:t>計算水平、垂直線</a:t>
+            </a:r>
+            <a:br>
+              <a:rPr lang="zh-TW" altLang="en-US" sz="3200" dirty="0">
+                <a:latin typeface="標楷體" panose="03000509000000000000" pitchFamily="65" charset="-120"/>
+                <a:ea typeface="標楷體" panose="03000509000000000000" pitchFamily="65" charset="-120"/>
+              </a:rPr>
+            </a:br>
+            <a:endParaRPr lang="zh-TW" altLang="en-US" sz="3200" dirty="0">
+              <a:latin typeface="標楷體" panose="03000509000000000000" pitchFamily="65" charset="-120"/>
+              <a:ea typeface="標楷體" panose="03000509000000000000" pitchFamily="65" charset="-120"/>
+            </a:endParaRPr>
+          </a:p>
+        </p:txBody>
+      </p:sp>
+      <p:sp>
+        <p:nvSpPr>
+          <p:cNvPr id="3" name="內容版面配置區 2">
+            <a:extLst>
+              <a:ext uri="{FF2B5EF4-FFF2-40B4-BE49-F238E27FC236}">
+                <a16:creationId xmlns:a16="http://schemas.microsoft.com/office/drawing/2014/main" id="{CC95F699-2F9C-8779-FE89-4295499483E6}"/>
+              </a:ext>
+            </a:extLst>
+          </p:cNvPr>
+          <p:cNvSpPr>
+            <a:spLocks noGrp="1"/>
+          </p:cNvSpPr>
+          <p:nvPr>
+            <p:ph idx="1"/>
+          </p:nvPr>
+        </p:nvSpPr>
+        <p:spPr>
+          <a:xfrm>
+            <a:off x="838200" y="1343844"/>
+            <a:ext cx="10515600" cy="4351338"/>
+          </a:xfrm>
+        </p:spPr>
+        <p:txBody>
+          <a:bodyPr/>
+          <a:lstStyle/>
+          <a:p>
+            <a:r>
+              <a:rPr lang="zh-TW" altLang="en-US" sz="2000" dirty="0">
+                <a:latin typeface="標楷體" panose="03000509000000000000" pitchFamily="65" charset="-120"/>
+                <a:ea typeface="標楷體" panose="03000509000000000000" pitchFamily="65" charset="-120"/>
+              </a:rPr>
+              <a:t>功能描述 </a:t>
+            </a:r>
+            <a:r>
+              <a:rPr lang="en-US" altLang="zh-TW" sz="2000" dirty="0">
+                <a:latin typeface="標楷體" panose="03000509000000000000" pitchFamily="65" charset="-120"/>
+                <a:ea typeface="標楷體" panose="03000509000000000000" pitchFamily="65" charset="-120"/>
+              </a:rPr>
+              <a:t>:</a:t>
+            </a:r>
+            <a:r>
+              <a:rPr lang="zh-TW" altLang="en-US" sz="2000" dirty="0">
+                <a:latin typeface="標楷體" panose="03000509000000000000" pitchFamily="65" charset="-120"/>
+                <a:ea typeface="標楷體" panose="03000509000000000000" pitchFamily="65" charset="-120"/>
+              </a:rPr>
+              <a:t> 生成結構元素（水平線或垂直線）以用於形態學操作</a:t>
+            </a:r>
+            <a:endParaRPr lang="en-US" altLang="zh-TW" sz="2000" dirty="0">
+              <a:latin typeface="標楷體" panose="03000509000000000000" pitchFamily="65" charset="-120"/>
+              <a:ea typeface="標楷體" panose="03000509000000000000" pitchFamily="65" charset="-120"/>
+            </a:endParaRPr>
+          </a:p>
+          <a:p>
+            <a:r>
+              <a:rPr lang="zh-TW" altLang="en-US" sz="2000" dirty="0">
+                <a:latin typeface="標楷體" panose="03000509000000000000" pitchFamily="65" charset="-120"/>
+                <a:ea typeface="標楷體" panose="03000509000000000000" pitchFamily="65" charset="-120"/>
+              </a:rPr>
+              <a:t>函式</a:t>
+            </a:r>
+            <a:r>
+              <a:rPr lang="en-US" altLang="zh-TW" sz="2000" dirty="0">
+                <a:latin typeface="標楷體" panose="03000509000000000000" pitchFamily="65" charset="-120"/>
+                <a:ea typeface="標楷體" panose="03000509000000000000" pitchFamily="65" charset="-120"/>
+              </a:rPr>
+              <a:t>:</a:t>
+            </a:r>
+            <a:r>
+              <a:rPr lang="en-US" altLang="zh-TW" sz="2000" dirty="0">
+                <a:latin typeface="Times New Roman" panose="02020603050405020304" pitchFamily="18" charset="0"/>
+                <a:cs typeface="Times New Roman" panose="02020603050405020304" pitchFamily="18" charset="0"/>
+              </a:rPr>
+              <a:t>def </a:t>
+            </a:r>
+            <a:r>
+              <a:rPr lang="en-US" altLang="zh-TW" sz="2000" dirty="0" err="1">
+                <a:latin typeface="Times New Roman" panose="02020603050405020304" pitchFamily="18" charset="0"/>
+                <a:cs typeface="Times New Roman" panose="02020603050405020304" pitchFamily="18" charset="0"/>
+              </a:rPr>
+              <a:t>get_structuring_element</a:t>
+            </a:r>
+            <a:r>
+              <a:rPr lang="en-US" altLang="zh-TW" sz="2000" dirty="0">
+                <a:latin typeface="Times New Roman" panose="02020603050405020304" pitchFamily="18" charset="0"/>
+                <a:cs typeface="Times New Roman" panose="02020603050405020304" pitchFamily="18" charset="0"/>
+              </a:rPr>
+              <a:t>(shape: str, size: int) -&gt; </a:t>
+            </a:r>
+            <a:r>
+              <a:rPr lang="en-US" altLang="zh-TW" sz="2000" dirty="0" err="1">
+                <a:latin typeface="Times New Roman" panose="02020603050405020304" pitchFamily="18" charset="0"/>
+                <a:cs typeface="Times New Roman" panose="02020603050405020304" pitchFamily="18" charset="0"/>
+              </a:rPr>
+              <a:t>np.ndarray</a:t>
+            </a:r>
+            <a:r>
+              <a:rPr lang="en-US" altLang="zh-TW" sz="2000" dirty="0">
+                <a:latin typeface="Times New Roman" panose="02020603050405020304" pitchFamily="18" charset="0"/>
+                <a:cs typeface="Times New Roman" panose="02020603050405020304" pitchFamily="18" charset="0"/>
+              </a:rPr>
+              <a:t>:</a:t>
+            </a:r>
+          </a:p>
+          <a:p>
+            <a:endParaRPr lang="en-US" altLang="zh-TW" sz="2000" dirty="0">
+              <a:latin typeface="Times New Roman" panose="02020603050405020304" pitchFamily="18" charset="0"/>
+              <a:cs typeface="Times New Roman" panose="02020603050405020304" pitchFamily="18" charset="0"/>
+            </a:endParaRPr>
+          </a:p>
+          <a:p>
+            <a:endParaRPr lang="en-US" altLang="zh-TW" sz="2000" dirty="0">
+              <a:latin typeface="Times New Roman" panose="02020603050405020304" pitchFamily="18" charset="0"/>
+              <a:cs typeface="Times New Roman" panose="02020603050405020304" pitchFamily="18" charset="0"/>
+            </a:endParaRPr>
+          </a:p>
+          <a:p>
+            <a:endParaRPr lang="en-US" altLang="zh-TW" sz="2000" dirty="0">
+              <a:latin typeface="Times New Roman" panose="02020603050405020304" pitchFamily="18" charset="0"/>
+              <a:cs typeface="Times New Roman" panose="02020603050405020304" pitchFamily="18" charset="0"/>
+            </a:endParaRPr>
+          </a:p>
+          <a:p>
+            <a:endParaRPr lang="en-US" altLang="zh-TW" sz="2000" dirty="0">
+              <a:latin typeface="Times New Roman" panose="02020603050405020304" pitchFamily="18" charset="0"/>
+              <a:cs typeface="Times New Roman" panose="02020603050405020304" pitchFamily="18" charset="0"/>
+            </a:endParaRPr>
+          </a:p>
+          <a:p>
+            <a:r>
+              <a:rPr lang="zh-TW" altLang="en-US" sz="2000" dirty="0">
+                <a:latin typeface="標楷體" panose="03000509000000000000" pitchFamily="65" charset="-120"/>
+                <a:ea typeface="標楷體" panose="03000509000000000000" pitchFamily="65" charset="-120"/>
+                <a:cs typeface="Times New Roman" panose="02020603050405020304" pitchFamily="18" charset="0"/>
+              </a:rPr>
+              <a:t>返回值</a:t>
+            </a:r>
+            <a:r>
+              <a:rPr lang="en-US" altLang="zh-TW" sz="2000" dirty="0">
+                <a:latin typeface="Times New Roman" panose="02020603050405020304" pitchFamily="18" charset="0"/>
+                <a:cs typeface="Times New Roman" panose="02020603050405020304" pitchFamily="18" charset="0"/>
+              </a:rPr>
+              <a:t>:</a:t>
+            </a:r>
+            <a:r>
+              <a:rPr lang="en-US" altLang="zh-TW" sz="2000" dirty="0" err="1">
+                <a:latin typeface="Times New Roman" panose="02020603050405020304" pitchFamily="18" charset="0"/>
+                <a:cs typeface="Times New Roman" panose="02020603050405020304" pitchFamily="18" charset="0"/>
+              </a:rPr>
+              <a:t>np.ndarray</a:t>
+            </a:r>
+            <a:r>
+              <a:rPr lang="zh-TW" altLang="en-US" sz="2000" dirty="0">
+                <a:latin typeface="標楷體" panose="03000509000000000000" pitchFamily="65" charset="-120"/>
+                <a:ea typeface="標楷體" panose="03000509000000000000" pitchFamily="65" charset="-120"/>
+              </a:rPr>
+              <a:t>布林陣列，表示生成的結構元素。</a:t>
+            </a:r>
+            <a:endParaRPr lang="en-US" altLang="zh-TW" sz="2000" dirty="0">
+              <a:latin typeface="標楷體" panose="03000509000000000000" pitchFamily="65" charset="-120"/>
+              <a:ea typeface="標楷體" panose="03000509000000000000" pitchFamily="65" charset="-120"/>
+            </a:endParaRPr>
+          </a:p>
+          <a:p>
+            <a:endParaRPr lang="en-US" altLang="zh-TW" sz="2000" dirty="0">
+              <a:latin typeface="標楷體" panose="03000509000000000000" pitchFamily="65" charset="-120"/>
+              <a:ea typeface="標楷體" panose="03000509000000000000" pitchFamily="65" charset="-120"/>
+            </a:endParaRPr>
+          </a:p>
+          <a:p>
+            <a:endParaRPr lang="en-US" altLang="zh-TW" sz="2000" dirty="0">
+              <a:latin typeface="標楷體" panose="03000509000000000000" pitchFamily="65" charset="-120"/>
+              <a:ea typeface="標楷體" panose="03000509000000000000" pitchFamily="65" charset="-120"/>
+            </a:endParaRPr>
+          </a:p>
+          <a:p>
+            <a:endParaRPr lang="en-US" altLang="zh-TW" sz="2000" dirty="0">
+              <a:latin typeface="標楷體" panose="03000509000000000000" pitchFamily="65" charset="-120"/>
+              <a:ea typeface="標楷體" panose="03000509000000000000" pitchFamily="65" charset="-120"/>
+            </a:endParaRPr>
+          </a:p>
+          <a:p>
+            <a:endParaRPr lang="zh-TW" altLang="en-US" sz="2000" dirty="0">
+              <a:latin typeface="標楷體" panose="03000509000000000000" pitchFamily="65" charset="-120"/>
+              <a:ea typeface="標楷體" panose="03000509000000000000" pitchFamily="65" charset="-120"/>
+            </a:endParaRPr>
+          </a:p>
+        </p:txBody>
+      </p:sp>
+      <p:graphicFrame>
+        <p:nvGraphicFramePr>
+          <p:cNvPr id="4" name="表格 8">
+            <a:extLst>
+              <a:ext uri="{FF2B5EF4-FFF2-40B4-BE49-F238E27FC236}">
+                <a16:creationId xmlns:a16="http://schemas.microsoft.com/office/drawing/2014/main" id="{4A29D7A9-FD3B-DA36-8F0F-7001BC40D995}"/>
+              </a:ext>
+            </a:extLst>
+          </p:cNvPr>
+          <p:cNvGraphicFramePr>
+            <a:graphicFrameLocks noGrp="1"/>
+          </p:cNvGraphicFramePr>
+          <p:nvPr>
+            <p:extLst/>
+          </p:nvPr>
+        </p:nvGraphicFramePr>
+        <p:xfrm>
+          <a:off x="1154639" y="2239516"/>
+          <a:ext cx="10929258" cy="1189484"/>
+        </p:xfrm>
+        <a:graphic>
+          <a:graphicData uri="http://schemas.openxmlformats.org/drawingml/2006/table">
+            <a:tbl>
+              <a:tblPr firstRow="1" bandRow="1">
+                <a:tableStyleId>{5C22544A-7EE6-4342-B048-85BDC9FD1C3A}</a:tableStyleId>
+              </a:tblPr>
+              <a:tblGrid>
+                <a:gridCol w="3224414">
+                  <a:extLst>
+                    <a:ext uri="{9D8B030D-6E8A-4147-A177-3AD203B41FA5}">
+                      <a16:colId xmlns:a16="http://schemas.microsoft.com/office/drawing/2014/main" val="175491985"/>
+                    </a:ext>
+                  </a:extLst>
+                </a:gridCol>
+                <a:gridCol w="1618624">
+                  <a:extLst>
+                    <a:ext uri="{9D8B030D-6E8A-4147-A177-3AD203B41FA5}">
+                      <a16:colId xmlns:a16="http://schemas.microsoft.com/office/drawing/2014/main" val="822259094"/>
+                    </a:ext>
+                  </a:extLst>
+                </a:gridCol>
+                <a:gridCol w="6086220">
+                  <a:extLst>
+                    <a:ext uri="{9D8B030D-6E8A-4147-A177-3AD203B41FA5}">
+                      <a16:colId xmlns:a16="http://schemas.microsoft.com/office/drawing/2014/main" val="4104166654"/>
+                    </a:ext>
+                  </a:extLst>
+                </a:gridCol>
+              </a:tblGrid>
+              <a:tr h="298300">
+                <a:tc>
+                  <a:txBody>
+                    <a:bodyPr/>
+                    <a:lstStyle/>
+                    <a:p>
+                      <a:r>
+                        <a:rPr lang="zh-TW" altLang="en-US" sz="1200" baseline="0" dirty="0">
+                          <a:latin typeface="標楷體" panose="03000509000000000000" pitchFamily="65" charset="-120"/>
+                          <a:ea typeface="標楷體" panose="03000509000000000000" pitchFamily="65" charset="-120"/>
+                        </a:rPr>
+                        <a:t>參數</a:t>
+                      </a:r>
+                    </a:p>
+                  </a:txBody>
+                  <a:tcPr/>
+                </a:tc>
+                <a:tc>
+                  <a:txBody>
+                    <a:bodyPr/>
+                    <a:lstStyle/>
+                    <a:p>
+                      <a:r>
+                        <a:rPr lang="zh-TW" altLang="en-US" sz="1200" baseline="0" dirty="0">
+                          <a:latin typeface="標楷體" panose="03000509000000000000" pitchFamily="65" charset="-120"/>
+                          <a:ea typeface="標楷體" panose="03000509000000000000" pitchFamily="65" charset="-120"/>
+                        </a:rPr>
+                        <a:t>類型</a:t>
+                      </a:r>
+                    </a:p>
+                  </a:txBody>
+                  <a:tcPr/>
+                </a:tc>
+                <a:tc>
+                  <a:txBody>
+                    <a:bodyPr/>
+                    <a:lstStyle/>
+                    <a:p>
+                      <a:r>
+                        <a:rPr lang="zh-TW" altLang="en-US" sz="1200" baseline="0" dirty="0">
+                          <a:latin typeface="標楷體" panose="03000509000000000000" pitchFamily="65" charset="-120"/>
+                          <a:ea typeface="標楷體" panose="03000509000000000000" pitchFamily="65" charset="-120"/>
+                        </a:rPr>
+                        <a:t>說明</a:t>
+                      </a:r>
+                    </a:p>
+                  </a:txBody>
+                  <a:tcPr/>
+                </a:tc>
+                <a:extLst>
+                  <a:ext uri="{0D108BD9-81ED-4DB2-BD59-A6C34878D82A}">
+                    <a16:rowId xmlns:a16="http://schemas.microsoft.com/office/drawing/2014/main" val="3131740815"/>
+                  </a:ext>
+                </a:extLst>
+              </a:tr>
+              <a:tr h="433984">
+                <a:tc>
+                  <a:txBody>
+                    <a:bodyPr/>
+                    <a:lstStyle/>
+                    <a:p>
+                      <a:r>
+                        <a:rPr lang="en-US" altLang="zh-TW" sz="1200" baseline="0" dirty="0">
+                          <a:latin typeface="Times New Roman" panose="02020603050405020304" pitchFamily="18" charset="0"/>
+                          <a:ea typeface="標楷體" panose="03000509000000000000" pitchFamily="65" charset="-120"/>
+                          <a:cs typeface="Times New Roman" panose="02020603050405020304" pitchFamily="18" charset="0"/>
+                        </a:rPr>
+                        <a:t>shape</a:t>
+                      </a:r>
+                    </a:p>
+                  </a:txBody>
+                  <a:tcPr/>
+                </a:tc>
+                <a:tc>
+                  <a:txBody>
+                    <a:bodyPr/>
+                    <a:lstStyle/>
+                    <a:p>
+                      <a:r>
+                        <a:rPr lang="en-US" altLang="zh-TW" sz="1200" dirty="0">
+                          <a:latin typeface="Times New Roman" panose="02020603050405020304" pitchFamily="18" charset="0"/>
+                          <a:cs typeface="Times New Roman" panose="02020603050405020304" pitchFamily="18" charset="0"/>
+                        </a:rPr>
+                        <a:t>str</a:t>
+                      </a:r>
+                      <a:endParaRPr lang="zh-TW" altLang="en-US" sz="1200" baseline="0" dirty="0">
+                        <a:latin typeface="Times New Roman" panose="02020603050405020304" pitchFamily="18" charset="0"/>
+                        <a:ea typeface="標楷體" panose="03000509000000000000" pitchFamily="65" charset="-120"/>
+                        <a:cs typeface="Times New Roman" panose="02020603050405020304" pitchFamily="18" charset="0"/>
+                      </a:endParaRPr>
+                    </a:p>
+                  </a:txBody>
+                  <a:tcPr/>
+                </a:tc>
+                <a:tc>
+                  <a:txBody>
+                    <a:bodyPr/>
+                    <a:lstStyle/>
+                    <a:p>
+                      <a:r>
+                        <a:rPr lang="zh-TW" altLang="en-US" sz="1200" dirty="0">
+                          <a:latin typeface="標楷體" panose="03000509000000000000" pitchFamily="65" charset="-120"/>
+                          <a:ea typeface="標楷體" panose="03000509000000000000" pitchFamily="65" charset="-120"/>
+                        </a:rPr>
+                        <a:t>結構元素的形狀，</a:t>
+                      </a:r>
+                      <a:r>
+                        <a:rPr lang="en-US" altLang="zh-TW" sz="1200" dirty="0">
+                          <a:latin typeface="標楷體" panose="03000509000000000000" pitchFamily="65" charset="-120"/>
+                          <a:ea typeface="標楷體" panose="03000509000000000000" pitchFamily="65" charset="-120"/>
+                        </a:rPr>
+                        <a:t>"</a:t>
+                      </a:r>
+                      <a:r>
+                        <a:rPr lang="en-US" altLang="zh-TW" sz="1200" dirty="0">
+                          <a:latin typeface="Times New Roman" panose="02020603050405020304" pitchFamily="18" charset="0"/>
+                          <a:ea typeface="標楷體" panose="03000509000000000000" pitchFamily="65" charset="-120"/>
+                          <a:cs typeface="Times New Roman" panose="02020603050405020304" pitchFamily="18" charset="0"/>
+                        </a:rPr>
+                        <a:t>horizontal</a:t>
+                      </a:r>
+                      <a:r>
+                        <a:rPr lang="en-US" altLang="zh-TW" sz="1200" dirty="0">
+                          <a:latin typeface="標楷體" panose="03000509000000000000" pitchFamily="65" charset="-120"/>
+                          <a:ea typeface="標楷體" panose="03000509000000000000" pitchFamily="65" charset="-120"/>
+                        </a:rPr>
+                        <a:t>" </a:t>
+                      </a:r>
+                      <a:r>
+                        <a:rPr lang="zh-TW" altLang="en-US" sz="1200" dirty="0">
+                          <a:latin typeface="標楷體" panose="03000509000000000000" pitchFamily="65" charset="-120"/>
+                          <a:ea typeface="標楷體" panose="03000509000000000000" pitchFamily="65" charset="-120"/>
+                        </a:rPr>
+                        <a:t>表示水平線，</a:t>
+                      </a:r>
+                      <a:r>
+                        <a:rPr lang="en-US" altLang="zh-TW" sz="1200" dirty="0">
+                          <a:latin typeface="標楷體" panose="03000509000000000000" pitchFamily="65" charset="-120"/>
+                          <a:ea typeface="標楷體" panose="03000509000000000000" pitchFamily="65" charset="-120"/>
+                        </a:rPr>
+                        <a:t>"</a:t>
+                      </a:r>
+                      <a:r>
+                        <a:rPr lang="en-US" altLang="zh-TW" sz="1200" dirty="0">
+                          <a:latin typeface="Times New Roman" panose="02020603050405020304" pitchFamily="18" charset="0"/>
+                          <a:ea typeface="標楷體" panose="03000509000000000000" pitchFamily="65" charset="-120"/>
+                          <a:cs typeface="Times New Roman" panose="02020603050405020304" pitchFamily="18" charset="0"/>
+                        </a:rPr>
+                        <a:t>vertical</a:t>
+                      </a:r>
+                      <a:r>
+                        <a:rPr lang="en-US" altLang="zh-TW" sz="1200" dirty="0">
+                          <a:latin typeface="標楷體" panose="03000509000000000000" pitchFamily="65" charset="-120"/>
+                          <a:ea typeface="標楷體" panose="03000509000000000000" pitchFamily="65" charset="-120"/>
+                        </a:rPr>
+                        <a:t>" </a:t>
+                      </a:r>
+                      <a:r>
+                        <a:rPr lang="zh-TW" altLang="en-US" sz="1200" dirty="0">
+                          <a:latin typeface="標楷體" panose="03000509000000000000" pitchFamily="65" charset="-120"/>
+                          <a:ea typeface="標楷體" panose="03000509000000000000" pitchFamily="65" charset="-120"/>
+                        </a:rPr>
+                        <a:t>表示垂直線。</a:t>
+                      </a:r>
+                      <a:endParaRPr lang="zh-TW" altLang="en-US" sz="1200" baseline="0" dirty="0">
+                        <a:latin typeface="標楷體" panose="03000509000000000000" pitchFamily="65" charset="-120"/>
+                        <a:ea typeface="標楷體" panose="03000509000000000000" pitchFamily="65" charset="-120"/>
+                        <a:cs typeface="Times New Roman" panose="02020603050405020304" pitchFamily="18" charset="0"/>
+                      </a:endParaRPr>
+                    </a:p>
+                  </a:txBody>
+                  <a:tcPr/>
+                </a:tc>
+                <a:extLst>
+                  <a:ext uri="{0D108BD9-81ED-4DB2-BD59-A6C34878D82A}">
+                    <a16:rowId xmlns:a16="http://schemas.microsoft.com/office/drawing/2014/main" val="2878939569"/>
+                  </a:ext>
+                </a:extLst>
+              </a:tr>
+              <a:tr h="307070">
+                <a:tc>
+                  <a:txBody>
+                    <a:bodyPr/>
+                    <a:lstStyle/>
+                    <a:p>
+                      <a:r>
+                        <a:rPr lang="en-US" altLang="zh-TW" sz="1200" dirty="0">
+                          <a:latin typeface="Times New Roman" panose="02020603050405020304" pitchFamily="18" charset="0"/>
+                          <a:cs typeface="Times New Roman" panose="02020603050405020304" pitchFamily="18" charset="0"/>
+                        </a:rPr>
+                        <a:t>size</a:t>
+                      </a:r>
+                    </a:p>
+                  </a:txBody>
+                  <a:tcPr/>
+                </a:tc>
+                <a:tc>
+                  <a:txBody>
+                    <a:bodyPr/>
+                    <a:lstStyle/>
+                    <a:p>
+                      <a:r>
+                        <a:rPr lang="en-US" altLang="zh-TW" sz="1200" dirty="0">
+                          <a:latin typeface="Times New Roman" panose="02020603050405020304" pitchFamily="18" charset="0"/>
+                          <a:cs typeface="Times New Roman" panose="02020603050405020304" pitchFamily="18" charset="0"/>
+                        </a:rPr>
+                        <a:t>int</a:t>
+                      </a:r>
+                    </a:p>
+                    <a:p>
+                      <a:endParaRPr lang="zh-TW" altLang="en-US" sz="1200" baseline="0" dirty="0">
+                        <a:latin typeface="Times New Roman" panose="02020603050405020304" pitchFamily="18" charset="0"/>
+                        <a:ea typeface="標楷體" panose="03000509000000000000" pitchFamily="65" charset="-120"/>
+                        <a:cs typeface="Times New Roman" panose="02020603050405020304" pitchFamily="18" charset="0"/>
+                      </a:endParaRPr>
+                    </a:p>
+                  </a:txBody>
+                  <a:tcPr/>
+                </a:tc>
+                <a:tc>
+                  <a:txBody>
+                    <a:bodyPr/>
+                    <a:lstStyle/>
+                    <a:p>
+                      <a:r>
+                        <a:rPr lang="zh-TW" altLang="en-US" sz="1200" dirty="0">
+                          <a:latin typeface="標楷體" panose="03000509000000000000" pitchFamily="65" charset="-120"/>
+                          <a:ea typeface="標楷體" panose="03000509000000000000" pitchFamily="65" charset="-120"/>
+                        </a:rPr>
+                        <a:t>結構元素的大小（必須為正整數）。</a:t>
+                      </a:r>
+                    </a:p>
+                  </a:txBody>
+                  <a:tcPr/>
+                </a:tc>
+                <a:extLst>
+                  <a:ext uri="{0D108BD9-81ED-4DB2-BD59-A6C34878D82A}">
+                    <a16:rowId xmlns:a16="http://schemas.microsoft.com/office/drawing/2014/main" val="1245640404"/>
+                  </a:ext>
+                </a:extLst>
+              </a:tr>
+            </a:tbl>
+          </a:graphicData>
+        </a:graphic>
+      </p:graphicFrame>
+    </p:spTree>
+    <p:extLst>
+      <p:ext uri="{BB962C8B-B14F-4D97-AF65-F5344CB8AC3E}">
+        <p14:creationId xmlns:p14="http://schemas.microsoft.com/office/powerpoint/2010/main" val="1572216082"/>
+      </p:ext>
+    </p:extLst>
+  </p:cSld>
+  <p:clrMapOvr>
+    <a:masterClrMapping/>
+  </p:clrMapOvr>
+</p:sld>
+</file>
+
+<file path=ppt/slides/slide8.xml><?xml version="1.0" encoding="utf-8"?>
+<p:sld xmlns:a="http://schemas.openxmlformats.org/drawingml/2006/main" xmlns:r="http://schemas.openxmlformats.org/officeDocument/2006/relationships" xmlns:p="http://schemas.openxmlformats.org/presentationml/2006/main">
+  <p:cSld>
+    <p:spTree>
+      <p:nvGrpSpPr>
+        <p:cNvPr id="1" name="">
+          <a:extLst>
+            <a:ext uri="{FF2B5EF4-FFF2-40B4-BE49-F238E27FC236}">
+              <a16:creationId xmlns:a16="http://schemas.microsoft.com/office/drawing/2014/main" id="{BB732E3A-DCEE-2FF1-E8D5-314A7CBD0583}"/>
+            </a:ext>
+          </a:extLst>
+        </p:cNvPr>
+        <p:cNvGrpSpPr/>
+        <p:nvPr/>
+      </p:nvGrpSpPr>
+      <p:grpSpPr>
+        <a:xfrm>
+          <a:off x="0" y="0"/>
+          <a:ext cx="0" cy="0"/>
+          <a:chOff x="0" y="0"/>
+          <a:chExt cx="0" cy="0"/>
+        </a:xfrm>
+      </p:grpSpPr>
+      <p:sp>
+        <p:nvSpPr>
+          <p:cNvPr id="2" name="標題 1">
+            <a:extLst>
+              <a:ext uri="{FF2B5EF4-FFF2-40B4-BE49-F238E27FC236}">
+                <a16:creationId xmlns:a16="http://schemas.microsoft.com/office/drawing/2014/main" id="{32DDE4FA-BD38-C2D1-8CE2-1E077C1087EE}"/>
+              </a:ext>
+            </a:extLst>
+          </p:cNvPr>
+          <p:cNvSpPr>
+            <a:spLocks noGrp="1"/>
+          </p:cNvSpPr>
+          <p:nvPr>
+            <p:ph type="title"/>
+          </p:nvPr>
+        </p:nvSpPr>
+        <p:spPr>
+          <a:xfrm>
+            <a:off x="838200" y="365125"/>
+            <a:ext cx="10515600" cy="978719"/>
+          </a:xfrm>
+        </p:spPr>
+        <p:txBody>
+          <a:bodyPr>
+            <a:normAutofit/>
+          </a:bodyPr>
+          <a:lstStyle/>
+          <a:p>
+            <a:r>
+              <a:rPr lang="en-US" altLang="zh-TW" sz="3200" dirty="0" err="1">
+                <a:latin typeface="標楷體" panose="03000509000000000000" pitchFamily="65" charset="-120"/>
+                <a:ea typeface="標楷體" panose="03000509000000000000" pitchFamily="65" charset="-120"/>
+              </a:rPr>
+              <a:t>findContours</a:t>
+            </a:r>
+            <a:br>
+              <a:rPr lang="en-US" altLang="zh-TW" sz="3200" dirty="0">
+                <a:latin typeface="標楷體" panose="03000509000000000000" pitchFamily="65" charset="-120"/>
+                <a:ea typeface="標楷體" panose="03000509000000000000" pitchFamily="65" charset="-120"/>
+              </a:rPr>
+            </a:br>
+            <a:r>
+              <a:rPr lang="zh-TW" altLang="en-US" sz="3200" dirty="0">
+                <a:latin typeface="標楷體" panose="03000509000000000000" pitchFamily="65" charset="-120"/>
+                <a:ea typeface="標楷體" panose="03000509000000000000" pitchFamily="65" charset="-120"/>
+              </a:rPr>
+              <a:t>計算輪廓</a:t>
+            </a:r>
+          </a:p>
+        </p:txBody>
+      </p:sp>
+      <p:sp>
+        <p:nvSpPr>
+          <p:cNvPr id="3" name="內容版面配置區 2">
+            <a:extLst>
+              <a:ext uri="{FF2B5EF4-FFF2-40B4-BE49-F238E27FC236}">
+                <a16:creationId xmlns:a16="http://schemas.microsoft.com/office/drawing/2014/main" id="{B42A0908-A595-B71E-B4AB-AB2B5D7662C2}"/>
+              </a:ext>
+            </a:extLst>
+          </p:cNvPr>
+          <p:cNvSpPr>
+            <a:spLocks noGrp="1"/>
+          </p:cNvSpPr>
+          <p:nvPr>
+            <p:ph idx="1"/>
+          </p:nvPr>
+        </p:nvSpPr>
+        <p:spPr>
+          <a:xfrm>
+            <a:off x="838200" y="1343844"/>
+            <a:ext cx="10515600" cy="4351338"/>
+          </a:xfrm>
+        </p:spPr>
+        <p:txBody>
+          <a:bodyPr/>
+          <a:lstStyle/>
+          <a:p>
+            <a:r>
+              <a:rPr lang="zh-TW" altLang="en-US" sz="2000" dirty="0">
+                <a:latin typeface="標楷體" panose="03000509000000000000" pitchFamily="65" charset="-120"/>
+                <a:ea typeface="標楷體" panose="03000509000000000000" pitchFamily="65" charset="-120"/>
+              </a:rPr>
+              <a:t>功能描述 </a:t>
+            </a:r>
+            <a:r>
+              <a:rPr lang="en-US" altLang="zh-TW" sz="2000" dirty="0">
+                <a:latin typeface="標楷體" panose="03000509000000000000" pitchFamily="65" charset="-120"/>
+                <a:ea typeface="標楷體" panose="03000509000000000000" pitchFamily="65" charset="-120"/>
+              </a:rPr>
+              <a:t>:</a:t>
+            </a:r>
+            <a:r>
+              <a:rPr lang="zh-TW" altLang="en-US" sz="2000" dirty="0">
+                <a:latin typeface="標楷體" panose="03000509000000000000" pitchFamily="65" charset="-120"/>
+                <a:ea typeface="標楷體" panose="03000509000000000000" pitchFamily="65" charset="-120"/>
+              </a:rPr>
+              <a:t>從二值化圖像中計算輪廓，返回輪廓點座標。</a:t>
+            </a:r>
+            <a:endParaRPr lang="en-US" altLang="zh-TW" sz="2000" dirty="0">
+              <a:latin typeface="標楷體" panose="03000509000000000000" pitchFamily="65" charset="-120"/>
+              <a:ea typeface="標楷體" panose="03000509000000000000" pitchFamily="65" charset="-120"/>
+            </a:endParaRPr>
+          </a:p>
+          <a:p>
+            <a:r>
+              <a:rPr lang="zh-TW" altLang="en-US" sz="2000" dirty="0">
+                <a:latin typeface="標楷體" panose="03000509000000000000" pitchFamily="65" charset="-120"/>
+                <a:ea typeface="標楷體" panose="03000509000000000000" pitchFamily="65" charset="-120"/>
+              </a:rPr>
+              <a:t>函式</a:t>
+            </a:r>
+            <a:r>
+              <a:rPr lang="en-US" altLang="zh-TW" sz="2000" dirty="0">
+                <a:latin typeface="標楷體" panose="03000509000000000000" pitchFamily="65" charset="-120"/>
+                <a:ea typeface="標楷體" panose="03000509000000000000" pitchFamily="65" charset="-120"/>
+              </a:rPr>
+              <a:t>:</a:t>
+            </a:r>
+            <a:r>
+              <a:rPr lang="en-US" altLang="zh-TW" sz="2000" dirty="0">
+                <a:latin typeface="Times New Roman" panose="02020603050405020304" pitchFamily="18" charset="0"/>
+                <a:cs typeface="Times New Roman" panose="02020603050405020304" pitchFamily="18" charset="0"/>
+              </a:rPr>
+              <a:t>def </a:t>
+            </a:r>
+            <a:r>
+              <a:rPr lang="en-US" altLang="zh-TW" sz="2000" dirty="0" err="1">
+                <a:latin typeface="Times New Roman" panose="02020603050405020304" pitchFamily="18" charset="0"/>
+                <a:cs typeface="Times New Roman" panose="02020603050405020304" pitchFamily="18" charset="0"/>
+              </a:rPr>
+              <a:t>find_contours</a:t>
+            </a:r>
+            <a:r>
+              <a:rPr lang="en-US" altLang="zh-TW" sz="2000" dirty="0">
+                <a:latin typeface="Times New Roman" panose="02020603050405020304" pitchFamily="18" charset="0"/>
+                <a:cs typeface="Times New Roman" panose="02020603050405020304" pitchFamily="18" charset="0"/>
+              </a:rPr>
+              <a:t>(</a:t>
+            </a:r>
+            <a:r>
+              <a:rPr lang="en-US" altLang="zh-TW" sz="2000" dirty="0" err="1">
+                <a:latin typeface="Times New Roman" panose="02020603050405020304" pitchFamily="18" charset="0"/>
+                <a:cs typeface="Times New Roman" panose="02020603050405020304" pitchFamily="18" charset="0"/>
+              </a:rPr>
+              <a:t>binary_image</a:t>
+            </a:r>
+            <a:r>
+              <a:rPr lang="en-US" altLang="zh-TW" sz="2000" dirty="0">
+                <a:latin typeface="Times New Roman" panose="02020603050405020304" pitchFamily="18" charset="0"/>
+                <a:cs typeface="Times New Roman" panose="02020603050405020304" pitchFamily="18" charset="0"/>
+              </a:rPr>
+              <a:t>: </a:t>
+            </a:r>
+            <a:r>
+              <a:rPr lang="en-US" altLang="zh-TW" sz="2000" dirty="0" err="1">
+                <a:latin typeface="Times New Roman" panose="02020603050405020304" pitchFamily="18" charset="0"/>
+                <a:cs typeface="Times New Roman" panose="02020603050405020304" pitchFamily="18" charset="0"/>
+              </a:rPr>
+              <a:t>np.ndarray</a:t>
+            </a:r>
+            <a:r>
+              <a:rPr lang="en-US" altLang="zh-TW" sz="2000" dirty="0">
+                <a:latin typeface="Times New Roman" panose="02020603050405020304" pitchFamily="18" charset="0"/>
+                <a:cs typeface="Times New Roman" panose="02020603050405020304" pitchFamily="18" charset="0"/>
+              </a:rPr>
+              <a:t>) -&gt; list:</a:t>
+            </a:r>
+          </a:p>
+          <a:p>
+            <a:endParaRPr lang="en-US" altLang="zh-TW" sz="2000" dirty="0">
+              <a:latin typeface="Times New Roman" panose="02020603050405020304" pitchFamily="18" charset="0"/>
+              <a:cs typeface="Times New Roman" panose="02020603050405020304" pitchFamily="18" charset="0"/>
+            </a:endParaRPr>
+          </a:p>
+          <a:p>
+            <a:pPr marL="0" indent="0">
+              <a:buNone/>
+            </a:pPr>
+            <a:endParaRPr lang="en-US" altLang="zh-TW" sz="2000" dirty="0">
+              <a:latin typeface="Times New Roman" panose="02020603050405020304" pitchFamily="18" charset="0"/>
+              <a:cs typeface="Times New Roman" panose="02020603050405020304" pitchFamily="18" charset="0"/>
+            </a:endParaRPr>
+          </a:p>
+          <a:p>
+            <a:r>
+              <a:rPr lang="zh-TW" altLang="en-US" sz="2000" dirty="0">
+                <a:latin typeface="標楷體" panose="03000509000000000000" pitchFamily="65" charset="-120"/>
+                <a:ea typeface="標楷體" panose="03000509000000000000" pitchFamily="65" charset="-120"/>
+                <a:cs typeface="Times New Roman" panose="02020603050405020304" pitchFamily="18" charset="0"/>
+              </a:rPr>
+              <a:t>返回值</a:t>
+            </a:r>
+            <a:r>
+              <a:rPr lang="en-US" altLang="zh-TW" sz="2000" dirty="0">
+                <a:latin typeface="Times New Roman" panose="02020603050405020304" pitchFamily="18" charset="0"/>
+                <a:cs typeface="Times New Roman" panose="02020603050405020304" pitchFamily="18" charset="0"/>
+              </a:rPr>
+              <a:t>:</a:t>
+            </a:r>
+            <a:r>
+              <a:rPr lang="en-US" altLang="zh-TW" sz="1400" dirty="0"/>
+              <a:t> </a:t>
+            </a:r>
+            <a:r>
+              <a:rPr lang="en-US" altLang="zh-TW" sz="2000" dirty="0">
+                <a:latin typeface="Times New Roman" panose="02020603050405020304" pitchFamily="18" charset="0"/>
+                <a:cs typeface="Times New Roman" panose="02020603050405020304" pitchFamily="18" charset="0"/>
+              </a:rPr>
+              <a:t>list</a:t>
+            </a:r>
+            <a:r>
+              <a:rPr kumimoji="0" lang="zh-TW" altLang="zh-TW" sz="2000" b="0" i="0" u="none" strike="noStrike" cap="none" normalizeH="0" baseline="0" dirty="0">
+                <a:ln>
+                  <a:noFill/>
+                </a:ln>
+                <a:solidFill>
+                  <a:schemeClr val="tx1"/>
+                </a:solidFill>
+                <a:effectLst/>
+                <a:latin typeface="標楷體" panose="03000509000000000000" pitchFamily="65" charset="-120"/>
+                <a:ea typeface="標楷體" panose="03000509000000000000" pitchFamily="65" charset="-120"/>
+              </a:rPr>
+              <a:t>每個輪廓的點座標集，格式為 [[點集1], [點集2], ...]，其中每個點的格式為 (x, y)。 </a:t>
+            </a:r>
+          </a:p>
+          <a:p>
+            <a:endParaRPr lang="en-US" altLang="zh-TW" sz="2000" dirty="0">
+              <a:latin typeface="標楷體" panose="03000509000000000000" pitchFamily="65" charset="-120"/>
+              <a:ea typeface="標楷體" panose="03000509000000000000" pitchFamily="65" charset="-120"/>
+              <a:cs typeface="Times New Roman" panose="02020603050405020304" pitchFamily="18" charset="0"/>
+            </a:endParaRPr>
+          </a:p>
+          <a:p>
+            <a:endParaRPr lang="en-US" altLang="zh-TW" sz="2000" dirty="0">
+              <a:latin typeface="標楷體" panose="03000509000000000000" pitchFamily="65" charset="-120"/>
+              <a:ea typeface="標楷體" panose="03000509000000000000" pitchFamily="65" charset="-120"/>
+            </a:endParaRPr>
+          </a:p>
+          <a:p>
+            <a:endParaRPr lang="en-US" altLang="zh-TW" sz="2000" dirty="0">
+              <a:latin typeface="標楷體" panose="03000509000000000000" pitchFamily="65" charset="-120"/>
+              <a:ea typeface="標楷體" panose="03000509000000000000" pitchFamily="65" charset="-120"/>
+            </a:endParaRPr>
+          </a:p>
+          <a:p>
+            <a:endParaRPr lang="en-US" altLang="zh-TW" sz="2000" dirty="0">
+              <a:latin typeface="標楷體" panose="03000509000000000000" pitchFamily="65" charset="-120"/>
+              <a:ea typeface="標楷體" panose="03000509000000000000" pitchFamily="65" charset="-120"/>
+            </a:endParaRPr>
+          </a:p>
+          <a:p>
+            <a:endParaRPr lang="en-US" altLang="zh-TW" sz="2000" dirty="0">
+              <a:latin typeface="標楷體" panose="03000509000000000000" pitchFamily="65" charset="-120"/>
+              <a:ea typeface="標楷體" panose="03000509000000000000" pitchFamily="65" charset="-120"/>
+            </a:endParaRPr>
+          </a:p>
+          <a:p>
+            <a:endParaRPr lang="zh-TW" altLang="en-US" sz="2000" dirty="0">
+              <a:latin typeface="標楷體" panose="03000509000000000000" pitchFamily="65" charset="-120"/>
+              <a:ea typeface="標楷體" panose="03000509000000000000" pitchFamily="65" charset="-120"/>
+            </a:endParaRPr>
+          </a:p>
+        </p:txBody>
+      </p:sp>
+      <p:graphicFrame>
+        <p:nvGraphicFramePr>
+          <p:cNvPr id="4" name="表格 8">
+            <a:extLst>
+              <a:ext uri="{FF2B5EF4-FFF2-40B4-BE49-F238E27FC236}">
+                <a16:creationId xmlns:a16="http://schemas.microsoft.com/office/drawing/2014/main" id="{5398520F-CBF1-528D-1BC3-8760808C0B24}"/>
+              </a:ext>
+            </a:extLst>
+          </p:cNvPr>
+          <p:cNvGraphicFramePr>
+            <a:graphicFrameLocks noGrp="1"/>
+          </p:cNvGraphicFramePr>
+          <p:nvPr>
+            <p:extLst/>
+          </p:nvPr>
+        </p:nvGraphicFramePr>
+        <p:xfrm>
+          <a:off x="1164473" y="2230487"/>
+          <a:ext cx="10929258" cy="732284"/>
+        </p:xfrm>
+        <a:graphic>
+          <a:graphicData uri="http://schemas.openxmlformats.org/drawingml/2006/table">
+            <a:tbl>
+              <a:tblPr firstRow="1" bandRow="1">
+                <a:tableStyleId>{5C22544A-7EE6-4342-B048-85BDC9FD1C3A}</a:tableStyleId>
+              </a:tblPr>
+              <a:tblGrid>
+                <a:gridCol w="3224414">
+                  <a:extLst>
+                    <a:ext uri="{9D8B030D-6E8A-4147-A177-3AD203B41FA5}">
+                      <a16:colId xmlns:a16="http://schemas.microsoft.com/office/drawing/2014/main" val="175491985"/>
+                    </a:ext>
+                  </a:extLst>
+                </a:gridCol>
+                <a:gridCol w="1618624">
+                  <a:extLst>
+                    <a:ext uri="{9D8B030D-6E8A-4147-A177-3AD203B41FA5}">
+                      <a16:colId xmlns:a16="http://schemas.microsoft.com/office/drawing/2014/main" val="822259094"/>
+                    </a:ext>
+                  </a:extLst>
+                </a:gridCol>
+                <a:gridCol w="6086220">
+                  <a:extLst>
+                    <a:ext uri="{9D8B030D-6E8A-4147-A177-3AD203B41FA5}">
+                      <a16:colId xmlns:a16="http://schemas.microsoft.com/office/drawing/2014/main" val="4104166654"/>
+                    </a:ext>
+                  </a:extLst>
+                </a:gridCol>
+              </a:tblGrid>
+              <a:tr h="298300">
+                <a:tc>
+                  <a:txBody>
+                    <a:bodyPr/>
+                    <a:lstStyle/>
+                    <a:p>
+                      <a:r>
+                        <a:rPr lang="zh-TW" altLang="en-US" sz="1200" baseline="0" dirty="0">
+                          <a:latin typeface="標楷體" panose="03000509000000000000" pitchFamily="65" charset="-120"/>
+                          <a:ea typeface="標楷體" panose="03000509000000000000" pitchFamily="65" charset="-120"/>
+                        </a:rPr>
+                        <a:t>參數</a:t>
+                      </a:r>
+                    </a:p>
+                  </a:txBody>
+                  <a:tcPr/>
+                </a:tc>
+                <a:tc>
+                  <a:txBody>
+                    <a:bodyPr/>
+                    <a:lstStyle/>
+                    <a:p>
+                      <a:r>
+                        <a:rPr lang="zh-TW" altLang="en-US" sz="1200" baseline="0" dirty="0">
+                          <a:latin typeface="標楷體" panose="03000509000000000000" pitchFamily="65" charset="-120"/>
+                          <a:ea typeface="標楷體" panose="03000509000000000000" pitchFamily="65" charset="-120"/>
+                        </a:rPr>
+                        <a:t>類型</a:t>
+                      </a:r>
+                    </a:p>
+                  </a:txBody>
+                  <a:tcPr/>
+                </a:tc>
+                <a:tc>
+                  <a:txBody>
+                    <a:bodyPr/>
+                    <a:lstStyle/>
+                    <a:p>
+                      <a:r>
+                        <a:rPr lang="zh-TW" altLang="en-US" sz="1200" baseline="0" dirty="0">
+                          <a:latin typeface="標楷體" panose="03000509000000000000" pitchFamily="65" charset="-120"/>
+                          <a:ea typeface="標楷體" panose="03000509000000000000" pitchFamily="65" charset="-120"/>
+                        </a:rPr>
+                        <a:t>說明</a:t>
+                      </a:r>
+                    </a:p>
+                  </a:txBody>
+                  <a:tcPr/>
+                </a:tc>
+                <a:extLst>
+                  <a:ext uri="{0D108BD9-81ED-4DB2-BD59-A6C34878D82A}">
+                    <a16:rowId xmlns:a16="http://schemas.microsoft.com/office/drawing/2014/main" val="3131740815"/>
+                  </a:ext>
+                </a:extLst>
+              </a:tr>
+              <a:tr h="433984">
+                <a:tc>
+                  <a:txBody>
+                    <a:bodyPr/>
+                    <a:lstStyle/>
+                    <a:p>
+                      <a:r>
+                        <a:rPr lang="en-US" altLang="zh-TW" sz="1200" dirty="0" err="1"/>
+                        <a:t>binary_image</a:t>
+                      </a:r>
+                      <a:endParaRPr lang="en-US" altLang="zh-TW" sz="1200" baseline="0" dirty="0">
+                        <a:latin typeface="Times New Roman" panose="02020603050405020304" pitchFamily="18" charset="0"/>
+                        <a:ea typeface="標楷體" panose="03000509000000000000" pitchFamily="65" charset="-120"/>
+                        <a:cs typeface="Times New Roman" panose="02020603050405020304" pitchFamily="18" charset="0"/>
+                      </a:endParaRPr>
+                    </a:p>
+                  </a:txBody>
+                  <a:tcPr/>
+                </a:tc>
+                <a:tc>
+                  <a:txBody>
+                    <a:bodyPr/>
+                    <a:lstStyle/>
+                    <a:p>
+                      <a:r>
+                        <a:rPr lang="en-US" altLang="zh-TW" sz="1200" dirty="0" err="1">
+                          <a:latin typeface="Times New Roman" panose="02020603050405020304" pitchFamily="18" charset="0"/>
+                          <a:cs typeface="Times New Roman" panose="02020603050405020304" pitchFamily="18" charset="0"/>
+                        </a:rPr>
+                        <a:t>np.ndarray</a:t>
+                      </a:r>
+                      <a:endParaRPr lang="zh-TW" altLang="en-US" sz="1200" baseline="0" dirty="0">
+                        <a:latin typeface="Times New Roman" panose="02020603050405020304" pitchFamily="18" charset="0"/>
+                        <a:ea typeface="標楷體" panose="03000509000000000000" pitchFamily="65" charset="-120"/>
+                        <a:cs typeface="Times New Roman" panose="02020603050405020304" pitchFamily="18" charset="0"/>
+                      </a:endParaRPr>
+                    </a:p>
+                  </a:txBody>
+                  <a:tcPr/>
+                </a:tc>
+                <a:tc>
+                  <a:txBody>
+                    <a:bodyPr/>
+                    <a:lstStyle/>
+                    <a:p>
+                      <a:r>
+                        <a:rPr lang="zh-TW" altLang="en-US" sz="1200" dirty="0"/>
+                        <a:t>輸入的二值化影像數據（</a:t>
+                      </a:r>
+                      <a:r>
+                        <a:rPr lang="en-US" altLang="zh-TW" sz="1200" dirty="0" err="1"/>
+                        <a:t>np.ndarray</a:t>
+                      </a:r>
+                      <a:r>
+                        <a:rPr lang="zh-TW" altLang="en-US" sz="1200" dirty="0"/>
+                        <a:t>，像素值為 </a:t>
+                      </a:r>
+                      <a:r>
+                        <a:rPr lang="en-US" altLang="zh-TW" sz="1200" dirty="0"/>
+                        <a:t>0 </a:t>
+                      </a:r>
+                      <a:r>
+                        <a:rPr lang="zh-TW" altLang="en-US" sz="1200" dirty="0"/>
+                        <a:t>或 </a:t>
+                      </a:r>
+                      <a:r>
+                        <a:rPr lang="en-US" altLang="zh-TW" sz="1200" dirty="0"/>
+                        <a:t>255</a:t>
+                      </a:r>
+                      <a:r>
+                        <a:rPr lang="zh-TW" altLang="en-US" sz="1200" dirty="0"/>
+                        <a:t>）</a:t>
+                      </a:r>
+                      <a:endParaRPr lang="zh-TW" altLang="en-US" sz="1200" baseline="0" dirty="0">
+                        <a:latin typeface="標楷體" panose="03000509000000000000" pitchFamily="65" charset="-120"/>
+                        <a:ea typeface="標楷體" panose="03000509000000000000" pitchFamily="65" charset="-120"/>
+                        <a:cs typeface="Times New Roman" panose="02020603050405020304" pitchFamily="18" charset="0"/>
+                      </a:endParaRPr>
+                    </a:p>
+                  </a:txBody>
+                  <a:tcPr/>
+                </a:tc>
+                <a:extLst>
+                  <a:ext uri="{0D108BD9-81ED-4DB2-BD59-A6C34878D82A}">
+                    <a16:rowId xmlns:a16="http://schemas.microsoft.com/office/drawing/2014/main" val="2878939569"/>
+                  </a:ext>
+                </a:extLst>
+              </a:tr>
+            </a:tbl>
+          </a:graphicData>
+        </a:graphic>
+      </p:graphicFrame>
+    </p:spTree>
+    <p:extLst>
+      <p:ext uri="{BB962C8B-B14F-4D97-AF65-F5344CB8AC3E}">
+        <p14:creationId xmlns:p14="http://schemas.microsoft.com/office/powerpoint/2010/main" val="3671679710"/>
+      </p:ext>
+    </p:extLst>
+  </p:cSld>
+  <p:clrMapOvr>
+    <a:masterClrMapping/>
+  </p:clrMapOvr>
+</p:sld>
+</file>
+
+<file path=ppt/slides/slide9.xml><?xml version="1.0" encoding="utf-8"?>
+<p:sld xmlns:a="http://schemas.openxmlformats.org/drawingml/2006/main" xmlns:r="http://schemas.openxmlformats.org/officeDocument/2006/relationships" xmlns:p="http://schemas.openxmlformats.org/presentationml/2006/main">
+  <p:cSld>
+    <p:spTree>
+      <p:nvGrpSpPr>
+        <p:cNvPr id="1" name=""/>
+        <p:cNvGrpSpPr/>
+        <p:nvPr/>
+      </p:nvGrpSpPr>
+      <p:grpSpPr>
+        <a:xfrm>
+          <a:off x="0" y="0"/>
+          <a:ext cx="0" cy="0"/>
+          <a:chOff x="0" y="0"/>
+          <a:chExt cx="0" cy="0"/>
+        </a:xfrm>
+      </p:grpSpPr>
+      <p:sp>
+        <p:nvSpPr>
+          <p:cNvPr id="2" name="標題 1">
+            <a:extLst>
+              <a:ext uri="{FF2B5EF4-FFF2-40B4-BE49-F238E27FC236}">
+                <a16:creationId xmlns:a16="http://schemas.microsoft.com/office/drawing/2014/main" id="{4DE740B4-5F33-4DA6-9750-4163BFDCF319}"/>
+              </a:ext>
+            </a:extLst>
+          </p:cNvPr>
+          <p:cNvSpPr>
+            <a:spLocks noGrp="1"/>
+          </p:cNvSpPr>
+          <p:nvPr>
+            <p:ph type="title"/>
+          </p:nvPr>
+        </p:nvSpPr>
+        <p:spPr/>
+        <p:txBody>
+          <a:bodyPr/>
+          <a:lstStyle/>
+          <a:p>
+            <a:r>
+              <a:rPr lang="en-US" altLang="zh-TW" dirty="0"/>
+              <a:t>search</a:t>
+            </a:r>
+            <a:endParaRPr lang="zh-TW" altLang="en-US" dirty="0"/>
+          </a:p>
+        </p:txBody>
+      </p:sp>
+      <p:sp>
+        <p:nvSpPr>
+          <p:cNvPr id="3" name="內容版面配置區 2">
+            <a:extLst>
+              <a:ext uri="{FF2B5EF4-FFF2-40B4-BE49-F238E27FC236}">
+                <a16:creationId xmlns:a16="http://schemas.microsoft.com/office/drawing/2014/main" id="{055D365A-658A-4D62-B22E-A07328AB3316}"/>
+              </a:ext>
+            </a:extLst>
+          </p:cNvPr>
+          <p:cNvSpPr>
+            <a:spLocks noGrp="1"/>
+          </p:cNvSpPr>
+          <p:nvPr>
+            <p:ph idx="1"/>
+          </p:nvPr>
+        </p:nvSpPr>
+        <p:spPr/>
+        <p:txBody>
+          <a:bodyPr/>
+          <a:lstStyle/>
+          <a:p>
+            <a:r>
+              <a:rPr lang="zh-TW" altLang="en-US" dirty="0"/>
+              <a:t>功能描述</a:t>
+            </a:r>
+            <a:r>
+              <a:rPr lang="en-US" altLang="zh-TW" dirty="0"/>
+              <a:t>:</a:t>
+            </a:r>
+            <a:r>
+              <a:rPr lang="zh-TW" altLang="en-US" dirty="0"/>
+              <a:t>將</a:t>
+            </a:r>
+          </a:p>
+        </p:txBody>
+      </p:sp>
+    </p:spTree>
+    <p:extLst>
+      <p:ext uri="{BB962C8B-B14F-4D97-AF65-F5344CB8AC3E}">
+        <p14:creationId xmlns:p14="http://schemas.microsoft.com/office/powerpoint/2010/main" val="486010363"/>
       </p:ext>
     </p:extLst>
   </p:cSld>

--- a/final_project/影像辨識 final_project.pptx
+++ b/final_project/影像辨識 final_project.pptx
@@ -10,13 +10,16 @@
     <p:sldId id="258" r:id="rId4"/>
     <p:sldId id="259" r:id="rId5"/>
     <p:sldId id="265" r:id="rId6"/>
-    <p:sldId id="262" r:id="rId7"/>
-    <p:sldId id="266" r:id="rId8"/>
-    <p:sldId id="267" r:id="rId9"/>
+    <p:sldId id="272" r:id="rId7"/>
+    <p:sldId id="262" r:id="rId8"/>
+    <p:sldId id="273" r:id="rId9"/>
     <p:sldId id="269" r:id="rId10"/>
-    <p:sldId id="263" r:id="rId11"/>
-    <p:sldId id="270" r:id="rId12"/>
-    <p:sldId id="271" r:id="rId13"/>
+    <p:sldId id="277" r:id="rId11"/>
+    <p:sldId id="263" r:id="rId12"/>
+    <p:sldId id="275" r:id="rId13"/>
+    <p:sldId id="274" r:id="rId14"/>
+    <p:sldId id="276" r:id="rId15"/>
+    <p:sldId id="271" r:id="rId16"/>
   </p:sldIdLst>
   <p:sldSz cx="12192000" cy="6858000"/>
   <p:notesSz cx="6858000" cy="9144000"/>
@@ -270,7 +273,7 @@
           <a:p>
             <a:fld id="{6CFDA67D-9259-4383-AB5A-A3A01268F4AA}" type="datetimeFigureOut">
               <a:rPr lang="zh-TW" altLang="en-US" smtClean="0"/>
-              <a:t>2024/12/12</a:t>
+              <a:t>2024/12/19</a:t>
             </a:fld>
             <a:endParaRPr lang="zh-TW" altLang="en-US"/>
           </a:p>
@@ -468,7 +471,7 @@
           <a:p>
             <a:fld id="{6CFDA67D-9259-4383-AB5A-A3A01268F4AA}" type="datetimeFigureOut">
               <a:rPr lang="zh-TW" altLang="en-US" smtClean="0"/>
-              <a:t>2024/12/12</a:t>
+              <a:t>2024/12/19</a:t>
             </a:fld>
             <a:endParaRPr lang="zh-TW" altLang="en-US"/>
           </a:p>
@@ -676,7 +679,7 @@
           <a:p>
             <a:fld id="{6CFDA67D-9259-4383-AB5A-A3A01268F4AA}" type="datetimeFigureOut">
               <a:rPr lang="zh-TW" altLang="en-US" smtClean="0"/>
-              <a:t>2024/12/12</a:t>
+              <a:t>2024/12/19</a:t>
             </a:fld>
             <a:endParaRPr lang="zh-TW" altLang="en-US"/>
           </a:p>
@@ -874,7 +877,7 @@
           <a:p>
             <a:fld id="{6CFDA67D-9259-4383-AB5A-A3A01268F4AA}" type="datetimeFigureOut">
               <a:rPr lang="zh-TW" altLang="en-US" smtClean="0"/>
-              <a:t>2024/12/12</a:t>
+              <a:t>2024/12/19</a:t>
             </a:fld>
             <a:endParaRPr lang="zh-TW" altLang="en-US"/>
           </a:p>
@@ -1149,7 +1152,7 @@
           <a:p>
             <a:fld id="{6CFDA67D-9259-4383-AB5A-A3A01268F4AA}" type="datetimeFigureOut">
               <a:rPr lang="zh-TW" altLang="en-US" smtClean="0"/>
-              <a:t>2024/12/12</a:t>
+              <a:t>2024/12/19</a:t>
             </a:fld>
             <a:endParaRPr lang="zh-TW" altLang="en-US"/>
           </a:p>
@@ -1414,7 +1417,7 @@
           <a:p>
             <a:fld id="{6CFDA67D-9259-4383-AB5A-A3A01268F4AA}" type="datetimeFigureOut">
               <a:rPr lang="zh-TW" altLang="en-US" smtClean="0"/>
-              <a:t>2024/12/12</a:t>
+              <a:t>2024/12/19</a:t>
             </a:fld>
             <a:endParaRPr lang="zh-TW" altLang="en-US"/>
           </a:p>
@@ -1826,7 +1829,7 @@
           <a:p>
             <a:fld id="{6CFDA67D-9259-4383-AB5A-A3A01268F4AA}" type="datetimeFigureOut">
               <a:rPr lang="zh-TW" altLang="en-US" smtClean="0"/>
-              <a:t>2024/12/12</a:t>
+              <a:t>2024/12/19</a:t>
             </a:fld>
             <a:endParaRPr lang="zh-TW" altLang="en-US"/>
           </a:p>
@@ -1967,7 +1970,7 @@
           <a:p>
             <a:fld id="{6CFDA67D-9259-4383-AB5A-A3A01268F4AA}" type="datetimeFigureOut">
               <a:rPr lang="zh-TW" altLang="en-US" smtClean="0"/>
-              <a:t>2024/12/12</a:t>
+              <a:t>2024/12/19</a:t>
             </a:fld>
             <a:endParaRPr lang="zh-TW" altLang="en-US"/>
           </a:p>
@@ -2080,7 +2083,7 @@
           <a:p>
             <a:fld id="{6CFDA67D-9259-4383-AB5A-A3A01268F4AA}" type="datetimeFigureOut">
               <a:rPr lang="zh-TW" altLang="en-US" smtClean="0"/>
-              <a:t>2024/12/12</a:t>
+              <a:t>2024/12/19</a:t>
             </a:fld>
             <a:endParaRPr lang="zh-TW" altLang="en-US"/>
           </a:p>
@@ -2391,7 +2394,7 @@
           <a:p>
             <a:fld id="{6CFDA67D-9259-4383-AB5A-A3A01268F4AA}" type="datetimeFigureOut">
               <a:rPr lang="zh-TW" altLang="en-US" smtClean="0"/>
-              <a:t>2024/12/12</a:t>
+              <a:t>2024/12/19</a:t>
             </a:fld>
             <a:endParaRPr lang="zh-TW" altLang="en-US"/>
           </a:p>
@@ -2679,7 +2682,7 @@
           <a:p>
             <a:fld id="{6CFDA67D-9259-4383-AB5A-A3A01268F4AA}" type="datetimeFigureOut">
               <a:rPr lang="zh-TW" altLang="en-US" smtClean="0"/>
-              <a:t>2024/12/12</a:t>
+              <a:t>2024/12/19</a:t>
             </a:fld>
             <a:endParaRPr lang="zh-TW" altLang="en-US"/>
           </a:p>
@@ -2920,7 +2923,7 @@
           <a:p>
             <a:fld id="{6CFDA67D-9259-4383-AB5A-A3A01268F4AA}" type="datetimeFigureOut">
               <a:rPr lang="zh-TW" altLang="en-US" smtClean="0"/>
-              <a:t>2024/12/12</a:t>
+              <a:t>2024/12/19</a:t>
             </a:fld>
             <a:endParaRPr lang="zh-TW" altLang="en-US"/>
           </a:p>
@@ -3537,6 +3540,269 @@
   <p:cSld>
     <p:spTree>
       <p:nvGrpSpPr>
+        <p:cNvPr id="1" name="">
+          <a:extLst>
+            <a:ext uri="{FF2B5EF4-FFF2-40B4-BE49-F238E27FC236}">
+              <a16:creationId xmlns:a16="http://schemas.microsoft.com/office/drawing/2014/main" id="{BB732E3A-DCEE-2FF1-E8D5-314A7CBD0583}"/>
+            </a:ext>
+          </a:extLst>
+        </p:cNvPr>
+        <p:cNvGrpSpPr/>
+        <p:nvPr/>
+      </p:nvGrpSpPr>
+      <p:grpSpPr>
+        <a:xfrm>
+          <a:off x="0" y="0"/>
+          <a:ext cx="0" cy="0"/>
+          <a:chOff x="0" y="0"/>
+          <a:chExt cx="0" cy="0"/>
+        </a:xfrm>
+      </p:grpSpPr>
+      <p:sp>
+        <p:nvSpPr>
+          <p:cNvPr id="2" name="標題 1">
+            <a:extLst>
+              <a:ext uri="{FF2B5EF4-FFF2-40B4-BE49-F238E27FC236}">
+                <a16:creationId xmlns:a16="http://schemas.microsoft.com/office/drawing/2014/main" id="{32DDE4FA-BD38-C2D1-8CE2-1E077C1087EE}"/>
+              </a:ext>
+            </a:extLst>
+          </p:cNvPr>
+          <p:cNvSpPr>
+            <a:spLocks noGrp="1"/>
+          </p:cNvSpPr>
+          <p:nvPr>
+            <p:ph type="title"/>
+          </p:nvPr>
+        </p:nvSpPr>
+        <p:spPr>
+          <a:xfrm>
+            <a:off x="838200" y="365125"/>
+            <a:ext cx="10515600" cy="978719"/>
+          </a:xfrm>
+        </p:spPr>
+        <p:txBody>
+          <a:bodyPr>
+            <a:normAutofit/>
+          </a:bodyPr>
+          <a:lstStyle/>
+          <a:p>
+            <a:r>
+              <a:rPr lang="en-US" altLang="zh-TW" sz="3200" dirty="0">
+                <a:latin typeface="標楷體" panose="03000509000000000000" pitchFamily="65" charset="-120"/>
+                <a:ea typeface="標楷體" panose="03000509000000000000" pitchFamily="65" charset="-120"/>
+              </a:rPr>
+              <a:t>Search</a:t>
+            </a:r>
+            <a:br>
+              <a:rPr lang="en-US" altLang="zh-TW" sz="3200" dirty="0">
+                <a:latin typeface="標楷體" panose="03000509000000000000" pitchFamily="65" charset="-120"/>
+                <a:ea typeface="標楷體" panose="03000509000000000000" pitchFamily="65" charset="-120"/>
+              </a:rPr>
+            </a:br>
+            <a:r>
+              <a:rPr lang="zh-TW" altLang="en-US" sz="3200" dirty="0">
+                <a:latin typeface="標楷體" panose="03000509000000000000" pitchFamily="65" charset="-120"/>
+                <a:ea typeface="標楷體" panose="03000509000000000000" pitchFamily="65" charset="-120"/>
+              </a:rPr>
+              <a:t>遍歷方格</a:t>
+            </a:r>
+          </a:p>
+        </p:txBody>
+      </p:sp>
+      <p:sp>
+        <p:nvSpPr>
+          <p:cNvPr id="9" name="文字方塊 8">
+            <a:extLst>
+              <a:ext uri="{FF2B5EF4-FFF2-40B4-BE49-F238E27FC236}">
+                <a16:creationId xmlns:a16="http://schemas.microsoft.com/office/drawing/2014/main" id="{6C838C7A-347C-4A65-819D-2A6B9AB82465}"/>
+              </a:ext>
+            </a:extLst>
+          </p:cNvPr>
+          <p:cNvSpPr txBox="1"/>
+          <p:nvPr/>
+        </p:nvSpPr>
+        <p:spPr>
+          <a:xfrm>
+            <a:off x="1977289" y="6397109"/>
+            <a:ext cx="2255256" cy="369332"/>
+          </a:xfrm>
+          <a:prstGeom prst="rect">
+            <a:avLst/>
+          </a:prstGeom>
+          <a:noFill/>
+        </p:spPr>
+        <p:txBody>
+          <a:bodyPr wrap="square" rtlCol="0">
+            <a:spAutoFit/>
+          </a:bodyPr>
+          <a:lstStyle/>
+          <a:p>
+            <a:pPr algn="ctr"/>
+            <a:r>
+              <a:rPr lang="zh-TW" altLang="en-US" dirty="0"/>
+              <a:t>輸入</a:t>
+            </a:r>
+            <a:endParaRPr lang="en-US" altLang="zh-TW" dirty="0"/>
+          </a:p>
+        </p:txBody>
+      </p:sp>
+      <p:pic>
+        <p:nvPicPr>
+          <p:cNvPr id="10" name="圖片 9">
+            <a:extLst>
+              <a:ext uri="{FF2B5EF4-FFF2-40B4-BE49-F238E27FC236}">
+                <a16:creationId xmlns:a16="http://schemas.microsoft.com/office/drawing/2014/main" id="{866965CB-FDB1-4224-BDDB-16F5768E2A45}"/>
+              </a:ext>
+            </a:extLst>
+          </p:cNvPr>
+          <p:cNvPicPr>
+            <a:picLocks noChangeAspect="1"/>
+          </p:cNvPicPr>
+          <p:nvPr/>
+        </p:nvPicPr>
+        <p:blipFill>
+          <a:blip r:embed="rId2">
+            <a:extLst>
+              <a:ext uri="{28A0092B-C50C-407E-A947-70E740481C1C}">
+                <a14:useLocalDpi xmlns:a14="http://schemas.microsoft.com/office/drawing/2010/main" val="0"/>
+              </a:ext>
+            </a:extLst>
+          </a:blip>
+          <a:stretch>
+            <a:fillRect/>
+          </a:stretch>
+        </p:blipFill>
+        <p:spPr>
+          <a:xfrm>
+            <a:off x="1977289" y="1432744"/>
+            <a:ext cx="2238798" cy="4740985"/>
+          </a:xfrm>
+          <a:prstGeom prst="rect">
+            <a:avLst/>
+          </a:prstGeom>
+        </p:spPr>
+      </p:pic>
+      <p:pic>
+        <p:nvPicPr>
+          <p:cNvPr id="12" name="圖片 11">
+            <a:extLst>
+              <a:ext uri="{FF2B5EF4-FFF2-40B4-BE49-F238E27FC236}">
+                <a16:creationId xmlns:a16="http://schemas.microsoft.com/office/drawing/2014/main" id="{AECF835E-E210-4E9E-8F15-DCF8832ACB22}"/>
+              </a:ext>
+            </a:extLst>
+          </p:cNvPr>
+          <p:cNvPicPr>
+            <a:picLocks noChangeAspect="1"/>
+          </p:cNvPicPr>
+          <p:nvPr/>
+        </p:nvPicPr>
+        <p:blipFill>
+          <a:blip r:embed="rId3">
+            <a:extLst>
+              <a:ext uri="{28A0092B-C50C-407E-A947-70E740481C1C}">
+                <a14:useLocalDpi xmlns:a14="http://schemas.microsoft.com/office/drawing/2010/main" val="0"/>
+              </a:ext>
+            </a:extLst>
+          </a:blip>
+          <a:stretch>
+            <a:fillRect/>
+          </a:stretch>
+        </p:blipFill>
+        <p:spPr>
+          <a:xfrm>
+            <a:off x="6574689" y="1588883"/>
+            <a:ext cx="2175295" cy="4606505"/>
+          </a:xfrm>
+          <a:prstGeom prst="rect">
+            <a:avLst/>
+          </a:prstGeom>
+        </p:spPr>
+      </p:pic>
+      <p:sp>
+        <p:nvSpPr>
+          <p:cNvPr id="13" name="文字方塊 12">
+            <a:extLst>
+              <a:ext uri="{FF2B5EF4-FFF2-40B4-BE49-F238E27FC236}">
+                <a16:creationId xmlns:a16="http://schemas.microsoft.com/office/drawing/2014/main" id="{9182469B-6777-479E-A38C-36B19C577734}"/>
+              </a:ext>
+            </a:extLst>
+          </p:cNvPr>
+          <p:cNvSpPr txBox="1"/>
+          <p:nvPr/>
+        </p:nvSpPr>
+        <p:spPr>
+          <a:xfrm>
+            <a:off x="6574688" y="6397109"/>
+            <a:ext cx="5617311" cy="369332"/>
+          </a:xfrm>
+          <a:prstGeom prst="rect">
+            <a:avLst/>
+          </a:prstGeom>
+          <a:noFill/>
+        </p:spPr>
+        <p:txBody>
+          <a:bodyPr wrap="square" rtlCol="0">
+            <a:spAutoFit/>
+          </a:bodyPr>
+          <a:lstStyle/>
+          <a:p>
+            <a:pPr algn="ctr"/>
+            <a:r>
+              <a:rPr lang="zh-TW" altLang="en-US" dirty="0"/>
+              <a:t>輸出</a:t>
+            </a:r>
+            <a:endParaRPr lang="en-US" altLang="zh-TW" dirty="0"/>
+          </a:p>
+        </p:txBody>
+      </p:sp>
+      <p:pic>
+        <p:nvPicPr>
+          <p:cNvPr id="14" name="圖片 13">
+            <a:extLst>
+              <a:ext uri="{FF2B5EF4-FFF2-40B4-BE49-F238E27FC236}">
+                <a16:creationId xmlns:a16="http://schemas.microsoft.com/office/drawing/2014/main" id="{A51A27E9-6020-44F5-8E59-9595CDA46AC5}"/>
+              </a:ext>
+            </a:extLst>
+          </p:cNvPr>
+          <p:cNvPicPr>
+            <a:picLocks noChangeAspect="1"/>
+          </p:cNvPicPr>
+          <p:nvPr/>
+        </p:nvPicPr>
+        <p:blipFill>
+          <a:blip r:embed="rId4"/>
+          <a:stretch>
+            <a:fillRect/>
+          </a:stretch>
+        </p:blipFill>
+        <p:spPr>
+          <a:xfrm>
+            <a:off x="9511984" y="1747579"/>
+            <a:ext cx="2441694" cy="4245794"/>
+          </a:xfrm>
+          <a:prstGeom prst="rect">
+            <a:avLst/>
+          </a:prstGeom>
+        </p:spPr>
+      </p:pic>
+    </p:spTree>
+    <p:extLst>
+      <p:ext uri="{BB962C8B-B14F-4D97-AF65-F5344CB8AC3E}">
+        <p14:creationId xmlns:p14="http://schemas.microsoft.com/office/powerpoint/2010/main" val="1810210771"/>
+      </p:ext>
+    </p:extLst>
+  </p:cSld>
+  <p:clrMapOvr>
+    <a:masterClrMapping/>
+  </p:clrMapOvr>
+</p:sld>
+</file>
+
+<file path=ppt/slides/slide11.xml><?xml version="1.0" encoding="utf-8"?>
+<p:sld xmlns:a="http://schemas.openxmlformats.org/drawingml/2006/main" xmlns:r="http://schemas.openxmlformats.org/officeDocument/2006/relationships" xmlns:p="http://schemas.openxmlformats.org/presentationml/2006/main">
+  <p:cSld>
+    <p:spTree>
+      <p:nvGrpSpPr>
         <p:cNvPr id="1" name=""/>
         <p:cNvGrpSpPr/>
         <p:nvPr/>
@@ -3551,10 +3817,10 @@
       </p:grpSpPr>
       <p:sp>
         <p:nvSpPr>
-          <p:cNvPr id="2" name="標題 1">
-            <a:extLst>
-              <a:ext uri="{FF2B5EF4-FFF2-40B4-BE49-F238E27FC236}">
-                <a16:creationId xmlns:a16="http://schemas.microsoft.com/office/drawing/2014/main" id="{6EC86B35-C563-49A1-B288-34AD645A0168}"/>
+          <p:cNvPr id="10" name="標題 1">
+            <a:extLst>
+              <a:ext uri="{FF2B5EF4-FFF2-40B4-BE49-F238E27FC236}">
+                <a16:creationId xmlns:a16="http://schemas.microsoft.com/office/drawing/2014/main" id="{57AE7A8C-79B5-4EE6-8C43-D8F9955226EE}"/>
               </a:ext>
             </a:extLst>
           </p:cNvPr>
@@ -3565,23 +3831,897 @@
             <p:ph type="title"/>
           </p:nvPr>
         </p:nvSpPr>
-        <p:spPr/>
-        <p:txBody>
-          <a:bodyPr>
-            <a:normAutofit/>
+        <p:spPr>
+          <a:xfrm>
+            <a:off x="838200" y="365125"/>
+            <a:ext cx="10515600" cy="1325563"/>
+          </a:xfrm>
+        </p:spPr>
+        <p:txBody>
+          <a:bodyPr/>
+          <a:lstStyle/>
+          <a:p>
+            <a:r>
+              <a:rPr lang="zh-TW" altLang="en-US" dirty="0"/>
+              <a:t>統計數量</a:t>
+            </a:r>
+          </a:p>
+        </p:txBody>
+      </p:sp>
+      <p:sp>
+        <p:nvSpPr>
+          <p:cNvPr id="11" name="內容版面配置區 2">
+            <a:extLst>
+              <a:ext uri="{FF2B5EF4-FFF2-40B4-BE49-F238E27FC236}">
+                <a16:creationId xmlns:a16="http://schemas.microsoft.com/office/drawing/2014/main" id="{543F7060-C098-40B7-B141-F79FE1408E95}"/>
+              </a:ext>
+            </a:extLst>
+          </p:cNvPr>
+          <p:cNvSpPr>
+            <a:spLocks noGrp="1"/>
+          </p:cNvSpPr>
+          <p:nvPr>
+            <p:ph idx="1"/>
+          </p:nvPr>
+        </p:nvSpPr>
+        <p:spPr>
+          <a:xfrm>
+            <a:off x="838200" y="1825625"/>
+            <a:ext cx="10515600" cy="4351338"/>
+          </a:xfrm>
+        </p:spPr>
+        <p:txBody>
+          <a:bodyPr/>
+          <a:lstStyle/>
+          <a:p>
+            <a:r>
+              <a:rPr lang="zh-TW" altLang="en-US" dirty="0"/>
+              <a:t>功能描述</a:t>
+            </a:r>
+            <a:r>
+              <a:rPr lang="en-US" altLang="zh-TW" dirty="0"/>
+              <a:t>:</a:t>
+            </a:r>
+            <a:r>
+              <a:rPr lang="zh-TW" altLang="en-US" dirty="0"/>
+              <a:t>統計每一格</a:t>
+            </a:r>
+            <a:r>
+              <a:rPr lang="en-US" altLang="zh-TW" dirty="0"/>
+              <a:t>(</a:t>
+            </a:r>
+            <a:r>
+              <a:rPr lang="zh-TW" altLang="en-US" dirty="0"/>
+              <a:t>餐點</a:t>
+            </a:r>
+            <a:r>
+              <a:rPr lang="en-US" altLang="zh-TW" dirty="0"/>
+              <a:t>)</a:t>
+            </a:r>
+            <a:r>
+              <a:rPr lang="zh-TW" altLang="en-US" dirty="0"/>
+              <a:t>的數量</a:t>
+            </a:r>
+            <a:endParaRPr lang="en-US" altLang="zh-TW" dirty="0"/>
+          </a:p>
+          <a:p>
+            <a:r>
+              <a:rPr lang="zh-TW" altLang="en-US" dirty="0"/>
+              <a:t>函式</a:t>
+            </a:r>
+            <a:r>
+              <a:rPr lang="en-US" altLang="zh-TW" dirty="0"/>
+              <a:t>:def Statistical quantity(</a:t>
+            </a:r>
+            <a:r>
+              <a:rPr lang="en-US" altLang="zh-TW" dirty="0" err="1"/>
+              <a:t>input_path:list,output_path:list</a:t>
+            </a:r>
+            <a:r>
+              <a:rPr lang="en-US" altLang="zh-TW" dirty="0"/>
+              <a:t>)</a:t>
+            </a:r>
+          </a:p>
+          <a:p>
+            <a:endParaRPr lang="zh-TW" altLang="en-US" dirty="0"/>
+          </a:p>
+        </p:txBody>
+      </p:sp>
+      <p:graphicFrame>
+        <p:nvGraphicFramePr>
+          <p:cNvPr id="12" name="表格 11">
+            <a:extLst>
+              <a:ext uri="{FF2B5EF4-FFF2-40B4-BE49-F238E27FC236}">
+                <a16:creationId xmlns:a16="http://schemas.microsoft.com/office/drawing/2014/main" id="{F0543A06-2C7C-40FF-B08F-592F1467FEB0}"/>
+              </a:ext>
+            </a:extLst>
+          </p:cNvPr>
+          <p:cNvGraphicFramePr>
+            <a:graphicFrameLocks noGrp="1"/>
+          </p:cNvGraphicFramePr>
+          <p:nvPr>
+            <p:extLst>
+              <p:ext uri="{D42A27DB-BD31-4B8C-83A1-F6EECF244321}">
+                <p14:modId xmlns:p14="http://schemas.microsoft.com/office/powerpoint/2010/main" val="1557817554"/>
+              </p:ext>
+            </p:extLst>
+          </p:nvPr>
+        </p:nvGraphicFramePr>
+        <p:xfrm>
+          <a:off x="1171786" y="3097106"/>
+          <a:ext cx="9841653" cy="3396828"/>
+        </p:xfrm>
+        <a:graphic>
+          <a:graphicData uri="http://schemas.openxmlformats.org/drawingml/2006/table">
+            <a:tbl>
+              <a:tblPr firstRow="1" bandRow="1">
+                <a:tableStyleId>{5C22544A-7EE6-4342-B048-85BDC9FD1C3A}</a:tableStyleId>
+              </a:tblPr>
+              <a:tblGrid>
+                <a:gridCol w="3280551">
+                  <a:extLst>
+                    <a:ext uri="{9D8B030D-6E8A-4147-A177-3AD203B41FA5}">
+                      <a16:colId xmlns:a16="http://schemas.microsoft.com/office/drawing/2014/main" val="3504103356"/>
+                    </a:ext>
+                  </a:extLst>
+                </a:gridCol>
+                <a:gridCol w="3280551">
+                  <a:extLst>
+                    <a:ext uri="{9D8B030D-6E8A-4147-A177-3AD203B41FA5}">
+                      <a16:colId xmlns:a16="http://schemas.microsoft.com/office/drawing/2014/main" val="2494843721"/>
+                    </a:ext>
+                  </a:extLst>
+                </a:gridCol>
+                <a:gridCol w="3280551">
+                  <a:extLst>
+                    <a:ext uri="{9D8B030D-6E8A-4147-A177-3AD203B41FA5}">
+                      <a16:colId xmlns:a16="http://schemas.microsoft.com/office/drawing/2014/main" val="1020817961"/>
+                    </a:ext>
+                  </a:extLst>
+                </a:gridCol>
+              </a:tblGrid>
+              <a:tr h="479214">
+                <a:tc>
+                  <a:txBody>
+                    <a:bodyPr/>
+                    <a:lstStyle/>
+                    <a:p>
+                      <a:r>
+                        <a:rPr lang="zh-TW" altLang="en-US" dirty="0"/>
+                        <a:t>參數</a:t>
+                      </a:r>
+                    </a:p>
+                  </a:txBody>
+                  <a:tcPr/>
+                </a:tc>
+                <a:tc>
+                  <a:txBody>
+                    <a:bodyPr/>
+                    <a:lstStyle/>
+                    <a:p>
+                      <a:r>
+                        <a:rPr lang="zh-TW" altLang="en-US" dirty="0"/>
+                        <a:t>類型</a:t>
+                      </a:r>
+                    </a:p>
+                  </a:txBody>
+                  <a:tcPr/>
+                </a:tc>
+                <a:tc>
+                  <a:txBody>
+                    <a:bodyPr/>
+                    <a:lstStyle/>
+                    <a:p>
+                      <a:r>
+                        <a:rPr lang="zh-TW" altLang="en-US" dirty="0"/>
+                        <a:t>說明</a:t>
+                      </a:r>
+                    </a:p>
+                  </a:txBody>
+                  <a:tcPr/>
+                </a:tc>
+                <a:extLst>
+                  <a:ext uri="{0D108BD9-81ED-4DB2-BD59-A6C34878D82A}">
+                    <a16:rowId xmlns:a16="http://schemas.microsoft.com/office/drawing/2014/main" val="4144163088"/>
+                  </a:ext>
+                </a:extLst>
+              </a:tr>
+              <a:tr h="972538">
+                <a:tc>
+                  <a:txBody>
+                    <a:bodyPr/>
+                    <a:lstStyle/>
+                    <a:p>
+                      <a:r>
+                        <a:rPr lang="en-US" altLang="zh-TW" dirty="0" err="1"/>
+                        <a:t>Input_path</a:t>
+                      </a:r>
+                      <a:endParaRPr lang="zh-TW" altLang="en-US" dirty="0"/>
+                    </a:p>
+                  </a:txBody>
+                  <a:tcPr/>
+                </a:tc>
+                <a:tc>
+                  <a:txBody>
+                    <a:bodyPr/>
+                    <a:lstStyle/>
+                    <a:p>
+                      <a:r>
+                        <a:rPr lang="en-US" altLang="zh-TW" dirty="0"/>
+                        <a:t>List</a:t>
+                      </a:r>
+                      <a:endParaRPr lang="zh-TW" altLang="en-US" dirty="0"/>
+                    </a:p>
+                  </a:txBody>
+                  <a:tcPr/>
+                </a:tc>
+                <a:tc>
+                  <a:txBody>
+                    <a:bodyPr/>
+                    <a:lstStyle/>
+                    <a:p>
+                      <a:endParaRPr lang="zh-TW" altLang="en-US" dirty="0"/>
+                    </a:p>
+                  </a:txBody>
+                  <a:tcPr/>
+                </a:tc>
+                <a:extLst>
+                  <a:ext uri="{0D108BD9-81ED-4DB2-BD59-A6C34878D82A}">
+                    <a16:rowId xmlns:a16="http://schemas.microsoft.com/office/drawing/2014/main" val="1811853703"/>
+                  </a:ext>
+                </a:extLst>
+              </a:tr>
+              <a:tr h="972538">
+                <a:tc>
+                  <a:txBody>
+                    <a:bodyPr/>
+                    <a:lstStyle/>
+                    <a:p>
+                      <a:r>
+                        <a:rPr lang="en-US" altLang="zh-TW" dirty="0" err="1"/>
+                        <a:t>Output_path</a:t>
+                      </a:r>
+                      <a:endParaRPr lang="zh-TW" altLang="en-US" dirty="0"/>
+                    </a:p>
+                  </a:txBody>
+                  <a:tcPr/>
+                </a:tc>
+                <a:tc>
+                  <a:txBody>
+                    <a:bodyPr/>
+                    <a:lstStyle/>
+                    <a:p>
+                      <a:r>
+                        <a:rPr lang="en-US" altLang="zh-TW" dirty="0"/>
+                        <a:t>List</a:t>
+                      </a:r>
+                      <a:endParaRPr lang="zh-TW" altLang="en-US" dirty="0"/>
+                    </a:p>
+                  </a:txBody>
+                  <a:tcPr/>
+                </a:tc>
+                <a:tc>
+                  <a:txBody>
+                    <a:bodyPr/>
+                    <a:lstStyle/>
+                    <a:p>
+                      <a:endParaRPr lang="zh-TW" altLang="en-US" dirty="0"/>
+                    </a:p>
+                  </a:txBody>
+                  <a:tcPr/>
+                </a:tc>
+                <a:extLst>
+                  <a:ext uri="{0D108BD9-81ED-4DB2-BD59-A6C34878D82A}">
+                    <a16:rowId xmlns:a16="http://schemas.microsoft.com/office/drawing/2014/main" val="2399822474"/>
+                  </a:ext>
+                </a:extLst>
+              </a:tr>
+              <a:tr h="972538">
+                <a:tc>
+                  <a:txBody>
+                    <a:bodyPr/>
+                    <a:lstStyle/>
+                    <a:p>
+                      <a:endParaRPr lang="zh-TW" altLang="en-US" dirty="0"/>
+                    </a:p>
+                  </a:txBody>
+                  <a:tcPr/>
+                </a:tc>
+                <a:tc>
+                  <a:txBody>
+                    <a:bodyPr/>
+                    <a:lstStyle/>
+                    <a:p>
+                      <a:endParaRPr lang="zh-TW" altLang="en-US" dirty="0"/>
+                    </a:p>
+                  </a:txBody>
+                  <a:tcPr/>
+                </a:tc>
+                <a:tc>
+                  <a:txBody>
+                    <a:bodyPr/>
+                    <a:lstStyle/>
+                    <a:p>
+                      <a:endParaRPr lang="zh-TW" altLang="en-US" dirty="0"/>
+                    </a:p>
+                  </a:txBody>
+                  <a:tcPr/>
+                </a:tc>
+                <a:extLst>
+                  <a:ext uri="{0D108BD9-81ED-4DB2-BD59-A6C34878D82A}">
+                    <a16:rowId xmlns:a16="http://schemas.microsoft.com/office/drawing/2014/main" val="1843043999"/>
+                  </a:ext>
+                </a:extLst>
+              </a:tr>
+            </a:tbl>
+          </a:graphicData>
+        </a:graphic>
+      </p:graphicFrame>
+    </p:spTree>
+    <p:extLst>
+      <p:ext uri="{BB962C8B-B14F-4D97-AF65-F5344CB8AC3E}">
+        <p14:creationId xmlns:p14="http://schemas.microsoft.com/office/powerpoint/2010/main" val="1622980670"/>
+      </p:ext>
+    </p:extLst>
+  </p:cSld>
+  <p:clrMapOvr>
+    <a:masterClrMapping/>
+  </p:clrMapOvr>
+</p:sld>
+</file>
+
+<file path=ppt/slides/slide12.xml><?xml version="1.0" encoding="utf-8"?>
+<p:sld xmlns:a="http://schemas.openxmlformats.org/drawingml/2006/main" xmlns:r="http://schemas.openxmlformats.org/officeDocument/2006/relationships" xmlns:p="http://schemas.openxmlformats.org/presentationml/2006/main">
+  <p:cSld>
+    <p:spTree>
+      <p:nvGrpSpPr>
+        <p:cNvPr id="1" name=""/>
+        <p:cNvGrpSpPr/>
+        <p:nvPr/>
+      </p:nvGrpSpPr>
+      <p:grpSpPr>
+        <a:xfrm>
+          <a:off x="0" y="0"/>
+          <a:ext cx="0" cy="0"/>
+          <a:chOff x="0" y="0"/>
+          <a:chExt cx="0" cy="0"/>
+        </a:xfrm>
+      </p:grpSpPr>
+      <p:sp>
+        <p:nvSpPr>
+          <p:cNvPr id="10" name="標題 1">
+            <a:extLst>
+              <a:ext uri="{FF2B5EF4-FFF2-40B4-BE49-F238E27FC236}">
+                <a16:creationId xmlns:a16="http://schemas.microsoft.com/office/drawing/2014/main" id="{57AE7A8C-79B5-4EE6-8C43-D8F9955226EE}"/>
+              </a:ext>
+            </a:extLst>
+          </p:cNvPr>
+          <p:cNvSpPr>
+            <a:spLocks noGrp="1"/>
+          </p:cNvSpPr>
+          <p:nvPr>
+            <p:ph type="title"/>
+          </p:nvPr>
+        </p:nvSpPr>
+        <p:spPr>
+          <a:xfrm>
+            <a:off x="838200" y="365125"/>
+            <a:ext cx="10515600" cy="1325563"/>
+          </a:xfrm>
+        </p:spPr>
+        <p:txBody>
+          <a:bodyPr/>
+          <a:lstStyle/>
+          <a:p>
+            <a:r>
+              <a:rPr lang="zh-TW" altLang="en-US" dirty="0"/>
+              <a:t>統計數量</a:t>
+            </a:r>
+          </a:p>
+        </p:txBody>
+      </p:sp>
+      <p:pic>
+        <p:nvPicPr>
+          <p:cNvPr id="5" name="圖片 4">
+            <a:extLst>
+              <a:ext uri="{FF2B5EF4-FFF2-40B4-BE49-F238E27FC236}">
+                <a16:creationId xmlns:a16="http://schemas.microsoft.com/office/drawing/2014/main" id="{30127254-0EF2-4CFC-BF12-D9EB7925EEA8}"/>
+              </a:ext>
+            </a:extLst>
+          </p:cNvPr>
+          <p:cNvPicPr>
+            <a:picLocks noChangeAspect="1"/>
+          </p:cNvPicPr>
+          <p:nvPr/>
+        </p:nvPicPr>
+        <p:blipFill>
+          <a:blip r:embed="rId2">
+            <a:extLst>
+              <a:ext uri="{28A0092B-C50C-407E-A947-70E740481C1C}">
+                <a14:useLocalDpi xmlns:a14="http://schemas.microsoft.com/office/drawing/2010/main" val="0"/>
+              </a:ext>
+            </a:extLst>
+          </a:blip>
+          <a:stretch>
+            <a:fillRect/>
+          </a:stretch>
+        </p:blipFill>
+        <p:spPr>
+          <a:xfrm>
+            <a:off x="838200" y="2754704"/>
+            <a:ext cx="2762250" cy="1657350"/>
+          </a:xfrm>
+          <a:prstGeom prst="rect">
+            <a:avLst/>
+          </a:prstGeom>
+        </p:spPr>
+      </p:pic>
+      <p:pic>
+        <p:nvPicPr>
+          <p:cNvPr id="7" name="圖片 6">
+            <a:extLst>
+              <a:ext uri="{FF2B5EF4-FFF2-40B4-BE49-F238E27FC236}">
+                <a16:creationId xmlns:a16="http://schemas.microsoft.com/office/drawing/2014/main" id="{59BB816A-7449-4CC1-80D5-FCFDBF229EA6}"/>
+              </a:ext>
+            </a:extLst>
+          </p:cNvPr>
+          <p:cNvPicPr>
+            <a:picLocks noChangeAspect="1"/>
+          </p:cNvPicPr>
+          <p:nvPr/>
+        </p:nvPicPr>
+        <p:blipFill>
+          <a:blip r:embed="rId3">
+            <a:extLst>
+              <a:ext uri="{28A0092B-C50C-407E-A947-70E740481C1C}">
+                <a14:useLocalDpi xmlns:a14="http://schemas.microsoft.com/office/drawing/2010/main" val="0"/>
+              </a:ext>
+            </a:extLst>
+          </a:blip>
+          <a:stretch>
+            <a:fillRect/>
+          </a:stretch>
+        </p:blipFill>
+        <p:spPr>
+          <a:xfrm>
+            <a:off x="4596122" y="1394021"/>
+            <a:ext cx="2762250" cy="1657350"/>
+          </a:xfrm>
+          <a:prstGeom prst="rect">
+            <a:avLst/>
+          </a:prstGeom>
+        </p:spPr>
+      </p:pic>
+      <p:pic>
+        <p:nvPicPr>
+          <p:cNvPr id="9" name="圖片 8">
+            <a:extLst>
+              <a:ext uri="{FF2B5EF4-FFF2-40B4-BE49-F238E27FC236}">
+                <a16:creationId xmlns:a16="http://schemas.microsoft.com/office/drawing/2014/main" id="{438FD2FB-B762-403A-9582-A2051444D851}"/>
+              </a:ext>
+            </a:extLst>
+          </p:cNvPr>
+          <p:cNvPicPr>
+            <a:picLocks noChangeAspect="1"/>
+          </p:cNvPicPr>
+          <p:nvPr/>
+        </p:nvPicPr>
+        <p:blipFill>
+          <a:blip r:embed="rId4">
+            <a:extLst>
+              <a:ext uri="{28A0092B-C50C-407E-A947-70E740481C1C}">
+                <a14:useLocalDpi xmlns:a14="http://schemas.microsoft.com/office/drawing/2010/main" val="0"/>
+              </a:ext>
+            </a:extLst>
+          </a:blip>
+          <a:stretch>
+            <a:fillRect/>
+          </a:stretch>
+        </p:blipFill>
+        <p:spPr>
+          <a:xfrm>
+            <a:off x="4608822" y="4301136"/>
+            <a:ext cx="2762250" cy="1657350"/>
+          </a:xfrm>
+          <a:prstGeom prst="rect">
+            <a:avLst/>
+          </a:prstGeom>
+        </p:spPr>
+      </p:pic>
+      <p:cxnSp>
+        <p:nvCxnSpPr>
+          <p:cNvPr id="14" name="接點: 肘形 13">
+            <a:extLst>
+              <a:ext uri="{FF2B5EF4-FFF2-40B4-BE49-F238E27FC236}">
+                <a16:creationId xmlns:a16="http://schemas.microsoft.com/office/drawing/2014/main" id="{584AC693-879B-47AA-95EC-C3F41B874260}"/>
+              </a:ext>
+            </a:extLst>
+          </p:cNvPr>
+          <p:cNvCxnSpPr>
+            <a:stCxn id="7" idx="1"/>
+            <a:endCxn id="9" idx="1"/>
+          </p:cNvCxnSpPr>
+          <p:nvPr/>
+        </p:nvCxnSpPr>
+        <p:spPr>
+          <a:xfrm rot="10800000" flipH="1" flipV="1">
+            <a:off x="4596122" y="2222695"/>
+            <a:ext cx="12700" cy="2907115"/>
+          </a:xfrm>
+          <a:prstGeom prst="bentConnector3">
+            <a:avLst>
+              <a:gd name="adj1" fmla="val -1800000"/>
+            </a:avLst>
+          </a:prstGeom>
+          <a:ln>
+            <a:headEnd type="triangle"/>
+            <a:tailEnd type="triangle"/>
+          </a:ln>
+        </p:spPr>
+        <p:style>
+          <a:lnRef idx="1">
+            <a:schemeClr val="dk1"/>
+          </a:lnRef>
+          <a:fillRef idx="0">
+            <a:schemeClr val="dk1"/>
+          </a:fillRef>
+          <a:effectRef idx="0">
+            <a:schemeClr val="dk1"/>
+          </a:effectRef>
+          <a:fontRef idx="minor">
+            <a:schemeClr val="tx1"/>
+          </a:fontRef>
+        </p:style>
+      </p:cxnSp>
+      <p:cxnSp>
+        <p:nvCxnSpPr>
+          <p:cNvPr id="17" name="直線接點 16">
+            <a:extLst>
+              <a:ext uri="{FF2B5EF4-FFF2-40B4-BE49-F238E27FC236}">
+                <a16:creationId xmlns:a16="http://schemas.microsoft.com/office/drawing/2014/main" id="{E9779CEB-5086-4AAF-B9BD-D9C814536E73}"/>
+              </a:ext>
+            </a:extLst>
+          </p:cNvPr>
+          <p:cNvCxnSpPr>
+            <a:stCxn id="5" idx="3"/>
+          </p:cNvCxnSpPr>
+          <p:nvPr/>
+        </p:nvCxnSpPr>
+        <p:spPr>
+          <a:xfrm>
+            <a:off x="3600450" y="3583379"/>
+            <a:ext cx="491485" cy="0"/>
+          </a:xfrm>
+          <a:prstGeom prst="line">
+            <a:avLst/>
+          </a:prstGeom>
+        </p:spPr>
+        <p:style>
+          <a:lnRef idx="1">
+            <a:schemeClr val="dk1"/>
+          </a:lnRef>
+          <a:fillRef idx="0">
+            <a:schemeClr val="dk1"/>
+          </a:fillRef>
+          <a:effectRef idx="0">
+            <a:schemeClr val="dk1"/>
+          </a:effectRef>
+          <a:fontRef idx="minor">
+            <a:schemeClr val="tx1"/>
+          </a:fontRef>
+        </p:style>
+      </p:cxnSp>
+      <p:sp>
+        <p:nvSpPr>
+          <p:cNvPr id="21" name="文字方塊 20">
+            <a:extLst>
+              <a:ext uri="{FF2B5EF4-FFF2-40B4-BE49-F238E27FC236}">
+                <a16:creationId xmlns:a16="http://schemas.microsoft.com/office/drawing/2014/main" id="{75415047-164E-4063-8FF8-C4AE07636589}"/>
+              </a:ext>
+            </a:extLst>
+          </p:cNvPr>
+          <p:cNvSpPr txBox="1"/>
+          <p:nvPr/>
+        </p:nvSpPr>
+        <p:spPr>
+          <a:xfrm>
+            <a:off x="1223158" y="4412054"/>
+            <a:ext cx="2090058" cy="369332"/>
+          </a:xfrm>
+          <a:prstGeom prst="rect">
+            <a:avLst/>
+          </a:prstGeom>
+          <a:noFill/>
+        </p:spPr>
+        <p:txBody>
+          <a:bodyPr wrap="square" rtlCol="0">
+            <a:spAutoFit/>
           </a:bodyPr>
           <a:lstStyle/>
           <a:p>
             <a:r>
-              <a:rPr lang="zh-TW" altLang="en-US" sz="3200" dirty="0">
-                <a:latin typeface="標楷體" panose="03000509000000000000" pitchFamily="65" charset="-120"/>
-                <a:ea typeface="標楷體" panose="03000509000000000000" pitchFamily="65" charset="-120"/>
-              </a:rPr>
-              <a:t>量價相乘</a:t>
-            </a:r>
-          </a:p>
-        </p:txBody>
-      </p:sp>
+              <a:rPr lang="zh-TW" altLang="en-US" dirty="0"/>
+              <a:t>輸入</a:t>
+            </a:r>
+          </a:p>
+        </p:txBody>
+      </p:sp>
+      <p:sp>
+        <p:nvSpPr>
+          <p:cNvPr id="22" name="文字方塊 21">
+            <a:extLst>
+              <a:ext uri="{FF2B5EF4-FFF2-40B4-BE49-F238E27FC236}">
+                <a16:creationId xmlns:a16="http://schemas.microsoft.com/office/drawing/2014/main" id="{A8CAA297-F4C2-4AE6-BCF5-03C0D708A780}"/>
+              </a:ext>
+            </a:extLst>
+          </p:cNvPr>
+          <p:cNvSpPr txBox="1"/>
+          <p:nvPr/>
+        </p:nvSpPr>
+        <p:spPr>
+          <a:xfrm>
+            <a:off x="5721927" y="3195823"/>
+            <a:ext cx="2090058" cy="369332"/>
+          </a:xfrm>
+          <a:prstGeom prst="rect">
+            <a:avLst/>
+          </a:prstGeom>
+          <a:noFill/>
+        </p:spPr>
+        <p:txBody>
+          <a:bodyPr wrap="square" rtlCol="0">
+            <a:spAutoFit/>
+          </a:bodyPr>
+          <a:lstStyle/>
+          <a:p>
+            <a:r>
+              <a:rPr lang="en-US" altLang="zh-TW" dirty="0" err="1"/>
+              <a:t>Sobelx</a:t>
+            </a:r>
+            <a:r>
+              <a:rPr lang="en-US" altLang="zh-TW" dirty="0"/>
+              <a:t>(</a:t>
+            </a:r>
+            <a:r>
+              <a:rPr lang="zh-TW" altLang="en-US" dirty="0"/>
+              <a:t>兩條</a:t>
+            </a:r>
+            <a:r>
+              <a:rPr lang="en-US" altLang="zh-TW" dirty="0"/>
+              <a:t>)</a:t>
+            </a:r>
+            <a:endParaRPr lang="zh-TW" altLang="en-US" dirty="0"/>
+          </a:p>
+        </p:txBody>
+      </p:sp>
+      <p:sp>
+        <p:nvSpPr>
+          <p:cNvPr id="23" name="文字方塊 22">
+            <a:extLst>
+              <a:ext uri="{FF2B5EF4-FFF2-40B4-BE49-F238E27FC236}">
+                <a16:creationId xmlns:a16="http://schemas.microsoft.com/office/drawing/2014/main" id="{0B6E443B-FCD0-4976-A28C-AF90DAE0FDBF}"/>
+              </a:ext>
+            </a:extLst>
+          </p:cNvPr>
+          <p:cNvSpPr txBox="1"/>
+          <p:nvPr/>
+        </p:nvSpPr>
+        <p:spPr>
+          <a:xfrm>
+            <a:off x="5565569" y="6098916"/>
+            <a:ext cx="2090058" cy="369332"/>
+          </a:xfrm>
+          <a:prstGeom prst="rect">
+            <a:avLst/>
+          </a:prstGeom>
+          <a:noFill/>
+        </p:spPr>
+        <p:txBody>
+          <a:bodyPr wrap="square" rtlCol="0">
+            <a:spAutoFit/>
+          </a:bodyPr>
+          <a:lstStyle/>
+          <a:p>
+            <a:r>
+              <a:rPr lang="en-US" altLang="zh-TW" dirty="0" err="1"/>
+              <a:t>Sobely</a:t>
+            </a:r>
+            <a:r>
+              <a:rPr lang="en-US" altLang="zh-TW" dirty="0"/>
+              <a:t>(</a:t>
+            </a:r>
+            <a:r>
+              <a:rPr lang="zh-TW" altLang="en-US" dirty="0"/>
+              <a:t>三條</a:t>
+            </a:r>
+            <a:r>
+              <a:rPr lang="en-US" altLang="zh-TW" dirty="0"/>
+              <a:t>)</a:t>
+            </a:r>
+            <a:endParaRPr lang="zh-TW" altLang="en-US" dirty="0"/>
+          </a:p>
+        </p:txBody>
+      </p:sp>
+      <p:cxnSp>
+        <p:nvCxnSpPr>
+          <p:cNvPr id="26" name="接點: 肘形 25">
+            <a:extLst>
+              <a:ext uri="{FF2B5EF4-FFF2-40B4-BE49-F238E27FC236}">
+                <a16:creationId xmlns:a16="http://schemas.microsoft.com/office/drawing/2014/main" id="{0EB2311D-6E59-46CB-8A3B-4A9D3B843CDD}"/>
+              </a:ext>
+            </a:extLst>
+          </p:cNvPr>
+          <p:cNvCxnSpPr>
+            <a:stCxn id="7" idx="3"/>
+            <a:endCxn id="9" idx="3"/>
+          </p:cNvCxnSpPr>
+          <p:nvPr/>
+        </p:nvCxnSpPr>
+        <p:spPr>
+          <a:xfrm>
+            <a:off x="7358372" y="2222696"/>
+            <a:ext cx="12700" cy="2907115"/>
+          </a:xfrm>
+          <a:prstGeom prst="bentConnector3">
+            <a:avLst>
+              <a:gd name="adj1" fmla="val 3576622"/>
+            </a:avLst>
+          </a:prstGeom>
+          <a:ln>
+            <a:headEnd type="triangle"/>
+            <a:tailEnd type="triangle"/>
+          </a:ln>
+        </p:spPr>
+        <p:style>
+          <a:lnRef idx="1">
+            <a:schemeClr val="dk1"/>
+          </a:lnRef>
+          <a:fillRef idx="0">
+            <a:schemeClr val="dk1"/>
+          </a:fillRef>
+          <a:effectRef idx="0">
+            <a:schemeClr val="dk1"/>
+          </a:effectRef>
+          <a:fontRef idx="minor">
+            <a:schemeClr val="tx1"/>
+          </a:fontRef>
+        </p:style>
+      </p:cxnSp>
+      <p:cxnSp>
+        <p:nvCxnSpPr>
+          <p:cNvPr id="29" name="直線單箭頭接點 28">
+            <a:extLst>
+              <a:ext uri="{FF2B5EF4-FFF2-40B4-BE49-F238E27FC236}">
+                <a16:creationId xmlns:a16="http://schemas.microsoft.com/office/drawing/2014/main" id="{6A7B5103-CCBF-4C84-B801-8EECB06A5F14}"/>
+              </a:ext>
+            </a:extLst>
+          </p:cNvPr>
+          <p:cNvCxnSpPr/>
+          <p:nvPr/>
+        </p:nvCxnSpPr>
+        <p:spPr>
+          <a:xfrm>
+            <a:off x="7811985" y="3764478"/>
+            <a:ext cx="726373" cy="0"/>
+          </a:xfrm>
+          <a:prstGeom prst="straightConnector1">
+            <a:avLst/>
+          </a:prstGeom>
+          <a:ln>
+            <a:tailEnd type="triangle"/>
+          </a:ln>
+        </p:spPr>
+        <p:style>
+          <a:lnRef idx="1">
+            <a:schemeClr val="dk1"/>
+          </a:lnRef>
+          <a:fillRef idx="0">
+            <a:schemeClr val="dk1"/>
+          </a:fillRef>
+          <a:effectRef idx="0">
+            <a:schemeClr val="dk1"/>
+          </a:effectRef>
+          <a:fontRef idx="minor">
+            <a:schemeClr val="tx1"/>
+          </a:fontRef>
+        </p:style>
+      </p:cxnSp>
+      <p:sp>
+        <p:nvSpPr>
+          <p:cNvPr id="30" name="文字方塊 29">
+            <a:extLst>
+              <a:ext uri="{FF2B5EF4-FFF2-40B4-BE49-F238E27FC236}">
+                <a16:creationId xmlns:a16="http://schemas.microsoft.com/office/drawing/2014/main" id="{8FB75DB9-B6DA-4022-99C9-B97A1E7FB216}"/>
+              </a:ext>
+            </a:extLst>
+          </p:cNvPr>
+          <p:cNvSpPr txBox="1"/>
+          <p:nvPr/>
+        </p:nvSpPr>
+        <p:spPr>
+          <a:xfrm>
+            <a:off x="7811985" y="3806330"/>
+            <a:ext cx="2090058" cy="369332"/>
+          </a:xfrm>
+          <a:prstGeom prst="rect">
+            <a:avLst/>
+          </a:prstGeom>
+          <a:noFill/>
+        </p:spPr>
+        <p:txBody>
+          <a:bodyPr wrap="square" rtlCol="0">
+            <a:spAutoFit/>
+          </a:bodyPr>
+          <a:lstStyle/>
+          <a:p>
+            <a:r>
+              <a:rPr lang="en-US" altLang="zh-TW" dirty="0"/>
+              <a:t>sum</a:t>
+            </a:r>
+            <a:endParaRPr lang="zh-TW" altLang="en-US" dirty="0"/>
+          </a:p>
+        </p:txBody>
+      </p:sp>
+      <p:pic>
+        <p:nvPicPr>
+          <p:cNvPr id="35" name="圖片 34">
+            <a:extLst>
+              <a:ext uri="{FF2B5EF4-FFF2-40B4-BE49-F238E27FC236}">
+                <a16:creationId xmlns:a16="http://schemas.microsoft.com/office/drawing/2014/main" id="{0E13F929-E4D8-433A-B6AE-B7F0A66B663E}"/>
+              </a:ext>
+            </a:extLst>
+          </p:cNvPr>
+          <p:cNvPicPr>
+            <a:picLocks noChangeAspect="1"/>
+          </p:cNvPicPr>
+          <p:nvPr/>
+        </p:nvPicPr>
+        <p:blipFill>
+          <a:blip r:embed="rId5"/>
+          <a:stretch>
+            <a:fillRect/>
+          </a:stretch>
+        </p:blipFill>
+        <p:spPr>
+          <a:xfrm>
+            <a:off x="8731236" y="3112283"/>
+            <a:ext cx="2964617" cy="1388094"/>
+          </a:xfrm>
+          <a:prstGeom prst="rect">
+            <a:avLst/>
+          </a:prstGeom>
+        </p:spPr>
+      </p:pic>
+    </p:spTree>
+    <p:extLst>
+      <p:ext uri="{BB962C8B-B14F-4D97-AF65-F5344CB8AC3E}">
+        <p14:creationId xmlns:p14="http://schemas.microsoft.com/office/powerpoint/2010/main" val="979567415"/>
+      </p:ext>
+    </p:extLst>
+  </p:cSld>
+  <p:clrMapOvr>
+    <a:masterClrMapping/>
+  </p:clrMapOvr>
+</p:sld>
+</file>
+
+<file path=ppt/slides/slide13.xml><?xml version="1.0" encoding="utf-8"?>
+<p:sld xmlns:a="http://schemas.openxmlformats.org/drawingml/2006/main" xmlns:r="http://schemas.openxmlformats.org/officeDocument/2006/relationships" xmlns:p="http://schemas.openxmlformats.org/presentationml/2006/main">
+  <p:cSld>
+    <p:spTree>
+      <p:nvGrpSpPr>
+        <p:cNvPr id="1" name=""/>
+        <p:cNvGrpSpPr/>
+        <p:nvPr/>
+      </p:nvGrpSpPr>
+      <p:grpSpPr>
+        <a:xfrm>
+          <a:off x="0" y="0"/>
+          <a:ext cx="0" cy="0"/>
+          <a:chOff x="0" y="0"/>
+          <a:chExt cx="0" cy="0"/>
+        </a:xfrm>
+      </p:grpSpPr>
       <p:sp>
         <p:nvSpPr>
           <p:cNvPr id="3" name="內容版面配置區 2">
@@ -3767,11 +4907,11 @@
             </a:r>
             <a:r>
               <a:rPr lang="zh-TW" altLang="en-US" sz="2000" dirty="0"/>
-              <a:t>將兩著相乘的結果儲存為一個</a:t>
+              <a:t>將相乘結果相加並回傳</a:t>
             </a:r>
             <a:r>
               <a:rPr lang="en-US" altLang="zh-TW" sz="2000" dirty="0"/>
-              <a:t>list</a:t>
+              <a:t>(int)</a:t>
             </a:r>
             <a:endParaRPr lang="en-US" altLang="zh-TW" sz="2000" dirty="0">
               <a:latin typeface="Times New Roman" panose="02020603050405020304" pitchFamily="18" charset="0"/>
@@ -3796,11 +4936,7 @@
             <a:graphicFrameLocks noGrp="1"/>
           </p:cNvGraphicFramePr>
           <p:nvPr>
-            <p:extLst>
-              <p:ext uri="{D42A27DB-BD31-4B8C-83A1-F6EECF244321}">
-                <p14:modId xmlns:p14="http://schemas.microsoft.com/office/powerpoint/2010/main" val="1221784992"/>
-              </p:ext>
-            </p:extLst>
+            <p:extLst/>
           </p:nvPr>
         </p:nvGraphicFramePr>
         <p:xfrm>
@@ -4046,23 +5182,26 @@
               </a:rPr>
               <a:t>Multiply_price_amount</a:t>
             </a:r>
-            <a:br>
-              <a:rPr lang="en-US" altLang="zh-TW" sz="3200" dirty="0">
-                <a:latin typeface="標楷體" panose="03000509000000000000" pitchFamily="65" charset="-120"/>
-                <a:ea typeface="標楷體" panose="03000509000000000000" pitchFamily="65" charset="-120"/>
-              </a:rPr>
-            </a:br>
-            <a:endParaRPr lang="zh-TW" altLang="en-US" sz="3200" dirty="0">
-              <a:latin typeface="標楷體" panose="03000509000000000000" pitchFamily="65" charset="-120"/>
-              <a:ea typeface="標楷體" panose="03000509000000000000" pitchFamily="65" charset="-120"/>
+            <a:endParaRPr lang="en-US" altLang="zh-TW" sz="3200" dirty="0">
+              <a:latin typeface="Times New Roman" panose="02020603050405020304" pitchFamily="18" charset="0"/>
+              <a:cs typeface="Times New Roman" panose="02020603050405020304" pitchFamily="18" charset="0"/>
             </a:endParaRPr>
+          </a:p>
+          <a:p>
+            <a:r>
+              <a:rPr lang="zh-TW" altLang="en-US" sz="3200" dirty="0">
+                <a:latin typeface="標楷體" panose="03000509000000000000" pitchFamily="65" charset="-120"/>
+                <a:ea typeface="標楷體" panose="03000509000000000000" pitchFamily="65" charset="-120"/>
+              </a:rPr>
+              <a:t>計算單價並加總</a:t>
+            </a:r>
           </a:p>
         </p:txBody>
       </p:sp>
     </p:spTree>
     <p:extLst>
       <p:ext uri="{BB962C8B-B14F-4D97-AF65-F5344CB8AC3E}">
-        <p14:creationId xmlns:p14="http://schemas.microsoft.com/office/powerpoint/2010/main" val="1622980670"/>
+        <p14:creationId xmlns:p14="http://schemas.microsoft.com/office/powerpoint/2010/main" val="54079498"/>
       </p:ext>
     </p:extLst>
   </p:cSld>
@@ -4072,18 +5211,12 @@
 </p:sld>
 </file>
 
-<file path=ppt/slides/slide11.xml><?xml version="1.0" encoding="utf-8"?>
+<file path=ppt/slides/slide14.xml><?xml version="1.0" encoding="utf-8"?>
 <p:sld xmlns:a="http://schemas.openxmlformats.org/drawingml/2006/main" xmlns:r="http://schemas.openxmlformats.org/officeDocument/2006/relationships" xmlns:p="http://schemas.openxmlformats.org/presentationml/2006/main">
   <p:cSld>
     <p:spTree>
       <p:nvGrpSpPr>
-        <p:cNvPr id="1" name="">
-          <a:extLst>
-            <a:ext uri="{FF2B5EF4-FFF2-40B4-BE49-F238E27FC236}">
-              <a16:creationId xmlns:a16="http://schemas.microsoft.com/office/drawing/2014/main" id="{BB732E3A-DCEE-2FF1-E8D5-314A7CBD0583}"/>
-            </a:ext>
-          </a:extLst>
-        </p:cNvPr>
+        <p:cNvPr id="1" name=""/>
         <p:cNvGrpSpPr/>
         <p:nvPr/>
       </p:nvGrpSpPr>
@@ -4097,461 +5230,108 @@
       </p:grpSpPr>
       <p:sp>
         <p:nvSpPr>
-          <p:cNvPr id="2" name="標題 1">
-            <a:extLst>
-              <a:ext uri="{FF2B5EF4-FFF2-40B4-BE49-F238E27FC236}">
-                <a16:creationId xmlns:a16="http://schemas.microsoft.com/office/drawing/2014/main" id="{32DDE4FA-BD38-C2D1-8CE2-1E077C1087EE}"/>
-              </a:ext>
-            </a:extLst>
-          </p:cNvPr>
-          <p:cNvSpPr>
-            <a:spLocks noGrp="1"/>
+          <p:cNvPr id="5" name="標題 1">
+            <a:extLst>
+              <a:ext uri="{FF2B5EF4-FFF2-40B4-BE49-F238E27FC236}">
+                <a16:creationId xmlns:a16="http://schemas.microsoft.com/office/drawing/2014/main" id="{876C1CB9-9DD1-4AC5-AD7A-3D93AA2F5BD3}"/>
+              </a:ext>
+            </a:extLst>
+          </p:cNvPr>
+          <p:cNvSpPr txBox="1">
+            <a:spLocks/>
           </p:cNvSpPr>
-          <p:nvPr>
-            <p:ph type="title"/>
-          </p:nvPr>
+          <p:nvPr/>
         </p:nvSpPr>
         <p:spPr>
           <a:xfrm>
             <a:off x="838200" y="365125"/>
             <a:ext cx="10515600" cy="978719"/>
           </a:xfrm>
-        </p:spPr>
-        <p:txBody>
-          <a:bodyPr>
+          <a:prstGeom prst="rect">
+            <a:avLst/>
+          </a:prstGeom>
+        </p:spPr>
+        <p:txBody>
+          <a:bodyPr vert="horz" lIns="91440" tIns="45720" rIns="91440" bIns="45720" rtlCol="0" anchor="ctr">
             <a:normAutofit/>
           </a:bodyPr>
-          <a:lstStyle/>
-          <a:p>
-            <a:r>
-              <a:rPr lang="en-US" altLang="zh-TW" sz="3200" dirty="0">
-                <a:latin typeface="標楷體" panose="03000509000000000000" pitchFamily="65" charset="-120"/>
-                <a:ea typeface="標楷體" panose="03000509000000000000" pitchFamily="65" charset="-120"/>
-              </a:rPr>
-              <a:t>Count price</a:t>
-            </a:r>
-            <a:br>
-              <a:rPr lang="en-US" altLang="zh-TW" sz="3200" dirty="0">
-                <a:latin typeface="標楷體" panose="03000509000000000000" pitchFamily="65" charset="-120"/>
-                <a:ea typeface="標楷體" panose="03000509000000000000" pitchFamily="65" charset="-120"/>
-              </a:rPr>
-            </a:br>
-            <a:r>
-              <a:rPr lang="zh-TW" altLang="en-US" sz="3200" dirty="0">
-                <a:latin typeface="標楷體" panose="03000509000000000000" pitchFamily="65" charset="-120"/>
-                <a:ea typeface="標楷體" panose="03000509000000000000" pitchFamily="65" charset="-120"/>
-              </a:rPr>
-              <a:t>統計總價</a:t>
-            </a:r>
-          </a:p>
-        </p:txBody>
-      </p:sp>
-      <p:sp>
-        <p:nvSpPr>
-          <p:cNvPr id="3" name="內容版面配置區 2">
-            <a:extLst>
-              <a:ext uri="{FF2B5EF4-FFF2-40B4-BE49-F238E27FC236}">
-                <a16:creationId xmlns:a16="http://schemas.microsoft.com/office/drawing/2014/main" id="{B42A0908-A595-B71E-B4AB-AB2B5D7662C2}"/>
-              </a:ext>
-            </a:extLst>
-          </p:cNvPr>
-          <p:cNvSpPr>
-            <a:spLocks noGrp="1"/>
-          </p:cNvSpPr>
-          <p:nvPr>
-            <p:ph idx="1"/>
-          </p:nvPr>
-        </p:nvSpPr>
-        <p:spPr>
-          <a:xfrm>
-            <a:off x="838199" y="1343844"/>
-            <a:ext cx="11255531" cy="4351338"/>
-          </a:xfrm>
-        </p:spPr>
-        <p:txBody>
-          <a:bodyPr/>
-          <a:lstStyle/>
-          <a:p>
-            <a:r>
-              <a:rPr lang="zh-TW" altLang="en-US" sz="2000" dirty="0">
-                <a:latin typeface="標楷體" panose="03000509000000000000" pitchFamily="65" charset="-120"/>
-                <a:ea typeface="標楷體" panose="03000509000000000000" pitchFamily="65" charset="-120"/>
-              </a:rPr>
-              <a:t>功能描述 </a:t>
-            </a:r>
-            <a:r>
-              <a:rPr lang="en-US" altLang="zh-TW" sz="2000" dirty="0">
-                <a:latin typeface="標楷體" panose="03000509000000000000" pitchFamily="65" charset="-120"/>
-                <a:ea typeface="標楷體" panose="03000509000000000000" pitchFamily="65" charset="-120"/>
-              </a:rPr>
-              <a:t>:</a:t>
-            </a:r>
-            <a:r>
-              <a:rPr lang="zh-TW" altLang="en-US" sz="2000" dirty="0">
-                <a:latin typeface="標楷體" panose="03000509000000000000" pitchFamily="65" charset="-120"/>
-                <a:ea typeface="標楷體" panose="03000509000000000000" pitchFamily="65" charset="-120"/>
-              </a:rPr>
-              <a:t>讀取</a:t>
-            </a:r>
-            <a:r>
-              <a:rPr lang="en-US" altLang="zh-TW" sz="2000" dirty="0">
-                <a:latin typeface="標楷體" panose="03000509000000000000" pitchFamily="65" charset="-120"/>
-                <a:ea typeface="標楷體" panose="03000509000000000000" pitchFamily="65" charset="-120"/>
-              </a:rPr>
-              <a:t>list</a:t>
-            </a:r>
-            <a:r>
-              <a:rPr lang="zh-TW" altLang="en-US" sz="2000" dirty="0">
-                <a:latin typeface="標楷體" panose="03000509000000000000" pitchFamily="65" charset="-120"/>
-                <a:ea typeface="標楷體" panose="03000509000000000000" pitchFamily="65" charset="-120"/>
-              </a:rPr>
-              <a:t>座標，計算座標內的輪廓，找出劃記多少個，呼叫</a:t>
-            </a:r>
-            <a:r>
-              <a:rPr lang="en-US" altLang="zh-TW" sz="2000" dirty="0">
+          <a:lstStyle>
+            <a:lvl1pPr algn="l" defTabSz="914400" rtl="0" eaLnBrk="1" latinLnBrk="0" hangingPunct="1">
+              <a:lnSpc>
+                <a:spcPct val="90000"/>
+              </a:lnSpc>
+              <a:spcBef>
+                <a:spcPct val="0"/>
+              </a:spcBef>
+              <a:buNone/>
+              <a:defRPr sz="4400" kern="1200">
+                <a:solidFill>
+                  <a:schemeClr val="tx1"/>
+                </a:solidFill>
+                <a:latin typeface="+mj-lt"/>
+                <a:ea typeface="+mj-ea"/>
+                <a:cs typeface="+mj-cs"/>
+              </a:defRPr>
+            </a:lvl1pPr>
+          </a:lstStyle>
+          <a:p>
+            <a:r>
+              <a:rPr lang="en-US" altLang="zh-TW" sz="3200" dirty="0" err="1">
                 <a:latin typeface="Times New Roman" panose="02020603050405020304" pitchFamily="18" charset="0"/>
                 <a:cs typeface="Times New Roman" panose="02020603050405020304" pitchFamily="18" charset="0"/>
               </a:rPr>
-              <a:t>Multiply </a:t>
-            </a:r>
-            <a:r>
-              <a:rPr lang="en-US" altLang="zh-TW" sz="2000" dirty="0" err="1">
-                <a:latin typeface="Times New Roman" panose="02020603050405020304" pitchFamily="18" charset="0"/>
-                <a:cs typeface="Times New Roman" panose="02020603050405020304" pitchFamily="18" charset="0"/>
-              </a:rPr>
-              <a:t>price_amount</a:t>
-            </a:r>
-            <a:r>
-              <a:rPr lang="zh-TW" altLang="en-US" sz="2000" dirty="0">
-                <a:latin typeface="Times New Roman" panose="02020603050405020304" pitchFamily="18" charset="0"/>
-                <a:cs typeface="Times New Roman" panose="02020603050405020304" pitchFamily="18" charset="0"/>
-              </a:rPr>
-              <a:t>算出</a:t>
-            </a:r>
-            <a:r>
-              <a:rPr lang="zh-TW" altLang="en-US" sz="2000" dirty="0">
-                <a:latin typeface="標楷體" panose="03000509000000000000" pitchFamily="65" charset="-120"/>
-                <a:ea typeface="標楷體" panose="03000509000000000000" pitchFamily="65" charset="-120"/>
-                <a:cs typeface="Times New Roman" panose="02020603050405020304" pitchFamily="18" charset="0"/>
-              </a:rPr>
-              <a:t>單品項總價，在經過總和得出總價</a:t>
-            </a:r>
-            <a:r>
-              <a:rPr lang="zh-TW" altLang="en-US" sz="2000" dirty="0">
-                <a:latin typeface="標楷體" panose="03000509000000000000" pitchFamily="65" charset="-120"/>
-                <a:ea typeface="標楷體" panose="03000509000000000000" pitchFamily="65" charset="-120"/>
-              </a:rPr>
-              <a:t>。</a:t>
-            </a:r>
-            <a:endParaRPr lang="en-US" altLang="zh-TW" sz="2000" dirty="0">
-              <a:latin typeface="標楷體" panose="03000509000000000000" pitchFamily="65" charset="-120"/>
-              <a:ea typeface="標楷體" panose="03000509000000000000" pitchFamily="65" charset="-120"/>
-            </a:endParaRPr>
-          </a:p>
-          <a:p>
-            <a:r>
-              <a:rPr lang="zh-TW" altLang="en-US" sz="2000" dirty="0">
-                <a:latin typeface="標楷體" panose="03000509000000000000" pitchFamily="65" charset="-120"/>
-                <a:ea typeface="標楷體" panose="03000509000000000000" pitchFamily="65" charset="-120"/>
-              </a:rPr>
-              <a:t>函式</a:t>
-            </a:r>
-            <a:r>
-              <a:rPr lang="en-US" altLang="zh-TW" sz="2000" dirty="0">
-                <a:latin typeface="標楷體" panose="03000509000000000000" pitchFamily="65" charset="-120"/>
-                <a:ea typeface="標楷體" panose="03000509000000000000" pitchFamily="65" charset="-120"/>
-              </a:rPr>
-              <a:t>:</a:t>
-            </a:r>
-            <a:r>
-              <a:rPr lang="en-US" altLang="zh-TW" sz="2000" dirty="0">
-                <a:latin typeface="Times New Roman" panose="02020603050405020304" pitchFamily="18" charset="0"/>
-                <a:cs typeface="Times New Roman" panose="02020603050405020304" pitchFamily="18" charset="0"/>
-              </a:rPr>
-              <a:t>def </a:t>
-            </a:r>
-            <a:r>
-              <a:rPr lang="en-US" altLang="zh-TW" sz="2000" dirty="0" err="1">
-                <a:latin typeface="Times New Roman" panose="02020603050405020304" pitchFamily="18" charset="0"/>
-                <a:cs typeface="Times New Roman" panose="02020603050405020304" pitchFamily="18" charset="0"/>
-              </a:rPr>
-              <a:t>Count_price</a:t>
-            </a:r>
-            <a:r>
-              <a:rPr lang="en-US" altLang="zh-TW" sz="2000" dirty="0">
-                <a:latin typeface="Times New Roman" panose="02020603050405020304" pitchFamily="18" charset="0"/>
-                <a:cs typeface="Times New Roman" panose="02020603050405020304" pitchFamily="18" charset="0"/>
-              </a:rPr>
-              <a:t>(contour: </a:t>
-            </a:r>
-            <a:r>
-              <a:rPr lang="en-US" altLang="zh-TW" sz="2000" dirty="0" err="1">
-                <a:latin typeface="Times New Roman" panose="02020603050405020304" pitchFamily="18" charset="0"/>
-                <a:cs typeface="Times New Roman" panose="02020603050405020304" pitchFamily="18" charset="0"/>
-              </a:rPr>
-              <a:t>np.ndarray</a:t>
-            </a:r>
-            <a:r>
-              <a:rPr lang="en-US" altLang="zh-TW" sz="2000" dirty="0">
-                <a:latin typeface="Times New Roman" panose="02020603050405020304" pitchFamily="18" charset="0"/>
-                <a:cs typeface="Times New Roman" panose="02020603050405020304" pitchFamily="18" charset="0"/>
-              </a:rPr>
-              <a:t>) -&gt; integer :</a:t>
-            </a:r>
-          </a:p>
-          <a:p>
-            <a:endParaRPr lang="en-US" altLang="zh-TW" sz="2000" dirty="0">
+              <a:t>Multiply_price_amount</a:t>
+            </a:r>
+            <a:endParaRPr lang="en-US" altLang="zh-TW" sz="3200" dirty="0">
               <a:latin typeface="Times New Roman" panose="02020603050405020304" pitchFamily="18" charset="0"/>
               <a:cs typeface="Times New Roman" panose="02020603050405020304" pitchFamily="18" charset="0"/>
             </a:endParaRPr>
           </a:p>
           <a:p>
-            <a:pPr marL="0" indent="0">
-              <a:buNone/>
-            </a:pPr>
-            <a:endParaRPr lang="en-US" altLang="zh-TW" sz="2000" dirty="0">
-              <a:latin typeface="Times New Roman" panose="02020603050405020304" pitchFamily="18" charset="0"/>
-              <a:cs typeface="Times New Roman" panose="02020603050405020304" pitchFamily="18" charset="0"/>
-            </a:endParaRPr>
-          </a:p>
-          <a:p>
-            <a:r>
-              <a:rPr lang="zh-TW" altLang="en-US" sz="2000" dirty="0">
-                <a:latin typeface="標楷體" panose="03000509000000000000" pitchFamily="65" charset="-120"/>
-                <a:ea typeface="標楷體" panose="03000509000000000000" pitchFamily="65" charset="-120"/>
-                <a:cs typeface="Times New Roman" panose="02020603050405020304" pitchFamily="18" charset="0"/>
-              </a:rPr>
-              <a:t>返回值：整數總價</a:t>
-            </a:r>
-            <a:endParaRPr lang="en-US" altLang="zh-TW" sz="2000" dirty="0">
-              <a:latin typeface="標楷體" panose="03000509000000000000" pitchFamily="65" charset="-120"/>
-              <a:ea typeface="標楷體" panose="03000509000000000000" pitchFamily="65" charset="-120"/>
-              <a:cs typeface="Times New Roman" panose="02020603050405020304" pitchFamily="18" charset="0"/>
-            </a:endParaRPr>
-          </a:p>
-          <a:p>
-            <a:endParaRPr lang="en-US" altLang="zh-TW" sz="2000" dirty="0">
-              <a:latin typeface="標楷體" panose="03000509000000000000" pitchFamily="65" charset="-120"/>
-              <a:ea typeface="標楷體" panose="03000509000000000000" pitchFamily="65" charset="-120"/>
-            </a:endParaRPr>
-          </a:p>
-          <a:p>
-            <a:endParaRPr lang="en-US" altLang="zh-TW" sz="2000" dirty="0">
-              <a:latin typeface="標楷體" panose="03000509000000000000" pitchFamily="65" charset="-120"/>
-              <a:ea typeface="標楷體" panose="03000509000000000000" pitchFamily="65" charset="-120"/>
-            </a:endParaRPr>
-          </a:p>
-          <a:p>
-            <a:endParaRPr lang="en-US" altLang="zh-TW" sz="2000" dirty="0">
-              <a:latin typeface="標楷體" panose="03000509000000000000" pitchFamily="65" charset="-120"/>
-              <a:ea typeface="標楷體" panose="03000509000000000000" pitchFamily="65" charset="-120"/>
-            </a:endParaRPr>
-          </a:p>
-          <a:p>
-            <a:endParaRPr lang="en-US" altLang="zh-TW" sz="2000" dirty="0">
-              <a:latin typeface="標楷體" panose="03000509000000000000" pitchFamily="65" charset="-120"/>
-              <a:ea typeface="標楷體" panose="03000509000000000000" pitchFamily="65" charset="-120"/>
-            </a:endParaRPr>
-          </a:p>
-          <a:p>
-            <a:endParaRPr lang="zh-TW" altLang="en-US" sz="2000" dirty="0">
-              <a:latin typeface="標楷體" panose="03000509000000000000" pitchFamily="65" charset="-120"/>
-              <a:ea typeface="標楷體" panose="03000509000000000000" pitchFamily="65" charset="-120"/>
-            </a:endParaRPr>
-          </a:p>
-        </p:txBody>
-      </p:sp>
-      <p:graphicFrame>
-        <p:nvGraphicFramePr>
-          <p:cNvPr id="4" name="表格 8">
-            <a:extLst>
-              <a:ext uri="{FF2B5EF4-FFF2-40B4-BE49-F238E27FC236}">
-                <a16:creationId xmlns:a16="http://schemas.microsoft.com/office/drawing/2014/main" id="{5398520F-CBF1-528D-1BC3-8760808C0B24}"/>
-              </a:ext>
-            </a:extLst>
-          </p:cNvPr>
-          <p:cNvGraphicFramePr>
-            <a:graphicFrameLocks noGrp="1"/>
-          </p:cNvGraphicFramePr>
-          <p:nvPr>
-            <p:extLst>
-              <p:ext uri="{D42A27DB-BD31-4B8C-83A1-F6EECF244321}">
-                <p14:modId xmlns:p14="http://schemas.microsoft.com/office/powerpoint/2010/main" val="1769773833"/>
-              </p:ext>
-            </p:extLst>
-          </p:nvPr>
-        </p:nvGraphicFramePr>
-        <p:xfrm>
-          <a:off x="1164473" y="2421087"/>
-          <a:ext cx="10929258" cy="732284"/>
-        </p:xfrm>
-        <a:graphic>
-          <a:graphicData uri="http://schemas.openxmlformats.org/drawingml/2006/table">
-            <a:tbl>
-              <a:tblPr firstRow="1" bandRow="1">
-                <a:tableStyleId>{5C22544A-7EE6-4342-B048-85BDC9FD1C3A}</a:tableStyleId>
-              </a:tblPr>
-              <a:tblGrid>
-                <a:gridCol w="3224414">
-                  <a:extLst>
-                    <a:ext uri="{9D8B030D-6E8A-4147-A177-3AD203B41FA5}">
-                      <a16:colId xmlns:a16="http://schemas.microsoft.com/office/drawing/2014/main" val="175491985"/>
-                    </a:ext>
-                  </a:extLst>
-                </a:gridCol>
-                <a:gridCol w="1618624">
-                  <a:extLst>
-                    <a:ext uri="{9D8B030D-6E8A-4147-A177-3AD203B41FA5}">
-                      <a16:colId xmlns:a16="http://schemas.microsoft.com/office/drawing/2014/main" val="822259094"/>
-                    </a:ext>
-                  </a:extLst>
-                </a:gridCol>
-                <a:gridCol w="6086220">
-                  <a:extLst>
-                    <a:ext uri="{9D8B030D-6E8A-4147-A177-3AD203B41FA5}">
-                      <a16:colId xmlns:a16="http://schemas.microsoft.com/office/drawing/2014/main" val="4104166654"/>
-                    </a:ext>
-                  </a:extLst>
-                </a:gridCol>
-              </a:tblGrid>
-              <a:tr h="298300">
-                <a:tc>
-                  <a:txBody>
-                    <a:bodyPr/>
-                    <a:lstStyle/>
-                    <a:p>
-                      <a:r>
-                        <a:rPr lang="zh-TW" altLang="en-US" sz="1200" baseline="0" dirty="0">
-                          <a:latin typeface="標楷體" panose="03000509000000000000" pitchFamily="65" charset="-120"/>
-                          <a:ea typeface="標楷體" panose="03000509000000000000" pitchFamily="65" charset="-120"/>
-                        </a:rPr>
-                        <a:t>參數</a:t>
-                      </a:r>
-                    </a:p>
-                  </a:txBody>
-                  <a:tcPr/>
-                </a:tc>
-                <a:tc>
-                  <a:txBody>
-                    <a:bodyPr/>
-                    <a:lstStyle/>
-                    <a:p>
-                      <a:r>
-                        <a:rPr lang="zh-TW" altLang="en-US" sz="1200" baseline="0" dirty="0">
-                          <a:latin typeface="標楷體" panose="03000509000000000000" pitchFamily="65" charset="-120"/>
-                          <a:ea typeface="標楷體" panose="03000509000000000000" pitchFamily="65" charset="-120"/>
-                        </a:rPr>
-                        <a:t>類型</a:t>
-                      </a:r>
-                    </a:p>
-                  </a:txBody>
-                  <a:tcPr/>
-                </a:tc>
-                <a:tc>
-                  <a:txBody>
-                    <a:bodyPr/>
-                    <a:lstStyle/>
-                    <a:p>
-                      <a:r>
-                        <a:rPr lang="zh-TW" altLang="en-US" sz="1200" baseline="0" dirty="0">
-                          <a:latin typeface="標楷體" panose="03000509000000000000" pitchFamily="65" charset="-120"/>
-                          <a:ea typeface="標楷體" panose="03000509000000000000" pitchFamily="65" charset="-120"/>
-                        </a:rPr>
-                        <a:t>說明</a:t>
-                      </a:r>
-                    </a:p>
-                  </a:txBody>
-                  <a:tcPr/>
-                </a:tc>
-                <a:extLst>
-                  <a:ext uri="{0D108BD9-81ED-4DB2-BD59-A6C34878D82A}">
-                    <a16:rowId xmlns:a16="http://schemas.microsoft.com/office/drawing/2014/main" val="3131740815"/>
-                  </a:ext>
-                </a:extLst>
-              </a:tr>
-              <a:tr h="433984">
-                <a:tc>
-                  <a:txBody>
-                    <a:bodyPr/>
-                    <a:lstStyle/>
-                    <a:p>
-                      <a:r>
-                        <a:rPr lang="en-US" altLang="zh-TW" sz="1200" dirty="0">
-                          <a:latin typeface="Times New Roman" panose="02020603050405020304" pitchFamily="18" charset="0"/>
-                          <a:cs typeface="Times New Roman" panose="02020603050405020304" pitchFamily="18" charset="0"/>
-                        </a:rPr>
-                        <a:t>contour</a:t>
-                      </a:r>
-                      <a:endParaRPr lang="en-US" altLang="zh-TW" sz="1200" baseline="0" dirty="0">
-                        <a:latin typeface="Times New Roman" panose="02020603050405020304" pitchFamily="18" charset="0"/>
-                        <a:ea typeface="標楷體" panose="03000509000000000000" pitchFamily="65" charset="-120"/>
-                        <a:cs typeface="Times New Roman" panose="02020603050405020304" pitchFamily="18" charset="0"/>
-                      </a:endParaRPr>
-                    </a:p>
-                  </a:txBody>
-                  <a:tcPr/>
-                </a:tc>
-                <a:tc>
-                  <a:txBody>
-                    <a:bodyPr/>
-                    <a:lstStyle/>
-                    <a:p>
-                      <a:r>
-                        <a:rPr lang="en-US" altLang="zh-TW" sz="1200" dirty="0" err="1">
-                          <a:latin typeface="Times New Roman" panose="02020603050405020304" pitchFamily="18" charset="0"/>
-                          <a:cs typeface="Times New Roman" panose="02020603050405020304" pitchFamily="18" charset="0"/>
-                        </a:rPr>
-                        <a:t>np.ndarray</a:t>
-                      </a:r>
-                      <a:endParaRPr lang="zh-TW" altLang="en-US" sz="1200" baseline="0" dirty="0">
-                        <a:latin typeface="Times New Roman" panose="02020603050405020304" pitchFamily="18" charset="0"/>
-                        <a:ea typeface="標楷體" panose="03000509000000000000" pitchFamily="65" charset="-120"/>
-                        <a:cs typeface="Times New Roman" panose="02020603050405020304" pitchFamily="18" charset="0"/>
-                      </a:endParaRPr>
-                    </a:p>
-                  </a:txBody>
-                  <a:tcPr/>
-                </a:tc>
-                <a:tc>
-                  <a:txBody>
-                    <a:bodyPr/>
-                    <a:lstStyle/>
-                    <a:p>
-                      <a:r>
-                        <a:rPr lang="zh-TW" altLang="en-US" sz="1200" dirty="0"/>
-                        <a:t>輸入的輪廓座標（</a:t>
-                      </a:r>
-                      <a:r>
-                        <a:rPr lang="en-US" altLang="zh-TW" sz="1200" dirty="0" err="1"/>
-                        <a:t>np.ndarray</a:t>
-                      </a:r>
-                      <a:r>
-                        <a:rPr lang="en-US" altLang="zh-TW" sz="1200" dirty="0"/>
-                        <a:t>)</a:t>
-                      </a:r>
-                      <a:endParaRPr lang="zh-TW" altLang="en-US" sz="1200" baseline="0" dirty="0">
-                        <a:latin typeface="標楷體" panose="03000509000000000000" pitchFamily="65" charset="-120"/>
-                        <a:ea typeface="標楷體" panose="03000509000000000000" pitchFamily="65" charset="-120"/>
-                        <a:cs typeface="Times New Roman" panose="02020603050405020304" pitchFamily="18" charset="0"/>
-                      </a:endParaRPr>
-                    </a:p>
-                  </a:txBody>
-                  <a:tcPr/>
-                </a:tc>
-                <a:extLst>
-                  <a:ext uri="{0D108BD9-81ED-4DB2-BD59-A6C34878D82A}">
-                    <a16:rowId xmlns:a16="http://schemas.microsoft.com/office/drawing/2014/main" val="2878939569"/>
-                  </a:ext>
-                </a:extLst>
-              </a:tr>
-            </a:tbl>
-          </a:graphicData>
-        </a:graphic>
-      </p:graphicFrame>
+            <a:r>
+              <a:rPr lang="zh-TW" altLang="en-US" sz="3200" dirty="0">
+                <a:latin typeface="標楷體" panose="03000509000000000000" pitchFamily="65" charset="-120"/>
+                <a:ea typeface="標楷體" panose="03000509000000000000" pitchFamily="65" charset="-120"/>
+              </a:rPr>
+              <a:t>計算單價並加總</a:t>
+            </a:r>
+          </a:p>
+        </p:txBody>
+      </p:sp>
+      <p:pic>
+        <p:nvPicPr>
+          <p:cNvPr id="7" name="圖片 6">
+            <a:extLst>
+              <a:ext uri="{FF2B5EF4-FFF2-40B4-BE49-F238E27FC236}">
+                <a16:creationId xmlns:a16="http://schemas.microsoft.com/office/drawing/2014/main" id="{AA0ECD77-AC77-47F0-852C-D00B2CA1A77C}"/>
+              </a:ext>
+            </a:extLst>
+          </p:cNvPr>
+          <p:cNvPicPr>
+            <a:picLocks noChangeAspect="1"/>
+          </p:cNvPicPr>
+          <p:nvPr/>
+        </p:nvPicPr>
+        <p:blipFill>
+          <a:blip r:embed="rId2"/>
+          <a:stretch>
+            <a:fillRect/>
+          </a:stretch>
+        </p:blipFill>
+        <p:spPr>
+          <a:xfrm>
+            <a:off x="2142701" y="2617564"/>
+            <a:ext cx="9026228" cy="1669428"/>
+          </a:xfrm>
+          <a:prstGeom prst="rect">
+            <a:avLst/>
+          </a:prstGeom>
+        </p:spPr>
+      </p:pic>
     </p:spTree>
     <p:extLst>
       <p:ext uri="{BB962C8B-B14F-4D97-AF65-F5344CB8AC3E}">
-        <p14:creationId xmlns:p14="http://schemas.microsoft.com/office/powerpoint/2010/main" val="2548736929"/>
+        <p14:creationId xmlns:p14="http://schemas.microsoft.com/office/powerpoint/2010/main" val="767309941"/>
       </p:ext>
     </p:extLst>
   </p:cSld>
@@ -4561,7 +5341,7 @@
 </p:sld>
 </file>
 
-<file path=ppt/slides/slide12.xml><?xml version="1.0" encoding="utf-8"?>
+<file path=ppt/slides/slide15.xml><?xml version="1.0" encoding="utf-8"?>
 <p:sld xmlns:a="http://schemas.openxmlformats.org/drawingml/2006/main" xmlns:r="http://schemas.openxmlformats.org/officeDocument/2006/relationships" xmlns:p="http://schemas.openxmlformats.org/presentationml/2006/main">
   <p:cSld>
     <p:spTree>
@@ -5766,7 +6546,7 @@
         </p:nvSpPr>
         <p:spPr>
           <a:xfrm>
-            <a:off x="5493873" y="2931530"/>
+            <a:off x="5497553" y="2904992"/>
             <a:ext cx="947001" cy="369332"/>
           </a:xfrm>
           <a:prstGeom prst="rect">
@@ -5857,9 +6637,9 @@
           <p:nvPr/>
         </p:nvCxnSpPr>
         <p:spPr>
-          <a:xfrm flipH="1">
-            <a:off x="5967374" y="2609666"/>
-            <a:ext cx="1897" cy="321864"/>
+          <a:xfrm>
+            <a:off x="5969271" y="2609666"/>
+            <a:ext cx="1783" cy="295326"/>
           </a:xfrm>
           <a:prstGeom prst="straightConnector1">
             <a:avLst/>
@@ -6192,8 +6972,8 @@
         </p:nvSpPr>
         <p:spPr>
           <a:xfrm>
-            <a:off x="5185043" y="3622726"/>
-            <a:ext cx="1558696" cy="369332"/>
+            <a:off x="5013925" y="3627070"/>
+            <a:ext cx="1914258" cy="369332"/>
           </a:xfrm>
           <a:prstGeom prst="rect">
             <a:avLst/>
@@ -6212,12 +6992,16 @@
           <a:lstStyle/>
           <a:p>
             <a:r>
-              <a:rPr lang="zh-TW" altLang="en-US" dirty="0">
-                <a:latin typeface="標楷體" panose="03000509000000000000" pitchFamily="65" charset="-120"/>
-                <a:ea typeface="標楷體" panose="03000509000000000000" pitchFamily="65" charset="-120"/>
-              </a:rPr>
-              <a:t>形態學除噪點</a:t>
-            </a:r>
+              <a:rPr lang="zh-TW" altLang="en-US">
+                <a:latin typeface="標楷體" panose="03000509000000000000" pitchFamily="65" charset="-120"/>
+                <a:ea typeface="標楷體" panose="03000509000000000000" pitchFamily="65" charset="-120"/>
+              </a:rPr>
+              <a:t>形態學除除字點</a:t>
+            </a:r>
+            <a:endParaRPr lang="zh-TW" altLang="en-US" dirty="0">
+              <a:latin typeface="標楷體" panose="03000509000000000000" pitchFamily="65" charset="-120"/>
+              <a:ea typeface="標楷體" panose="03000509000000000000" pitchFamily="65" charset="-120"/>
+            </a:endParaRPr>
           </a:p>
         </p:txBody>
       </p:sp>
@@ -6232,13 +7016,15 @@
           </p:cNvPr>
           <p:cNvCxnSpPr>
             <a:cxnSpLocks/>
+            <a:stCxn id="41" idx="2"/>
+            <a:endCxn id="124" idx="0"/>
           </p:cNvCxnSpPr>
           <p:nvPr/>
         </p:nvCxnSpPr>
         <p:spPr>
-          <a:xfrm flipH="1">
-            <a:off x="5950081" y="3300862"/>
-            <a:ext cx="1897" cy="321864"/>
+          <a:xfrm>
+            <a:off x="5971054" y="3274324"/>
+            <a:ext cx="0" cy="352746"/>
           </a:xfrm>
           <a:prstGeom prst="straightConnector1">
             <a:avLst/>
@@ -6283,8 +7069,8 @@
         </p:nvCxnSpPr>
         <p:spPr>
           <a:xfrm>
-            <a:off x="5964391" y="3992058"/>
-            <a:ext cx="6665" cy="249650"/>
+            <a:off x="5971054" y="3996402"/>
+            <a:ext cx="2" cy="245306"/>
           </a:xfrm>
           <a:prstGeom prst="straightConnector1">
             <a:avLst/>
@@ -6610,10 +7396,10 @@
       </p:sp>
       <p:sp>
         <p:nvSpPr>
-          <p:cNvPr id="10" name="文字方塊 9">
-            <a:extLst>
-              <a:ext uri="{FF2B5EF4-FFF2-40B4-BE49-F238E27FC236}">
-                <a16:creationId xmlns:a16="http://schemas.microsoft.com/office/drawing/2014/main" id="{116EDBDD-C43C-48E4-BEBB-D772EAE94D1D}"/>
+          <p:cNvPr id="24" name="文字方塊 23">
+            <a:extLst>
+              <a:ext uri="{FF2B5EF4-FFF2-40B4-BE49-F238E27FC236}">
+                <a16:creationId xmlns:a16="http://schemas.microsoft.com/office/drawing/2014/main" id="{C23CBD58-EF88-4A49-9618-E2A013057607}"/>
               </a:ext>
             </a:extLst>
           </p:cNvPr>
@@ -6651,19 +7437,62 @@
           </a:p>
         </p:txBody>
       </p:sp>
+      <p:sp>
+        <p:nvSpPr>
+          <p:cNvPr id="26" name="文字方塊 25">
+            <a:extLst>
+              <a:ext uri="{FF2B5EF4-FFF2-40B4-BE49-F238E27FC236}">
+                <a16:creationId xmlns:a16="http://schemas.microsoft.com/office/drawing/2014/main" id="{470EDACE-E1F0-41CD-B0DC-E583483A9B9F}"/>
+              </a:ext>
+            </a:extLst>
+          </p:cNvPr>
+          <p:cNvSpPr txBox="1"/>
+          <p:nvPr/>
+        </p:nvSpPr>
+        <p:spPr>
+          <a:xfrm>
+            <a:off x="3336429" y="4836768"/>
+            <a:ext cx="1800493" cy="369332"/>
+          </a:xfrm>
+          <a:prstGeom prst="rect">
+            <a:avLst/>
+          </a:prstGeom>
+          <a:noFill/>
+          <a:ln w="28575">
+            <a:solidFill>
+              <a:schemeClr val="tx1"/>
+            </a:solidFill>
+          </a:ln>
+        </p:spPr>
+        <p:txBody>
+          <a:bodyPr wrap="none" rtlCol="0">
+            <a:spAutoFit/>
+          </a:bodyPr>
+          <a:lstStyle/>
+          <a:p>
+            <a:r>
+              <a:rPr lang="zh-TW" altLang="en-US" dirty="0">
+                <a:latin typeface="標楷體" panose="03000509000000000000" pitchFamily="65" charset="-120"/>
+                <a:ea typeface="標楷體" panose="03000509000000000000" pitchFamily="65" charset="-120"/>
+              </a:rPr>
+              <a:t>計算單價並加總</a:t>
+            </a:r>
+          </a:p>
+        </p:txBody>
+      </p:sp>
       <p:cxnSp>
         <p:nvCxnSpPr>
-          <p:cNvPr id="20" name="直線單箭頭接點 19">
-            <a:extLst>
-              <a:ext uri="{FF2B5EF4-FFF2-40B4-BE49-F238E27FC236}">
-                <a16:creationId xmlns:a16="http://schemas.microsoft.com/office/drawing/2014/main" id="{ECF18433-B9FA-4295-A202-4643F75C425E}"/>
+          <p:cNvPr id="27" name="直線單箭頭接點 26">
+            <a:extLst>
+              <a:ext uri="{FF2B5EF4-FFF2-40B4-BE49-F238E27FC236}">
+                <a16:creationId xmlns:a16="http://schemas.microsoft.com/office/drawing/2014/main" id="{D6571417-7F23-4252-85F3-4FA78315AB54}"/>
               </a:ext>
             </a:extLst>
           </p:cNvPr>
           <p:cNvCxnSpPr>
             <a:cxnSpLocks/>
-            <a:stCxn id="10" idx="3"/>
-            <a:endCxn id="67" idx="1"/>
+            <a:stCxn id="24" idx="3"/>
+            <a:endCxn id="46" idx="1"/>
           </p:cNvCxnSpPr>
           <p:nvPr/>
         </p:nvCxnSpPr>
@@ -6699,16 +7528,16 @@
       </p:cxnSp>
       <p:cxnSp>
         <p:nvCxnSpPr>
-          <p:cNvPr id="56" name="直線單箭頭接點 55">
-            <a:extLst>
-              <a:ext uri="{FF2B5EF4-FFF2-40B4-BE49-F238E27FC236}">
-                <a16:creationId xmlns:a16="http://schemas.microsoft.com/office/drawing/2014/main" id="{1DD1ED3A-0531-41AA-BE83-525FC3921F92}"/>
+          <p:cNvPr id="28" name="直線單箭頭接點 27">
+            <a:extLst>
+              <a:ext uri="{FF2B5EF4-FFF2-40B4-BE49-F238E27FC236}">
+                <a16:creationId xmlns:a16="http://schemas.microsoft.com/office/drawing/2014/main" id="{D90AB255-14AF-4349-8B43-FA0808F2D1A6}"/>
               </a:ext>
             </a:extLst>
           </p:cNvPr>
           <p:cNvCxnSpPr>
             <a:cxnSpLocks/>
-            <a:endCxn id="10" idx="1"/>
+            <a:endCxn id="24" idx="1"/>
           </p:cNvCxnSpPr>
           <p:nvPr/>
         </p:nvCxnSpPr>
@@ -6744,10 +7573,10 @@
       </p:cxnSp>
       <p:sp>
         <p:nvSpPr>
-          <p:cNvPr id="60" name="文字方塊 59">
-            <a:extLst>
-              <a:ext uri="{FF2B5EF4-FFF2-40B4-BE49-F238E27FC236}">
-                <a16:creationId xmlns:a16="http://schemas.microsoft.com/office/drawing/2014/main" id="{0B9A562B-8B08-4A01-965C-1577264FAA9D}"/>
+          <p:cNvPr id="29" name="文字方塊 28">
+            <a:extLst>
+              <a:ext uri="{FF2B5EF4-FFF2-40B4-BE49-F238E27FC236}">
+                <a16:creationId xmlns:a16="http://schemas.microsoft.com/office/drawing/2014/main" id="{092B7220-FCEC-458B-90F5-B3BA9ACE6516}"/>
               </a:ext>
             </a:extLst>
           </p:cNvPr>
@@ -6771,13 +7600,6 @@
           <a:lstStyle/>
           <a:p>
             <a:r>
-              <a:rPr lang="en-US" altLang="zh-TW" sz="1500" dirty="0">
-                <a:latin typeface="標楷體" panose="03000509000000000000" pitchFamily="65" charset="-120"/>
-                <a:ea typeface="標楷體" panose="03000509000000000000" pitchFamily="65" charset="-120"/>
-              </a:rPr>
-              <a:t>Web</a:t>
-            </a:r>
-            <a:r>
               <a:rPr lang="zh-TW" altLang="en-US" sz="1500" dirty="0">
                 <a:latin typeface="標楷體" panose="03000509000000000000" pitchFamily="65" charset="-120"/>
                 <a:ea typeface="標楷體" panose="03000509000000000000" pitchFamily="65" charset="-120"/>
@@ -6789,10 +7611,10 @@
       </p:sp>
       <p:sp>
         <p:nvSpPr>
-          <p:cNvPr id="62" name="文字方塊 61">
-            <a:extLst>
-              <a:ext uri="{FF2B5EF4-FFF2-40B4-BE49-F238E27FC236}">
-                <a16:creationId xmlns:a16="http://schemas.microsoft.com/office/drawing/2014/main" id="{19187B85-243F-459F-9E96-5E1AA787D6E2}"/>
+          <p:cNvPr id="30" name="文字方塊 29">
+            <a:extLst>
+              <a:ext uri="{FF2B5EF4-FFF2-40B4-BE49-F238E27FC236}">
+                <a16:creationId xmlns:a16="http://schemas.microsoft.com/office/drawing/2014/main" id="{F3F0EB90-7F22-404D-B3CF-259769F3A71D}"/>
               </a:ext>
             </a:extLst>
           </p:cNvPr>
@@ -6839,10 +7661,10 @@
       </p:sp>
       <p:sp>
         <p:nvSpPr>
-          <p:cNvPr id="112" name="矩形 111">
-            <a:extLst>
-              <a:ext uri="{FF2B5EF4-FFF2-40B4-BE49-F238E27FC236}">
-                <a16:creationId xmlns:a16="http://schemas.microsoft.com/office/drawing/2014/main" id="{BA92BABF-AC18-498E-A56E-4547EB3CFBED}"/>
+          <p:cNvPr id="32" name="矩形 31">
+            <a:extLst>
+              <a:ext uri="{FF2B5EF4-FFF2-40B4-BE49-F238E27FC236}">
+                <a16:creationId xmlns:a16="http://schemas.microsoft.com/office/drawing/2014/main" id="{732C6C68-A7F8-4F7B-AD06-9F2306DAB32C}"/>
               </a:ext>
             </a:extLst>
           </p:cNvPr>
@@ -6891,10 +7713,10 @@
       </p:sp>
       <p:sp>
         <p:nvSpPr>
-          <p:cNvPr id="123" name="矩形 122">
-            <a:extLst>
-              <a:ext uri="{FF2B5EF4-FFF2-40B4-BE49-F238E27FC236}">
-                <a16:creationId xmlns:a16="http://schemas.microsoft.com/office/drawing/2014/main" id="{1A5A9994-BB3B-415A-86C9-E57A999A2778}"/>
+          <p:cNvPr id="33" name="矩形 32">
+            <a:extLst>
+              <a:ext uri="{FF2B5EF4-FFF2-40B4-BE49-F238E27FC236}">
+                <a16:creationId xmlns:a16="http://schemas.microsoft.com/office/drawing/2014/main" id="{764E6D82-4FF4-492B-BCFD-E8F91F9A21FE}"/>
               </a:ext>
             </a:extLst>
           </p:cNvPr>
@@ -6903,8 +7725,8 @@
         </p:nvSpPr>
         <p:spPr>
           <a:xfrm>
-            <a:off x="4962617" y="4261934"/>
-            <a:ext cx="5130242" cy="1875077"/>
+            <a:off x="3152035" y="4244795"/>
+            <a:ext cx="7115915" cy="1875077"/>
           </a:xfrm>
           <a:prstGeom prst="rect">
             <a:avLst/>
@@ -6943,10 +7765,10 @@
       </p:sp>
       <p:sp>
         <p:nvSpPr>
-          <p:cNvPr id="124" name="文字方塊 123">
-            <a:extLst>
-              <a:ext uri="{FF2B5EF4-FFF2-40B4-BE49-F238E27FC236}">
-                <a16:creationId xmlns:a16="http://schemas.microsoft.com/office/drawing/2014/main" id="{305CA858-2454-4733-BBD2-7F570CF8B295}"/>
+          <p:cNvPr id="34" name="文字方塊 33">
+            <a:extLst>
+              <a:ext uri="{FF2B5EF4-FFF2-40B4-BE49-F238E27FC236}">
+                <a16:creationId xmlns:a16="http://schemas.microsoft.com/office/drawing/2014/main" id="{ED93ACA4-05B8-4A8E-B5D0-6EE61A84F95C}"/>
               </a:ext>
             </a:extLst>
           </p:cNvPr>
@@ -6981,10 +7803,10 @@
       </p:sp>
       <p:sp>
         <p:nvSpPr>
-          <p:cNvPr id="125" name="文字方塊 124">
-            <a:extLst>
-              <a:ext uri="{FF2B5EF4-FFF2-40B4-BE49-F238E27FC236}">
-                <a16:creationId xmlns:a16="http://schemas.microsoft.com/office/drawing/2014/main" id="{E9C7BBF1-9CB7-4812-8A8C-3191F31E701C}"/>
+          <p:cNvPr id="35" name="文字方塊 34">
+            <a:extLst>
+              <a:ext uri="{FF2B5EF4-FFF2-40B4-BE49-F238E27FC236}">
+                <a16:creationId xmlns:a16="http://schemas.microsoft.com/office/drawing/2014/main" id="{F2B4432D-0D41-40B3-BD00-0E07F7DC3F60}"/>
               </a:ext>
             </a:extLst>
           </p:cNvPr>
@@ -7038,24 +7860,24 @@
       </p:sp>
       <p:cxnSp>
         <p:nvCxnSpPr>
-          <p:cNvPr id="126" name="直線單箭頭接點 125">
-            <a:extLst>
-              <a:ext uri="{FF2B5EF4-FFF2-40B4-BE49-F238E27FC236}">
-                <a16:creationId xmlns:a16="http://schemas.microsoft.com/office/drawing/2014/main" id="{D6080FAA-D32B-47B9-A7C0-FFECC48B37B3}"/>
+          <p:cNvPr id="36" name="直線單箭頭接點 35">
+            <a:extLst>
+              <a:ext uri="{FF2B5EF4-FFF2-40B4-BE49-F238E27FC236}">
+                <a16:creationId xmlns:a16="http://schemas.microsoft.com/office/drawing/2014/main" id="{04CAAC6A-6D09-40B9-8285-D69207B633F7}"/>
               </a:ext>
             </a:extLst>
           </p:cNvPr>
           <p:cNvCxnSpPr>
             <a:cxnSpLocks/>
-            <a:stCxn id="43" idx="1"/>
-            <a:endCxn id="130" idx="3"/>
+            <a:stCxn id="26" idx="1"/>
+            <a:endCxn id="37" idx="3"/>
           </p:cNvCxnSpPr>
           <p:nvPr/>
         </p:nvCxnSpPr>
         <p:spPr>
           <a:xfrm flipH="1">
-            <a:off x="4633537" y="5030999"/>
-            <a:ext cx="1303654" cy="5417"/>
+            <a:off x="2971605" y="5021434"/>
+            <a:ext cx="364824" cy="0"/>
           </a:xfrm>
           <a:prstGeom prst="straightConnector1">
             <a:avLst/>
@@ -7084,10 +7906,10 @@
       </p:cxnSp>
       <p:sp>
         <p:nvSpPr>
-          <p:cNvPr id="130" name="文字方塊 129">
-            <a:extLst>
-              <a:ext uri="{FF2B5EF4-FFF2-40B4-BE49-F238E27FC236}">
-                <a16:creationId xmlns:a16="http://schemas.microsoft.com/office/drawing/2014/main" id="{84F64844-FA6A-4357-A43D-5C61E9CAF995}"/>
+          <p:cNvPr id="37" name="文字方塊 36">
+            <a:extLst>
+              <a:ext uri="{FF2B5EF4-FFF2-40B4-BE49-F238E27FC236}">
+                <a16:creationId xmlns:a16="http://schemas.microsoft.com/office/drawing/2014/main" id="{D7A3D5F6-DDD8-4699-942E-8FAABF028A6C}"/>
               </a:ext>
             </a:extLst>
           </p:cNvPr>
@@ -7096,7 +7918,7 @@
         </p:nvSpPr>
         <p:spPr>
           <a:xfrm>
-            <a:off x="3478944" y="4851750"/>
+            <a:off x="1817012" y="4836768"/>
             <a:ext cx="1154593" cy="369332"/>
           </a:xfrm>
           <a:prstGeom prst="rect">
@@ -7125,10 +7947,10 @@
       </p:sp>
       <p:sp>
         <p:nvSpPr>
-          <p:cNvPr id="43" name="文字方塊 42">
-            <a:extLst>
-              <a:ext uri="{FF2B5EF4-FFF2-40B4-BE49-F238E27FC236}">
-                <a16:creationId xmlns:a16="http://schemas.microsoft.com/office/drawing/2014/main" id="{9F4B20EE-9F3E-4C15-885F-5141677FA317}"/>
+          <p:cNvPr id="38" name="文字方塊 37">
+            <a:extLst>
+              <a:ext uri="{FF2B5EF4-FFF2-40B4-BE49-F238E27FC236}">
+                <a16:creationId xmlns:a16="http://schemas.microsoft.com/office/drawing/2014/main" id="{CA21284A-06E1-47FE-AAD3-A035267806AB}"/>
               </a:ext>
             </a:extLst>
           </p:cNvPr>
@@ -7137,7 +7959,7 @@
         </p:nvSpPr>
         <p:spPr>
           <a:xfrm>
-            <a:off x="5937191" y="4846333"/>
+            <a:off x="6292579" y="4462868"/>
             <a:ext cx="1107996" cy="369332"/>
           </a:xfrm>
           <a:prstGeom prst="rect">
@@ -7161,17 +7983,17 @@
                 <a:latin typeface="標楷體" panose="03000509000000000000" pitchFamily="65" charset="-120"/>
                 <a:ea typeface="標楷體" panose="03000509000000000000" pitchFamily="65" charset="-120"/>
               </a:rPr>
-              <a:t>統計總價</a:t>
-            </a:r>
-          </a:p>
-        </p:txBody>
-      </p:sp>
-      <p:sp>
-        <p:nvSpPr>
-          <p:cNvPr id="64" name="文字方塊 63">
-            <a:extLst>
-              <a:ext uri="{FF2B5EF4-FFF2-40B4-BE49-F238E27FC236}">
-                <a16:creationId xmlns:a16="http://schemas.microsoft.com/office/drawing/2014/main" id="{1FBAB1DA-90C8-4CFA-BBB1-11195B28BDA9}"/>
+              <a:t>統計數量</a:t>
+            </a:r>
+          </a:p>
+        </p:txBody>
+      </p:sp>
+      <p:sp>
+        <p:nvSpPr>
+          <p:cNvPr id="39" name="文字方塊 38">
+            <a:extLst>
+              <a:ext uri="{FF2B5EF4-FFF2-40B4-BE49-F238E27FC236}">
+                <a16:creationId xmlns:a16="http://schemas.microsoft.com/office/drawing/2014/main" id="{65670FB8-063D-4D6E-85F4-B2BAD542418F}"/>
               </a:ext>
             </a:extLst>
           </p:cNvPr>
@@ -7180,8 +8002,8 @@
         </p:nvSpPr>
         <p:spPr>
           <a:xfrm>
-            <a:off x="5768213" y="3030996"/>
-            <a:ext cx="2073403" cy="523220"/>
+            <a:off x="6274440" y="5201532"/>
+            <a:ext cx="1107996" cy="369332"/>
           </a:xfrm>
           <a:prstGeom prst="rect">
             <a:avLst/>
@@ -7194,339 +8016,52 @@
           </a:ln>
         </p:spPr>
         <p:txBody>
-          <a:bodyPr wrap="square" rtlCol="0">
-            <a:spAutoFit/>
-          </a:bodyPr>
-          <a:lstStyle/>
-          <a:p>
-            <a:r>
-              <a:rPr lang="en-US" altLang="zh-TW" sz="1400" dirty="0" err="1">
-                <a:latin typeface="標楷體" panose="03000509000000000000" pitchFamily="65" charset="-120"/>
-                <a:ea typeface="標楷體" panose="03000509000000000000" pitchFamily="65" charset="-120"/>
-              </a:rPr>
-              <a:t>getStructringElenment</a:t>
-            </a:r>
-            <a:endParaRPr lang="en-US" altLang="zh-TW" sz="1400" dirty="0">
-              <a:latin typeface="標楷體" panose="03000509000000000000" pitchFamily="65" charset="-120"/>
-              <a:ea typeface="標楷體" panose="03000509000000000000" pitchFamily="65" charset="-120"/>
-            </a:endParaRPr>
-          </a:p>
-          <a:p>
-            <a:r>
-              <a:rPr lang="zh-TW" altLang="en-US" sz="1400" dirty="0">
-                <a:latin typeface="標楷體" panose="03000509000000000000" pitchFamily="65" charset="-120"/>
-                <a:ea typeface="標楷體" panose="03000509000000000000" pitchFamily="65" charset="-120"/>
-              </a:rPr>
-              <a:t>計算水平、垂直線</a:t>
-            </a:r>
-          </a:p>
-        </p:txBody>
-      </p:sp>
-      <p:sp>
-        <p:nvSpPr>
-          <p:cNvPr id="65" name="文字方塊 64">
-            <a:extLst>
-              <a:ext uri="{FF2B5EF4-FFF2-40B4-BE49-F238E27FC236}">
-                <a16:creationId xmlns:a16="http://schemas.microsoft.com/office/drawing/2014/main" id="{06BF98CD-82F9-48FB-814A-10AE1C5D257E}"/>
-              </a:ext>
-            </a:extLst>
-          </p:cNvPr>
-          <p:cNvSpPr txBox="1"/>
-          <p:nvPr/>
-        </p:nvSpPr>
-        <p:spPr>
-          <a:xfrm>
-            <a:off x="8607848" y="3038224"/>
-            <a:ext cx="1299586" cy="523220"/>
-          </a:xfrm>
-          <a:prstGeom prst="rect">
-            <a:avLst/>
-          </a:prstGeom>
-          <a:noFill/>
-          <a:ln w="28575">
-            <a:solidFill>
-              <a:schemeClr val="tx1"/>
-            </a:solidFill>
-          </a:ln>
-        </p:spPr>
-        <p:txBody>
-          <a:bodyPr wrap="square" rtlCol="0">
-            <a:spAutoFit/>
-          </a:bodyPr>
-          <a:lstStyle/>
-          <a:p>
-            <a:r>
-              <a:rPr lang="en-US" altLang="zh-TW" sz="1400" dirty="0" err="1">
-                <a:latin typeface="標楷體" panose="03000509000000000000" pitchFamily="65" charset="-120"/>
-                <a:ea typeface="標楷體" panose="03000509000000000000" pitchFamily="65" charset="-120"/>
-              </a:rPr>
-              <a:t>findContours</a:t>
-            </a:r>
-            <a:br>
-              <a:rPr lang="en-US" altLang="zh-TW" sz="1400" dirty="0">
-                <a:latin typeface="標楷體" panose="03000509000000000000" pitchFamily="65" charset="-120"/>
-                <a:ea typeface="標楷體" panose="03000509000000000000" pitchFamily="65" charset="-120"/>
-              </a:rPr>
-            </a:br>
-            <a:r>
-              <a:rPr lang="zh-TW" altLang="en-US" sz="1400" dirty="0">
-                <a:latin typeface="標楷體" panose="03000509000000000000" pitchFamily="65" charset="-120"/>
-                <a:ea typeface="標楷體" panose="03000509000000000000" pitchFamily="65" charset="-120"/>
-              </a:rPr>
-              <a:t>計算輪廓</a:t>
-            </a:r>
-          </a:p>
-        </p:txBody>
-      </p:sp>
-      <p:cxnSp>
-        <p:nvCxnSpPr>
-          <p:cNvPr id="66" name="直線單箭頭接點 65">
-            <a:extLst>
-              <a:ext uri="{FF2B5EF4-FFF2-40B4-BE49-F238E27FC236}">
-                <a16:creationId xmlns:a16="http://schemas.microsoft.com/office/drawing/2014/main" id="{709B8C64-29BE-46D4-915B-C2A809898DF3}"/>
-              </a:ext>
-            </a:extLst>
-          </p:cNvPr>
-          <p:cNvCxnSpPr>
-            <a:cxnSpLocks/>
-            <a:stCxn id="64" idx="3"/>
-            <a:endCxn id="65" idx="1"/>
-          </p:cNvCxnSpPr>
-          <p:nvPr/>
-        </p:nvCxnSpPr>
-        <p:spPr>
-          <a:xfrm>
-            <a:off x="7841616" y="3292606"/>
-            <a:ext cx="766232" cy="7228"/>
-          </a:xfrm>
-          <a:prstGeom prst="straightConnector1">
-            <a:avLst/>
-          </a:prstGeom>
-          <a:ln w="19050">
-            <a:solidFill>
-              <a:schemeClr val="tx1"/>
-            </a:solidFill>
-            <a:tailEnd type="triangle"/>
-          </a:ln>
-        </p:spPr>
-        <p:style>
-          <a:lnRef idx="1">
-            <a:schemeClr val="accent1"/>
-          </a:lnRef>
-          <a:fillRef idx="0">
-            <a:schemeClr val="accent1"/>
-          </a:fillRef>
-          <a:effectRef idx="0">
-            <a:schemeClr val="accent1"/>
-          </a:effectRef>
-          <a:fontRef idx="minor">
-            <a:schemeClr val="tx1"/>
-          </a:fontRef>
-        </p:style>
-      </p:cxnSp>
-      <p:sp>
-        <p:nvSpPr>
-          <p:cNvPr id="67" name="文字方塊 66">
-            <a:extLst>
-              <a:ext uri="{FF2B5EF4-FFF2-40B4-BE49-F238E27FC236}">
-                <a16:creationId xmlns:a16="http://schemas.microsoft.com/office/drawing/2014/main" id="{0DDC8CC5-AB45-4F34-A060-2BBC94F48F60}"/>
-              </a:ext>
-            </a:extLst>
-          </p:cNvPr>
-          <p:cNvSpPr txBox="1"/>
-          <p:nvPr/>
-        </p:nvSpPr>
-        <p:spPr>
-          <a:xfrm>
-            <a:off x="3527445" y="3119468"/>
-            <a:ext cx="1558696" cy="369332"/>
-          </a:xfrm>
-          <a:prstGeom prst="rect">
-            <a:avLst/>
-          </a:prstGeom>
-          <a:noFill/>
-          <a:ln w="28575">
-            <a:solidFill>
-              <a:schemeClr val="tx1"/>
-            </a:solidFill>
-          </a:ln>
-        </p:spPr>
-        <p:txBody>
-          <a:bodyPr wrap="square" rtlCol="0">
-            <a:spAutoFit/>
-          </a:bodyPr>
-          <a:lstStyle/>
-          <a:p>
-            <a:r>
-              <a:rPr lang="zh-TW" altLang="en-US" dirty="0">
-                <a:latin typeface="標楷體" panose="03000509000000000000" pitchFamily="65" charset="-120"/>
-                <a:ea typeface="標楷體" panose="03000509000000000000" pitchFamily="65" charset="-120"/>
-              </a:rPr>
-              <a:t>形態學除噪點</a:t>
-            </a:r>
-          </a:p>
-        </p:txBody>
-      </p:sp>
-      <p:cxnSp>
-        <p:nvCxnSpPr>
-          <p:cNvPr id="68" name="直線單箭頭接點 67">
-            <a:extLst>
-              <a:ext uri="{FF2B5EF4-FFF2-40B4-BE49-F238E27FC236}">
-                <a16:creationId xmlns:a16="http://schemas.microsoft.com/office/drawing/2014/main" id="{D9C27E48-BC1F-41A3-AF28-19EE1873A8B9}"/>
-              </a:ext>
-            </a:extLst>
-          </p:cNvPr>
-          <p:cNvCxnSpPr>
-            <a:cxnSpLocks/>
-            <a:stCxn id="67" idx="3"/>
-            <a:endCxn id="64" idx="1"/>
-          </p:cNvCxnSpPr>
-          <p:nvPr/>
-        </p:nvCxnSpPr>
-        <p:spPr>
-          <a:xfrm flipV="1">
-            <a:off x="5086141" y="3292606"/>
-            <a:ext cx="682072" cy="11528"/>
-          </a:xfrm>
-          <a:prstGeom prst="straightConnector1">
-            <a:avLst/>
-          </a:prstGeom>
-          <a:ln w="19050">
-            <a:solidFill>
-              <a:schemeClr val="tx1"/>
-            </a:solidFill>
-            <a:tailEnd type="triangle"/>
-          </a:ln>
-        </p:spPr>
-        <p:style>
-          <a:lnRef idx="1">
-            <a:schemeClr val="accent1"/>
-          </a:lnRef>
-          <a:fillRef idx="0">
-            <a:schemeClr val="accent1"/>
-          </a:fillRef>
-          <a:effectRef idx="0">
-            <a:schemeClr val="accent1"/>
-          </a:effectRef>
-          <a:fontRef idx="minor">
-            <a:schemeClr val="tx1"/>
-          </a:fontRef>
-        </p:style>
-      </p:cxnSp>
-      <p:sp>
-        <p:nvSpPr>
-          <p:cNvPr id="73" name="文字方塊 72">
-            <a:extLst>
-              <a:ext uri="{FF2B5EF4-FFF2-40B4-BE49-F238E27FC236}">
-                <a16:creationId xmlns:a16="http://schemas.microsoft.com/office/drawing/2014/main" id="{B0229193-4AC2-481E-886A-F0E5668EF4DD}"/>
-              </a:ext>
-            </a:extLst>
-          </p:cNvPr>
-          <p:cNvSpPr txBox="1"/>
-          <p:nvPr/>
-        </p:nvSpPr>
-        <p:spPr>
-          <a:xfrm>
-            <a:off x="7925526" y="4840601"/>
-            <a:ext cx="796821" cy="369332"/>
-          </a:xfrm>
-          <a:prstGeom prst="rect">
-            <a:avLst/>
-          </a:prstGeom>
-          <a:noFill/>
-          <a:ln w="28575">
-            <a:solidFill>
-              <a:schemeClr val="tx1"/>
-            </a:solidFill>
-          </a:ln>
-        </p:spPr>
-        <p:txBody>
           <a:bodyPr wrap="none" rtlCol="0">
             <a:spAutoFit/>
           </a:bodyPr>
           <a:lstStyle/>
           <a:p>
             <a:r>
-              <a:rPr lang="en-US" altLang="zh-TW" dirty="0">
-                <a:latin typeface="Times New Roman" panose="02020603050405020304" pitchFamily="18" charset="0"/>
-                <a:cs typeface="Times New Roman" panose="02020603050405020304" pitchFamily="18" charset="0"/>
-              </a:rPr>
-              <a:t>search</a:t>
-            </a:r>
-            <a:endParaRPr lang="zh-TW" altLang="en-US" dirty="0">
-              <a:latin typeface="Times New Roman" panose="02020603050405020304" pitchFamily="18" charset="0"/>
-              <a:cs typeface="Times New Roman" panose="02020603050405020304" pitchFamily="18" charset="0"/>
-            </a:endParaRPr>
-          </a:p>
-        </p:txBody>
-      </p:sp>
-      <p:sp>
-        <p:nvSpPr>
-          <p:cNvPr id="74" name="文字方塊 73">
-            <a:extLst>
-              <a:ext uri="{FF2B5EF4-FFF2-40B4-BE49-F238E27FC236}">
-                <a16:creationId xmlns:a16="http://schemas.microsoft.com/office/drawing/2014/main" id="{FC660A45-44D9-4C0E-B461-F9822F70CE03}"/>
-              </a:ext>
-            </a:extLst>
-          </p:cNvPr>
-          <p:cNvSpPr txBox="1"/>
-          <p:nvPr/>
-        </p:nvSpPr>
-        <p:spPr>
-          <a:xfrm>
-            <a:off x="8607848" y="4378936"/>
-            <a:ext cx="1806193" cy="461665"/>
-          </a:xfrm>
-          <a:prstGeom prst="rect">
-            <a:avLst/>
-          </a:prstGeom>
-          <a:noFill/>
-        </p:spPr>
-        <p:txBody>
-          <a:bodyPr wrap="square" rtlCol="0">
-            <a:spAutoFit/>
-          </a:bodyPr>
-          <a:lstStyle/>
-          <a:p>
-            <a:r>
-              <a:rPr lang="zh-TW" altLang="en-US" sz="1200" dirty="0">
-                <a:latin typeface="標楷體" panose="03000509000000000000" pitchFamily="65" charset="-120"/>
-                <a:ea typeface="標楷體" panose="03000509000000000000" pitchFamily="65" charset="-120"/>
-              </a:rPr>
-              <a:t>找出較小方格，計算該方格中輪廓面積</a:t>
+              <a:rPr lang="zh-TW" altLang="en-US" dirty="0">
+                <a:latin typeface="標楷體" panose="03000509000000000000" pitchFamily="65" charset="-120"/>
+                <a:ea typeface="標楷體" panose="03000509000000000000" pitchFamily="65" charset="-120"/>
+              </a:rPr>
+              <a:t>單位價格</a:t>
             </a:r>
           </a:p>
         </p:txBody>
       </p:sp>
       <p:cxnSp>
         <p:nvCxnSpPr>
-          <p:cNvPr id="106" name="接點: 肘形 105">
-            <a:extLst>
-              <a:ext uri="{FF2B5EF4-FFF2-40B4-BE49-F238E27FC236}">
-                <a16:creationId xmlns:a16="http://schemas.microsoft.com/office/drawing/2014/main" id="{D26589C3-5924-4409-BBB8-D92C23D8E766}"/>
+          <p:cNvPr id="40" name="接點: 肘形 39">
+            <a:extLst>
+              <a:ext uri="{FF2B5EF4-FFF2-40B4-BE49-F238E27FC236}">
+                <a16:creationId xmlns:a16="http://schemas.microsoft.com/office/drawing/2014/main" id="{65A46207-F451-40E7-A357-1E0B9950A736}"/>
               </a:ext>
             </a:extLst>
           </p:cNvPr>
           <p:cNvCxnSpPr>
-            <a:stCxn id="65" idx="3"/>
-            <a:endCxn id="73" idx="3"/>
+            <a:cxnSpLocks/>
+            <a:stCxn id="38" idx="3"/>
+            <a:endCxn id="39" idx="3"/>
           </p:cNvCxnSpPr>
           <p:nvPr/>
         </p:nvCxnSpPr>
         <p:spPr>
           <a:xfrm flipH="1">
-            <a:off x="8722347" y="3299834"/>
-            <a:ext cx="1185087" cy="1725433"/>
+            <a:off x="7382438" y="4647534"/>
+            <a:ext cx="13246" cy="738664"/>
           </a:xfrm>
           <a:prstGeom prst="bentConnector3">
             <a:avLst>
-              <a:gd name="adj1" fmla="val -74725"/>
+              <a:gd name="adj1" fmla="val -1260268"/>
             </a:avLst>
           </a:prstGeom>
           <a:ln w="19050">
             <a:solidFill>
               <a:schemeClr val="tx1"/>
             </a:solidFill>
+            <a:headEnd type="triangle"/>
             <a:tailEnd type="triangle"/>
           </a:ln>
         </p:spPr>
@@ -7547,27 +8082,392 @@
       </p:cxnSp>
       <p:cxnSp>
         <p:nvCxnSpPr>
-          <p:cNvPr id="31" name="直線單箭頭接點 30">
-            <a:extLst>
-              <a:ext uri="{FF2B5EF4-FFF2-40B4-BE49-F238E27FC236}">
-                <a16:creationId xmlns:a16="http://schemas.microsoft.com/office/drawing/2014/main" id="{0C5C37C6-1155-4004-9299-4C10DC229550}"/>
+          <p:cNvPr id="41" name="接點: 肘形 40">
+            <a:extLst>
+              <a:ext uri="{FF2B5EF4-FFF2-40B4-BE49-F238E27FC236}">
+                <a16:creationId xmlns:a16="http://schemas.microsoft.com/office/drawing/2014/main" id="{0A3EAE29-23A9-476D-B773-62BDA46E3BEA}"/>
               </a:ext>
             </a:extLst>
           </p:cNvPr>
           <p:cNvCxnSpPr>
-            <a:cxnSpLocks/>
-            <a:stCxn id="73" idx="1"/>
-            <a:endCxn id="43" idx="3"/>
+            <a:stCxn id="38" idx="1"/>
+            <a:endCxn id="39" idx="1"/>
           </p:cNvCxnSpPr>
           <p:nvPr/>
         </p:nvCxnSpPr>
         <p:spPr>
-          <a:xfrm flipH="1">
-            <a:off x="7045187" y="5025267"/>
-            <a:ext cx="880339" cy="5732"/>
+          <a:xfrm rot="10800000" flipV="1">
+            <a:off x="6274441" y="4647534"/>
+            <a:ext cx="18139" cy="738664"/>
+          </a:xfrm>
+          <a:prstGeom prst="bentConnector3">
+            <a:avLst>
+              <a:gd name="adj1" fmla="val 1360268"/>
+            </a:avLst>
+          </a:prstGeom>
+          <a:ln w="19050">
+            <a:solidFill>
+              <a:schemeClr val="tx1"/>
+            </a:solidFill>
+          </a:ln>
+        </p:spPr>
+        <p:style>
+          <a:lnRef idx="1">
+            <a:schemeClr val="accent1"/>
+          </a:lnRef>
+          <a:fillRef idx="0">
+            <a:schemeClr val="accent1"/>
+          </a:fillRef>
+          <a:effectRef idx="0">
+            <a:schemeClr val="accent1"/>
+          </a:effectRef>
+          <a:fontRef idx="minor">
+            <a:schemeClr val="tx1"/>
+          </a:fontRef>
+        </p:style>
+      </p:cxnSp>
+      <p:sp>
+        <p:nvSpPr>
+          <p:cNvPr id="44" name="文字方塊 43">
+            <a:extLst>
+              <a:ext uri="{FF2B5EF4-FFF2-40B4-BE49-F238E27FC236}">
+                <a16:creationId xmlns:a16="http://schemas.microsoft.com/office/drawing/2014/main" id="{5A5C2D79-7AEC-4266-A6BF-423FB48B2830}"/>
+              </a:ext>
+            </a:extLst>
+          </p:cNvPr>
+          <p:cNvSpPr txBox="1"/>
+          <p:nvPr/>
+        </p:nvSpPr>
+        <p:spPr>
+          <a:xfrm>
+            <a:off x="5914299" y="3035350"/>
+            <a:ext cx="1299586" cy="523220"/>
+          </a:xfrm>
+          <a:prstGeom prst="rect">
+            <a:avLst/>
+          </a:prstGeom>
+          <a:noFill/>
+          <a:ln w="28575">
+            <a:solidFill>
+              <a:schemeClr val="tx1"/>
+            </a:solidFill>
+          </a:ln>
+        </p:spPr>
+        <p:txBody>
+          <a:bodyPr wrap="square" rtlCol="0">
+            <a:spAutoFit/>
+          </a:bodyPr>
+          <a:lstStyle/>
+          <a:p>
+            <a:r>
+              <a:rPr lang="en-US" altLang="zh-TW" sz="1400" dirty="0" err="1">
+                <a:latin typeface="標楷體" panose="03000509000000000000" pitchFamily="65" charset="-120"/>
+                <a:ea typeface="標楷體" panose="03000509000000000000" pitchFamily="65" charset="-120"/>
+              </a:rPr>
+              <a:t>findContours</a:t>
+            </a:r>
+            <a:br>
+              <a:rPr lang="en-US" altLang="zh-TW" sz="1400" dirty="0">
+                <a:latin typeface="標楷體" panose="03000509000000000000" pitchFamily="65" charset="-120"/>
+                <a:ea typeface="標楷體" panose="03000509000000000000" pitchFamily="65" charset="-120"/>
+              </a:rPr>
+            </a:br>
+            <a:r>
+              <a:rPr lang="zh-TW" altLang="en-US" sz="1400" dirty="0">
+                <a:latin typeface="標楷體" panose="03000509000000000000" pitchFamily="65" charset="-120"/>
+                <a:ea typeface="標楷體" panose="03000509000000000000" pitchFamily="65" charset="-120"/>
+              </a:rPr>
+              <a:t>計算輪廓</a:t>
+            </a:r>
+          </a:p>
+        </p:txBody>
+      </p:sp>
+      <p:sp>
+        <p:nvSpPr>
+          <p:cNvPr id="46" name="文字方塊 45">
+            <a:extLst>
+              <a:ext uri="{FF2B5EF4-FFF2-40B4-BE49-F238E27FC236}">
+                <a16:creationId xmlns:a16="http://schemas.microsoft.com/office/drawing/2014/main" id="{F1F4FAF3-DEB2-4517-BB35-98BBE0147B66}"/>
+              </a:ext>
+            </a:extLst>
+          </p:cNvPr>
+          <p:cNvSpPr txBox="1"/>
+          <p:nvPr/>
+        </p:nvSpPr>
+        <p:spPr>
+          <a:xfrm>
+            <a:off x="3527445" y="3119468"/>
+            <a:ext cx="1558696" cy="369332"/>
+          </a:xfrm>
+          <a:prstGeom prst="rect">
+            <a:avLst/>
+          </a:prstGeom>
+          <a:noFill/>
+          <a:ln w="28575">
+            <a:solidFill>
+              <a:schemeClr val="tx1"/>
+            </a:solidFill>
+          </a:ln>
+        </p:spPr>
+        <p:txBody>
+          <a:bodyPr wrap="square" rtlCol="0">
+            <a:spAutoFit/>
+          </a:bodyPr>
+          <a:lstStyle/>
+          <a:p>
+            <a:r>
+              <a:rPr lang="zh-TW" altLang="en-US" dirty="0">
+                <a:latin typeface="標楷體" panose="03000509000000000000" pitchFamily="65" charset="-120"/>
+                <a:ea typeface="標楷體" panose="03000509000000000000" pitchFamily="65" charset="-120"/>
+              </a:rPr>
+              <a:t>形態學除噪點</a:t>
+            </a:r>
+          </a:p>
+        </p:txBody>
+      </p:sp>
+      <p:cxnSp>
+        <p:nvCxnSpPr>
+          <p:cNvPr id="47" name="直線單箭頭接點 46">
+            <a:extLst>
+              <a:ext uri="{FF2B5EF4-FFF2-40B4-BE49-F238E27FC236}">
+                <a16:creationId xmlns:a16="http://schemas.microsoft.com/office/drawing/2014/main" id="{F4CA393E-4EB2-412D-B5D8-161DE813D0D5}"/>
+              </a:ext>
+            </a:extLst>
+          </p:cNvPr>
+          <p:cNvCxnSpPr>
+            <a:cxnSpLocks/>
+            <a:stCxn id="46" idx="3"/>
+            <a:endCxn id="44" idx="1"/>
+          </p:cNvCxnSpPr>
+          <p:nvPr/>
+        </p:nvCxnSpPr>
+        <p:spPr>
+          <a:xfrm flipV="1">
+            <a:off x="5086141" y="3296960"/>
+            <a:ext cx="828158" cy="7174"/>
           </a:xfrm>
           <a:prstGeom prst="straightConnector1">
             <a:avLst/>
+          </a:prstGeom>
+          <a:ln w="19050">
+            <a:solidFill>
+              <a:schemeClr val="tx1"/>
+            </a:solidFill>
+            <a:tailEnd type="triangle"/>
+          </a:ln>
+        </p:spPr>
+        <p:style>
+          <a:lnRef idx="1">
+            <a:schemeClr val="accent1"/>
+          </a:lnRef>
+          <a:fillRef idx="0">
+            <a:schemeClr val="accent1"/>
+          </a:fillRef>
+          <a:effectRef idx="0">
+            <a:schemeClr val="accent1"/>
+          </a:effectRef>
+          <a:fontRef idx="minor">
+            <a:schemeClr val="tx1"/>
+          </a:fontRef>
+        </p:style>
+      </p:cxnSp>
+      <p:sp>
+        <p:nvSpPr>
+          <p:cNvPr id="48" name="文字方塊 47">
+            <a:extLst>
+              <a:ext uri="{FF2B5EF4-FFF2-40B4-BE49-F238E27FC236}">
+                <a16:creationId xmlns:a16="http://schemas.microsoft.com/office/drawing/2014/main" id="{BCA12A39-3A65-49EF-AB5C-4318A1E7CB0A}"/>
+              </a:ext>
+            </a:extLst>
+          </p:cNvPr>
+          <p:cNvSpPr txBox="1"/>
+          <p:nvPr/>
+        </p:nvSpPr>
+        <p:spPr>
+          <a:xfrm>
+            <a:off x="7925526" y="4840601"/>
+            <a:ext cx="796821" cy="369332"/>
+          </a:xfrm>
+          <a:prstGeom prst="rect">
+            <a:avLst/>
+          </a:prstGeom>
+          <a:noFill/>
+          <a:ln w="28575">
+            <a:solidFill>
+              <a:schemeClr val="tx1"/>
+            </a:solidFill>
+          </a:ln>
+        </p:spPr>
+        <p:txBody>
+          <a:bodyPr wrap="none" rtlCol="0">
+            <a:spAutoFit/>
+          </a:bodyPr>
+          <a:lstStyle/>
+          <a:p>
+            <a:r>
+              <a:rPr lang="en-US" altLang="zh-TW" dirty="0">
+                <a:latin typeface="Times New Roman" panose="02020603050405020304" pitchFamily="18" charset="0"/>
+                <a:cs typeface="Times New Roman" panose="02020603050405020304" pitchFamily="18" charset="0"/>
+              </a:rPr>
+              <a:t>search</a:t>
+            </a:r>
+            <a:endParaRPr lang="zh-TW" altLang="en-US" dirty="0">
+              <a:latin typeface="Times New Roman" panose="02020603050405020304" pitchFamily="18" charset="0"/>
+              <a:cs typeface="Times New Roman" panose="02020603050405020304" pitchFamily="18" charset="0"/>
+            </a:endParaRPr>
+          </a:p>
+        </p:txBody>
+      </p:sp>
+      <p:sp>
+        <p:nvSpPr>
+          <p:cNvPr id="49" name="文字方塊 48">
+            <a:extLst>
+              <a:ext uri="{FF2B5EF4-FFF2-40B4-BE49-F238E27FC236}">
+                <a16:creationId xmlns:a16="http://schemas.microsoft.com/office/drawing/2014/main" id="{ED9EB3D2-E974-410F-B810-ABFEC5035CE1}"/>
+              </a:ext>
+            </a:extLst>
+          </p:cNvPr>
+          <p:cNvSpPr txBox="1"/>
+          <p:nvPr/>
+        </p:nvSpPr>
+        <p:spPr>
+          <a:xfrm>
+            <a:off x="8607848" y="4378936"/>
+            <a:ext cx="1806193" cy="461665"/>
+          </a:xfrm>
+          <a:prstGeom prst="rect">
+            <a:avLst/>
+          </a:prstGeom>
+          <a:noFill/>
+        </p:spPr>
+        <p:txBody>
+          <a:bodyPr wrap="square" rtlCol="0">
+            <a:spAutoFit/>
+          </a:bodyPr>
+          <a:lstStyle/>
+          <a:p>
+            <a:r>
+              <a:rPr lang="zh-TW" altLang="en-US" sz="1200" dirty="0">
+                <a:latin typeface="標楷體" panose="03000509000000000000" pitchFamily="65" charset="-120"/>
+                <a:ea typeface="標楷體" panose="03000509000000000000" pitchFamily="65" charset="-120"/>
+              </a:rPr>
+              <a:t>找出較小方格，計算該方格中輪廓面積</a:t>
+            </a:r>
+          </a:p>
+        </p:txBody>
+      </p:sp>
+      <p:cxnSp>
+        <p:nvCxnSpPr>
+          <p:cNvPr id="51" name="直線單箭頭接點 50">
+            <a:extLst>
+              <a:ext uri="{FF2B5EF4-FFF2-40B4-BE49-F238E27FC236}">
+                <a16:creationId xmlns:a16="http://schemas.microsoft.com/office/drawing/2014/main" id="{A01D4003-2063-4A9A-B504-DA9F9AE5B4D7}"/>
+              </a:ext>
+            </a:extLst>
+          </p:cNvPr>
+          <p:cNvCxnSpPr>
+            <a:cxnSpLocks/>
+            <a:endCxn id="26" idx="3"/>
+          </p:cNvCxnSpPr>
+          <p:nvPr/>
+        </p:nvCxnSpPr>
+        <p:spPr>
+          <a:xfrm flipH="1">
+            <a:off x="5136922" y="5021434"/>
+            <a:ext cx="895336" cy="0"/>
+          </a:xfrm>
+          <a:prstGeom prst="straightConnector1">
+            <a:avLst/>
+          </a:prstGeom>
+          <a:ln w="19050">
+            <a:solidFill>
+              <a:schemeClr val="tx1"/>
+            </a:solidFill>
+            <a:tailEnd type="triangle"/>
+          </a:ln>
+        </p:spPr>
+        <p:style>
+          <a:lnRef idx="1">
+            <a:schemeClr val="accent1"/>
+          </a:lnRef>
+          <a:fillRef idx="0">
+            <a:schemeClr val="accent1"/>
+          </a:fillRef>
+          <a:effectRef idx="0">
+            <a:schemeClr val="accent1"/>
+          </a:effectRef>
+          <a:fontRef idx="minor">
+            <a:schemeClr val="tx1"/>
+          </a:fontRef>
+        </p:style>
+      </p:cxnSp>
+      <p:cxnSp>
+        <p:nvCxnSpPr>
+          <p:cNvPr id="52" name="直線接點 51">
+            <a:extLst>
+              <a:ext uri="{FF2B5EF4-FFF2-40B4-BE49-F238E27FC236}">
+                <a16:creationId xmlns:a16="http://schemas.microsoft.com/office/drawing/2014/main" id="{379FF990-1289-4446-8CDF-F268DFC97A2F}"/>
+              </a:ext>
+            </a:extLst>
+          </p:cNvPr>
+          <p:cNvCxnSpPr>
+            <a:stCxn id="48" idx="1"/>
+          </p:cNvCxnSpPr>
+          <p:nvPr/>
+        </p:nvCxnSpPr>
+        <p:spPr>
+          <a:xfrm flipH="1" flipV="1">
+            <a:off x="7580478" y="5021434"/>
+            <a:ext cx="345048" cy="3833"/>
+          </a:xfrm>
+          <a:prstGeom prst="line">
+            <a:avLst/>
+          </a:prstGeom>
+          <a:ln w="19050">
+            <a:solidFill>
+              <a:schemeClr val="tx1"/>
+            </a:solidFill>
+          </a:ln>
+        </p:spPr>
+        <p:style>
+          <a:lnRef idx="1">
+            <a:schemeClr val="accent1"/>
+          </a:lnRef>
+          <a:fillRef idx="0">
+            <a:schemeClr val="accent1"/>
+          </a:fillRef>
+          <a:effectRef idx="0">
+            <a:schemeClr val="accent1"/>
+          </a:effectRef>
+          <a:fontRef idx="minor">
+            <a:schemeClr val="tx1"/>
+          </a:fontRef>
+        </p:style>
+      </p:cxnSp>
+      <p:cxnSp>
+        <p:nvCxnSpPr>
+          <p:cNvPr id="53" name="接點: 肘形 52">
+            <a:extLst>
+              <a:ext uri="{FF2B5EF4-FFF2-40B4-BE49-F238E27FC236}">
+                <a16:creationId xmlns:a16="http://schemas.microsoft.com/office/drawing/2014/main" id="{4FAF754F-6BB8-4B2F-8633-C6F70CB346F5}"/>
+              </a:ext>
+            </a:extLst>
+          </p:cNvPr>
+          <p:cNvCxnSpPr>
+            <a:stCxn id="44" idx="3"/>
+            <a:endCxn id="48" idx="3"/>
+          </p:cNvCxnSpPr>
+          <p:nvPr/>
+        </p:nvCxnSpPr>
+        <p:spPr>
+          <a:xfrm>
+            <a:off x="7213885" y="3296960"/>
+            <a:ext cx="1508462" cy="1728307"/>
+          </a:xfrm>
+          <a:prstGeom prst="bentConnector3">
+            <a:avLst>
+              <a:gd name="adj1" fmla="val 217027"/>
+            </a:avLst>
           </a:prstGeom>
           <a:ln w="19050">
             <a:solidFill>
@@ -8248,6 +9148,218 @@
   <p:cSld>
     <p:spTree>
       <p:nvGrpSpPr>
+        <p:cNvPr id="1" name=""/>
+        <p:cNvGrpSpPr/>
+        <p:nvPr/>
+      </p:nvGrpSpPr>
+      <p:grpSpPr>
+        <a:xfrm>
+          <a:off x="0" y="0"/>
+          <a:ext cx="0" cy="0"/>
+          <a:chOff x="0" y="0"/>
+          <a:chExt cx="0" cy="0"/>
+        </a:xfrm>
+      </p:grpSpPr>
+      <p:sp>
+        <p:nvSpPr>
+          <p:cNvPr id="2" name="標題 1">
+            <a:extLst>
+              <a:ext uri="{FF2B5EF4-FFF2-40B4-BE49-F238E27FC236}">
+                <a16:creationId xmlns:a16="http://schemas.microsoft.com/office/drawing/2014/main" id="{9C61142A-858E-2FBC-D647-C4A0A4815142}"/>
+              </a:ext>
+            </a:extLst>
+          </p:cNvPr>
+          <p:cNvSpPr>
+            <a:spLocks noGrp="1"/>
+          </p:cNvSpPr>
+          <p:nvPr>
+            <p:ph type="title"/>
+          </p:nvPr>
+        </p:nvSpPr>
+        <p:spPr>
+          <a:xfrm>
+            <a:off x="838200" y="365125"/>
+            <a:ext cx="10515600" cy="978719"/>
+          </a:xfrm>
+        </p:spPr>
+        <p:txBody>
+          <a:bodyPr>
+            <a:normAutofit/>
+          </a:bodyPr>
+          <a:lstStyle/>
+          <a:p>
+            <a:r>
+              <a:rPr lang="zh-TW" altLang="en-US" sz="3200" dirty="0">
+                <a:latin typeface="標楷體" panose="03000509000000000000" pitchFamily="65" charset="-120"/>
+                <a:ea typeface="標楷體" panose="03000509000000000000" pitchFamily="65" charset="-120"/>
+              </a:rPr>
+              <a:t>二值化</a:t>
+            </a:r>
+          </a:p>
+        </p:txBody>
+      </p:sp>
+      <p:pic>
+        <p:nvPicPr>
+          <p:cNvPr id="9" name="圖片 8">
+            <a:extLst>
+              <a:ext uri="{FF2B5EF4-FFF2-40B4-BE49-F238E27FC236}">
+                <a16:creationId xmlns:a16="http://schemas.microsoft.com/office/drawing/2014/main" id="{8B487942-D377-4CE4-9593-28CC2800EC38}"/>
+              </a:ext>
+            </a:extLst>
+          </p:cNvPr>
+          <p:cNvPicPr>
+            <a:picLocks noChangeAspect="1"/>
+          </p:cNvPicPr>
+          <p:nvPr/>
+        </p:nvPicPr>
+        <p:blipFill>
+          <a:blip r:embed="rId2">
+            <a:extLst>
+              <a:ext uri="{28A0092B-C50C-407E-A947-70E740481C1C}">
+                <a14:useLocalDpi xmlns:a14="http://schemas.microsoft.com/office/drawing/2010/main" val="0"/>
+              </a:ext>
+            </a:extLst>
+          </a:blip>
+          <a:stretch>
+            <a:fillRect/>
+          </a:stretch>
+        </p:blipFill>
+        <p:spPr>
+          <a:xfrm>
+            <a:off x="1938853" y="1260716"/>
+            <a:ext cx="2324430" cy="4922322"/>
+          </a:xfrm>
+          <a:prstGeom prst="rect">
+            <a:avLst/>
+          </a:prstGeom>
+        </p:spPr>
+      </p:pic>
+      <p:pic>
+        <p:nvPicPr>
+          <p:cNvPr id="11" name="圖片 10">
+            <a:extLst>
+              <a:ext uri="{FF2B5EF4-FFF2-40B4-BE49-F238E27FC236}">
+                <a16:creationId xmlns:a16="http://schemas.microsoft.com/office/drawing/2014/main" id="{598C29B2-8927-419C-A2BF-DD50366D09A2}"/>
+              </a:ext>
+            </a:extLst>
+          </p:cNvPr>
+          <p:cNvPicPr>
+            <a:picLocks noChangeAspect="1"/>
+          </p:cNvPicPr>
+          <p:nvPr/>
+        </p:nvPicPr>
+        <p:blipFill>
+          <a:blip r:embed="rId3">
+            <a:extLst>
+              <a:ext uri="{28A0092B-C50C-407E-A947-70E740481C1C}">
+                <a14:useLocalDpi xmlns:a14="http://schemas.microsoft.com/office/drawing/2010/main" val="0"/>
+              </a:ext>
+            </a:extLst>
+          </a:blip>
+          <a:stretch>
+            <a:fillRect/>
+          </a:stretch>
+        </p:blipFill>
+        <p:spPr>
+          <a:xfrm>
+            <a:off x="7688366" y="1343844"/>
+            <a:ext cx="2324430" cy="4922323"/>
+          </a:xfrm>
+          <a:prstGeom prst="rect">
+            <a:avLst/>
+          </a:prstGeom>
+        </p:spPr>
+      </p:pic>
+      <p:sp>
+        <p:nvSpPr>
+          <p:cNvPr id="13" name="文字方塊 12">
+            <a:extLst>
+              <a:ext uri="{FF2B5EF4-FFF2-40B4-BE49-F238E27FC236}">
+                <a16:creationId xmlns:a16="http://schemas.microsoft.com/office/drawing/2014/main" id="{B1A2AFC1-5E85-4958-88CF-9066505CD0B7}"/>
+              </a:ext>
+            </a:extLst>
+          </p:cNvPr>
+          <p:cNvSpPr txBox="1"/>
+          <p:nvPr/>
+        </p:nvSpPr>
+        <p:spPr>
+          <a:xfrm>
+            <a:off x="1869440" y="6380480"/>
+            <a:ext cx="2255256" cy="369332"/>
+          </a:xfrm>
+          <a:prstGeom prst="rect">
+            <a:avLst/>
+          </a:prstGeom>
+          <a:noFill/>
+        </p:spPr>
+        <p:txBody>
+          <a:bodyPr wrap="square" rtlCol="0">
+            <a:spAutoFit/>
+          </a:bodyPr>
+          <a:lstStyle/>
+          <a:p>
+            <a:pPr algn="ctr"/>
+            <a:r>
+              <a:rPr lang="zh-TW" altLang="en-US" dirty="0"/>
+              <a:t>輸入</a:t>
+            </a:r>
+          </a:p>
+        </p:txBody>
+      </p:sp>
+      <p:sp>
+        <p:nvSpPr>
+          <p:cNvPr id="14" name="文字方塊 13">
+            <a:extLst>
+              <a:ext uri="{FF2B5EF4-FFF2-40B4-BE49-F238E27FC236}">
+                <a16:creationId xmlns:a16="http://schemas.microsoft.com/office/drawing/2014/main" id="{9A9EAA77-0661-4A51-8C01-D6CC08900889}"/>
+              </a:ext>
+            </a:extLst>
+          </p:cNvPr>
+          <p:cNvSpPr txBox="1"/>
+          <p:nvPr/>
+        </p:nvSpPr>
+        <p:spPr>
+          <a:xfrm>
+            <a:off x="7688366" y="6350185"/>
+            <a:ext cx="2255256" cy="369332"/>
+          </a:xfrm>
+          <a:prstGeom prst="rect">
+            <a:avLst/>
+          </a:prstGeom>
+          <a:noFill/>
+        </p:spPr>
+        <p:txBody>
+          <a:bodyPr wrap="square" rtlCol="0">
+            <a:spAutoFit/>
+          </a:bodyPr>
+          <a:lstStyle/>
+          <a:p>
+            <a:pPr algn="ctr"/>
+            <a:r>
+              <a:rPr lang="zh-TW" altLang="en-US" dirty="0"/>
+              <a:t>輸出</a:t>
+            </a:r>
+          </a:p>
+        </p:txBody>
+      </p:sp>
+    </p:spTree>
+    <p:extLst>
+      <p:ext uri="{BB962C8B-B14F-4D97-AF65-F5344CB8AC3E}">
+        <p14:creationId xmlns:p14="http://schemas.microsoft.com/office/powerpoint/2010/main" val="1035572340"/>
+      </p:ext>
+    </p:extLst>
+  </p:cSld>
+  <p:clrMapOvr>
+    <a:masterClrMapping/>
+  </p:clrMapOvr>
+</p:sld>
+</file>
+
+<file path=ppt/slides/slide7.xml><?xml version="1.0" encoding="utf-8"?>
+<p:sld xmlns:a="http://schemas.openxmlformats.org/drawingml/2006/main" xmlns:r="http://schemas.openxmlformats.org/officeDocument/2006/relationships" xmlns:p="http://schemas.openxmlformats.org/presentationml/2006/main">
+  <p:cSld>
+    <p:spTree>
+      <p:nvGrpSpPr>
         <p:cNvPr id="1" name="">
           <a:extLst>
             <a:ext uri="{FF2B5EF4-FFF2-40B4-BE49-F238E27FC236}">
@@ -8299,7 +9411,7 @@
                 <a:latin typeface="標楷體" panose="03000509000000000000" pitchFamily="65" charset="-120"/>
                 <a:ea typeface="標楷體" panose="03000509000000000000" pitchFamily="65" charset="-120"/>
               </a:rPr>
-              <a:t>形態學除噪點</a:t>
+              <a:t>形態學去除文字</a:t>
             </a:r>
           </a:p>
         </p:txBody>
@@ -8349,7 +9461,7 @@
                 <a:latin typeface="標楷體" panose="03000509000000000000" pitchFamily="65" charset="-120"/>
                 <a:ea typeface="標楷體" panose="03000509000000000000" pitchFamily="65" charset="-120"/>
               </a:rPr>
-              <a:t>使用形態學操作去除影像中的雜點，返回處理後的影像數據</a:t>
+              <a:t>使用形態學操作去除影像中的文字，返回處理後的影像數據</a:t>
             </a:r>
             <a:endParaRPr lang="en-US" altLang="zh-TW" sz="2000" dirty="0">
               <a:latin typeface="標楷體" panose="03000509000000000000" pitchFamily="65" charset="-120"/>
@@ -8467,42 +9579,8 @@
                 <a:latin typeface="標楷體" panose="03000509000000000000" pitchFamily="65" charset="-120"/>
                 <a:ea typeface="標楷體" panose="03000509000000000000" pitchFamily="65" charset="-120"/>
               </a:rPr>
-              <a:t>形態學操作處理後的影像數據（像素值為 </a:t>
-            </a:r>
-            <a:r>
-              <a:rPr lang="en-US" altLang="zh-TW" sz="2000" dirty="0">
-                <a:latin typeface="標楷體" panose="03000509000000000000" pitchFamily="65" charset="-120"/>
-                <a:ea typeface="標楷體" panose="03000509000000000000" pitchFamily="65" charset="-120"/>
-              </a:rPr>
-              <a:t>0 </a:t>
-            </a:r>
-            <a:r>
-              <a:rPr lang="zh-TW" altLang="en-US" sz="2000" dirty="0">
-                <a:latin typeface="標楷體" panose="03000509000000000000" pitchFamily="65" charset="-120"/>
-                <a:ea typeface="標楷體" panose="03000509000000000000" pitchFamily="65" charset="-120"/>
-              </a:rPr>
-              <a:t>或 </a:t>
-            </a:r>
-            <a:r>
-              <a:rPr lang="en-US" altLang="zh-TW" sz="2000" dirty="0">
-                <a:latin typeface="標楷體" panose="03000509000000000000" pitchFamily="65" charset="-120"/>
-                <a:ea typeface="標楷體" panose="03000509000000000000" pitchFamily="65" charset="-120"/>
-              </a:rPr>
-              <a:t>255</a:t>
-            </a:r>
-            <a:r>
-              <a:rPr lang="zh-TW" altLang="en-US" sz="2000" dirty="0">
-                <a:latin typeface="標楷體" panose="03000509000000000000" pitchFamily="65" charset="-120"/>
-                <a:ea typeface="標楷體" panose="03000509000000000000" pitchFamily="65" charset="-120"/>
-              </a:rPr>
-              <a:t>）</a:t>
-            </a:r>
-            <a:endParaRPr lang="en-US" altLang="zh-TW" sz="2000" dirty="0">
-              <a:latin typeface="標楷體" panose="03000509000000000000" pitchFamily="65" charset="-120"/>
-              <a:ea typeface="標楷體" panose="03000509000000000000" pitchFamily="65" charset="-120"/>
-            </a:endParaRPr>
-          </a:p>
-          <a:p>
+              <a:t>形態學操作處理後的影像數據</a:t>
+            </a:r>
             <a:endParaRPr lang="en-US" altLang="zh-TW" sz="2000" dirty="0">
               <a:latin typeface="標楷體" panose="03000509000000000000" pitchFamily="65" charset="-120"/>
               <a:ea typeface="標楷體" panose="03000509000000000000" pitchFamily="65" charset="-120"/>
@@ -8846,7 +9924,7 @@
 </p:sld>
 </file>
 
-<file path=ppt/slides/slide7.xml><?xml version="1.0" encoding="utf-8"?>
+<file path=ppt/slides/slide8.xml><?xml version="1.0" encoding="utf-8"?>
 <p:sld xmlns:a="http://schemas.openxmlformats.org/drawingml/2006/main" xmlns:r="http://schemas.openxmlformats.org/officeDocument/2006/relationships" xmlns:p="http://schemas.openxmlformats.org/presentationml/2006/main">
   <p:cSld>
     <p:spTree>
@@ -8854,7 +9932,7 @@
         <p:cNvPr id="1" name="">
           <a:extLst>
             <a:ext uri="{FF2B5EF4-FFF2-40B4-BE49-F238E27FC236}">
-              <a16:creationId xmlns:a16="http://schemas.microsoft.com/office/drawing/2014/main" id="{9D9F5196-DF70-8DBF-53C5-39474CC8D700}"/>
+              <a16:creationId xmlns:a16="http://schemas.microsoft.com/office/drawing/2014/main" id="{39B5616C-61A2-777D-8A43-B8F95ECB10F2}"/>
             </a:ext>
           </a:extLst>
         </p:cNvPr>
@@ -8874,7 +9952,7 @@
           <p:cNvPr id="2" name="標題 1">
             <a:extLst>
               <a:ext uri="{FF2B5EF4-FFF2-40B4-BE49-F238E27FC236}">
-                <a16:creationId xmlns:a16="http://schemas.microsoft.com/office/drawing/2014/main" id="{4EECDF3A-FBDA-8F7E-4A0A-D5BA6D918BC2}"/>
+                <a16:creationId xmlns:a16="http://schemas.microsoft.com/office/drawing/2014/main" id="{03A155EF-769B-5B61-F4EC-EA44A1B89B59}"/>
               </a:ext>
             </a:extLst>
           </p:cNvPr>
@@ -8893,1033 +9971,168 @@
         </p:spPr>
         <p:txBody>
           <a:bodyPr>
-            <a:normAutofit fontScale="90000"/>
+            <a:normAutofit/>
           </a:bodyPr>
           <a:lstStyle/>
           <a:p>
             <a:r>
-              <a:rPr lang="en-US" altLang="zh-TW" sz="3200" dirty="0" err="1">
-                <a:latin typeface="標楷體" panose="03000509000000000000" pitchFamily="65" charset="-120"/>
-                <a:ea typeface="標楷體" panose="03000509000000000000" pitchFamily="65" charset="-120"/>
-              </a:rPr>
-              <a:t>getStructringElenment</a:t>
-            </a:r>
-            <a:br>
-              <a:rPr lang="en-US" altLang="zh-TW" sz="3200" dirty="0">
-                <a:latin typeface="標楷體" panose="03000509000000000000" pitchFamily="65" charset="-120"/>
-                <a:ea typeface="標楷體" panose="03000509000000000000" pitchFamily="65" charset="-120"/>
-              </a:rPr>
-            </a:br>
-            <a:r>
               <a:rPr lang="zh-TW" altLang="en-US" sz="3200" dirty="0">
                 <a:latin typeface="標楷體" panose="03000509000000000000" pitchFamily="65" charset="-120"/>
                 <a:ea typeface="標楷體" panose="03000509000000000000" pitchFamily="65" charset="-120"/>
               </a:rPr>
-              <a:t>計算水平、垂直線</a:t>
-            </a:r>
-            <a:br>
-              <a:rPr lang="zh-TW" altLang="en-US" sz="3200" dirty="0">
-                <a:latin typeface="標楷體" panose="03000509000000000000" pitchFamily="65" charset="-120"/>
-                <a:ea typeface="標楷體" panose="03000509000000000000" pitchFamily="65" charset="-120"/>
-              </a:rPr>
-            </a:br>
-            <a:endParaRPr lang="zh-TW" altLang="en-US" sz="3200" dirty="0">
-              <a:latin typeface="標楷體" panose="03000509000000000000" pitchFamily="65" charset="-120"/>
-              <a:ea typeface="標楷體" panose="03000509000000000000" pitchFamily="65" charset="-120"/>
-            </a:endParaRPr>
-          </a:p>
-        </p:txBody>
-      </p:sp>
-      <p:sp>
-        <p:nvSpPr>
-          <p:cNvPr id="3" name="內容版面配置區 2">
-            <a:extLst>
-              <a:ext uri="{FF2B5EF4-FFF2-40B4-BE49-F238E27FC236}">
-                <a16:creationId xmlns:a16="http://schemas.microsoft.com/office/drawing/2014/main" id="{CC95F699-2F9C-8779-FE89-4295499483E6}"/>
-              </a:ext>
-            </a:extLst>
-          </p:cNvPr>
-          <p:cNvSpPr>
-            <a:spLocks noGrp="1"/>
-          </p:cNvSpPr>
-          <p:nvPr>
-            <p:ph idx="1"/>
-          </p:nvPr>
-        </p:nvSpPr>
+              <a:t>形態學去除文字</a:t>
+            </a:r>
+          </a:p>
+        </p:txBody>
+      </p:sp>
+      <p:pic>
+        <p:nvPicPr>
+          <p:cNvPr id="7" name="圖片 6">
+            <a:extLst>
+              <a:ext uri="{FF2B5EF4-FFF2-40B4-BE49-F238E27FC236}">
+                <a16:creationId xmlns:a16="http://schemas.microsoft.com/office/drawing/2014/main" id="{88DEB053-1BDD-496B-B152-F7192DE187E1}"/>
+              </a:ext>
+            </a:extLst>
+          </p:cNvPr>
+          <p:cNvPicPr>
+            <a:picLocks noChangeAspect="1"/>
+          </p:cNvPicPr>
+          <p:nvPr/>
+        </p:nvPicPr>
+        <p:blipFill>
+          <a:blip r:embed="rId2">
+            <a:extLst>
+              <a:ext uri="{28A0092B-C50C-407E-A947-70E740481C1C}">
+                <a14:useLocalDpi xmlns:a14="http://schemas.microsoft.com/office/drawing/2010/main" val="0"/>
+              </a:ext>
+            </a:extLst>
+          </a:blip>
+          <a:stretch>
+            <a:fillRect/>
+          </a:stretch>
+        </p:blipFill>
         <p:spPr>
           <a:xfrm>
-            <a:off x="838200" y="1343844"/>
-            <a:ext cx="10515600" cy="4351338"/>
-          </a:xfrm>
-        </p:spPr>
-        <p:txBody>
-          <a:bodyPr/>
+            <a:off x="1643826" y="1343844"/>
+            <a:ext cx="2324430" cy="4922323"/>
+          </a:xfrm>
+          <a:prstGeom prst="rect">
+            <a:avLst/>
+          </a:prstGeom>
+        </p:spPr>
+      </p:pic>
+      <p:sp>
+        <p:nvSpPr>
+          <p:cNvPr id="12" name="文字方塊 11">
+            <a:extLst>
+              <a:ext uri="{FF2B5EF4-FFF2-40B4-BE49-F238E27FC236}">
+                <a16:creationId xmlns:a16="http://schemas.microsoft.com/office/drawing/2014/main" id="{D725F390-53B5-414D-978D-619A308B8C2E}"/>
+              </a:ext>
+            </a:extLst>
+          </p:cNvPr>
+          <p:cNvSpPr txBox="1"/>
+          <p:nvPr/>
+        </p:nvSpPr>
+        <p:spPr>
+          <a:xfrm>
+            <a:off x="1869440" y="6380480"/>
+            <a:ext cx="2255256" cy="369332"/>
+          </a:xfrm>
+          <a:prstGeom prst="rect">
+            <a:avLst/>
+          </a:prstGeom>
+          <a:noFill/>
+        </p:spPr>
+        <p:txBody>
+          <a:bodyPr wrap="square" rtlCol="0">
+            <a:spAutoFit/>
+          </a:bodyPr>
           <a:lstStyle/>
           <a:p>
-            <a:r>
-              <a:rPr lang="zh-TW" altLang="en-US" sz="2000" dirty="0">
-                <a:latin typeface="標楷體" panose="03000509000000000000" pitchFamily="65" charset="-120"/>
-                <a:ea typeface="標楷體" panose="03000509000000000000" pitchFamily="65" charset="-120"/>
-              </a:rPr>
-              <a:t>功能描述 </a:t>
-            </a:r>
-            <a:r>
-              <a:rPr lang="en-US" altLang="zh-TW" sz="2000" dirty="0">
-                <a:latin typeface="標楷體" panose="03000509000000000000" pitchFamily="65" charset="-120"/>
-                <a:ea typeface="標楷體" panose="03000509000000000000" pitchFamily="65" charset="-120"/>
-              </a:rPr>
-              <a:t>:</a:t>
-            </a:r>
-            <a:r>
-              <a:rPr lang="zh-TW" altLang="en-US" sz="2000" dirty="0">
-                <a:latin typeface="標楷體" panose="03000509000000000000" pitchFamily="65" charset="-120"/>
-                <a:ea typeface="標楷體" panose="03000509000000000000" pitchFamily="65" charset="-120"/>
-              </a:rPr>
-              <a:t> 生成結構元素（水平線或垂直線）以用於形態學操作</a:t>
-            </a:r>
-            <a:endParaRPr lang="en-US" altLang="zh-TW" sz="2000" dirty="0">
-              <a:latin typeface="標楷體" panose="03000509000000000000" pitchFamily="65" charset="-120"/>
-              <a:ea typeface="標楷體" panose="03000509000000000000" pitchFamily="65" charset="-120"/>
-            </a:endParaRPr>
-          </a:p>
-          <a:p>
-            <a:r>
-              <a:rPr lang="zh-TW" altLang="en-US" sz="2000" dirty="0">
-                <a:latin typeface="標楷體" panose="03000509000000000000" pitchFamily="65" charset="-120"/>
-                <a:ea typeface="標楷體" panose="03000509000000000000" pitchFamily="65" charset="-120"/>
-              </a:rPr>
-              <a:t>函式</a:t>
-            </a:r>
-            <a:r>
-              <a:rPr lang="en-US" altLang="zh-TW" sz="2000" dirty="0">
-                <a:latin typeface="標楷體" panose="03000509000000000000" pitchFamily="65" charset="-120"/>
-                <a:ea typeface="標楷體" panose="03000509000000000000" pitchFamily="65" charset="-120"/>
-              </a:rPr>
-              <a:t>:</a:t>
-            </a:r>
-            <a:r>
-              <a:rPr lang="en-US" altLang="zh-TW" sz="2000" dirty="0">
-                <a:latin typeface="Times New Roman" panose="02020603050405020304" pitchFamily="18" charset="0"/>
-                <a:cs typeface="Times New Roman" panose="02020603050405020304" pitchFamily="18" charset="0"/>
-              </a:rPr>
-              <a:t>def </a:t>
-            </a:r>
-            <a:r>
-              <a:rPr lang="en-US" altLang="zh-TW" sz="2000" dirty="0" err="1">
-                <a:latin typeface="Times New Roman" panose="02020603050405020304" pitchFamily="18" charset="0"/>
-                <a:cs typeface="Times New Roman" panose="02020603050405020304" pitchFamily="18" charset="0"/>
-              </a:rPr>
-              <a:t>get_structuring_element</a:t>
-            </a:r>
-            <a:r>
-              <a:rPr lang="en-US" altLang="zh-TW" sz="2000" dirty="0">
-                <a:latin typeface="Times New Roman" panose="02020603050405020304" pitchFamily="18" charset="0"/>
-                <a:cs typeface="Times New Roman" panose="02020603050405020304" pitchFamily="18" charset="0"/>
-              </a:rPr>
-              <a:t>(shape: str, size: int) -&gt; </a:t>
-            </a:r>
-            <a:r>
-              <a:rPr lang="en-US" altLang="zh-TW" sz="2000" dirty="0" err="1">
-                <a:latin typeface="Times New Roman" panose="02020603050405020304" pitchFamily="18" charset="0"/>
-                <a:cs typeface="Times New Roman" panose="02020603050405020304" pitchFamily="18" charset="0"/>
-              </a:rPr>
-              <a:t>np.ndarray</a:t>
-            </a:r>
-            <a:r>
-              <a:rPr lang="en-US" altLang="zh-TW" sz="2000" dirty="0">
-                <a:latin typeface="Times New Roman" panose="02020603050405020304" pitchFamily="18" charset="0"/>
-                <a:cs typeface="Times New Roman" panose="02020603050405020304" pitchFamily="18" charset="0"/>
-              </a:rPr>
-              <a:t>:</a:t>
-            </a:r>
-          </a:p>
-          <a:p>
-            <a:endParaRPr lang="en-US" altLang="zh-TW" sz="2000" dirty="0">
-              <a:latin typeface="Times New Roman" panose="02020603050405020304" pitchFamily="18" charset="0"/>
-              <a:cs typeface="Times New Roman" panose="02020603050405020304" pitchFamily="18" charset="0"/>
-            </a:endParaRPr>
-          </a:p>
-          <a:p>
-            <a:endParaRPr lang="en-US" altLang="zh-TW" sz="2000" dirty="0">
-              <a:latin typeface="Times New Roman" panose="02020603050405020304" pitchFamily="18" charset="0"/>
-              <a:cs typeface="Times New Roman" panose="02020603050405020304" pitchFamily="18" charset="0"/>
-            </a:endParaRPr>
-          </a:p>
-          <a:p>
-            <a:endParaRPr lang="en-US" altLang="zh-TW" sz="2000" dirty="0">
-              <a:latin typeface="Times New Roman" panose="02020603050405020304" pitchFamily="18" charset="0"/>
-              <a:cs typeface="Times New Roman" panose="02020603050405020304" pitchFamily="18" charset="0"/>
-            </a:endParaRPr>
-          </a:p>
-          <a:p>
-            <a:endParaRPr lang="en-US" altLang="zh-TW" sz="2000" dirty="0">
-              <a:latin typeface="Times New Roman" panose="02020603050405020304" pitchFamily="18" charset="0"/>
-              <a:cs typeface="Times New Roman" panose="02020603050405020304" pitchFamily="18" charset="0"/>
-            </a:endParaRPr>
-          </a:p>
-          <a:p>
-            <a:r>
-              <a:rPr lang="zh-TW" altLang="en-US" sz="2000" dirty="0">
-                <a:latin typeface="標楷體" panose="03000509000000000000" pitchFamily="65" charset="-120"/>
-                <a:ea typeface="標楷體" panose="03000509000000000000" pitchFamily="65" charset="-120"/>
-                <a:cs typeface="Times New Roman" panose="02020603050405020304" pitchFamily="18" charset="0"/>
-              </a:rPr>
-              <a:t>返回值</a:t>
-            </a:r>
-            <a:r>
-              <a:rPr lang="en-US" altLang="zh-TW" sz="2000" dirty="0">
-                <a:latin typeface="Times New Roman" panose="02020603050405020304" pitchFamily="18" charset="0"/>
-                <a:cs typeface="Times New Roman" panose="02020603050405020304" pitchFamily="18" charset="0"/>
-              </a:rPr>
-              <a:t>:</a:t>
-            </a:r>
-            <a:r>
-              <a:rPr lang="en-US" altLang="zh-TW" sz="2000" dirty="0" err="1">
-                <a:latin typeface="Times New Roman" panose="02020603050405020304" pitchFamily="18" charset="0"/>
-                <a:cs typeface="Times New Roman" panose="02020603050405020304" pitchFamily="18" charset="0"/>
-              </a:rPr>
-              <a:t>np.ndarray</a:t>
-            </a:r>
-            <a:r>
-              <a:rPr lang="zh-TW" altLang="en-US" sz="2000" dirty="0">
-                <a:latin typeface="標楷體" panose="03000509000000000000" pitchFamily="65" charset="-120"/>
-                <a:ea typeface="標楷體" panose="03000509000000000000" pitchFamily="65" charset="-120"/>
-              </a:rPr>
-              <a:t>布林陣列，表示生成的結構元素。</a:t>
-            </a:r>
-            <a:endParaRPr lang="en-US" altLang="zh-TW" sz="2000" dirty="0">
-              <a:latin typeface="標楷體" panose="03000509000000000000" pitchFamily="65" charset="-120"/>
-              <a:ea typeface="標楷體" panose="03000509000000000000" pitchFamily="65" charset="-120"/>
-            </a:endParaRPr>
-          </a:p>
-          <a:p>
-            <a:endParaRPr lang="en-US" altLang="zh-TW" sz="2000" dirty="0">
-              <a:latin typeface="標楷體" panose="03000509000000000000" pitchFamily="65" charset="-120"/>
-              <a:ea typeface="標楷體" panose="03000509000000000000" pitchFamily="65" charset="-120"/>
-            </a:endParaRPr>
-          </a:p>
-          <a:p>
-            <a:endParaRPr lang="en-US" altLang="zh-TW" sz="2000" dirty="0">
-              <a:latin typeface="標楷體" panose="03000509000000000000" pitchFamily="65" charset="-120"/>
-              <a:ea typeface="標楷體" panose="03000509000000000000" pitchFamily="65" charset="-120"/>
-            </a:endParaRPr>
-          </a:p>
-          <a:p>
-            <a:endParaRPr lang="en-US" altLang="zh-TW" sz="2000" dirty="0">
-              <a:latin typeface="標楷體" panose="03000509000000000000" pitchFamily="65" charset="-120"/>
-              <a:ea typeface="標楷體" panose="03000509000000000000" pitchFamily="65" charset="-120"/>
-            </a:endParaRPr>
-          </a:p>
-          <a:p>
-            <a:endParaRPr lang="zh-TW" altLang="en-US" sz="2000" dirty="0">
-              <a:latin typeface="標楷體" panose="03000509000000000000" pitchFamily="65" charset="-120"/>
-              <a:ea typeface="標楷體" panose="03000509000000000000" pitchFamily="65" charset="-120"/>
-            </a:endParaRPr>
-          </a:p>
-        </p:txBody>
-      </p:sp>
-      <p:graphicFrame>
-        <p:nvGraphicFramePr>
-          <p:cNvPr id="4" name="表格 8">
-            <a:extLst>
-              <a:ext uri="{FF2B5EF4-FFF2-40B4-BE49-F238E27FC236}">
-                <a16:creationId xmlns:a16="http://schemas.microsoft.com/office/drawing/2014/main" id="{4A29D7A9-FD3B-DA36-8F0F-7001BC40D995}"/>
-              </a:ext>
-            </a:extLst>
-          </p:cNvPr>
-          <p:cNvGraphicFramePr>
-            <a:graphicFrameLocks noGrp="1"/>
-          </p:cNvGraphicFramePr>
-          <p:nvPr>
-            <p:extLst>
-              <p:ext uri="{D42A27DB-BD31-4B8C-83A1-F6EECF244321}">
-                <p14:modId xmlns:p14="http://schemas.microsoft.com/office/powerpoint/2010/main" val="1342161978"/>
-              </p:ext>
-            </p:extLst>
-          </p:nvPr>
-        </p:nvGraphicFramePr>
-        <p:xfrm>
-          <a:off x="1154639" y="2239516"/>
-          <a:ext cx="10929258" cy="1250444"/>
-        </p:xfrm>
-        <a:graphic>
-          <a:graphicData uri="http://schemas.openxmlformats.org/drawingml/2006/table">
-            <a:tbl>
-              <a:tblPr firstRow="1" bandRow="1">
-                <a:tableStyleId>{5C22544A-7EE6-4342-B048-85BDC9FD1C3A}</a:tableStyleId>
-              </a:tblPr>
-              <a:tblGrid>
-                <a:gridCol w="3224414">
-                  <a:extLst>
-                    <a:ext uri="{9D8B030D-6E8A-4147-A177-3AD203B41FA5}">
-                      <a16:colId xmlns:a16="http://schemas.microsoft.com/office/drawing/2014/main" val="175491985"/>
-                    </a:ext>
-                  </a:extLst>
-                </a:gridCol>
-                <a:gridCol w="1618624">
-                  <a:extLst>
-                    <a:ext uri="{9D8B030D-6E8A-4147-A177-3AD203B41FA5}">
-                      <a16:colId xmlns:a16="http://schemas.microsoft.com/office/drawing/2014/main" val="822259094"/>
-                    </a:ext>
-                  </a:extLst>
-                </a:gridCol>
-                <a:gridCol w="6086220">
-                  <a:extLst>
-                    <a:ext uri="{9D8B030D-6E8A-4147-A177-3AD203B41FA5}">
-                      <a16:colId xmlns:a16="http://schemas.microsoft.com/office/drawing/2014/main" val="4104166654"/>
-                    </a:ext>
-                  </a:extLst>
-                </a:gridCol>
-              </a:tblGrid>
-              <a:tr h="298300">
-                <a:tc>
-                  <a:txBody>
-                    <a:bodyPr/>
-                    <a:lstStyle/>
-                    <a:p>
-                      <a:r>
-                        <a:rPr lang="zh-TW" altLang="en-US" sz="1200" baseline="0" dirty="0">
-                          <a:latin typeface="標楷體" panose="03000509000000000000" pitchFamily="65" charset="-120"/>
-                          <a:ea typeface="標楷體" panose="03000509000000000000" pitchFamily="65" charset="-120"/>
-                        </a:rPr>
-                        <a:t>參數</a:t>
-                      </a:r>
-                    </a:p>
-                  </a:txBody>
-                  <a:tcPr/>
-                </a:tc>
-                <a:tc>
-                  <a:txBody>
-                    <a:bodyPr/>
-                    <a:lstStyle/>
-                    <a:p>
-                      <a:r>
-                        <a:rPr lang="zh-TW" altLang="en-US" sz="1200" baseline="0" dirty="0">
-                          <a:latin typeface="標楷體" panose="03000509000000000000" pitchFamily="65" charset="-120"/>
-                          <a:ea typeface="標楷體" panose="03000509000000000000" pitchFamily="65" charset="-120"/>
-                        </a:rPr>
-                        <a:t>類型</a:t>
-                      </a:r>
-                    </a:p>
-                  </a:txBody>
-                  <a:tcPr/>
-                </a:tc>
-                <a:tc>
-                  <a:txBody>
-                    <a:bodyPr/>
-                    <a:lstStyle/>
-                    <a:p>
-                      <a:r>
-                        <a:rPr lang="zh-TW" altLang="en-US" sz="1200" baseline="0" dirty="0">
-                          <a:latin typeface="標楷體" panose="03000509000000000000" pitchFamily="65" charset="-120"/>
-                          <a:ea typeface="標楷體" panose="03000509000000000000" pitchFamily="65" charset="-120"/>
-                        </a:rPr>
-                        <a:t>說明</a:t>
-                      </a:r>
-                    </a:p>
-                  </a:txBody>
-                  <a:tcPr/>
-                </a:tc>
-                <a:extLst>
-                  <a:ext uri="{0D108BD9-81ED-4DB2-BD59-A6C34878D82A}">
-                    <a16:rowId xmlns:a16="http://schemas.microsoft.com/office/drawing/2014/main" val="3131740815"/>
-                  </a:ext>
-                </a:extLst>
-              </a:tr>
-              <a:tr h="433984">
-                <a:tc>
-                  <a:txBody>
-                    <a:bodyPr/>
-                    <a:lstStyle/>
-                    <a:p>
-                      <a:r>
-                        <a:rPr lang="en-US" altLang="zh-TW" sz="1400" baseline="0" dirty="0">
-                          <a:latin typeface="Times New Roman" panose="02020603050405020304" pitchFamily="18" charset="0"/>
-                          <a:ea typeface="標楷體" panose="03000509000000000000" pitchFamily="65" charset="-120"/>
-                          <a:cs typeface="Times New Roman" panose="02020603050405020304" pitchFamily="18" charset="0"/>
-                        </a:rPr>
-                        <a:t>shape</a:t>
-                      </a:r>
-                    </a:p>
-                  </a:txBody>
-                  <a:tcPr/>
-                </a:tc>
-                <a:tc>
-                  <a:txBody>
-                    <a:bodyPr/>
-                    <a:lstStyle/>
-                    <a:p>
-                      <a:r>
-                        <a:rPr lang="en-US" altLang="zh-TW" sz="1400" dirty="0">
-                          <a:latin typeface="Times New Roman" panose="02020603050405020304" pitchFamily="18" charset="0"/>
-                          <a:cs typeface="Times New Roman" panose="02020603050405020304" pitchFamily="18" charset="0"/>
-                        </a:rPr>
-                        <a:t>str</a:t>
-                      </a:r>
-                      <a:endParaRPr lang="zh-TW" altLang="en-US" sz="1400" baseline="0" dirty="0">
-                        <a:latin typeface="Times New Roman" panose="02020603050405020304" pitchFamily="18" charset="0"/>
-                        <a:ea typeface="標楷體" panose="03000509000000000000" pitchFamily="65" charset="-120"/>
-                        <a:cs typeface="Times New Roman" panose="02020603050405020304" pitchFamily="18" charset="0"/>
-                      </a:endParaRPr>
-                    </a:p>
-                  </a:txBody>
-                  <a:tcPr/>
-                </a:tc>
-                <a:tc>
-                  <a:txBody>
-                    <a:bodyPr/>
-                    <a:lstStyle/>
-                    <a:p>
-                      <a:r>
-                        <a:rPr lang="zh-TW" altLang="en-US" sz="1400" dirty="0">
-                          <a:latin typeface="標楷體" panose="03000509000000000000" pitchFamily="65" charset="-120"/>
-                          <a:ea typeface="標楷體" panose="03000509000000000000" pitchFamily="65" charset="-120"/>
-                        </a:rPr>
-                        <a:t>結構元素的形狀，</a:t>
-                      </a:r>
-                      <a:r>
-                        <a:rPr lang="en-US" altLang="zh-TW" sz="1400" dirty="0">
-                          <a:latin typeface="標楷體" panose="03000509000000000000" pitchFamily="65" charset="-120"/>
-                          <a:ea typeface="標楷體" panose="03000509000000000000" pitchFamily="65" charset="-120"/>
-                        </a:rPr>
-                        <a:t>"</a:t>
-                      </a:r>
-                      <a:r>
-                        <a:rPr lang="en-US" altLang="zh-TW" sz="1400" dirty="0">
-                          <a:latin typeface="Times New Roman" panose="02020603050405020304" pitchFamily="18" charset="0"/>
-                          <a:ea typeface="標楷體" panose="03000509000000000000" pitchFamily="65" charset="-120"/>
-                          <a:cs typeface="Times New Roman" panose="02020603050405020304" pitchFamily="18" charset="0"/>
-                        </a:rPr>
-                        <a:t>horizontal</a:t>
-                      </a:r>
-                      <a:r>
-                        <a:rPr lang="en-US" altLang="zh-TW" sz="1400" dirty="0">
-                          <a:latin typeface="標楷體" panose="03000509000000000000" pitchFamily="65" charset="-120"/>
-                          <a:ea typeface="標楷體" panose="03000509000000000000" pitchFamily="65" charset="-120"/>
-                        </a:rPr>
-                        <a:t>" </a:t>
-                      </a:r>
-                      <a:r>
-                        <a:rPr lang="zh-TW" altLang="en-US" sz="1400" dirty="0">
-                          <a:latin typeface="標楷體" panose="03000509000000000000" pitchFamily="65" charset="-120"/>
-                          <a:ea typeface="標楷體" panose="03000509000000000000" pitchFamily="65" charset="-120"/>
-                        </a:rPr>
-                        <a:t>表示水平線，</a:t>
-                      </a:r>
-                      <a:r>
-                        <a:rPr lang="en-US" altLang="zh-TW" sz="1400" dirty="0">
-                          <a:latin typeface="標楷體" panose="03000509000000000000" pitchFamily="65" charset="-120"/>
-                          <a:ea typeface="標楷體" panose="03000509000000000000" pitchFamily="65" charset="-120"/>
-                        </a:rPr>
-                        <a:t>"</a:t>
-                      </a:r>
-                      <a:r>
-                        <a:rPr lang="en-US" altLang="zh-TW" sz="1400" dirty="0">
-                          <a:latin typeface="Times New Roman" panose="02020603050405020304" pitchFamily="18" charset="0"/>
-                          <a:ea typeface="標楷體" panose="03000509000000000000" pitchFamily="65" charset="-120"/>
-                          <a:cs typeface="Times New Roman" panose="02020603050405020304" pitchFamily="18" charset="0"/>
-                        </a:rPr>
-                        <a:t>vertical</a:t>
-                      </a:r>
-                      <a:r>
-                        <a:rPr lang="en-US" altLang="zh-TW" sz="1400" dirty="0">
-                          <a:latin typeface="標楷體" panose="03000509000000000000" pitchFamily="65" charset="-120"/>
-                          <a:ea typeface="標楷體" panose="03000509000000000000" pitchFamily="65" charset="-120"/>
-                        </a:rPr>
-                        <a:t>" </a:t>
-                      </a:r>
-                      <a:r>
-                        <a:rPr lang="zh-TW" altLang="en-US" sz="1400" dirty="0">
-                          <a:latin typeface="標楷體" panose="03000509000000000000" pitchFamily="65" charset="-120"/>
-                          <a:ea typeface="標楷體" panose="03000509000000000000" pitchFamily="65" charset="-120"/>
-                        </a:rPr>
-                        <a:t>表示垂直線。</a:t>
-                      </a:r>
-                      <a:endParaRPr lang="zh-TW" altLang="en-US" sz="1400" baseline="0" dirty="0">
-                        <a:latin typeface="標楷體" panose="03000509000000000000" pitchFamily="65" charset="-120"/>
-                        <a:ea typeface="標楷體" panose="03000509000000000000" pitchFamily="65" charset="-120"/>
-                        <a:cs typeface="Times New Roman" panose="02020603050405020304" pitchFamily="18" charset="0"/>
-                      </a:endParaRPr>
-                    </a:p>
-                  </a:txBody>
-                  <a:tcPr/>
-                </a:tc>
-                <a:extLst>
-                  <a:ext uri="{0D108BD9-81ED-4DB2-BD59-A6C34878D82A}">
-                    <a16:rowId xmlns:a16="http://schemas.microsoft.com/office/drawing/2014/main" val="2878939569"/>
-                  </a:ext>
-                </a:extLst>
-              </a:tr>
-              <a:tr h="307070">
-                <a:tc>
-                  <a:txBody>
-                    <a:bodyPr/>
-                    <a:lstStyle/>
-                    <a:p>
-                      <a:r>
-                        <a:rPr lang="en-US" altLang="zh-TW" sz="1400" dirty="0">
-                          <a:latin typeface="Times New Roman" panose="02020603050405020304" pitchFamily="18" charset="0"/>
-                          <a:cs typeface="Times New Roman" panose="02020603050405020304" pitchFamily="18" charset="0"/>
-                        </a:rPr>
-                        <a:t>size</a:t>
-                      </a:r>
-                    </a:p>
-                  </a:txBody>
-                  <a:tcPr/>
-                </a:tc>
-                <a:tc>
-                  <a:txBody>
-                    <a:bodyPr/>
-                    <a:lstStyle/>
-                    <a:p>
-                      <a:r>
-                        <a:rPr lang="en-US" altLang="zh-TW" sz="1400" dirty="0">
-                          <a:latin typeface="Times New Roman" panose="02020603050405020304" pitchFamily="18" charset="0"/>
-                          <a:cs typeface="Times New Roman" panose="02020603050405020304" pitchFamily="18" charset="0"/>
-                        </a:rPr>
-                        <a:t>int</a:t>
-                      </a:r>
-                    </a:p>
-                    <a:p>
-                      <a:endParaRPr lang="zh-TW" altLang="en-US" sz="1400" baseline="0" dirty="0">
-                        <a:latin typeface="Times New Roman" panose="02020603050405020304" pitchFamily="18" charset="0"/>
-                        <a:ea typeface="標楷體" panose="03000509000000000000" pitchFamily="65" charset="-120"/>
-                        <a:cs typeface="Times New Roman" panose="02020603050405020304" pitchFamily="18" charset="0"/>
-                      </a:endParaRPr>
-                    </a:p>
-                  </a:txBody>
-                  <a:tcPr/>
-                </a:tc>
-                <a:tc>
-                  <a:txBody>
-                    <a:bodyPr/>
-                    <a:lstStyle/>
-                    <a:p>
-                      <a:r>
-                        <a:rPr lang="zh-TW" altLang="en-US" sz="1400" dirty="0">
-                          <a:latin typeface="標楷體" panose="03000509000000000000" pitchFamily="65" charset="-120"/>
-                          <a:ea typeface="標楷體" panose="03000509000000000000" pitchFamily="65" charset="-120"/>
-                        </a:rPr>
-                        <a:t>結構元素的大小（必須為正整數）。</a:t>
-                      </a:r>
-                    </a:p>
-                  </a:txBody>
-                  <a:tcPr/>
-                </a:tc>
-                <a:extLst>
-                  <a:ext uri="{0D108BD9-81ED-4DB2-BD59-A6C34878D82A}">
-                    <a16:rowId xmlns:a16="http://schemas.microsoft.com/office/drawing/2014/main" val="1245640404"/>
-                  </a:ext>
-                </a:extLst>
-              </a:tr>
-            </a:tbl>
-          </a:graphicData>
-        </a:graphic>
-      </p:graphicFrame>
+            <a:pPr algn="ctr"/>
+            <a:r>
+              <a:rPr lang="zh-TW" altLang="en-US" dirty="0"/>
+              <a:t>輸入</a:t>
+            </a:r>
+          </a:p>
+        </p:txBody>
+      </p:sp>
+      <p:sp>
+        <p:nvSpPr>
+          <p:cNvPr id="13" name="文字方塊 12">
+            <a:extLst>
+              <a:ext uri="{FF2B5EF4-FFF2-40B4-BE49-F238E27FC236}">
+                <a16:creationId xmlns:a16="http://schemas.microsoft.com/office/drawing/2014/main" id="{58B3639A-E767-4630-8D47-577B96C1434C}"/>
+              </a:ext>
+            </a:extLst>
+          </p:cNvPr>
+          <p:cNvSpPr txBox="1"/>
+          <p:nvPr/>
+        </p:nvSpPr>
+        <p:spPr>
+          <a:xfrm>
+            <a:off x="7946289" y="6308209"/>
+            <a:ext cx="2255256" cy="369332"/>
+          </a:xfrm>
+          <a:prstGeom prst="rect">
+            <a:avLst/>
+          </a:prstGeom>
+          <a:noFill/>
+        </p:spPr>
+        <p:txBody>
+          <a:bodyPr wrap="square" rtlCol="0">
+            <a:spAutoFit/>
+          </a:bodyPr>
+          <a:lstStyle/>
+          <a:p>
+            <a:pPr algn="ctr"/>
+            <a:r>
+              <a:rPr lang="zh-TW" altLang="en-US" dirty="0"/>
+              <a:t>輸出</a:t>
+            </a:r>
+          </a:p>
+        </p:txBody>
+      </p:sp>
+      <p:pic>
+        <p:nvPicPr>
+          <p:cNvPr id="15" name="圖片 14">
+            <a:extLst>
+              <a:ext uri="{FF2B5EF4-FFF2-40B4-BE49-F238E27FC236}">
+                <a16:creationId xmlns:a16="http://schemas.microsoft.com/office/drawing/2014/main" id="{6C234DD4-2393-42BC-ADAB-1551EED88ACD}"/>
+              </a:ext>
+            </a:extLst>
+          </p:cNvPr>
+          <p:cNvPicPr>
+            <a:picLocks noChangeAspect="1"/>
+          </p:cNvPicPr>
+          <p:nvPr/>
+        </p:nvPicPr>
+        <p:blipFill>
+          <a:blip r:embed="rId3">
+            <a:extLst>
+              <a:ext uri="{28A0092B-C50C-407E-A947-70E740481C1C}">
+                <a14:useLocalDpi xmlns:a14="http://schemas.microsoft.com/office/drawing/2010/main" val="0"/>
+              </a:ext>
+            </a:extLst>
+          </a:blip>
+          <a:stretch>
+            <a:fillRect/>
+          </a:stretch>
+        </p:blipFill>
+        <p:spPr>
+          <a:xfrm>
+            <a:off x="7946289" y="1343844"/>
+            <a:ext cx="2238798" cy="4740985"/>
+          </a:xfrm>
+          <a:prstGeom prst="rect">
+            <a:avLst/>
+          </a:prstGeom>
+        </p:spPr>
+      </p:pic>
     </p:spTree>
     <p:extLst>
       <p:ext uri="{BB962C8B-B14F-4D97-AF65-F5344CB8AC3E}">
-        <p14:creationId xmlns:p14="http://schemas.microsoft.com/office/powerpoint/2010/main" val="1572216082"/>
-      </p:ext>
-    </p:extLst>
-  </p:cSld>
-  <p:clrMapOvr>
-    <a:masterClrMapping/>
-  </p:clrMapOvr>
-</p:sld>
-</file>
-
-<file path=ppt/slides/slide8.xml><?xml version="1.0" encoding="utf-8"?>
-<p:sld xmlns:a="http://schemas.openxmlformats.org/drawingml/2006/main" xmlns:r="http://schemas.openxmlformats.org/officeDocument/2006/relationships" xmlns:p="http://schemas.openxmlformats.org/presentationml/2006/main">
-  <p:cSld>
-    <p:spTree>
-      <p:nvGrpSpPr>
-        <p:cNvPr id="1" name="">
-          <a:extLst>
-            <a:ext uri="{FF2B5EF4-FFF2-40B4-BE49-F238E27FC236}">
-              <a16:creationId xmlns:a16="http://schemas.microsoft.com/office/drawing/2014/main" id="{BB732E3A-DCEE-2FF1-E8D5-314A7CBD0583}"/>
-            </a:ext>
-          </a:extLst>
-        </p:cNvPr>
-        <p:cNvGrpSpPr/>
-        <p:nvPr/>
-      </p:nvGrpSpPr>
-      <p:grpSpPr>
-        <a:xfrm>
-          <a:off x="0" y="0"/>
-          <a:ext cx="0" cy="0"/>
-          <a:chOff x="0" y="0"/>
-          <a:chExt cx="0" cy="0"/>
-        </a:xfrm>
-      </p:grpSpPr>
-      <p:sp>
-        <p:nvSpPr>
-          <p:cNvPr id="2" name="標題 1">
-            <a:extLst>
-              <a:ext uri="{FF2B5EF4-FFF2-40B4-BE49-F238E27FC236}">
-                <a16:creationId xmlns:a16="http://schemas.microsoft.com/office/drawing/2014/main" id="{32DDE4FA-BD38-C2D1-8CE2-1E077C1087EE}"/>
-              </a:ext>
-            </a:extLst>
-          </p:cNvPr>
-          <p:cNvSpPr>
-            <a:spLocks noGrp="1"/>
-          </p:cNvSpPr>
-          <p:nvPr>
-            <p:ph type="title"/>
-          </p:nvPr>
-        </p:nvSpPr>
-        <p:spPr>
-          <a:xfrm>
-            <a:off x="838200" y="365125"/>
-            <a:ext cx="10515600" cy="978719"/>
-          </a:xfrm>
-        </p:spPr>
-        <p:txBody>
-          <a:bodyPr>
-            <a:normAutofit/>
-          </a:bodyPr>
-          <a:lstStyle/>
-          <a:p>
-            <a:r>
-              <a:rPr lang="en-US" altLang="zh-TW" sz="3200" dirty="0" err="1">
-                <a:latin typeface="標楷體" panose="03000509000000000000" pitchFamily="65" charset="-120"/>
-                <a:ea typeface="標楷體" panose="03000509000000000000" pitchFamily="65" charset="-120"/>
-              </a:rPr>
-              <a:t>findContours</a:t>
-            </a:r>
-            <a:br>
-              <a:rPr lang="en-US" altLang="zh-TW" sz="3200" dirty="0">
-                <a:latin typeface="標楷體" panose="03000509000000000000" pitchFamily="65" charset="-120"/>
-                <a:ea typeface="標楷體" panose="03000509000000000000" pitchFamily="65" charset="-120"/>
-              </a:rPr>
-            </a:br>
-            <a:r>
-              <a:rPr lang="zh-TW" altLang="en-US" sz="3200" dirty="0">
-                <a:latin typeface="標楷體" panose="03000509000000000000" pitchFamily="65" charset="-120"/>
-                <a:ea typeface="標楷體" panose="03000509000000000000" pitchFamily="65" charset="-120"/>
-              </a:rPr>
-              <a:t>計算輪廓</a:t>
-            </a:r>
-          </a:p>
-        </p:txBody>
-      </p:sp>
-      <p:sp>
-        <p:nvSpPr>
-          <p:cNvPr id="3" name="內容版面配置區 2">
-            <a:extLst>
-              <a:ext uri="{FF2B5EF4-FFF2-40B4-BE49-F238E27FC236}">
-                <a16:creationId xmlns:a16="http://schemas.microsoft.com/office/drawing/2014/main" id="{B42A0908-A595-B71E-B4AB-AB2B5D7662C2}"/>
-              </a:ext>
-            </a:extLst>
-          </p:cNvPr>
-          <p:cNvSpPr>
-            <a:spLocks noGrp="1"/>
-          </p:cNvSpPr>
-          <p:nvPr>
-            <p:ph idx="1"/>
-          </p:nvPr>
-        </p:nvSpPr>
-        <p:spPr>
-          <a:xfrm>
-            <a:off x="838200" y="1343844"/>
-            <a:ext cx="10515600" cy="4351338"/>
-          </a:xfrm>
-        </p:spPr>
-        <p:txBody>
-          <a:bodyPr/>
-          <a:lstStyle/>
-          <a:p>
-            <a:r>
-              <a:rPr lang="zh-TW" altLang="en-US" sz="2000" dirty="0">
-                <a:latin typeface="標楷體" panose="03000509000000000000" pitchFamily="65" charset="-120"/>
-                <a:ea typeface="標楷體" panose="03000509000000000000" pitchFamily="65" charset="-120"/>
-              </a:rPr>
-              <a:t>功能描述 </a:t>
-            </a:r>
-            <a:r>
-              <a:rPr lang="en-US" altLang="zh-TW" sz="2000" dirty="0">
-                <a:latin typeface="標楷體" panose="03000509000000000000" pitchFamily="65" charset="-120"/>
-                <a:ea typeface="標楷體" panose="03000509000000000000" pitchFamily="65" charset="-120"/>
-              </a:rPr>
-              <a:t>:</a:t>
-            </a:r>
-            <a:r>
-              <a:rPr lang="zh-TW" altLang="en-US" sz="2000" dirty="0">
-                <a:latin typeface="標楷體" panose="03000509000000000000" pitchFamily="65" charset="-120"/>
-                <a:ea typeface="標楷體" panose="03000509000000000000" pitchFamily="65" charset="-120"/>
-              </a:rPr>
-              <a:t>從二值化圖像中計算輪廓，返回輪廓點座標。</a:t>
-            </a:r>
-            <a:endParaRPr lang="en-US" altLang="zh-TW" sz="2000" dirty="0">
-              <a:latin typeface="標楷體" panose="03000509000000000000" pitchFamily="65" charset="-120"/>
-              <a:ea typeface="標楷體" panose="03000509000000000000" pitchFamily="65" charset="-120"/>
-            </a:endParaRPr>
-          </a:p>
-          <a:p>
-            <a:r>
-              <a:rPr lang="zh-TW" altLang="en-US" sz="2000" dirty="0">
-                <a:latin typeface="標楷體" panose="03000509000000000000" pitchFamily="65" charset="-120"/>
-                <a:ea typeface="標楷體" panose="03000509000000000000" pitchFamily="65" charset="-120"/>
-              </a:rPr>
-              <a:t>函式</a:t>
-            </a:r>
-            <a:r>
-              <a:rPr lang="en-US" altLang="zh-TW" sz="2000" dirty="0">
-                <a:latin typeface="標楷體" panose="03000509000000000000" pitchFamily="65" charset="-120"/>
-                <a:ea typeface="標楷體" panose="03000509000000000000" pitchFamily="65" charset="-120"/>
-              </a:rPr>
-              <a:t>:</a:t>
-            </a:r>
-            <a:r>
-              <a:rPr lang="en-US" altLang="zh-TW" sz="2000" dirty="0">
-                <a:latin typeface="Times New Roman" panose="02020603050405020304" pitchFamily="18" charset="0"/>
-                <a:cs typeface="Times New Roman" panose="02020603050405020304" pitchFamily="18" charset="0"/>
-              </a:rPr>
-              <a:t>def </a:t>
-            </a:r>
-            <a:r>
-              <a:rPr lang="en-US" altLang="zh-TW" sz="2000" dirty="0" err="1">
-                <a:latin typeface="Times New Roman" panose="02020603050405020304" pitchFamily="18" charset="0"/>
-                <a:cs typeface="Times New Roman" panose="02020603050405020304" pitchFamily="18" charset="0"/>
-              </a:rPr>
-              <a:t>find_contours</a:t>
-            </a:r>
-            <a:r>
-              <a:rPr lang="en-US" altLang="zh-TW" sz="2000" dirty="0">
-                <a:latin typeface="Times New Roman" panose="02020603050405020304" pitchFamily="18" charset="0"/>
-                <a:cs typeface="Times New Roman" panose="02020603050405020304" pitchFamily="18" charset="0"/>
-              </a:rPr>
-              <a:t>(</a:t>
-            </a:r>
-            <a:r>
-              <a:rPr lang="en-US" altLang="zh-TW" sz="2000" dirty="0" err="1">
-                <a:latin typeface="Times New Roman" panose="02020603050405020304" pitchFamily="18" charset="0"/>
-                <a:cs typeface="Times New Roman" panose="02020603050405020304" pitchFamily="18" charset="0"/>
-              </a:rPr>
-              <a:t>binary_image</a:t>
-            </a:r>
-            <a:r>
-              <a:rPr lang="en-US" altLang="zh-TW" sz="2000" dirty="0">
-                <a:latin typeface="Times New Roman" panose="02020603050405020304" pitchFamily="18" charset="0"/>
-                <a:cs typeface="Times New Roman" panose="02020603050405020304" pitchFamily="18" charset="0"/>
-              </a:rPr>
-              <a:t>: </a:t>
-            </a:r>
-            <a:r>
-              <a:rPr lang="en-US" altLang="zh-TW" sz="2000" dirty="0" err="1">
-                <a:latin typeface="Times New Roman" panose="02020603050405020304" pitchFamily="18" charset="0"/>
-                <a:cs typeface="Times New Roman" panose="02020603050405020304" pitchFamily="18" charset="0"/>
-              </a:rPr>
-              <a:t>np.ndarray</a:t>
-            </a:r>
-            <a:r>
-              <a:rPr lang="en-US" altLang="zh-TW" sz="2000" dirty="0">
-                <a:latin typeface="Times New Roman" panose="02020603050405020304" pitchFamily="18" charset="0"/>
-                <a:cs typeface="Times New Roman" panose="02020603050405020304" pitchFamily="18" charset="0"/>
-              </a:rPr>
-              <a:t>) -&gt; list:</a:t>
-            </a:r>
-          </a:p>
-          <a:p>
-            <a:endParaRPr lang="en-US" altLang="zh-TW" sz="2000" dirty="0">
-              <a:latin typeface="Times New Roman" panose="02020603050405020304" pitchFamily="18" charset="0"/>
-              <a:cs typeface="Times New Roman" panose="02020603050405020304" pitchFamily="18" charset="0"/>
-            </a:endParaRPr>
-          </a:p>
-          <a:p>
-            <a:pPr marL="0" indent="0">
-              <a:buNone/>
-            </a:pPr>
-            <a:endParaRPr lang="en-US" altLang="zh-TW" sz="2000" dirty="0">
-              <a:latin typeface="Times New Roman" panose="02020603050405020304" pitchFamily="18" charset="0"/>
-              <a:cs typeface="Times New Roman" panose="02020603050405020304" pitchFamily="18" charset="0"/>
-            </a:endParaRPr>
-          </a:p>
-          <a:p>
-            <a:r>
-              <a:rPr lang="zh-TW" altLang="en-US" sz="2000" dirty="0">
-                <a:latin typeface="標楷體" panose="03000509000000000000" pitchFamily="65" charset="-120"/>
-                <a:ea typeface="標楷體" panose="03000509000000000000" pitchFamily="65" charset="-120"/>
-                <a:cs typeface="Times New Roman" panose="02020603050405020304" pitchFamily="18" charset="0"/>
-              </a:rPr>
-              <a:t>返回值</a:t>
-            </a:r>
-            <a:r>
-              <a:rPr lang="en-US" altLang="zh-TW" sz="2000" dirty="0">
-                <a:latin typeface="Times New Roman" panose="02020603050405020304" pitchFamily="18" charset="0"/>
-                <a:cs typeface="Times New Roman" panose="02020603050405020304" pitchFamily="18" charset="0"/>
-              </a:rPr>
-              <a:t>:</a:t>
-            </a:r>
-            <a:r>
-              <a:rPr lang="en-US" altLang="zh-TW" sz="1400" dirty="0"/>
-              <a:t> </a:t>
-            </a:r>
-            <a:r>
-              <a:rPr lang="en-US" altLang="zh-TW" sz="2000" dirty="0">
-                <a:latin typeface="Times New Roman" panose="02020603050405020304" pitchFamily="18" charset="0"/>
-                <a:cs typeface="Times New Roman" panose="02020603050405020304" pitchFamily="18" charset="0"/>
-              </a:rPr>
-              <a:t>list</a:t>
-            </a:r>
-            <a:r>
-              <a:rPr kumimoji="0" lang="zh-TW" altLang="zh-TW" sz="2000" b="0" i="0" u="none" strike="noStrike" cap="none" normalizeH="0" baseline="0" dirty="0">
-                <a:ln>
-                  <a:noFill/>
-                </a:ln>
-                <a:solidFill>
-                  <a:schemeClr val="tx1"/>
-                </a:solidFill>
-                <a:effectLst/>
-                <a:latin typeface="標楷體" panose="03000509000000000000" pitchFamily="65" charset="-120"/>
-                <a:ea typeface="標楷體" panose="03000509000000000000" pitchFamily="65" charset="-120"/>
-              </a:rPr>
-              <a:t>每個輪廓的點座標集，格式為 [[點集1], [點集2], ...]，其中每個點的格式為 (x, y)。 </a:t>
-            </a:r>
-          </a:p>
-          <a:p>
-            <a:endParaRPr lang="en-US" altLang="zh-TW" sz="2000" dirty="0">
-              <a:latin typeface="標楷體" panose="03000509000000000000" pitchFamily="65" charset="-120"/>
-              <a:ea typeface="標楷體" panose="03000509000000000000" pitchFamily="65" charset="-120"/>
-              <a:cs typeface="Times New Roman" panose="02020603050405020304" pitchFamily="18" charset="0"/>
-            </a:endParaRPr>
-          </a:p>
-          <a:p>
-            <a:endParaRPr lang="en-US" altLang="zh-TW" sz="2000" dirty="0">
-              <a:latin typeface="標楷體" panose="03000509000000000000" pitchFamily="65" charset="-120"/>
-              <a:ea typeface="標楷體" panose="03000509000000000000" pitchFamily="65" charset="-120"/>
-            </a:endParaRPr>
-          </a:p>
-          <a:p>
-            <a:endParaRPr lang="en-US" altLang="zh-TW" sz="2000" dirty="0">
-              <a:latin typeface="標楷體" panose="03000509000000000000" pitchFamily="65" charset="-120"/>
-              <a:ea typeface="標楷體" panose="03000509000000000000" pitchFamily="65" charset="-120"/>
-            </a:endParaRPr>
-          </a:p>
-          <a:p>
-            <a:endParaRPr lang="en-US" altLang="zh-TW" sz="2000" dirty="0">
-              <a:latin typeface="標楷體" panose="03000509000000000000" pitchFamily="65" charset="-120"/>
-              <a:ea typeface="標楷體" panose="03000509000000000000" pitchFamily="65" charset="-120"/>
-            </a:endParaRPr>
-          </a:p>
-          <a:p>
-            <a:endParaRPr lang="en-US" altLang="zh-TW" sz="2000" dirty="0">
-              <a:latin typeface="標楷體" panose="03000509000000000000" pitchFamily="65" charset="-120"/>
-              <a:ea typeface="標楷體" panose="03000509000000000000" pitchFamily="65" charset="-120"/>
-            </a:endParaRPr>
-          </a:p>
-          <a:p>
-            <a:endParaRPr lang="zh-TW" altLang="en-US" sz="2000" dirty="0">
-              <a:latin typeface="標楷體" panose="03000509000000000000" pitchFamily="65" charset="-120"/>
-              <a:ea typeface="標楷體" panose="03000509000000000000" pitchFamily="65" charset="-120"/>
-            </a:endParaRPr>
-          </a:p>
-        </p:txBody>
-      </p:sp>
-      <p:graphicFrame>
-        <p:nvGraphicFramePr>
-          <p:cNvPr id="4" name="表格 8">
-            <a:extLst>
-              <a:ext uri="{FF2B5EF4-FFF2-40B4-BE49-F238E27FC236}">
-                <a16:creationId xmlns:a16="http://schemas.microsoft.com/office/drawing/2014/main" id="{5398520F-CBF1-528D-1BC3-8760808C0B24}"/>
-              </a:ext>
-            </a:extLst>
-          </p:cNvPr>
-          <p:cNvGraphicFramePr>
-            <a:graphicFrameLocks noGrp="1"/>
-          </p:cNvGraphicFramePr>
-          <p:nvPr>
-            <p:extLst>
-              <p:ext uri="{D42A27DB-BD31-4B8C-83A1-F6EECF244321}">
-                <p14:modId xmlns:p14="http://schemas.microsoft.com/office/powerpoint/2010/main" val="1905725092"/>
-              </p:ext>
-            </p:extLst>
-          </p:nvPr>
-        </p:nvGraphicFramePr>
-        <p:xfrm>
-          <a:off x="1164473" y="2230487"/>
-          <a:ext cx="10929258" cy="732284"/>
-        </p:xfrm>
-        <a:graphic>
-          <a:graphicData uri="http://schemas.openxmlformats.org/drawingml/2006/table">
-            <a:tbl>
-              <a:tblPr firstRow="1" bandRow="1">
-                <a:tableStyleId>{5C22544A-7EE6-4342-B048-85BDC9FD1C3A}</a:tableStyleId>
-              </a:tblPr>
-              <a:tblGrid>
-                <a:gridCol w="3224414">
-                  <a:extLst>
-                    <a:ext uri="{9D8B030D-6E8A-4147-A177-3AD203B41FA5}">
-                      <a16:colId xmlns:a16="http://schemas.microsoft.com/office/drawing/2014/main" val="175491985"/>
-                    </a:ext>
-                  </a:extLst>
-                </a:gridCol>
-                <a:gridCol w="1618624">
-                  <a:extLst>
-                    <a:ext uri="{9D8B030D-6E8A-4147-A177-3AD203B41FA5}">
-                      <a16:colId xmlns:a16="http://schemas.microsoft.com/office/drawing/2014/main" val="822259094"/>
-                    </a:ext>
-                  </a:extLst>
-                </a:gridCol>
-                <a:gridCol w="6086220">
-                  <a:extLst>
-                    <a:ext uri="{9D8B030D-6E8A-4147-A177-3AD203B41FA5}">
-                      <a16:colId xmlns:a16="http://schemas.microsoft.com/office/drawing/2014/main" val="4104166654"/>
-                    </a:ext>
-                  </a:extLst>
-                </a:gridCol>
-              </a:tblGrid>
-              <a:tr h="298300">
-                <a:tc>
-                  <a:txBody>
-                    <a:bodyPr/>
-                    <a:lstStyle/>
-                    <a:p>
-                      <a:r>
-                        <a:rPr lang="zh-TW" altLang="en-US" sz="1200" baseline="0" dirty="0">
-                          <a:latin typeface="標楷體" panose="03000509000000000000" pitchFamily="65" charset="-120"/>
-                          <a:ea typeface="標楷體" panose="03000509000000000000" pitchFamily="65" charset="-120"/>
-                        </a:rPr>
-                        <a:t>參數</a:t>
-                      </a:r>
-                    </a:p>
-                  </a:txBody>
-                  <a:tcPr/>
-                </a:tc>
-                <a:tc>
-                  <a:txBody>
-                    <a:bodyPr/>
-                    <a:lstStyle/>
-                    <a:p>
-                      <a:r>
-                        <a:rPr lang="zh-TW" altLang="en-US" sz="1200" baseline="0" dirty="0">
-                          <a:latin typeface="標楷體" panose="03000509000000000000" pitchFamily="65" charset="-120"/>
-                          <a:ea typeface="標楷體" panose="03000509000000000000" pitchFamily="65" charset="-120"/>
-                        </a:rPr>
-                        <a:t>類型</a:t>
-                      </a:r>
-                    </a:p>
-                  </a:txBody>
-                  <a:tcPr/>
-                </a:tc>
-                <a:tc>
-                  <a:txBody>
-                    <a:bodyPr/>
-                    <a:lstStyle/>
-                    <a:p>
-                      <a:r>
-                        <a:rPr lang="zh-TW" altLang="en-US" sz="1200" baseline="0" dirty="0">
-                          <a:latin typeface="標楷體" panose="03000509000000000000" pitchFamily="65" charset="-120"/>
-                          <a:ea typeface="標楷體" panose="03000509000000000000" pitchFamily="65" charset="-120"/>
-                        </a:rPr>
-                        <a:t>說明</a:t>
-                      </a:r>
-                    </a:p>
-                  </a:txBody>
-                  <a:tcPr/>
-                </a:tc>
-                <a:extLst>
-                  <a:ext uri="{0D108BD9-81ED-4DB2-BD59-A6C34878D82A}">
-                    <a16:rowId xmlns:a16="http://schemas.microsoft.com/office/drawing/2014/main" val="3131740815"/>
-                  </a:ext>
-                </a:extLst>
-              </a:tr>
-              <a:tr h="433984">
-                <a:tc>
-                  <a:txBody>
-                    <a:bodyPr/>
-                    <a:lstStyle/>
-                    <a:p>
-                      <a:r>
-                        <a:rPr lang="en-US" altLang="zh-TW" sz="1400" dirty="0" err="1"/>
-                        <a:t>binary_image</a:t>
-                      </a:r>
-                      <a:endParaRPr lang="en-US" altLang="zh-TW" sz="1400" baseline="0" dirty="0">
-                        <a:latin typeface="Times New Roman" panose="02020603050405020304" pitchFamily="18" charset="0"/>
-                        <a:ea typeface="標楷體" panose="03000509000000000000" pitchFamily="65" charset="-120"/>
-                        <a:cs typeface="Times New Roman" panose="02020603050405020304" pitchFamily="18" charset="0"/>
-                      </a:endParaRPr>
-                    </a:p>
-                  </a:txBody>
-                  <a:tcPr/>
-                </a:tc>
-                <a:tc>
-                  <a:txBody>
-                    <a:bodyPr/>
-                    <a:lstStyle/>
-                    <a:p>
-                      <a:r>
-                        <a:rPr lang="en-US" altLang="zh-TW" sz="1400" dirty="0" err="1">
-                          <a:latin typeface="Times New Roman" panose="02020603050405020304" pitchFamily="18" charset="0"/>
-                          <a:cs typeface="Times New Roman" panose="02020603050405020304" pitchFamily="18" charset="0"/>
-                        </a:rPr>
-                        <a:t>np.ndarray</a:t>
-                      </a:r>
-                      <a:endParaRPr lang="zh-TW" altLang="en-US" sz="1400" baseline="0" dirty="0">
-                        <a:latin typeface="Times New Roman" panose="02020603050405020304" pitchFamily="18" charset="0"/>
-                        <a:ea typeface="標楷體" panose="03000509000000000000" pitchFamily="65" charset="-120"/>
-                        <a:cs typeface="Times New Roman" panose="02020603050405020304" pitchFamily="18" charset="0"/>
-                      </a:endParaRPr>
-                    </a:p>
-                  </a:txBody>
-                  <a:tcPr/>
-                </a:tc>
-                <a:tc>
-                  <a:txBody>
-                    <a:bodyPr/>
-                    <a:lstStyle/>
-                    <a:p>
-                      <a:r>
-                        <a:rPr lang="zh-TW" altLang="en-US" sz="1400" dirty="0"/>
-                        <a:t>輸入的二值化影像數據（</a:t>
-                      </a:r>
-                      <a:r>
-                        <a:rPr lang="en-US" altLang="zh-TW" sz="1400" dirty="0" err="1"/>
-                        <a:t>np.ndarray</a:t>
-                      </a:r>
-                      <a:r>
-                        <a:rPr lang="zh-TW" altLang="en-US" sz="1400" dirty="0"/>
-                        <a:t>，像素值為 </a:t>
-                      </a:r>
-                      <a:r>
-                        <a:rPr lang="en-US" altLang="zh-TW" sz="1400" dirty="0"/>
-                        <a:t>0 </a:t>
-                      </a:r>
-                      <a:r>
-                        <a:rPr lang="zh-TW" altLang="en-US" sz="1400" dirty="0"/>
-                        <a:t>或 </a:t>
-                      </a:r>
-                      <a:r>
-                        <a:rPr lang="en-US" altLang="zh-TW" sz="1400" dirty="0"/>
-                        <a:t>255</a:t>
-                      </a:r>
-                      <a:r>
-                        <a:rPr lang="zh-TW" altLang="en-US" sz="1400" dirty="0"/>
-                        <a:t>）</a:t>
-                      </a:r>
-                      <a:endParaRPr lang="zh-TW" altLang="en-US" sz="1400" baseline="0" dirty="0">
-                        <a:latin typeface="標楷體" panose="03000509000000000000" pitchFamily="65" charset="-120"/>
-                        <a:ea typeface="標楷體" panose="03000509000000000000" pitchFamily="65" charset="-120"/>
-                        <a:cs typeface="Times New Roman" panose="02020603050405020304" pitchFamily="18" charset="0"/>
-                      </a:endParaRPr>
-                    </a:p>
-                  </a:txBody>
-                  <a:tcPr/>
-                </a:tc>
-                <a:extLst>
-                  <a:ext uri="{0D108BD9-81ED-4DB2-BD59-A6C34878D82A}">
-                    <a16:rowId xmlns:a16="http://schemas.microsoft.com/office/drawing/2014/main" val="2878939569"/>
-                  </a:ext>
-                </a:extLst>
-              </a:tr>
-            </a:tbl>
-          </a:graphicData>
-        </a:graphic>
-      </p:graphicFrame>
-    </p:spTree>
-    <p:extLst>
-      <p:ext uri="{BB962C8B-B14F-4D97-AF65-F5344CB8AC3E}">
-        <p14:creationId xmlns:p14="http://schemas.microsoft.com/office/powerpoint/2010/main" val="3671679710"/>
+        <p14:creationId xmlns:p14="http://schemas.microsoft.com/office/powerpoint/2010/main" val="3873821193"/>
       </p:ext>
     </p:extLst>
   </p:cSld>
